--- a/data_presentation.pptx
+++ b/data_presentation.pptx
@@ -4301,14 +4301,14 @@
               <a:t>download this presentation:</a:t>
             </a:r>
             <a:br>
-              <a:rPr lang="en-US">
+              <a:rPr lang="en-US" dirty="0">
                 <a:solidFill>
                   <a:schemeClr val="bg1"/>
                 </a:solidFill>
               </a:rPr>
             </a:br>
             <a:r>
-              <a:rPr lang="en-US">
+              <a:rPr lang="en-US" dirty="0">
                 <a:solidFill>
                   <a:schemeClr val="bg1"/>
                 </a:solidFill>
@@ -4329,7 +4329,7 @@
                   <a:schemeClr val="bg1"/>
                 </a:solidFill>
               </a:rPr>
-              <a:t>/2Ob0aGQ</a:t>
+              <a:t>/2QibXDA</a:t>
             </a:r>
             <a:br>
               <a:rPr lang="en-US" dirty="0">

--- a/data_presentation.pptx
+++ b/data_presentation.pptx
@@ -316,7 +316,7 @@
           <a:p>
             <a:fld id="{6BFECD78-3C8E-49F2-8FAB-59489D168ABB}" type="datetimeFigureOut">
               <a:rPr lang="en-US" smtClean="0"/>
-              <a:t>11/26/18</a:t>
+              <a:t>11/27/18</a:t>
             </a:fld>
             <a:endParaRPr lang="en-US"/>
           </a:p>
@@ -484,7 +484,7 @@
           <a:p>
             <a:fld id="{6BFECD78-3C8E-49F2-8FAB-59489D168ABB}" type="datetimeFigureOut">
               <a:rPr lang="en-US" smtClean="0"/>
-              <a:t>11/26/18</a:t>
+              <a:t>11/27/18</a:t>
             </a:fld>
             <a:endParaRPr lang="en-US"/>
           </a:p>
@@ -662,7 +662,7 @@
           <a:p>
             <a:fld id="{6BFECD78-3C8E-49F2-8FAB-59489D168ABB}" type="datetimeFigureOut">
               <a:rPr lang="en-US" smtClean="0"/>
-              <a:t>11/26/18</a:t>
+              <a:t>11/27/18</a:t>
             </a:fld>
             <a:endParaRPr lang="en-US"/>
           </a:p>
@@ -830,7 +830,7 @@
           <a:p>
             <a:fld id="{6BFECD78-3C8E-49F2-8FAB-59489D168ABB}" type="datetimeFigureOut">
               <a:rPr lang="en-US" smtClean="0"/>
-              <a:t>11/26/18</a:t>
+              <a:t>11/27/18</a:t>
             </a:fld>
             <a:endParaRPr lang="en-US"/>
           </a:p>
@@ -1075,7 +1075,7 @@
           <a:p>
             <a:fld id="{6BFECD78-3C8E-49F2-8FAB-59489D168ABB}" type="datetimeFigureOut">
               <a:rPr lang="en-US" smtClean="0"/>
-              <a:t>11/26/18</a:t>
+              <a:t>11/27/18</a:t>
             </a:fld>
             <a:endParaRPr lang="en-US"/>
           </a:p>
@@ -1360,7 +1360,7 @@
           <a:p>
             <a:fld id="{6BFECD78-3C8E-49F2-8FAB-59489D168ABB}" type="datetimeFigureOut">
               <a:rPr lang="en-US" smtClean="0"/>
-              <a:t>11/26/18</a:t>
+              <a:t>11/27/18</a:t>
             </a:fld>
             <a:endParaRPr lang="en-US"/>
           </a:p>
@@ -1779,7 +1779,7 @@
           <a:p>
             <a:fld id="{6BFECD78-3C8E-49F2-8FAB-59489D168ABB}" type="datetimeFigureOut">
               <a:rPr lang="en-US" smtClean="0"/>
-              <a:t>11/26/18</a:t>
+              <a:t>11/27/18</a:t>
             </a:fld>
             <a:endParaRPr lang="en-US"/>
           </a:p>
@@ -1896,7 +1896,7 @@
           <a:p>
             <a:fld id="{6BFECD78-3C8E-49F2-8FAB-59489D168ABB}" type="datetimeFigureOut">
               <a:rPr lang="en-US" smtClean="0"/>
-              <a:t>11/26/18</a:t>
+              <a:t>11/27/18</a:t>
             </a:fld>
             <a:endParaRPr lang="en-US"/>
           </a:p>
@@ -1991,7 +1991,7 @@
           <a:p>
             <a:fld id="{6BFECD78-3C8E-49F2-8FAB-59489D168ABB}" type="datetimeFigureOut">
               <a:rPr lang="en-US" smtClean="0"/>
-              <a:t>11/26/18</a:t>
+              <a:t>11/27/18</a:t>
             </a:fld>
             <a:endParaRPr lang="en-US"/>
           </a:p>
@@ -2266,7 +2266,7 @@
           <a:p>
             <a:fld id="{6BFECD78-3C8E-49F2-8FAB-59489D168ABB}" type="datetimeFigureOut">
               <a:rPr lang="en-US" smtClean="0"/>
-              <a:t>11/26/18</a:t>
+              <a:t>11/27/18</a:t>
             </a:fld>
             <a:endParaRPr lang="en-US"/>
           </a:p>
@@ -2521,7 +2521,7 @@
           <a:p>
             <a:fld id="{6BFECD78-3C8E-49F2-8FAB-59489D168ABB}" type="datetimeFigureOut">
               <a:rPr lang="en-US" smtClean="0"/>
-              <a:t>11/26/18</a:t>
+              <a:t>11/27/18</a:t>
             </a:fld>
             <a:endParaRPr lang="en-US"/>
           </a:p>
@@ -2732,7 +2732,7 @@
           <a:p>
             <a:fld id="{6BFECD78-3C8E-49F2-8FAB-59489D168ABB}" type="datetimeFigureOut">
               <a:rPr lang="en-US" smtClean="0"/>
-              <a:t>11/26/18</a:t>
+              <a:t>11/27/18</a:t>
             </a:fld>
             <a:endParaRPr lang="en-US"/>
           </a:p>
@@ -5200,7 +5200,7 @@
                   </a:extLst>
                 </a:hlinkClick>
               </a:rPr>
-              <a:t>Minnesota's suicide rate has been rising steadily for nearly two decades</a:t>
+              <a:t>A deeper look at Minneapolis crime rates</a:t>
             </a:r>
             <a:r>
               <a:rPr lang="en-US" sz="4000" dirty="0">

--- a/data_presentation.pptx
+++ b/data_presentation.pptx
@@ -10,9 +10,9 @@
     <p:sldId id="257" r:id="rId4"/>
     <p:sldId id="258" r:id="rId5"/>
     <p:sldId id="259" r:id="rId6"/>
-    <p:sldId id="260" r:id="rId7"/>
-    <p:sldId id="261" r:id="rId8"/>
-    <p:sldId id="262" r:id="rId9"/>
+    <p:sldId id="261" r:id="rId7"/>
+    <p:sldId id="262" r:id="rId8"/>
+    <p:sldId id="260" r:id="rId9"/>
     <p:sldId id="263" r:id="rId10"/>
     <p:sldId id="264" r:id="rId11"/>
     <p:sldId id="265" r:id="rId12"/>
@@ -3486,17 +3486,41 @@
         </p:spPr>
         <p:txBody>
           <a:bodyPr>
-            <a:normAutofit fontScale="77500" lnSpcReduction="20000"/>
+            <a:normAutofit fontScale="92500" lnSpcReduction="20000"/>
           </a:bodyPr>
           <a:lstStyle/>
           <a:p>
             <a:r>
-              <a:rPr lang="en-US" dirty="0">
-                <a:solidFill>
-                  <a:schemeClr val="bg1"/>
-                </a:solidFill>
-              </a:rPr>
-              <a:t>Tons of data tools | </a:t>
+              <a:rPr lang="en-US" dirty="0" err="1">
+                <a:solidFill>
+                  <a:schemeClr val="bg1"/>
+                </a:solidFill>
+              </a:rPr>
+              <a:t>StribLab</a:t>
+            </a:r>
+            <a:r>
+              <a:rPr lang="en-US" dirty="0">
+                <a:solidFill>
+                  <a:schemeClr val="bg1"/>
+                </a:solidFill>
+              </a:rPr>
+              <a:t> </a:t>
+            </a:r>
+            <a:r>
+              <a:rPr lang="en-US" dirty="0" err="1">
+                <a:solidFill>
+                  <a:schemeClr val="bg1"/>
+                </a:solidFill>
+              </a:rPr>
+              <a:t>Github</a:t>
+            </a:r>
+            <a:r>
+              <a:rPr lang="en-US" dirty="0">
+                <a:solidFill>
+                  <a:schemeClr val="bg1"/>
+                </a:solidFill>
+              </a:rPr>
+              <a:t> | </a:t>
             </a:r>
             <a:r>
               <a:rPr lang="en-US" dirty="0">
@@ -3520,9 +3544,6 @@
             </a:endParaRPr>
           </a:p>
           <a:p>
-            <a:pPr marL="0" indent="0">
-              <a:buNone/>
-            </a:pPr>
             <a:endParaRPr lang="en-US" dirty="0">
               <a:solidFill>
                 <a:schemeClr val="bg1"/>
@@ -3531,36 +3552,12 @@
           </a:p>
           <a:p>
             <a:r>
-              <a:rPr lang="en-US" dirty="0" err="1">
-                <a:solidFill>
-                  <a:schemeClr val="bg1"/>
-                </a:solidFill>
-              </a:rPr>
-              <a:t>StribLab</a:t>
-            </a:r>
-            <a:r>
-              <a:rPr lang="en-US" dirty="0">
-                <a:solidFill>
-                  <a:schemeClr val="bg1"/>
-                </a:solidFill>
-              </a:rPr>
-              <a:t> </a:t>
-            </a:r>
-            <a:r>
-              <a:rPr lang="en-US" dirty="0" err="1">
-                <a:solidFill>
-                  <a:schemeClr val="bg1"/>
-                </a:solidFill>
-              </a:rPr>
-              <a:t>Github</a:t>
-            </a:r>
-            <a:r>
-              <a:rPr lang="en-US" dirty="0">
-                <a:solidFill>
-                  <a:schemeClr val="bg1"/>
-                </a:solidFill>
-              </a:rPr>
-              <a:t> | </a:t>
+              <a:rPr lang="en-US" dirty="0">
+                <a:solidFill>
+                  <a:schemeClr val="bg1"/>
+                </a:solidFill>
+              </a:rPr>
+              <a:t>Tabula | </a:t>
             </a:r>
             <a:r>
               <a:rPr lang="en-US" dirty="0">
@@ -3584,6 +3581,22 @@
             </a:endParaRPr>
           </a:p>
           <a:p>
+            <a:pPr marL="0" indent="0">
+              <a:buNone/>
+            </a:pPr>
+            <a:r>
+              <a:rPr lang="en-US" dirty="0">
+                <a:solidFill>
+                  <a:schemeClr val="bg1"/>
+                </a:solidFill>
+              </a:rPr>
+              <a:t>Turn PDFs into spreadsheets</a:t>
+            </a:r>
+          </a:p>
+          <a:p>
+            <a:pPr marL="0" indent="0">
+              <a:buNone/>
+            </a:pPr>
             <a:endParaRPr lang="en-US" dirty="0">
               <a:solidFill>
                 <a:schemeClr val="bg1"/>
@@ -3597,7 +3610,7 @@
                   <a:schemeClr val="bg1"/>
                 </a:solidFill>
               </a:rPr>
-              <a:t>Tabula | </a:t>
+              <a:t>The Data Visualization Catalogue | </a:t>
             </a:r>
             <a:r>
               <a:rPr lang="en-US" dirty="0">
@@ -3630,7 +3643,23 @@
                   <a:schemeClr val="bg1"/>
                 </a:solidFill>
               </a:rPr>
-              <a:t>Turn PDFs into spreadsheets</a:t>
+              <a:t>What </a:t>
+            </a:r>
+            <a:r>
+              <a:rPr lang="en-US" dirty="0" err="1">
+                <a:solidFill>
+                  <a:schemeClr val="bg1"/>
+                </a:solidFill>
+              </a:rPr>
+              <a:t>dataviz</a:t>
+            </a:r>
+            <a:r>
+              <a:rPr lang="en-US" dirty="0">
+                <a:solidFill>
+                  <a:schemeClr val="bg1"/>
+                </a:solidFill>
+              </a:rPr>
+              <a:t> to use for what purpose</a:t>
             </a:r>
           </a:p>
           <a:p>
@@ -3650,23 +3679,7 @@
                   <a:schemeClr val="bg1"/>
                 </a:solidFill>
               </a:rPr>
-              <a:t>The Data </a:t>
-            </a:r>
-            <a:r>
-              <a:rPr lang="en-US" dirty="0" err="1">
-                <a:solidFill>
-                  <a:schemeClr val="bg1"/>
-                </a:solidFill>
-              </a:rPr>
-              <a:t>Visualisation</a:t>
-            </a:r>
-            <a:r>
-              <a:rPr lang="en-US" dirty="0">
-                <a:solidFill>
-                  <a:schemeClr val="bg1"/>
-                </a:solidFill>
-              </a:rPr>
-              <a:t> Catalogue | </a:t>
+              <a:t>Visual Vocabulary | </a:t>
             </a:r>
             <a:r>
               <a:rPr lang="en-US" dirty="0">
@@ -3674,75 +3687,6 @@
                   <a:schemeClr val="bg1"/>
                 </a:solidFill>
                 <a:hlinkClick r:id="rId5">
-                  <a:extLst>
-                    <a:ext uri="{A12FA001-AC4F-418D-AE19-62706E023703}">
-                      <ahyp:hlinkClr xmlns:ahyp="http://schemas.microsoft.com/office/drawing/2018/hyperlinkcolor" val="tx"/>
-                    </a:ext>
-                  </a:extLst>
-                </a:hlinkClick>
-              </a:rPr>
-              <a:t>Link</a:t>
-            </a:r>
-            <a:endParaRPr lang="en-US" dirty="0">
-              <a:solidFill>
-                <a:schemeClr val="bg1"/>
-              </a:solidFill>
-            </a:endParaRPr>
-          </a:p>
-          <a:p>
-            <a:pPr marL="0" indent="0">
-              <a:buNone/>
-            </a:pPr>
-            <a:r>
-              <a:rPr lang="en-US" dirty="0">
-                <a:solidFill>
-                  <a:schemeClr val="bg1"/>
-                </a:solidFill>
-              </a:rPr>
-              <a:t>What </a:t>
-            </a:r>
-            <a:r>
-              <a:rPr lang="en-US" dirty="0" err="1">
-                <a:solidFill>
-                  <a:schemeClr val="bg1"/>
-                </a:solidFill>
-              </a:rPr>
-              <a:t>dataviz</a:t>
-            </a:r>
-            <a:r>
-              <a:rPr lang="en-US" dirty="0">
-                <a:solidFill>
-                  <a:schemeClr val="bg1"/>
-                </a:solidFill>
-              </a:rPr>
-              <a:t> to use for what purpose</a:t>
-            </a:r>
-          </a:p>
-          <a:p>
-            <a:pPr marL="0" indent="0">
-              <a:buNone/>
-            </a:pPr>
-            <a:endParaRPr lang="en-US" dirty="0">
-              <a:solidFill>
-                <a:schemeClr val="bg1"/>
-              </a:solidFill>
-            </a:endParaRPr>
-          </a:p>
-          <a:p>
-            <a:r>
-              <a:rPr lang="en-US" dirty="0">
-                <a:solidFill>
-                  <a:schemeClr val="bg1"/>
-                </a:solidFill>
-              </a:rPr>
-              <a:t>Visual Vocabulary | </a:t>
-            </a:r>
-            <a:r>
-              <a:rPr lang="en-US" dirty="0">
-                <a:solidFill>
-                  <a:schemeClr val="bg1"/>
-                </a:solidFill>
-                <a:hlinkClick r:id="rId6">
                   <a:extLst>
                     <a:ext uri="{A12FA001-AC4F-418D-AE19-62706E023703}">
                       <ahyp:hlinkClr xmlns:ahyp="http://schemas.microsoft.com/office/drawing/2018/hyperlinkcolor" val="tx"/>
@@ -5051,27 +4995,19 @@
           </p:nvPr>
         </p:nvSpPr>
         <p:spPr/>
-        <p:style>
-          <a:lnRef idx="2">
-            <a:schemeClr val="dk1"/>
-          </a:lnRef>
-          <a:fillRef idx="1">
-            <a:schemeClr val="lt1"/>
-          </a:fillRef>
-          <a:effectRef idx="0">
-            <a:schemeClr val="dk1"/>
-          </a:effectRef>
-          <a:fontRef idx="minor">
-            <a:schemeClr val="dk1"/>
-          </a:fontRef>
-        </p:style>
-        <p:txBody>
-          <a:bodyPr/>
-          <a:lstStyle/>
-          <a:p>
-            <a:r>
-              <a:rPr lang="en-US" dirty="0"/>
-              <a:t>Examples</a:t>
+        <p:txBody>
+          <a:bodyPr>
+            <a:normAutofit/>
+          </a:bodyPr>
+          <a:lstStyle/>
+          <a:p>
+            <a:r>
+              <a:rPr lang="en-US" dirty="0">
+                <a:solidFill>
+                  <a:schemeClr val="bg1"/>
+                </a:solidFill>
+              </a:rPr>
+              <a:t>Spreadsheets are key</a:t>
             </a:r>
           </a:p>
         </p:txBody>
@@ -5086,55 +5022,23 @@
             <p:ph idx="1"/>
           </p:nvPr>
         </p:nvSpPr>
-        <p:spPr>
-          <a:xfrm>
-            <a:off x="457200" y="1600200"/>
-            <a:ext cx="4186719" cy="4790326"/>
-          </a:xfrm>
-        </p:spPr>
-        <p:style>
-          <a:lnRef idx="2">
-            <a:schemeClr val="dk1"/>
-          </a:lnRef>
-          <a:fillRef idx="1">
-            <a:schemeClr val="lt1"/>
-          </a:fillRef>
-          <a:effectRef idx="0">
-            <a:schemeClr val="dk1"/>
-          </a:effectRef>
-          <a:fontRef idx="minor">
-            <a:schemeClr val="dk1"/>
-          </a:fontRef>
-        </p:style>
+        <p:spPr/>
         <p:txBody>
           <a:bodyPr>
-            <a:normAutofit fontScale="25000" lnSpcReduction="20000"/>
+            <a:normAutofit fontScale="92500" lnSpcReduction="20000"/>
           </a:bodyPr>
           <a:lstStyle/>
           <a:p>
-            <a:pPr marL="0" indent="0">
-              <a:buNone/>
-            </a:pPr>
-            <a:r>
-              <a:rPr lang="en-US" sz="4000" b="1" dirty="0">
-                <a:solidFill>
-                  <a:schemeClr val="bg1"/>
-                </a:solidFill>
-              </a:rPr>
-              <a:t>Daily Stories</a:t>
-            </a:r>
-            <a:endParaRPr lang="en-US" sz="4000" dirty="0">
-              <a:solidFill>
-                <a:schemeClr val="bg1"/>
-              </a:solidFill>
-            </a:endParaRPr>
-          </a:p>
-          <a:p>
-            <a:pPr marL="0" indent="0">
-              <a:buNone/>
-            </a:pPr>
-            <a:r>
-              <a:rPr lang="en-US" sz="4000" u="sng" dirty="0">
+            <a:r>
+              <a:rPr lang="en-US" dirty="0">
+                <a:solidFill>
+                  <a:schemeClr val="bg1"/>
+                </a:solidFill>
+              </a:rPr>
+              <a:t>Pick a spreadsheet. Excel is nice, but Google Sheets works very well too. </a:t>
+            </a:r>
+            <a:r>
+              <a:rPr lang="en-US" dirty="0">
                 <a:solidFill>
                   <a:schemeClr val="bg1"/>
                 </a:solidFill>
@@ -5146,385 +5050,16 @@
                   </a:extLst>
                 </a:hlinkClick>
               </a:rPr>
-              <a:t>Edina's drunken-driving arrests show increased focus on state highways</a:t>
-            </a:r>
-            <a:r>
-              <a:rPr lang="en-US" sz="4000" dirty="0">
-                <a:solidFill>
-                  <a:schemeClr val="bg1"/>
-                </a:solidFill>
-              </a:rPr>
-              <a:t> </a:t>
-            </a:r>
-          </a:p>
-          <a:p>
-            <a:pPr marL="0" indent="0">
-              <a:buNone/>
-            </a:pPr>
-            <a:r>
-              <a:rPr lang="en-US" sz="4000" dirty="0">
-                <a:solidFill>
-                  <a:schemeClr val="bg1"/>
-                </a:solidFill>
-              </a:rPr>
-              <a:t>An example of finding daily stories we otherwise might not</a:t>
-            </a:r>
-          </a:p>
-          <a:p>
-            <a:pPr marL="0" indent="0">
-              <a:buNone/>
-            </a:pPr>
-            <a:r>
-              <a:rPr lang="en-US" sz="4000" dirty="0">
-                <a:solidFill>
-                  <a:schemeClr val="bg1"/>
-                </a:solidFill>
-              </a:rPr>
-              <a:t> </a:t>
-            </a:r>
-          </a:p>
-          <a:p>
-            <a:pPr marL="0" indent="0">
-              <a:buNone/>
-            </a:pPr>
-            <a:r>
-              <a:rPr lang="en-US" sz="4000" u="sng" dirty="0">
-                <a:solidFill>
-                  <a:schemeClr val="bg1"/>
-                </a:solidFill>
-                <a:hlinkClick r:id="rId3">
-                  <a:extLst>
-                    <a:ext uri="{A12FA001-AC4F-418D-AE19-62706E023703}">
-                      <ahyp:hlinkClr xmlns:ahyp="http://schemas.microsoft.com/office/drawing/2018/hyperlinkcolor" val="tx"/>
-                    </a:ext>
-                  </a:extLst>
-                </a:hlinkClick>
-              </a:rPr>
-              <a:t>A deeper look at Minneapolis crime rates</a:t>
-            </a:r>
-            <a:r>
-              <a:rPr lang="en-US" sz="4000" dirty="0">
-                <a:solidFill>
-                  <a:schemeClr val="bg1"/>
-                </a:solidFill>
-              </a:rPr>
-              <a:t> </a:t>
-            </a:r>
-          </a:p>
-          <a:p>
-            <a:pPr marL="0" indent="0">
-              <a:buNone/>
-            </a:pPr>
-            <a:r>
-              <a:rPr lang="en-US" sz="4000" dirty="0">
-                <a:solidFill>
-                  <a:schemeClr val="bg1"/>
-                </a:solidFill>
-              </a:rPr>
-              <a:t>An example of stringing spot stories together into a single trend piece</a:t>
-            </a:r>
-          </a:p>
-          <a:p>
-            <a:pPr marL="0" indent="0">
-              <a:buNone/>
-            </a:pPr>
-            <a:r>
-              <a:rPr lang="en-US" sz="4000" dirty="0">
-                <a:solidFill>
-                  <a:schemeClr val="bg1"/>
-                </a:solidFill>
-              </a:rPr>
-              <a:t> </a:t>
-            </a:r>
-          </a:p>
-          <a:p>
-            <a:pPr marL="0" indent="0">
-              <a:buNone/>
-            </a:pPr>
-            <a:r>
-              <a:rPr lang="en-US" sz="4000" u="sng" dirty="0">
-                <a:solidFill>
-                  <a:schemeClr val="bg1"/>
-                </a:solidFill>
-                <a:hlinkClick r:id="rId4">
-                  <a:extLst>
-                    <a:ext uri="{A12FA001-AC4F-418D-AE19-62706E023703}">
-                      <ahyp:hlinkClr xmlns:ahyp="http://schemas.microsoft.com/office/drawing/2018/hyperlinkcolor" val="tx"/>
-                    </a:ext>
-                  </a:extLst>
-                </a:hlinkClick>
-              </a:rPr>
-              <a:t>What’s behind greater Minnesota’s economic recovery?</a:t>
-            </a:r>
-            <a:r>
-              <a:rPr lang="en-US" sz="4000" dirty="0">
-                <a:solidFill>
-                  <a:schemeClr val="bg1"/>
-                </a:solidFill>
-              </a:rPr>
-              <a:t> </a:t>
-            </a:r>
-          </a:p>
-          <a:p>
-            <a:pPr marL="0" indent="0">
-              <a:buNone/>
-            </a:pPr>
-            <a:r>
-              <a:rPr lang="en-US" sz="4000" dirty="0">
-                <a:solidFill>
-                  <a:schemeClr val="bg1"/>
-                </a:solidFill>
-              </a:rPr>
-              <a:t>An example of using data to challenge a common talking point</a:t>
-            </a:r>
-          </a:p>
-          <a:p>
-            <a:pPr marL="0" indent="0">
-              <a:buNone/>
-            </a:pPr>
-            <a:br>
-              <a:rPr lang="en-US" sz="4000" dirty="0">
-                <a:solidFill>
-                  <a:schemeClr val="bg1"/>
-                </a:solidFill>
-              </a:rPr>
-            </a:br>
-            <a:endParaRPr lang="en-US" sz="4000" dirty="0">
-              <a:solidFill>
-                <a:schemeClr val="bg1"/>
-              </a:solidFill>
-            </a:endParaRPr>
-          </a:p>
-          <a:p>
-            <a:pPr marL="0" indent="0">
-              <a:buNone/>
-            </a:pPr>
-            <a:r>
-              <a:rPr lang="en-US" sz="4000" b="1" dirty="0">
-                <a:solidFill>
-                  <a:schemeClr val="bg1"/>
-                </a:solidFill>
-              </a:rPr>
-              <a:t>Elections/Politics</a:t>
-            </a:r>
-          </a:p>
-          <a:p>
-            <a:pPr marL="0" indent="0">
-              <a:buNone/>
-            </a:pPr>
-            <a:r>
-              <a:rPr lang="en-US" sz="4000" dirty="0">
-                <a:solidFill>
-                  <a:schemeClr val="bg1"/>
-                </a:solidFill>
-                <a:hlinkClick r:id="rId5">
-                  <a:extLst>
-                    <a:ext uri="{A12FA001-AC4F-418D-AE19-62706E023703}">
-                      <ahyp:hlinkClr xmlns:ahyp="http://schemas.microsoft.com/office/drawing/2018/hyperlinkcolor" val="tx"/>
-                    </a:ext>
-                  </a:extLst>
-                </a:hlinkClick>
-              </a:rPr>
-              <a:t>How Minnesota's battleground districts shifted in the 2018 midterm</a:t>
-            </a:r>
-            <a:endParaRPr lang="en-US" sz="4000" dirty="0">
-              <a:solidFill>
-                <a:schemeClr val="bg1"/>
-              </a:solidFill>
-            </a:endParaRPr>
-          </a:p>
-          <a:p>
-            <a:pPr marL="0" indent="0">
-              <a:buNone/>
-            </a:pPr>
-            <a:r>
-              <a:rPr lang="en-US" sz="4000" dirty="0">
-                <a:solidFill>
-                  <a:schemeClr val="bg1"/>
-                </a:solidFill>
-              </a:rPr>
-              <a:t>What actually happened on Election Day.</a:t>
-            </a:r>
-          </a:p>
-          <a:p>
-            <a:pPr marL="0" indent="0">
-              <a:buNone/>
-            </a:pPr>
-            <a:endParaRPr lang="en-US" sz="4000" dirty="0">
-              <a:solidFill>
-                <a:schemeClr val="bg1"/>
-              </a:solidFill>
-            </a:endParaRPr>
-          </a:p>
-          <a:p>
-            <a:pPr marL="0" indent="0">
-              <a:buNone/>
-            </a:pPr>
-            <a:r>
-              <a:rPr lang="en-US" sz="4000" dirty="0">
-                <a:solidFill>
-                  <a:schemeClr val="bg1"/>
-                </a:solidFill>
-                <a:hlinkClick r:id="rId6">
-                  <a:extLst>
-                    <a:ext uri="{A12FA001-AC4F-418D-AE19-62706E023703}">
-                      <ahyp:hlinkClr xmlns:ahyp="http://schemas.microsoft.com/office/drawing/2018/hyperlinkcolor" val="tx"/>
-                    </a:ext>
-                  </a:extLst>
-                </a:hlinkClick>
-              </a:rPr>
-              <a:t>Thousands of people have voted early in Minnesota. Here's what to watch.</a:t>
-            </a:r>
-            <a:endParaRPr lang="en-US" sz="4000" dirty="0">
-              <a:solidFill>
-                <a:schemeClr val="bg1"/>
-              </a:solidFill>
-            </a:endParaRPr>
-          </a:p>
-          <a:p>
-            <a:pPr marL="0" indent="0">
-              <a:buNone/>
-            </a:pPr>
-            <a:r>
-              <a:rPr lang="en-US" sz="4000" dirty="0">
-                <a:solidFill>
-                  <a:schemeClr val="bg1"/>
-                </a:solidFill>
-              </a:rPr>
-              <a:t>Tracking an event using data virtually in real time.</a:t>
-            </a:r>
-          </a:p>
-          <a:p>
-            <a:pPr marL="0" indent="0">
-              <a:buNone/>
-            </a:pPr>
-            <a:endParaRPr lang="en-US" sz="4000" dirty="0">
-              <a:solidFill>
-                <a:schemeClr val="bg1"/>
-              </a:solidFill>
-            </a:endParaRPr>
-          </a:p>
-          <a:p>
-            <a:pPr marL="0" indent="0">
-              <a:buNone/>
-            </a:pPr>
-            <a:r>
-              <a:rPr lang="en-US" sz="4000" u="sng" dirty="0">
-                <a:solidFill>
-                  <a:schemeClr val="bg1"/>
-                </a:solidFill>
-                <a:hlinkClick r:id="rId7">
-                  <a:extLst>
-                    <a:ext uri="{A12FA001-AC4F-418D-AE19-62706E023703}">
-                      <ahyp:hlinkClr xmlns:ahyp="http://schemas.microsoft.com/office/drawing/2018/hyperlinkcolor" val="tx"/>
-                    </a:ext>
-                  </a:extLst>
-                </a:hlinkClick>
-              </a:rPr>
-              <a:t>Why you’re hearing so much about Minnesota’s congressional races this fall</a:t>
-            </a:r>
-            <a:endParaRPr lang="en-US" sz="4000" dirty="0">
-              <a:solidFill>
-                <a:schemeClr val="bg1"/>
-              </a:solidFill>
-            </a:endParaRPr>
-          </a:p>
-          <a:p>
-            <a:pPr marL="0" indent="0">
-              <a:buNone/>
-            </a:pPr>
-            <a:r>
-              <a:rPr lang="en-US" sz="4000" dirty="0">
-                <a:solidFill>
-                  <a:schemeClr val="bg1"/>
-                </a:solidFill>
-              </a:rPr>
-              <a:t>What might happen? Wrangling a bunch of data from political forecasters and using it to tell stories about major Minnesota elections</a:t>
-            </a:r>
-            <a:r>
-              <a:rPr lang="en-US" dirty="0">
-                <a:solidFill>
-                  <a:schemeClr val="bg1"/>
-                </a:solidFill>
-              </a:rPr>
-              <a:t> </a:t>
-            </a:r>
-          </a:p>
-          <a:p>
-            <a:pPr marL="0" indent="0">
-              <a:buNone/>
-            </a:pPr>
-            <a:r>
-              <a:rPr lang="en-US" dirty="0">
-                <a:solidFill>
-                  <a:schemeClr val="bg1"/>
-                </a:solidFill>
-              </a:rPr>
-              <a:t> </a:t>
-            </a:r>
-          </a:p>
-          <a:p>
-            <a:pPr marL="0" indent="0">
-              <a:buNone/>
-            </a:pPr>
+              <a:t>Link</a:t>
+            </a:r>
             <a:endParaRPr lang="en-US" dirty="0">
               <a:solidFill>
                 <a:schemeClr val="bg1"/>
               </a:solidFill>
             </a:endParaRPr>
           </a:p>
-        </p:txBody>
-      </p:sp>
-      <p:sp>
-        <p:nvSpPr>
-          <p:cNvPr id="4" name="TextBox 3">
-            <a:extLst>
-              <a:ext uri="{FF2B5EF4-FFF2-40B4-BE49-F238E27FC236}">
-                <a16:creationId xmlns:a16="http://schemas.microsoft.com/office/drawing/2014/main" id="{905EEC97-25F7-324B-8597-EB0BD6A29ADF}"/>
-              </a:ext>
-            </a:extLst>
-          </p:cNvPr>
-          <p:cNvSpPr txBox="1"/>
-          <p:nvPr/>
-        </p:nvSpPr>
-        <p:spPr>
-          <a:xfrm>
-            <a:off x="4828854" y="1600199"/>
-            <a:ext cx="3667874" cy="3785652"/>
-          </a:xfrm>
-          <a:prstGeom prst="rect">
-            <a:avLst/>
-          </a:prstGeom>
-        </p:spPr>
-        <p:style>
-          <a:lnRef idx="2">
-            <a:schemeClr val="dk1"/>
-          </a:lnRef>
-          <a:fillRef idx="1">
-            <a:schemeClr val="lt1"/>
-          </a:fillRef>
-          <a:effectRef idx="0">
-            <a:schemeClr val="dk1"/>
-          </a:effectRef>
-          <a:fontRef idx="minor">
-            <a:schemeClr val="dk1"/>
-          </a:fontRef>
-        </p:style>
-        <p:txBody>
-          <a:bodyPr wrap="square" rtlCol="0">
-            <a:spAutoFit/>
-          </a:bodyPr>
-          <a:lstStyle/>
-          <a:p>
-            <a:r>
-              <a:rPr lang="en-US" sz="1000" b="1" dirty="0">
-                <a:solidFill>
-                  <a:schemeClr val="bg1"/>
-                </a:solidFill>
-              </a:rPr>
-              <a:t>Fun Things</a:t>
-            </a:r>
-            <a:endParaRPr lang="en-US" sz="1000" dirty="0">
+          <a:p>
+            <a:endParaRPr lang="en-US" dirty="0">
               <a:solidFill>
                 <a:schemeClr val="bg1"/>
               </a:solidFill>
@@ -5532,111 +5067,16 @@
           </a:p>
           <a:p>
             <a:r>
-              <a:rPr lang="en-US" sz="1000" u="sng" dirty="0">
-                <a:solidFill>
-                  <a:schemeClr val="bg1"/>
-                </a:solidFill>
-                <a:hlinkClick r:id="rId8">
-                  <a:extLst>
-                    <a:ext uri="{A12FA001-AC4F-418D-AE19-62706E023703}">
-                      <ahyp:hlinkClr xmlns:ahyp="http://schemas.microsoft.com/office/drawing/2018/hyperlinkcolor" val="tx"/>
-                    </a:ext>
-                  </a:extLst>
-                </a:hlinkClick>
-              </a:rPr>
-              <a:t>Google tracked a year of my life in downtown Minneapolis</a:t>
-            </a:r>
-            <a:r>
-              <a:rPr lang="en-US" sz="1000" dirty="0">
-                <a:solidFill>
-                  <a:schemeClr val="bg1"/>
-                </a:solidFill>
-              </a:rPr>
-              <a:t> </a:t>
-            </a:r>
-          </a:p>
-          <a:p>
-            <a:r>
-              <a:rPr lang="en-US" sz="1000" dirty="0">
-                <a:solidFill>
-                  <a:schemeClr val="bg1"/>
-                </a:solidFill>
-              </a:rPr>
-              <a:t>More and more, individuals are data, and stories can be told about them using numbers</a:t>
-            </a:r>
-          </a:p>
-          <a:p>
-            <a:r>
-              <a:rPr lang="en-US" sz="1000" dirty="0">
-                <a:solidFill>
-                  <a:schemeClr val="bg1"/>
-                </a:solidFill>
-              </a:rPr>
-              <a:t> </a:t>
-            </a:r>
-          </a:p>
-          <a:p>
-            <a:r>
-              <a:rPr lang="en-US" sz="1000" u="sng" dirty="0">
-                <a:solidFill>
-                  <a:schemeClr val="bg1"/>
-                </a:solidFill>
-                <a:hlinkClick r:id="rId9">
-                  <a:extLst>
-                    <a:ext uri="{A12FA001-AC4F-418D-AE19-62706E023703}">
-                      <ahyp:hlinkClr xmlns:ahyp="http://schemas.microsoft.com/office/drawing/2018/hyperlinkcolor" val="tx"/>
-                    </a:ext>
-                  </a:extLst>
-                </a:hlinkClick>
-              </a:rPr>
-              <a:t>Are the Vikings the NFL's most tragic playoff team?</a:t>
-            </a:r>
-            <a:r>
-              <a:rPr lang="en-US" sz="1000" dirty="0">
-                <a:solidFill>
-                  <a:schemeClr val="bg1"/>
-                </a:solidFill>
-              </a:rPr>
-              <a:t> </a:t>
-            </a:r>
-          </a:p>
-          <a:p>
-            <a:r>
-              <a:rPr lang="en-US" sz="1000" dirty="0">
-                <a:solidFill>
-                  <a:schemeClr val="bg1"/>
-                </a:solidFill>
-              </a:rPr>
-              <a:t>Using data to quantify something people generally already know</a:t>
-            </a:r>
-          </a:p>
-          <a:p>
-            <a:r>
-              <a:rPr lang="en-US" sz="1000" dirty="0">
-                <a:solidFill>
-                  <a:schemeClr val="bg1"/>
-                </a:solidFill>
-              </a:rPr>
-              <a:t> </a:t>
-            </a:r>
-          </a:p>
-          <a:p>
-            <a:r>
-              <a:rPr lang="en-US" sz="1000" u="sng" dirty="0">
-                <a:solidFill>
-                  <a:schemeClr val="bg1"/>
-                </a:solidFill>
-                <a:hlinkClick r:id="rId10">
-                  <a:extLst>
-                    <a:ext uri="{A12FA001-AC4F-418D-AE19-62706E023703}">
-                      <ahyp:hlinkClr xmlns:ahyp="http://schemas.microsoft.com/office/drawing/2018/hyperlinkcolor" val="tx"/>
-                    </a:ext>
-                  </a:extLst>
-                </a:hlinkClick>
-              </a:rPr>
-              <a:t>What would the Twin Cities look like as a mega-region?</a:t>
-            </a:r>
-            <a:endParaRPr lang="en-US" sz="1000" dirty="0">
+              <a:rPr lang="en-US" dirty="0">
+                <a:solidFill>
+                  <a:schemeClr val="bg1"/>
+                </a:solidFill>
+              </a:rPr>
+              <a:t>Spreadsheets are the bread and butter of data reporting. Ideally you want your data to be structured in easily searchable and sortable rows and columns.</a:t>
+            </a:r>
+          </a:p>
+          <a:p>
+            <a:endParaRPr lang="en-US" dirty="0">
               <a:solidFill>
                 <a:schemeClr val="bg1"/>
               </a:solidFill>
@@ -5644,155 +5084,12 @@
           </a:p>
           <a:p>
             <a:r>
-              <a:rPr lang="en-US" sz="1000" dirty="0">
-                <a:solidFill>
-                  <a:schemeClr val="bg1"/>
-                </a:solidFill>
-              </a:rPr>
-              <a:t>Hypothetical research explained through the lens of actual data</a:t>
-            </a:r>
-          </a:p>
-          <a:p>
-            <a:endParaRPr lang="en-US" sz="1000" dirty="0">
-              <a:solidFill>
-                <a:schemeClr val="bg1"/>
-              </a:solidFill>
-            </a:endParaRPr>
-          </a:p>
-          <a:p>
-            <a:endParaRPr lang="en-US" sz="1000" dirty="0">
-              <a:solidFill>
-                <a:schemeClr val="bg1"/>
-              </a:solidFill>
-            </a:endParaRPr>
-          </a:p>
-          <a:p>
-            <a:r>
-              <a:rPr lang="en-US" sz="1000" b="1" dirty="0">
-                <a:solidFill>
-                  <a:schemeClr val="bg1"/>
-                </a:solidFill>
-              </a:rPr>
-              <a:t>Enterprise Investigations</a:t>
-            </a:r>
-          </a:p>
-          <a:p>
-            <a:r>
-              <a:rPr lang="en-US" sz="1000" u="sng" dirty="0">
-                <a:solidFill>
-                  <a:schemeClr val="bg1"/>
-                </a:solidFill>
-                <a:hlinkClick r:id="rId11">
-                  <a:extLst>
-                    <a:ext uri="{A12FA001-AC4F-418D-AE19-62706E023703}">
-                      <ahyp:hlinkClr xmlns:ahyp="http://schemas.microsoft.com/office/drawing/2018/hyperlinkcolor" val="tx"/>
-                    </a:ext>
-                  </a:extLst>
-                </a:hlinkClick>
-              </a:rPr>
-              <a:t>North hit hard by demolitions while south rebuilds</a:t>
-            </a:r>
-            <a:r>
-              <a:rPr lang="en-US" sz="1000" dirty="0">
-                <a:solidFill>
-                  <a:schemeClr val="bg1"/>
-                </a:solidFill>
-              </a:rPr>
-              <a:t> </a:t>
-            </a:r>
-          </a:p>
-          <a:p>
-            <a:r>
-              <a:rPr lang="en-US" sz="1000" dirty="0">
-                <a:solidFill>
-                  <a:schemeClr val="bg1"/>
-                </a:solidFill>
-              </a:rPr>
-              <a:t>Quantifying a long time socioeconomic issue and revealing something new in the process</a:t>
-            </a:r>
-          </a:p>
-          <a:p>
-            <a:endParaRPr lang="en-US" sz="1000" dirty="0">
-              <a:solidFill>
-                <a:schemeClr val="bg1"/>
-              </a:solidFill>
-            </a:endParaRPr>
-          </a:p>
-          <a:p>
-            <a:r>
-              <a:rPr lang="en-US" sz="1000" u="sng" dirty="0">
-                <a:solidFill>
-                  <a:schemeClr val="bg1"/>
-                </a:solidFill>
-                <a:hlinkClick r:id="rId12">
-                  <a:extLst>
-                    <a:ext uri="{A12FA001-AC4F-418D-AE19-62706E023703}">
-                      <ahyp:hlinkClr xmlns:ahyp="http://schemas.microsoft.com/office/drawing/2018/hyperlinkcolor" val="tx"/>
-                    </a:ext>
-                  </a:extLst>
-                </a:hlinkClick>
-              </a:rPr>
-              <a:t>Fatal police encounters in Minnesota since 2000</a:t>
-            </a:r>
-            <a:r>
-              <a:rPr lang="en-US" sz="1000" dirty="0">
-                <a:solidFill>
-                  <a:schemeClr val="bg1"/>
-                </a:solidFill>
-              </a:rPr>
-              <a:t> </a:t>
-            </a:r>
-          </a:p>
-          <a:p>
-            <a:r>
-              <a:rPr lang="en-US" sz="1000" dirty="0">
-                <a:solidFill>
-                  <a:schemeClr val="bg1"/>
-                </a:solidFill>
-              </a:rPr>
-              <a:t>Creating and maintaining a public resource to track and quantify an ongoing social issue</a:t>
-            </a:r>
-          </a:p>
-          <a:p>
-            <a:r>
-              <a:rPr lang="en-US" sz="1000" dirty="0">
-                <a:solidFill>
-                  <a:schemeClr val="bg1"/>
-                </a:solidFill>
-              </a:rPr>
-              <a:t> </a:t>
-            </a:r>
-          </a:p>
-          <a:p>
-            <a:r>
-              <a:rPr lang="en-US" sz="1000" u="sng" dirty="0">
-                <a:solidFill>
-                  <a:schemeClr val="bg1"/>
-                </a:solidFill>
-                <a:hlinkClick r:id="rId13">
-                  <a:extLst>
-                    <a:ext uri="{A12FA001-AC4F-418D-AE19-62706E023703}">
-                      <ahyp:hlinkClr xmlns:ahyp="http://schemas.microsoft.com/office/drawing/2018/hyperlinkcolor" val="tx"/>
-                    </a:ext>
-                  </a:extLst>
-                </a:hlinkClick>
-              </a:rPr>
-              <a:t>Way Down in the Hole</a:t>
-            </a:r>
-            <a:endParaRPr lang="en-US" sz="1000" dirty="0">
-              <a:solidFill>
-                <a:schemeClr val="bg1"/>
-              </a:solidFill>
-            </a:endParaRPr>
-          </a:p>
-          <a:p>
-            <a:r>
-              <a:rPr lang="en-US" sz="1000" dirty="0">
-                <a:solidFill>
-                  <a:schemeClr val="bg1"/>
-                </a:solidFill>
-              </a:rPr>
-              <a:t>Using data to uncover something not publicly known or private acknowledged</a:t>
+              <a:rPr lang="en-US" dirty="0">
+                <a:solidFill>
+                  <a:schemeClr val="bg1"/>
+                </a:solidFill>
+              </a:rPr>
+              <a:t>Even if you receive data in a different format, the end result should virtually always be a spreadsheet.</a:t>
             </a:r>
           </a:p>
         </p:txBody>
@@ -5800,7 +5097,7 @@
     </p:spTree>
     <p:extLst>
       <p:ext uri="{BB962C8B-B14F-4D97-AF65-F5344CB8AC3E}">
-        <p14:creationId xmlns:p14="http://schemas.microsoft.com/office/powerpoint/2010/main" val="1239489940"/>
+        <p14:creationId xmlns:p14="http://schemas.microsoft.com/office/powerpoint/2010/main" val="1544224873"/>
       </p:ext>
     </p:extLst>
   </p:cSld>
@@ -5847,8 +5144,34 @@
         </p:nvSpPr>
         <p:spPr/>
         <p:txBody>
+          <a:bodyPr/>
+          <a:lstStyle/>
+          <a:p>
+            <a:r>
+              <a:rPr lang="en-US" dirty="0">
+                <a:solidFill>
+                  <a:schemeClr val="bg1"/>
+                </a:solidFill>
+              </a:rPr>
+              <a:t>Sources of data</a:t>
+            </a:r>
+          </a:p>
+        </p:txBody>
+      </p:sp>
+      <p:sp>
+        <p:nvSpPr>
+          <p:cNvPr id="3" name="Content Placeholder 2"/>
+          <p:cNvSpPr>
+            <a:spLocks noGrp="1"/>
+          </p:cNvSpPr>
+          <p:nvPr>
+            <p:ph idx="1"/>
+          </p:nvPr>
+        </p:nvSpPr>
+        <p:spPr/>
+        <p:txBody>
           <a:bodyPr>
-            <a:normAutofit/>
+            <a:normAutofit fontScale="62500" lnSpcReduction="20000"/>
           </a:bodyPr>
           <a:lstStyle/>
           <a:p>
@@ -5858,35 +5181,7 @@
                   <a:schemeClr val="bg1"/>
                 </a:solidFill>
               </a:rPr>
-              <a:t>Spreadsheets are key</a:t>
-            </a:r>
-          </a:p>
-        </p:txBody>
-      </p:sp>
-      <p:sp>
-        <p:nvSpPr>
-          <p:cNvPr id="3" name="Content Placeholder 2"/>
-          <p:cNvSpPr>
-            <a:spLocks noGrp="1"/>
-          </p:cNvSpPr>
-          <p:nvPr>
-            <p:ph idx="1"/>
-          </p:nvPr>
-        </p:nvSpPr>
-        <p:spPr/>
-        <p:txBody>
-          <a:bodyPr>
-            <a:normAutofit fontScale="92500" lnSpcReduction="20000"/>
-          </a:bodyPr>
-          <a:lstStyle/>
-          <a:p>
-            <a:r>
-              <a:rPr lang="en-US" dirty="0">
-                <a:solidFill>
-                  <a:schemeClr val="bg1"/>
-                </a:solidFill>
-              </a:rPr>
-              <a:t>Pick a spreadsheet. Excel is nice, but Google Sheets works very well too. </a:t>
+              <a:t>Data Portals | </a:t>
             </a:r>
             <a:r>
               <a:rPr lang="en-US" dirty="0">
@@ -5910,6 +5205,19 @@
             </a:endParaRPr>
           </a:p>
           <a:p>
+            <a:pPr marL="0" indent="0">
+              <a:buNone/>
+            </a:pPr>
+            <a:r>
+              <a:rPr lang="en-US" dirty="0">
+                <a:solidFill>
+                  <a:schemeClr val="bg1"/>
+                </a:solidFill>
+              </a:rPr>
+              <a:t>A massive listing of open data portals across the world</a:t>
+            </a:r>
+          </a:p>
+          <a:p>
             <a:endParaRPr lang="en-US" dirty="0">
               <a:solidFill>
                 <a:schemeClr val="bg1"/>
@@ -5923,10 +5231,23 @@
                   <a:schemeClr val="bg1"/>
                 </a:solidFill>
               </a:rPr>
-              <a:t>Spreadsheets are the bread and butter of data reporting. Ideally you want your data to be structured in easily searchable and sortable rows and columns.</a:t>
-            </a:r>
-          </a:p>
-          <a:p>
+              <a:t>Open Minneapolis | </a:t>
+            </a:r>
+            <a:r>
+              <a:rPr lang="en-US" dirty="0">
+                <a:solidFill>
+                  <a:schemeClr val="bg1"/>
+                </a:solidFill>
+                <a:hlinkClick r:id="rId3">
+                  <a:extLst>
+                    <a:ext uri="{A12FA001-AC4F-418D-AE19-62706E023703}">
+                      <ahyp:hlinkClr xmlns:ahyp="http://schemas.microsoft.com/office/drawing/2018/hyperlinkcolor" val="tx"/>
+                    </a:ext>
+                  </a:extLst>
+                </a:hlinkClick>
+              </a:rPr>
+              <a:t>Link</a:t>
+            </a:r>
             <a:endParaRPr lang="en-US" dirty="0">
               <a:solidFill>
                 <a:schemeClr val="bg1"/>
@@ -5934,13 +5255,182 @@
             </a:endParaRPr>
           </a:p>
           <a:p>
-            <a:r>
-              <a:rPr lang="en-US" dirty="0">
-                <a:solidFill>
-                  <a:schemeClr val="bg1"/>
-                </a:solidFill>
-              </a:rPr>
-              <a:t>Even if you receive data in a different format, the end result should virtually always be a spreadsheet.</a:t>
+            <a:pPr marL="0" indent="0">
+              <a:buNone/>
+            </a:pPr>
+            <a:r>
+              <a:rPr lang="en-US" dirty="0">
+                <a:solidFill>
+                  <a:schemeClr val="bg1"/>
+                </a:solidFill>
+              </a:rPr>
+              <a:t>A great source of public city data</a:t>
+            </a:r>
+          </a:p>
+          <a:p>
+            <a:endParaRPr lang="en-US" dirty="0">
+              <a:solidFill>
+                <a:schemeClr val="bg1"/>
+              </a:solidFill>
+            </a:endParaRPr>
+          </a:p>
+          <a:p>
+            <a:r>
+              <a:rPr lang="en-US" dirty="0">
+                <a:solidFill>
+                  <a:schemeClr val="bg1"/>
+                </a:solidFill>
+              </a:rPr>
+              <a:t>American </a:t>
+            </a:r>
+            <a:r>
+              <a:rPr lang="en-US" dirty="0" err="1">
+                <a:solidFill>
+                  <a:schemeClr val="bg1"/>
+                </a:solidFill>
+              </a:rPr>
+              <a:t>FactFinder</a:t>
+            </a:r>
+            <a:r>
+              <a:rPr lang="en-US" dirty="0">
+                <a:solidFill>
+                  <a:schemeClr val="bg1"/>
+                </a:solidFill>
+              </a:rPr>
+              <a:t> | </a:t>
+            </a:r>
+            <a:r>
+              <a:rPr lang="en-US" dirty="0">
+                <a:solidFill>
+                  <a:schemeClr val="bg1"/>
+                </a:solidFill>
+                <a:hlinkClick r:id="rId4">
+                  <a:extLst>
+                    <a:ext uri="{A12FA001-AC4F-418D-AE19-62706E023703}">
+                      <ahyp:hlinkClr xmlns:ahyp="http://schemas.microsoft.com/office/drawing/2018/hyperlinkcolor" val="tx"/>
+                    </a:ext>
+                  </a:extLst>
+                </a:hlinkClick>
+              </a:rPr>
+              <a:t>Link</a:t>
+            </a:r>
+            <a:endParaRPr lang="en-US" dirty="0">
+              <a:solidFill>
+                <a:schemeClr val="bg1"/>
+              </a:solidFill>
+            </a:endParaRPr>
+          </a:p>
+          <a:p>
+            <a:pPr marL="0" indent="0">
+              <a:buNone/>
+            </a:pPr>
+            <a:r>
+              <a:rPr lang="en-US" dirty="0">
+                <a:solidFill>
+                  <a:schemeClr val="bg1"/>
+                </a:solidFill>
+              </a:rPr>
+              <a:t>The U.S. Census Bureau's impressive lookup tool</a:t>
+            </a:r>
+          </a:p>
+          <a:p>
+            <a:endParaRPr lang="en-US" dirty="0">
+              <a:solidFill>
+                <a:schemeClr val="bg1"/>
+              </a:solidFill>
+            </a:endParaRPr>
+          </a:p>
+          <a:p>
+            <a:r>
+              <a:rPr lang="en-US" dirty="0">
+                <a:solidFill>
+                  <a:schemeClr val="bg1"/>
+                </a:solidFill>
+              </a:rPr>
+              <a:t>Census Explorer | </a:t>
+            </a:r>
+            <a:r>
+              <a:rPr lang="en-US" dirty="0">
+                <a:solidFill>
+                  <a:schemeClr val="bg1"/>
+                </a:solidFill>
+                <a:hlinkClick r:id="rId5">
+                  <a:extLst>
+                    <a:ext uri="{A12FA001-AC4F-418D-AE19-62706E023703}">
+                      <ahyp:hlinkClr xmlns:ahyp="http://schemas.microsoft.com/office/drawing/2018/hyperlinkcolor" val="tx"/>
+                    </a:ext>
+                  </a:extLst>
+                </a:hlinkClick>
+              </a:rPr>
+              <a:t>Link</a:t>
+            </a:r>
+            <a:endParaRPr lang="en-US" dirty="0">
+              <a:solidFill>
+                <a:schemeClr val="bg1"/>
+              </a:solidFill>
+            </a:endParaRPr>
+          </a:p>
+          <a:p>
+            <a:pPr marL="0" indent="0">
+              <a:buNone/>
+            </a:pPr>
+            <a:r>
+              <a:rPr lang="en-US" dirty="0">
+                <a:solidFill>
+                  <a:schemeClr val="bg1"/>
+                </a:solidFill>
+              </a:rPr>
+              <a:t>Another cool tool from the U.S. Census Bureau</a:t>
+            </a:r>
+          </a:p>
+          <a:p>
+            <a:endParaRPr lang="en-US" dirty="0">
+              <a:solidFill>
+                <a:schemeClr val="bg1"/>
+              </a:solidFill>
+            </a:endParaRPr>
+          </a:p>
+          <a:p>
+            <a:r>
+              <a:rPr lang="en-US" dirty="0">
+                <a:solidFill>
+                  <a:schemeClr val="bg1"/>
+                </a:solidFill>
+              </a:rPr>
+              <a:t>Minnesota Secretary of State | </a:t>
+            </a:r>
+            <a:r>
+              <a:rPr lang="en-US" dirty="0">
+                <a:solidFill>
+                  <a:schemeClr val="bg1"/>
+                </a:solidFill>
+                <a:hlinkClick r:id="rId6">
+                  <a:extLst>
+                    <a:ext uri="{A12FA001-AC4F-418D-AE19-62706E023703}">
+                      <ahyp:hlinkClr xmlns:ahyp="http://schemas.microsoft.com/office/drawing/2018/hyperlinkcolor" val="tx"/>
+                    </a:ext>
+                  </a:extLst>
+                </a:hlinkClick>
+              </a:rPr>
+              <a:t>Link</a:t>
+            </a:r>
+            <a:endParaRPr lang="en-US" dirty="0">
+              <a:solidFill>
+                <a:schemeClr val="bg1"/>
+              </a:solidFill>
+            </a:endParaRPr>
+          </a:p>
+          <a:p>
+            <a:pPr marL="0" indent="0">
+              <a:buNone/>
+            </a:pPr>
+            <a:r>
+              <a:rPr lang="en-US" dirty="0">
+                <a:solidFill>
+                  <a:schemeClr val="bg1"/>
+                </a:solidFill>
+              </a:rPr>
+              <a:t>Home of Minnesota election results going back multiple years</a:t>
             </a:r>
           </a:p>
         </p:txBody>
@@ -5948,7 +5438,7 @@
     </p:spTree>
     <p:extLst>
       <p:ext uri="{BB962C8B-B14F-4D97-AF65-F5344CB8AC3E}">
-        <p14:creationId xmlns:p14="http://schemas.microsoft.com/office/powerpoint/2010/main" val="1544224873"/>
+        <p14:creationId xmlns:p14="http://schemas.microsoft.com/office/powerpoint/2010/main" val="1757545143"/>
       </p:ext>
     </p:extLst>
   </p:cSld>
@@ -5994,17 +5484,27 @@
           </p:nvPr>
         </p:nvSpPr>
         <p:spPr/>
+        <p:style>
+          <a:lnRef idx="2">
+            <a:schemeClr val="dk1"/>
+          </a:lnRef>
+          <a:fillRef idx="1">
+            <a:schemeClr val="lt1"/>
+          </a:fillRef>
+          <a:effectRef idx="0">
+            <a:schemeClr val="dk1"/>
+          </a:effectRef>
+          <a:fontRef idx="minor">
+            <a:schemeClr val="dk1"/>
+          </a:fontRef>
+        </p:style>
         <p:txBody>
           <a:bodyPr/>
           <a:lstStyle/>
           <a:p>
             <a:r>
-              <a:rPr lang="en-US" dirty="0">
-                <a:solidFill>
-                  <a:schemeClr val="bg1"/>
-                </a:solidFill>
-              </a:rPr>
-              <a:t>Sources of data</a:t>
+              <a:rPr lang="en-US" dirty="0"/>
+              <a:t>Examples</a:t>
             </a:r>
           </a:p>
         </p:txBody>
@@ -6019,23 +5519,55 @@
             <p:ph idx="1"/>
           </p:nvPr>
         </p:nvSpPr>
-        <p:spPr/>
+        <p:spPr>
+          <a:xfrm>
+            <a:off x="457200" y="1600200"/>
+            <a:ext cx="4186719" cy="4790326"/>
+          </a:xfrm>
+        </p:spPr>
+        <p:style>
+          <a:lnRef idx="2">
+            <a:schemeClr val="dk1"/>
+          </a:lnRef>
+          <a:fillRef idx="1">
+            <a:schemeClr val="lt1"/>
+          </a:fillRef>
+          <a:effectRef idx="0">
+            <a:schemeClr val="dk1"/>
+          </a:effectRef>
+          <a:fontRef idx="minor">
+            <a:schemeClr val="dk1"/>
+          </a:fontRef>
+        </p:style>
         <p:txBody>
           <a:bodyPr>
-            <a:normAutofit fontScale="62500" lnSpcReduction="20000"/>
+            <a:normAutofit fontScale="25000" lnSpcReduction="20000"/>
           </a:bodyPr>
           <a:lstStyle/>
           <a:p>
-            <a:r>
-              <a:rPr lang="en-US" dirty="0">
-                <a:solidFill>
-                  <a:schemeClr val="bg1"/>
-                </a:solidFill>
-              </a:rPr>
-              <a:t>Data Portals | </a:t>
-            </a:r>
-            <a:r>
-              <a:rPr lang="en-US" dirty="0">
+            <a:pPr marL="0" indent="0">
+              <a:buNone/>
+            </a:pPr>
+            <a:r>
+              <a:rPr lang="en-US" sz="4000" b="1" dirty="0">
+                <a:solidFill>
+                  <a:schemeClr val="bg1"/>
+                </a:solidFill>
+              </a:rPr>
+              <a:t>Daily Stories</a:t>
+            </a:r>
+            <a:endParaRPr lang="en-US" sz="4000" dirty="0">
+              <a:solidFill>
+                <a:schemeClr val="bg1"/>
+              </a:solidFill>
+            </a:endParaRPr>
+          </a:p>
+          <a:p>
+            <a:pPr marL="0" indent="0">
+              <a:buNone/>
+            </a:pPr>
+            <a:r>
+              <a:rPr lang="en-US" sz="4000" u="sng" dirty="0">
                 <a:solidFill>
                   <a:schemeClr val="bg1"/>
                 </a:solidFill>
@@ -6047,45 +5579,49 @@
                   </a:extLst>
                 </a:hlinkClick>
               </a:rPr>
-              <a:t>Link</a:t>
-            </a:r>
-            <a:endParaRPr lang="en-US" dirty="0">
-              <a:solidFill>
-                <a:schemeClr val="bg1"/>
-              </a:solidFill>
-            </a:endParaRPr>
+              <a:t>Edina's drunken-driving arrests show increased focus on state highways</a:t>
+            </a:r>
+            <a:r>
+              <a:rPr lang="en-US" sz="4000" dirty="0">
+                <a:solidFill>
+                  <a:schemeClr val="bg1"/>
+                </a:solidFill>
+              </a:rPr>
+              <a:t> </a:t>
+            </a:r>
           </a:p>
           <a:p>
             <a:pPr marL="0" indent="0">
               <a:buNone/>
             </a:pPr>
             <a:r>
-              <a:rPr lang="en-US" dirty="0">
-                <a:solidFill>
-                  <a:schemeClr val="bg1"/>
-                </a:solidFill>
-              </a:rPr>
-              <a:t>A massive listing of open data portals across the world</a:t>
-            </a:r>
-          </a:p>
-          <a:p>
-            <a:endParaRPr lang="en-US" dirty="0">
-              <a:solidFill>
-                <a:schemeClr val="bg1"/>
-              </a:solidFill>
-            </a:endParaRPr>
-          </a:p>
-          <a:p>
-            <a:r>
-              <a:rPr lang="en-US" dirty="0">
-                <a:solidFill>
-                  <a:schemeClr val="bg1"/>
-                </a:solidFill>
-              </a:rPr>
-              <a:t>Open Minneapolis | </a:t>
-            </a:r>
-            <a:r>
-              <a:rPr lang="en-US" dirty="0">
+              <a:rPr lang="en-US" sz="4000" dirty="0">
+                <a:solidFill>
+                  <a:schemeClr val="bg1"/>
+                </a:solidFill>
+              </a:rPr>
+              <a:t>An example of finding daily stories we otherwise might not</a:t>
+            </a:r>
+          </a:p>
+          <a:p>
+            <a:pPr marL="0" indent="0">
+              <a:buNone/>
+            </a:pPr>
+            <a:r>
+              <a:rPr lang="en-US" sz="4000" dirty="0">
+                <a:solidFill>
+                  <a:schemeClr val="bg1"/>
+                </a:solidFill>
+              </a:rPr>
+              <a:t> </a:t>
+            </a:r>
+          </a:p>
+          <a:p>
+            <a:pPr marL="0" indent="0">
+              <a:buNone/>
+            </a:pPr>
+            <a:r>
+              <a:rPr lang="en-US" sz="4000" u="sng" dirty="0">
                 <a:solidFill>
                   <a:schemeClr val="bg1"/>
                 </a:solidFill>
@@ -6097,61 +5633,49 @@
                   </a:extLst>
                 </a:hlinkClick>
               </a:rPr>
-              <a:t>Link</a:t>
-            </a:r>
-            <a:endParaRPr lang="en-US" dirty="0">
-              <a:solidFill>
-                <a:schemeClr val="bg1"/>
-              </a:solidFill>
-            </a:endParaRPr>
+              <a:t>A deeper look at Minneapolis crime rates</a:t>
+            </a:r>
+            <a:r>
+              <a:rPr lang="en-US" sz="4000" dirty="0">
+                <a:solidFill>
+                  <a:schemeClr val="bg1"/>
+                </a:solidFill>
+              </a:rPr>
+              <a:t> </a:t>
+            </a:r>
           </a:p>
           <a:p>
             <a:pPr marL="0" indent="0">
               <a:buNone/>
             </a:pPr>
             <a:r>
-              <a:rPr lang="en-US" dirty="0">
-                <a:solidFill>
-                  <a:schemeClr val="bg1"/>
-                </a:solidFill>
-              </a:rPr>
-              <a:t>A great source of public city data</a:t>
-            </a:r>
-          </a:p>
-          <a:p>
-            <a:endParaRPr lang="en-US" dirty="0">
-              <a:solidFill>
-                <a:schemeClr val="bg1"/>
-              </a:solidFill>
-            </a:endParaRPr>
-          </a:p>
-          <a:p>
-            <a:r>
-              <a:rPr lang="en-US" dirty="0">
-                <a:solidFill>
-                  <a:schemeClr val="bg1"/>
-                </a:solidFill>
-              </a:rPr>
-              <a:t>American </a:t>
-            </a:r>
-            <a:r>
-              <a:rPr lang="en-US" dirty="0" err="1">
-                <a:solidFill>
-                  <a:schemeClr val="bg1"/>
-                </a:solidFill>
-              </a:rPr>
-              <a:t>FactFinder</a:t>
-            </a:r>
-            <a:r>
-              <a:rPr lang="en-US" dirty="0">
-                <a:solidFill>
-                  <a:schemeClr val="bg1"/>
-                </a:solidFill>
-              </a:rPr>
-              <a:t> | </a:t>
-            </a:r>
-            <a:r>
-              <a:rPr lang="en-US" dirty="0">
+              <a:rPr lang="en-US" sz="4000" dirty="0">
+                <a:solidFill>
+                  <a:schemeClr val="bg1"/>
+                </a:solidFill>
+              </a:rPr>
+              <a:t>An example of stringing spot stories together into a single trend piece</a:t>
+            </a:r>
+          </a:p>
+          <a:p>
+            <a:pPr marL="0" indent="0">
+              <a:buNone/>
+            </a:pPr>
+            <a:r>
+              <a:rPr lang="en-US" sz="4000" dirty="0">
+                <a:solidFill>
+                  <a:schemeClr val="bg1"/>
+                </a:solidFill>
+              </a:rPr>
+              <a:t> </a:t>
+            </a:r>
+          </a:p>
+          <a:p>
+            <a:pPr marL="0" indent="0">
+              <a:buNone/>
+            </a:pPr>
+            <a:r>
+              <a:rPr lang="en-US" sz="4000" u="sng" dirty="0">
                 <a:solidFill>
                   <a:schemeClr val="bg1"/>
                 </a:solidFill>
@@ -6163,9 +5687,42 @@
                   </a:extLst>
                 </a:hlinkClick>
               </a:rPr>
-              <a:t>Link</a:t>
-            </a:r>
-            <a:endParaRPr lang="en-US" dirty="0">
+              <a:t>What’s behind greater Minnesota’s economic recovery?</a:t>
+            </a:r>
+            <a:r>
+              <a:rPr lang="en-US" sz="4000" dirty="0">
+                <a:solidFill>
+                  <a:schemeClr val="bg1"/>
+                </a:solidFill>
+              </a:rPr>
+              <a:t> </a:t>
+            </a:r>
+          </a:p>
+          <a:p>
+            <a:pPr marL="0" indent="0">
+              <a:buNone/>
+            </a:pPr>
+            <a:r>
+              <a:rPr lang="en-US" sz="4000" dirty="0">
+                <a:solidFill>
+                  <a:schemeClr val="bg1"/>
+                </a:solidFill>
+              </a:rPr>
+              <a:t>An example of using data to challenge a common talking point</a:t>
+            </a:r>
+          </a:p>
+          <a:p>
+            <a:pPr marL="0" indent="0">
+              <a:buNone/>
+            </a:pPr>
+            <a:br>
+              <a:rPr lang="en-US" sz="4000" dirty="0">
+                <a:solidFill>
+                  <a:schemeClr val="bg1"/>
+                </a:solidFill>
+              </a:rPr>
+            </a:br>
+            <a:endParaRPr lang="en-US" sz="4000" dirty="0">
               <a:solidFill>
                 <a:schemeClr val="bg1"/>
               </a:solidFill>
@@ -6176,32 +5733,20 @@
               <a:buNone/>
             </a:pPr>
             <a:r>
-              <a:rPr lang="en-US" dirty="0">
-                <a:solidFill>
-                  <a:schemeClr val="bg1"/>
-                </a:solidFill>
-              </a:rPr>
-              <a:t>The U.S. Census Bureau's impressive lookup tool</a:t>
-            </a:r>
-          </a:p>
-          <a:p>
-            <a:endParaRPr lang="en-US" dirty="0">
-              <a:solidFill>
-                <a:schemeClr val="bg1"/>
-              </a:solidFill>
-            </a:endParaRPr>
-          </a:p>
-          <a:p>
-            <a:r>
-              <a:rPr lang="en-US" dirty="0">
-                <a:solidFill>
-                  <a:schemeClr val="bg1"/>
-                </a:solidFill>
-              </a:rPr>
-              <a:t>Census Explorer | </a:t>
-            </a:r>
-            <a:r>
-              <a:rPr lang="en-US" dirty="0">
+              <a:rPr lang="en-US" sz="4000" b="1" dirty="0">
+                <a:solidFill>
+                  <a:schemeClr val="bg1"/>
+                </a:solidFill>
+              </a:rPr>
+              <a:t>Elections/Politics</a:t>
+            </a:r>
+          </a:p>
+          <a:p>
+            <a:pPr marL="0" indent="0">
+              <a:buNone/>
+            </a:pPr>
+            <a:r>
+              <a:rPr lang="en-US" sz="4000" dirty="0">
                 <a:solidFill>
                   <a:schemeClr val="bg1"/>
                 </a:solidFill>
@@ -6213,9 +5758,9 @@
                   </a:extLst>
                 </a:hlinkClick>
               </a:rPr>
-              <a:t>Link</a:t>
-            </a:r>
-            <a:endParaRPr lang="en-US" dirty="0">
+              <a:t>How Minnesota's battleground districts shifted in the 2018 midterm</a:t>
+            </a:r>
+            <a:endParaRPr lang="en-US" sz="4000" dirty="0">
               <a:solidFill>
                 <a:schemeClr val="bg1"/>
               </a:solidFill>
@@ -6226,32 +5771,30 @@
               <a:buNone/>
             </a:pPr>
             <a:r>
-              <a:rPr lang="en-US" dirty="0">
-                <a:solidFill>
-                  <a:schemeClr val="bg1"/>
-                </a:solidFill>
-              </a:rPr>
-              <a:t>Another cool tool from the U.S. Census Bureau</a:t>
-            </a:r>
-          </a:p>
-          <a:p>
-            <a:endParaRPr lang="en-US" dirty="0">
+              <a:rPr lang="en-US" sz="4000" dirty="0">
+                <a:solidFill>
+                  <a:schemeClr val="bg1"/>
+                </a:solidFill>
+              </a:rPr>
+              <a:t>What actually happened on Election Day.</a:t>
+            </a:r>
+          </a:p>
+          <a:p>
+            <a:pPr marL="0" indent="0">
+              <a:buNone/>
+            </a:pPr>
+            <a:endParaRPr lang="en-US" sz="4000" dirty="0">
               <a:solidFill>
                 <a:schemeClr val="bg1"/>
               </a:solidFill>
             </a:endParaRPr>
           </a:p>
           <a:p>
-            <a:r>
-              <a:rPr lang="en-US" dirty="0">
-                <a:solidFill>
-                  <a:schemeClr val="bg1"/>
-                </a:solidFill>
-              </a:rPr>
-              <a:t>Minnesota Secretary of State | </a:t>
-            </a:r>
-            <a:r>
-              <a:rPr lang="en-US" dirty="0">
+            <a:pPr marL="0" indent="0">
+              <a:buNone/>
+            </a:pPr>
+            <a:r>
+              <a:rPr lang="en-US" sz="4000" dirty="0">
                 <a:solidFill>
                   <a:schemeClr val="bg1"/>
                 </a:solidFill>
@@ -6263,25 +5806,426 @@
                   </a:extLst>
                 </a:hlinkClick>
               </a:rPr>
-              <a:t>Link</a:t>
-            </a:r>
+              <a:t>Thousands of people have voted early in Minnesota. Here's what to watch.</a:t>
+            </a:r>
+            <a:endParaRPr lang="en-US" sz="4000" dirty="0">
+              <a:solidFill>
+                <a:schemeClr val="bg1"/>
+              </a:solidFill>
+            </a:endParaRPr>
+          </a:p>
+          <a:p>
+            <a:pPr marL="0" indent="0">
+              <a:buNone/>
+            </a:pPr>
+            <a:r>
+              <a:rPr lang="en-US" sz="4000" dirty="0">
+                <a:solidFill>
+                  <a:schemeClr val="bg1"/>
+                </a:solidFill>
+              </a:rPr>
+              <a:t>Tracking an event using data virtually in real time.</a:t>
+            </a:r>
+          </a:p>
+          <a:p>
+            <a:pPr marL="0" indent="0">
+              <a:buNone/>
+            </a:pPr>
+            <a:endParaRPr lang="en-US" sz="4000" dirty="0">
+              <a:solidFill>
+                <a:schemeClr val="bg1"/>
+              </a:solidFill>
+            </a:endParaRPr>
+          </a:p>
+          <a:p>
+            <a:pPr marL="0" indent="0">
+              <a:buNone/>
+            </a:pPr>
+            <a:r>
+              <a:rPr lang="en-US" sz="4000" u="sng" dirty="0">
+                <a:solidFill>
+                  <a:schemeClr val="bg1"/>
+                </a:solidFill>
+                <a:hlinkClick r:id="rId7">
+                  <a:extLst>
+                    <a:ext uri="{A12FA001-AC4F-418D-AE19-62706E023703}">
+                      <ahyp:hlinkClr xmlns:ahyp="http://schemas.microsoft.com/office/drawing/2018/hyperlinkcolor" val="tx"/>
+                    </a:ext>
+                  </a:extLst>
+                </a:hlinkClick>
+              </a:rPr>
+              <a:t>Why you’re hearing so much about Minnesota’s congressional races this fall</a:t>
+            </a:r>
+            <a:endParaRPr lang="en-US" sz="4000" dirty="0">
+              <a:solidFill>
+                <a:schemeClr val="bg1"/>
+              </a:solidFill>
+            </a:endParaRPr>
+          </a:p>
+          <a:p>
+            <a:pPr marL="0" indent="0">
+              <a:buNone/>
+            </a:pPr>
+            <a:r>
+              <a:rPr lang="en-US" sz="4000" dirty="0">
+                <a:solidFill>
+                  <a:schemeClr val="bg1"/>
+                </a:solidFill>
+              </a:rPr>
+              <a:t>What might happen? Wrangling a bunch of data from political forecasters and using it to tell stories about major Minnesota elections</a:t>
+            </a:r>
+            <a:r>
+              <a:rPr lang="en-US" dirty="0">
+                <a:solidFill>
+                  <a:schemeClr val="bg1"/>
+                </a:solidFill>
+              </a:rPr>
+              <a:t> </a:t>
+            </a:r>
+          </a:p>
+          <a:p>
+            <a:pPr marL="0" indent="0">
+              <a:buNone/>
+            </a:pPr>
+            <a:r>
+              <a:rPr lang="en-US" dirty="0">
+                <a:solidFill>
+                  <a:schemeClr val="bg1"/>
+                </a:solidFill>
+              </a:rPr>
+              <a:t> </a:t>
+            </a:r>
+          </a:p>
+          <a:p>
+            <a:pPr marL="0" indent="0">
+              <a:buNone/>
+            </a:pPr>
             <a:endParaRPr lang="en-US" dirty="0">
               <a:solidFill>
                 <a:schemeClr val="bg1"/>
               </a:solidFill>
             </a:endParaRPr>
           </a:p>
-          <a:p>
-            <a:pPr marL="0" indent="0">
-              <a:buNone/>
-            </a:pPr>
-            <a:r>
-              <a:rPr lang="en-US" dirty="0">
-                <a:solidFill>
-                  <a:schemeClr val="bg1"/>
-                </a:solidFill>
-              </a:rPr>
-              <a:t>Home of Minnesota election results going back multiple years</a:t>
+        </p:txBody>
+      </p:sp>
+      <p:sp>
+        <p:nvSpPr>
+          <p:cNvPr id="4" name="TextBox 3">
+            <a:extLst>
+              <a:ext uri="{FF2B5EF4-FFF2-40B4-BE49-F238E27FC236}">
+                <a16:creationId xmlns:a16="http://schemas.microsoft.com/office/drawing/2014/main" id="{905EEC97-25F7-324B-8597-EB0BD6A29ADF}"/>
+              </a:ext>
+            </a:extLst>
+          </p:cNvPr>
+          <p:cNvSpPr txBox="1"/>
+          <p:nvPr/>
+        </p:nvSpPr>
+        <p:spPr>
+          <a:xfrm>
+            <a:off x="4828854" y="1600199"/>
+            <a:ext cx="3667874" cy="3785652"/>
+          </a:xfrm>
+          <a:prstGeom prst="rect">
+            <a:avLst/>
+          </a:prstGeom>
+        </p:spPr>
+        <p:style>
+          <a:lnRef idx="2">
+            <a:schemeClr val="dk1"/>
+          </a:lnRef>
+          <a:fillRef idx="1">
+            <a:schemeClr val="lt1"/>
+          </a:fillRef>
+          <a:effectRef idx="0">
+            <a:schemeClr val="dk1"/>
+          </a:effectRef>
+          <a:fontRef idx="minor">
+            <a:schemeClr val="dk1"/>
+          </a:fontRef>
+        </p:style>
+        <p:txBody>
+          <a:bodyPr wrap="square" rtlCol="0">
+            <a:spAutoFit/>
+          </a:bodyPr>
+          <a:lstStyle/>
+          <a:p>
+            <a:r>
+              <a:rPr lang="en-US" sz="1000" b="1" dirty="0">
+                <a:solidFill>
+                  <a:schemeClr val="bg1"/>
+                </a:solidFill>
+              </a:rPr>
+              <a:t>Fun Things</a:t>
+            </a:r>
+            <a:endParaRPr lang="en-US" sz="1000" dirty="0">
+              <a:solidFill>
+                <a:schemeClr val="bg1"/>
+              </a:solidFill>
+            </a:endParaRPr>
+          </a:p>
+          <a:p>
+            <a:r>
+              <a:rPr lang="en-US" sz="1000" u="sng" dirty="0">
+                <a:solidFill>
+                  <a:schemeClr val="bg1"/>
+                </a:solidFill>
+                <a:hlinkClick r:id="rId8">
+                  <a:extLst>
+                    <a:ext uri="{A12FA001-AC4F-418D-AE19-62706E023703}">
+                      <ahyp:hlinkClr xmlns:ahyp="http://schemas.microsoft.com/office/drawing/2018/hyperlinkcolor" val="tx"/>
+                    </a:ext>
+                  </a:extLst>
+                </a:hlinkClick>
+              </a:rPr>
+              <a:t>Google tracked a year of my life in downtown Minneapolis</a:t>
+            </a:r>
+            <a:r>
+              <a:rPr lang="en-US" sz="1000" dirty="0">
+                <a:solidFill>
+                  <a:schemeClr val="bg1"/>
+                </a:solidFill>
+              </a:rPr>
+              <a:t> </a:t>
+            </a:r>
+          </a:p>
+          <a:p>
+            <a:r>
+              <a:rPr lang="en-US" sz="1000" dirty="0">
+                <a:solidFill>
+                  <a:schemeClr val="bg1"/>
+                </a:solidFill>
+              </a:rPr>
+              <a:t>More and more, individuals are data, and stories can be told about them using numbers</a:t>
+            </a:r>
+          </a:p>
+          <a:p>
+            <a:r>
+              <a:rPr lang="en-US" sz="1000" dirty="0">
+                <a:solidFill>
+                  <a:schemeClr val="bg1"/>
+                </a:solidFill>
+              </a:rPr>
+              <a:t> </a:t>
+            </a:r>
+          </a:p>
+          <a:p>
+            <a:r>
+              <a:rPr lang="en-US" sz="1000" u="sng" dirty="0">
+                <a:solidFill>
+                  <a:schemeClr val="bg1"/>
+                </a:solidFill>
+                <a:hlinkClick r:id="rId9">
+                  <a:extLst>
+                    <a:ext uri="{A12FA001-AC4F-418D-AE19-62706E023703}">
+                      <ahyp:hlinkClr xmlns:ahyp="http://schemas.microsoft.com/office/drawing/2018/hyperlinkcolor" val="tx"/>
+                    </a:ext>
+                  </a:extLst>
+                </a:hlinkClick>
+              </a:rPr>
+              <a:t>Are the Vikings the NFL's most tragic playoff team?</a:t>
+            </a:r>
+            <a:r>
+              <a:rPr lang="en-US" sz="1000" dirty="0">
+                <a:solidFill>
+                  <a:schemeClr val="bg1"/>
+                </a:solidFill>
+              </a:rPr>
+              <a:t> </a:t>
+            </a:r>
+          </a:p>
+          <a:p>
+            <a:r>
+              <a:rPr lang="en-US" sz="1000" dirty="0">
+                <a:solidFill>
+                  <a:schemeClr val="bg1"/>
+                </a:solidFill>
+              </a:rPr>
+              <a:t>Using data to quantify something people generally already know</a:t>
+            </a:r>
+          </a:p>
+          <a:p>
+            <a:r>
+              <a:rPr lang="en-US" sz="1000" dirty="0">
+                <a:solidFill>
+                  <a:schemeClr val="bg1"/>
+                </a:solidFill>
+              </a:rPr>
+              <a:t> </a:t>
+            </a:r>
+          </a:p>
+          <a:p>
+            <a:r>
+              <a:rPr lang="en-US" sz="1000" u="sng" dirty="0">
+                <a:solidFill>
+                  <a:schemeClr val="bg1"/>
+                </a:solidFill>
+                <a:hlinkClick r:id="rId10">
+                  <a:extLst>
+                    <a:ext uri="{A12FA001-AC4F-418D-AE19-62706E023703}">
+                      <ahyp:hlinkClr xmlns:ahyp="http://schemas.microsoft.com/office/drawing/2018/hyperlinkcolor" val="tx"/>
+                    </a:ext>
+                  </a:extLst>
+                </a:hlinkClick>
+              </a:rPr>
+              <a:t>What would the Twin Cities look like as a mega-region?</a:t>
+            </a:r>
+            <a:endParaRPr lang="en-US" sz="1000" dirty="0">
+              <a:solidFill>
+                <a:schemeClr val="bg1"/>
+              </a:solidFill>
+            </a:endParaRPr>
+          </a:p>
+          <a:p>
+            <a:r>
+              <a:rPr lang="en-US" sz="1000" dirty="0">
+                <a:solidFill>
+                  <a:schemeClr val="bg1"/>
+                </a:solidFill>
+              </a:rPr>
+              <a:t>Hypothetical research explained through the lens of actual data</a:t>
+            </a:r>
+          </a:p>
+          <a:p>
+            <a:endParaRPr lang="en-US" sz="1000" dirty="0">
+              <a:solidFill>
+                <a:schemeClr val="bg1"/>
+              </a:solidFill>
+            </a:endParaRPr>
+          </a:p>
+          <a:p>
+            <a:endParaRPr lang="en-US" sz="1000" dirty="0">
+              <a:solidFill>
+                <a:schemeClr val="bg1"/>
+              </a:solidFill>
+            </a:endParaRPr>
+          </a:p>
+          <a:p>
+            <a:r>
+              <a:rPr lang="en-US" sz="1000" b="1" dirty="0">
+                <a:solidFill>
+                  <a:schemeClr val="bg1"/>
+                </a:solidFill>
+              </a:rPr>
+              <a:t>Enterprise Investigations</a:t>
+            </a:r>
+          </a:p>
+          <a:p>
+            <a:r>
+              <a:rPr lang="en-US" sz="1000" u="sng" dirty="0">
+                <a:solidFill>
+                  <a:schemeClr val="bg1"/>
+                </a:solidFill>
+                <a:hlinkClick r:id="rId11">
+                  <a:extLst>
+                    <a:ext uri="{A12FA001-AC4F-418D-AE19-62706E023703}">
+                      <ahyp:hlinkClr xmlns:ahyp="http://schemas.microsoft.com/office/drawing/2018/hyperlinkcolor" val="tx"/>
+                    </a:ext>
+                  </a:extLst>
+                </a:hlinkClick>
+              </a:rPr>
+              <a:t>North hit hard by demolitions while south rebuilds</a:t>
+            </a:r>
+            <a:r>
+              <a:rPr lang="en-US" sz="1000" dirty="0">
+                <a:solidFill>
+                  <a:schemeClr val="bg1"/>
+                </a:solidFill>
+              </a:rPr>
+              <a:t> </a:t>
+            </a:r>
+          </a:p>
+          <a:p>
+            <a:r>
+              <a:rPr lang="en-US" sz="1000" dirty="0">
+                <a:solidFill>
+                  <a:schemeClr val="bg1"/>
+                </a:solidFill>
+              </a:rPr>
+              <a:t>Quantifying a long time socioeconomic issue and revealing something new in the process</a:t>
+            </a:r>
+          </a:p>
+          <a:p>
+            <a:endParaRPr lang="en-US" sz="1000" dirty="0">
+              <a:solidFill>
+                <a:schemeClr val="bg1"/>
+              </a:solidFill>
+            </a:endParaRPr>
+          </a:p>
+          <a:p>
+            <a:r>
+              <a:rPr lang="en-US" sz="1000" u="sng" dirty="0">
+                <a:solidFill>
+                  <a:schemeClr val="bg1"/>
+                </a:solidFill>
+                <a:hlinkClick r:id="rId12">
+                  <a:extLst>
+                    <a:ext uri="{A12FA001-AC4F-418D-AE19-62706E023703}">
+                      <ahyp:hlinkClr xmlns:ahyp="http://schemas.microsoft.com/office/drawing/2018/hyperlinkcolor" val="tx"/>
+                    </a:ext>
+                  </a:extLst>
+                </a:hlinkClick>
+              </a:rPr>
+              <a:t>Fatal police encounters in Minnesota since 2000</a:t>
+            </a:r>
+            <a:r>
+              <a:rPr lang="en-US" sz="1000" dirty="0">
+                <a:solidFill>
+                  <a:schemeClr val="bg1"/>
+                </a:solidFill>
+              </a:rPr>
+              <a:t> </a:t>
+            </a:r>
+          </a:p>
+          <a:p>
+            <a:r>
+              <a:rPr lang="en-US" sz="1000" dirty="0">
+                <a:solidFill>
+                  <a:schemeClr val="bg1"/>
+                </a:solidFill>
+              </a:rPr>
+              <a:t>Creating and maintaining a public resource to track and quantify an ongoing social issue</a:t>
+            </a:r>
+          </a:p>
+          <a:p>
+            <a:r>
+              <a:rPr lang="en-US" sz="1000" dirty="0">
+                <a:solidFill>
+                  <a:schemeClr val="bg1"/>
+                </a:solidFill>
+              </a:rPr>
+              <a:t> </a:t>
+            </a:r>
+          </a:p>
+          <a:p>
+            <a:r>
+              <a:rPr lang="en-US" sz="1000" u="sng" dirty="0">
+                <a:solidFill>
+                  <a:schemeClr val="bg1"/>
+                </a:solidFill>
+                <a:hlinkClick r:id="rId13">
+                  <a:extLst>
+                    <a:ext uri="{A12FA001-AC4F-418D-AE19-62706E023703}">
+                      <ahyp:hlinkClr xmlns:ahyp="http://schemas.microsoft.com/office/drawing/2018/hyperlinkcolor" val="tx"/>
+                    </a:ext>
+                  </a:extLst>
+                </a:hlinkClick>
+              </a:rPr>
+              <a:t>Way Down in the Hole</a:t>
+            </a:r>
+            <a:endParaRPr lang="en-US" sz="1000" dirty="0">
+              <a:solidFill>
+                <a:schemeClr val="bg1"/>
+              </a:solidFill>
+            </a:endParaRPr>
+          </a:p>
+          <a:p>
+            <a:r>
+              <a:rPr lang="en-US" sz="1000" dirty="0">
+                <a:solidFill>
+                  <a:schemeClr val="bg1"/>
+                </a:solidFill>
+              </a:rPr>
+              <a:t>Using data to uncover something not publicly known or private acknowledged</a:t>
             </a:r>
           </a:p>
         </p:txBody>
@@ -6289,7 +6233,7 @@
     </p:spTree>
     <p:extLst>
       <p:ext uri="{BB962C8B-B14F-4D97-AF65-F5344CB8AC3E}">
-        <p14:creationId xmlns:p14="http://schemas.microsoft.com/office/powerpoint/2010/main" val="1757545143"/>
+        <p14:creationId xmlns:p14="http://schemas.microsoft.com/office/powerpoint/2010/main" val="1239489940"/>
       </p:ext>
     </p:extLst>
   </p:cSld>

--- a/data_presentation.pptx
+++ b/data_presentation.pptx
@@ -13,13 +13,11 @@
     <p:sldId id="261" r:id="rId7"/>
     <p:sldId id="262" r:id="rId8"/>
     <p:sldId id="260" r:id="rId9"/>
-    <p:sldId id="263" r:id="rId10"/>
-    <p:sldId id="264" r:id="rId11"/>
-    <p:sldId id="265" r:id="rId12"/>
-    <p:sldId id="267" r:id="rId13"/>
-    <p:sldId id="268" r:id="rId14"/>
-    <p:sldId id="272" r:id="rId15"/>
-    <p:sldId id="269" r:id="rId16"/>
+    <p:sldId id="267" r:id="rId10"/>
+    <p:sldId id="268" r:id="rId11"/>
+    <p:sldId id="263" r:id="rId12"/>
+    <p:sldId id="272" r:id="rId13"/>
+    <p:sldId id="269" r:id="rId14"/>
   </p:sldIdLst>
   <p:sldSz cx="9144000" cy="6858000" type="screen4x3"/>
   <p:notesSz cx="6858000" cy="9144000"/>
@@ -316,7 +314,7 @@
           <a:p>
             <a:fld id="{6BFECD78-3C8E-49F2-8FAB-59489D168ABB}" type="datetimeFigureOut">
               <a:rPr lang="en-US" smtClean="0"/>
-              <a:t>11/27/18</a:t>
+              <a:t>2/7/19</a:t>
             </a:fld>
             <a:endParaRPr lang="en-US"/>
           </a:p>
@@ -484,7 +482,7 @@
           <a:p>
             <a:fld id="{6BFECD78-3C8E-49F2-8FAB-59489D168ABB}" type="datetimeFigureOut">
               <a:rPr lang="en-US" smtClean="0"/>
-              <a:t>11/27/18</a:t>
+              <a:t>2/7/19</a:t>
             </a:fld>
             <a:endParaRPr lang="en-US"/>
           </a:p>
@@ -662,7 +660,7 @@
           <a:p>
             <a:fld id="{6BFECD78-3C8E-49F2-8FAB-59489D168ABB}" type="datetimeFigureOut">
               <a:rPr lang="en-US" smtClean="0"/>
-              <a:t>11/27/18</a:t>
+              <a:t>2/7/19</a:t>
             </a:fld>
             <a:endParaRPr lang="en-US"/>
           </a:p>
@@ -830,7 +828,7 @@
           <a:p>
             <a:fld id="{6BFECD78-3C8E-49F2-8FAB-59489D168ABB}" type="datetimeFigureOut">
               <a:rPr lang="en-US" smtClean="0"/>
-              <a:t>11/27/18</a:t>
+              <a:t>2/7/19</a:t>
             </a:fld>
             <a:endParaRPr lang="en-US"/>
           </a:p>
@@ -1075,7 +1073,7 @@
           <a:p>
             <a:fld id="{6BFECD78-3C8E-49F2-8FAB-59489D168ABB}" type="datetimeFigureOut">
               <a:rPr lang="en-US" smtClean="0"/>
-              <a:t>11/27/18</a:t>
+              <a:t>2/7/19</a:t>
             </a:fld>
             <a:endParaRPr lang="en-US"/>
           </a:p>
@@ -1360,7 +1358,7 @@
           <a:p>
             <a:fld id="{6BFECD78-3C8E-49F2-8FAB-59489D168ABB}" type="datetimeFigureOut">
               <a:rPr lang="en-US" smtClean="0"/>
-              <a:t>11/27/18</a:t>
+              <a:t>2/7/19</a:t>
             </a:fld>
             <a:endParaRPr lang="en-US"/>
           </a:p>
@@ -1779,7 +1777,7 @@
           <a:p>
             <a:fld id="{6BFECD78-3C8E-49F2-8FAB-59489D168ABB}" type="datetimeFigureOut">
               <a:rPr lang="en-US" smtClean="0"/>
-              <a:t>11/27/18</a:t>
+              <a:t>2/7/19</a:t>
             </a:fld>
             <a:endParaRPr lang="en-US"/>
           </a:p>
@@ -1896,7 +1894,7 @@
           <a:p>
             <a:fld id="{6BFECD78-3C8E-49F2-8FAB-59489D168ABB}" type="datetimeFigureOut">
               <a:rPr lang="en-US" smtClean="0"/>
-              <a:t>11/27/18</a:t>
+              <a:t>2/7/19</a:t>
             </a:fld>
             <a:endParaRPr lang="en-US"/>
           </a:p>
@@ -1991,7 +1989,7 @@
           <a:p>
             <a:fld id="{6BFECD78-3C8E-49F2-8FAB-59489D168ABB}" type="datetimeFigureOut">
               <a:rPr lang="en-US" smtClean="0"/>
-              <a:t>11/27/18</a:t>
+              <a:t>2/7/19</a:t>
             </a:fld>
             <a:endParaRPr lang="en-US"/>
           </a:p>
@@ -2266,7 +2264,7 @@
           <a:p>
             <a:fld id="{6BFECD78-3C8E-49F2-8FAB-59489D168ABB}" type="datetimeFigureOut">
               <a:rPr lang="en-US" smtClean="0"/>
-              <a:t>11/27/18</a:t>
+              <a:t>2/7/19</a:t>
             </a:fld>
             <a:endParaRPr lang="en-US"/>
           </a:p>
@@ -2521,7 +2519,7 @@
           <a:p>
             <a:fld id="{6BFECD78-3C8E-49F2-8FAB-59489D168ABB}" type="datetimeFigureOut">
               <a:rPr lang="en-US" smtClean="0"/>
-              <a:t>11/27/18</a:t>
+              <a:t>2/7/19</a:t>
             </a:fld>
             <a:endParaRPr lang="en-US"/>
           </a:p>
@@ -2732,7 +2730,7 @@
           <a:p>
             <a:fld id="{6BFECD78-3C8E-49F2-8FAB-59489D168ABB}" type="datetimeFigureOut">
               <a:rPr lang="en-US" smtClean="0"/>
-              <a:t>11/27/18</a:t>
+              <a:t>2/7/19</a:t>
             </a:fld>
             <a:endParaRPr lang="en-US"/>
           </a:p>
@@ -3179,17 +3177,17 @@
                   <a:schemeClr val="bg1"/>
                 </a:solidFill>
               </a:rPr>
-              <a:t>UMN SJMC Murphy Hall</a:t>
-            </a:r>
-          </a:p>
-          <a:p>
-            <a:r>
-              <a:rPr lang="en-US" dirty="0">
-                <a:solidFill>
-                  <a:schemeClr val="bg1"/>
-                </a:solidFill>
-              </a:rPr>
-              <a:t>November 27, 2018</a:t>
+              <a:t>Best of the Midwest</a:t>
+            </a:r>
+          </a:p>
+          <a:p>
+            <a:r>
+              <a:rPr lang="en-US" dirty="0">
+                <a:solidFill>
+                  <a:schemeClr val="bg1"/>
+                </a:solidFill>
+              </a:rPr>
+              <a:t>February 15, 2019</a:t>
             </a:r>
           </a:p>
         </p:txBody>
@@ -3244,8 +3242,34 @@
         </p:nvSpPr>
         <p:spPr/>
         <p:txBody>
+          <a:bodyPr/>
+          <a:lstStyle/>
+          <a:p>
+            <a:r>
+              <a:rPr lang="en-US" dirty="0">
+                <a:solidFill>
+                  <a:schemeClr val="bg1"/>
+                </a:solidFill>
+              </a:rPr>
+              <a:t>Parting thoughts</a:t>
+            </a:r>
+          </a:p>
+        </p:txBody>
+      </p:sp>
+      <p:sp>
+        <p:nvSpPr>
+          <p:cNvPr id="3" name="Content Placeholder 2"/>
+          <p:cNvSpPr>
+            <a:spLocks noGrp="1"/>
+          </p:cNvSpPr>
+          <p:nvPr>
+            <p:ph idx="1"/>
+          </p:nvPr>
+        </p:nvSpPr>
+        <p:spPr/>
+        <p:txBody>
           <a:bodyPr>
-            <a:normAutofit/>
+            <a:normAutofit fontScale="85000" lnSpcReduction="20000"/>
           </a:bodyPr>
           <a:lstStyle/>
           <a:p>
@@ -3255,49 +3279,10 @@
                   <a:schemeClr val="bg1"/>
                 </a:solidFill>
               </a:rPr>
-              <a:t>Charting tools</a:t>
-            </a:r>
-          </a:p>
-        </p:txBody>
-      </p:sp>
-      <p:sp>
-        <p:nvSpPr>
-          <p:cNvPr id="3" name="Content Placeholder 2"/>
-          <p:cNvSpPr>
-            <a:spLocks noGrp="1"/>
-          </p:cNvSpPr>
-          <p:nvPr>
-            <p:ph idx="1"/>
-          </p:nvPr>
-        </p:nvSpPr>
-        <p:spPr/>
-        <p:txBody>
-          <a:bodyPr/>
-          <a:lstStyle/>
-          <a:p>
-            <a:r>
-              <a:rPr lang="en-US" dirty="0">
-                <a:solidFill>
-                  <a:schemeClr val="bg1"/>
-                </a:solidFill>
-              </a:rPr>
-              <a:t>Google Charts | </a:t>
-            </a:r>
-            <a:r>
-              <a:rPr lang="en-US" dirty="0">
-                <a:solidFill>
-                  <a:schemeClr val="bg1"/>
-                </a:solidFill>
-                <a:hlinkClick r:id="rId2">
-                  <a:extLst>
-                    <a:ext uri="{A12FA001-AC4F-418D-AE19-62706E023703}">
-                      <ahyp:hlinkClr xmlns:ahyp="http://schemas.microsoft.com/office/drawing/2018/hyperlinkcolor" val="tx"/>
-                    </a:ext>
-                  </a:extLst>
-                </a:hlinkClick>
-              </a:rPr>
-              <a:t>Link</a:t>
-            </a:r>
+              <a:t>Data journalism is very in demand.</a:t>
+            </a:r>
+          </a:p>
+          <a:p>
             <a:endParaRPr lang="en-US" dirty="0">
               <a:solidFill>
                 <a:schemeClr val="bg1"/>
@@ -3306,36 +3291,15 @@
           </a:p>
           <a:p>
             <a:r>
-              <a:rPr lang="en-US" dirty="0" err="1">
-                <a:solidFill>
-                  <a:schemeClr val="bg1"/>
-                </a:solidFill>
-              </a:rPr>
-              <a:t>DataWrapper</a:t>
-            </a:r>
-            <a:r>
-              <a:rPr lang="en-US" dirty="0">
-                <a:solidFill>
-                  <a:schemeClr val="bg1"/>
-                </a:solidFill>
-              </a:rPr>
-              <a:t> | </a:t>
-            </a:r>
-            <a:r>
-              <a:rPr lang="en-US" dirty="0">
-                <a:solidFill>
-                  <a:schemeClr val="bg1"/>
-                </a:solidFill>
-                <a:hlinkClick r:id="rId3">
-                  <a:extLst>
-                    <a:ext uri="{A12FA001-AC4F-418D-AE19-62706E023703}">
-                      <ahyp:hlinkClr xmlns:ahyp="http://schemas.microsoft.com/office/drawing/2018/hyperlinkcolor" val="tx"/>
-                    </a:ext>
-                  </a:extLst>
-                </a:hlinkClick>
-              </a:rPr>
-              <a:t>Link</a:t>
-            </a:r>
+              <a:rPr lang="en-US" dirty="0">
+                <a:solidFill>
+                  <a:schemeClr val="bg1"/>
+                </a:solidFill>
+              </a:rPr>
+              <a:t>Be patient, it takes time to learn the skills and report data stories.</a:t>
+            </a:r>
+          </a:p>
+          <a:p>
             <a:endParaRPr lang="en-US" dirty="0">
               <a:solidFill>
                 <a:schemeClr val="bg1"/>
@@ -3349,65 +3313,32 @@
                   <a:schemeClr val="bg1"/>
                 </a:solidFill>
               </a:rPr>
-              <a:t>Online Charts | </a:t>
-            </a:r>
-            <a:r>
-              <a:rPr lang="en-US" dirty="0">
-                <a:solidFill>
-                  <a:schemeClr val="bg1"/>
-                </a:solidFill>
-                <a:hlinkClick r:id="rId4">
-                  <a:extLst>
-                    <a:ext uri="{A12FA001-AC4F-418D-AE19-62706E023703}">
-                      <ahyp:hlinkClr xmlns:ahyp="http://schemas.microsoft.com/office/drawing/2018/hyperlinkcolor" val="tx"/>
-                    </a:ext>
-                  </a:extLst>
-                </a:hlinkClick>
-              </a:rPr>
-              <a:t>Link</a:t>
-            </a:r>
+              <a:t>Don’t worry about becoming an expert, especially overnight.</a:t>
+            </a:r>
+          </a:p>
+          <a:p>
             <a:endParaRPr lang="en-US" dirty="0">
               <a:solidFill>
                 <a:schemeClr val="bg1"/>
               </a:solidFill>
             </a:endParaRPr>
           </a:p>
-        </p:txBody>
-      </p:sp>
-      <p:pic>
-        <p:nvPicPr>
-          <p:cNvPr id="4" name="Picture 3" descr="fusion.png"/>
-          <p:cNvPicPr>
-            <a:picLocks noChangeAspect="1"/>
-          </p:cNvPicPr>
-          <p:nvPr/>
-        </p:nvPicPr>
-        <p:blipFill>
-          <a:blip r:embed="rId5">
-            <a:extLst>
-              <a:ext uri="{28A0092B-C50C-407E-A947-70E740481C1C}">
-                <a14:useLocalDpi xmlns:a14="http://schemas.microsoft.com/office/drawing/2010/main" val="0"/>
-              </a:ext>
-            </a:extLst>
-          </a:blip>
-          <a:stretch>
-            <a:fillRect/>
-          </a:stretch>
-        </p:blipFill>
-        <p:spPr>
-          <a:xfrm>
-            <a:off x="457200" y="4033281"/>
-            <a:ext cx="8322744" cy="2302896"/>
-          </a:xfrm>
-          <a:prstGeom prst="rect">
-            <a:avLst/>
-          </a:prstGeom>
-        </p:spPr>
-      </p:pic>
+          <a:p>
+            <a:r>
+              <a:rPr lang="en-US" dirty="0">
+                <a:solidFill>
+                  <a:schemeClr val="bg1"/>
+                </a:solidFill>
+              </a:rPr>
+              <a:t>Tell a data story you’re passionate about from the ground up to teach yourself and have something to show for your time.</a:t>
+            </a:r>
+          </a:p>
+        </p:txBody>
+      </p:sp>
     </p:spTree>
     <p:extLst>
       <p:ext uri="{BB962C8B-B14F-4D97-AF65-F5344CB8AC3E}">
-        <p14:creationId xmlns:p14="http://schemas.microsoft.com/office/powerpoint/2010/main" val="2204228197"/>
+        <p14:creationId xmlns:p14="http://schemas.microsoft.com/office/powerpoint/2010/main" val="4204192808"/>
       </p:ext>
     </p:extLst>
   </p:cSld>
@@ -3463,7 +3394,7 @@
                   <a:schemeClr val="bg1"/>
                 </a:solidFill>
               </a:rPr>
-              <a:t>Other data stuff</a:t>
+              <a:t>Tools</a:t>
             </a:r>
           </a:p>
         </p:txBody>
@@ -3480,50 +3411,52 @@
         </p:nvSpPr>
         <p:spPr>
           <a:xfrm>
-            <a:off x="457200" y="1600201"/>
-            <a:ext cx="8229600" cy="4857566"/>
+            <a:off x="457200" y="1600200"/>
+            <a:ext cx="3326524" cy="4979276"/>
           </a:xfrm>
         </p:spPr>
         <p:txBody>
           <a:bodyPr>
-            <a:normAutofit fontScale="92500" lnSpcReduction="20000"/>
+            <a:normAutofit fontScale="85000" lnSpcReduction="20000"/>
           </a:bodyPr>
           <a:lstStyle/>
           <a:p>
-            <a:r>
-              <a:rPr lang="en-US" dirty="0" err="1">
-                <a:solidFill>
-                  <a:schemeClr val="bg1"/>
-                </a:solidFill>
-              </a:rPr>
-              <a:t>StribLab</a:t>
-            </a:r>
-            <a:r>
-              <a:rPr lang="en-US" dirty="0">
-                <a:solidFill>
-                  <a:schemeClr val="bg1"/>
-                </a:solidFill>
-              </a:rPr>
-              <a:t> </a:t>
-            </a:r>
-            <a:r>
-              <a:rPr lang="en-US" dirty="0" err="1">
-                <a:solidFill>
-                  <a:schemeClr val="bg1"/>
-                </a:solidFill>
-              </a:rPr>
-              <a:t>Github</a:t>
-            </a:r>
-            <a:r>
-              <a:rPr lang="en-US" dirty="0">
-                <a:solidFill>
-                  <a:schemeClr val="bg1"/>
-                </a:solidFill>
-              </a:rPr>
-              <a:t> | </a:t>
-            </a:r>
-            <a:r>
-              <a:rPr lang="en-US" dirty="0">
+            <a:pPr marL="0" indent="0">
+              <a:buNone/>
+            </a:pPr>
+            <a:r>
+              <a:rPr lang="en-US" sz="2400" b="1" dirty="0">
+                <a:solidFill>
+                  <a:schemeClr val="bg1"/>
+                </a:solidFill>
+              </a:rPr>
+              <a:t>Mapping</a:t>
+            </a:r>
+          </a:p>
+          <a:p>
+            <a:pPr marL="0" indent="0">
+              <a:buNone/>
+            </a:pPr>
+            <a:endParaRPr lang="en-US" sz="2200" dirty="0">
+              <a:solidFill>
+                <a:schemeClr val="bg1"/>
+              </a:solidFill>
+            </a:endParaRPr>
+          </a:p>
+          <a:p>
+            <a:pPr marL="0" indent="0">
+              <a:buNone/>
+            </a:pPr>
+            <a:r>
+              <a:rPr lang="en-US" sz="2200" dirty="0">
+                <a:solidFill>
+                  <a:schemeClr val="bg1"/>
+                </a:solidFill>
+              </a:rPr>
+              <a:t>CARTO | </a:t>
+            </a:r>
+            <a:r>
+              <a:rPr lang="en-US" sz="2200" dirty="0">
                 <a:solidFill>
                   <a:schemeClr val="bg1"/>
                 </a:solidFill>
@@ -3537,30 +3470,57 @@
               </a:rPr>
               <a:t>Link</a:t>
             </a:r>
-            <a:endParaRPr lang="en-US" dirty="0">
-              <a:solidFill>
-                <a:schemeClr val="bg1"/>
-              </a:solidFill>
-            </a:endParaRPr>
-          </a:p>
-          <a:p>
-            <a:endParaRPr lang="en-US" dirty="0">
-              <a:solidFill>
-                <a:schemeClr val="bg1"/>
-              </a:solidFill>
-            </a:endParaRPr>
-          </a:p>
-          <a:p>
-            <a:r>
-              <a:rPr lang="en-US" dirty="0">
-                <a:solidFill>
-                  <a:schemeClr val="bg1"/>
-                </a:solidFill>
-              </a:rPr>
-              <a:t>Tabula | </a:t>
-            </a:r>
-            <a:r>
-              <a:rPr lang="en-US" dirty="0">
+            <a:endParaRPr lang="en-US" sz="2200" dirty="0">
+              <a:solidFill>
+                <a:schemeClr val="bg1"/>
+              </a:solidFill>
+            </a:endParaRPr>
+          </a:p>
+          <a:p>
+            <a:pPr marL="0" indent="0">
+              <a:buNone/>
+            </a:pPr>
+            <a:r>
+              <a:rPr lang="en-US" sz="2200" dirty="0">
+                <a:solidFill>
+                  <a:schemeClr val="bg1"/>
+                </a:solidFill>
+              </a:rPr>
+              <a:t>A free (with limits) and powerful data mapping service</a:t>
+            </a:r>
+          </a:p>
+          <a:p>
+            <a:pPr marL="0" indent="0">
+              <a:buNone/>
+            </a:pPr>
+            <a:endParaRPr lang="en-US" sz="2200" dirty="0">
+              <a:solidFill>
+                <a:schemeClr val="bg1"/>
+              </a:solidFill>
+            </a:endParaRPr>
+          </a:p>
+          <a:p>
+            <a:pPr marL="0" indent="0">
+              <a:buNone/>
+            </a:pPr>
+            <a:r>
+              <a:rPr lang="en-US" sz="2200" dirty="0" err="1">
+                <a:solidFill>
+                  <a:schemeClr val="bg1"/>
+                </a:solidFill>
+              </a:rPr>
+              <a:t>Mapbox</a:t>
+            </a:r>
+            <a:r>
+              <a:rPr lang="en-US" sz="2200" dirty="0">
+                <a:solidFill>
+                  <a:schemeClr val="bg1"/>
+                </a:solidFill>
+              </a:rPr>
+              <a:t> | </a:t>
+            </a:r>
+            <a:r>
+              <a:rPr lang="en-US" sz="2200" dirty="0">
                 <a:solidFill>
                   <a:schemeClr val="bg1"/>
                 </a:solidFill>
@@ -3574,7 +3534,7 @@
               </a:rPr>
               <a:t>Link</a:t>
             </a:r>
-            <a:endParaRPr lang="en-US" dirty="0">
+            <a:endParaRPr lang="en-US" sz="2200" dirty="0">
               <a:solidFill>
                 <a:schemeClr val="bg1"/>
               </a:solidFill>
@@ -3585,35 +3545,38 @@
               <a:buNone/>
             </a:pPr>
             <a:r>
-              <a:rPr lang="en-US" dirty="0">
-                <a:solidFill>
-                  <a:schemeClr val="bg1"/>
-                </a:solidFill>
-              </a:rPr>
-              <a:t>Turn PDFs into spreadsheets</a:t>
+              <a:rPr lang="en-US" sz="2200" dirty="0">
+                <a:solidFill>
+                  <a:schemeClr val="bg1"/>
+                </a:solidFill>
+              </a:rPr>
+              <a:t>Another free and powerful, though slightly more complex, data mapping service</a:t>
             </a:r>
           </a:p>
           <a:p>
             <a:pPr marL="0" indent="0">
               <a:buNone/>
             </a:pPr>
-            <a:endParaRPr lang="en-US" dirty="0">
-              <a:solidFill>
-                <a:schemeClr val="bg1"/>
-              </a:solidFill>
-            </a:endParaRPr>
-          </a:p>
-          <a:p>
-            <a:r>
-              <a:rPr lang="en-US" dirty="0">
-                <a:solidFill>
-                  <a:schemeClr val="bg1"/>
-                </a:solidFill>
-              </a:rPr>
-              <a:t>The Data Visualization Catalogue | </a:t>
-            </a:r>
-            <a:r>
-              <a:rPr lang="en-US" dirty="0">
+            <a:endParaRPr lang="en-US" sz="2200" dirty="0">
+              <a:solidFill>
+                <a:schemeClr val="bg1"/>
+              </a:solidFill>
+            </a:endParaRPr>
+          </a:p>
+          <a:p>
+            <a:pPr marL="0" indent="0">
+              <a:buNone/>
+            </a:pPr>
+            <a:r>
+              <a:rPr lang="en-US" sz="2200" dirty="0">
+                <a:solidFill>
+                  <a:schemeClr val="bg1"/>
+                </a:solidFill>
+              </a:rPr>
+              <a:t>QGIS | </a:t>
+            </a:r>
+            <a:r>
+              <a:rPr lang="en-US" sz="2200" dirty="0">
                 <a:solidFill>
                   <a:schemeClr val="bg1"/>
                 </a:solidFill>
@@ -3627,7 +3590,7 @@
               </a:rPr>
               <a:t>Link</a:t>
             </a:r>
-            <a:endParaRPr lang="en-US" dirty="0">
+            <a:endParaRPr lang="en-US" sz="2200" dirty="0">
               <a:solidFill>
                 <a:schemeClr val="bg1"/>
               </a:solidFill>
@@ -3638,51 +3601,51 @@
               <a:buNone/>
             </a:pPr>
             <a:r>
-              <a:rPr lang="en-US" dirty="0">
-                <a:solidFill>
-                  <a:schemeClr val="bg1"/>
-                </a:solidFill>
-              </a:rPr>
-              <a:t>What </a:t>
-            </a:r>
-            <a:r>
-              <a:rPr lang="en-US" dirty="0" err="1">
-                <a:solidFill>
-                  <a:schemeClr val="bg1"/>
-                </a:solidFill>
-              </a:rPr>
-              <a:t>dataviz</a:t>
-            </a:r>
-            <a:r>
-              <a:rPr lang="en-US" dirty="0">
-                <a:solidFill>
-                  <a:schemeClr val="bg1"/>
-                </a:solidFill>
-              </a:rPr>
-              <a:t> to use for what purpose</a:t>
-            </a:r>
+              <a:rPr lang="en-US" sz="2200" dirty="0">
+                <a:solidFill>
+                  <a:schemeClr val="bg1"/>
+                </a:solidFill>
+              </a:rPr>
+              <a:t>A more advanced bit of GIS software for building data maps from </a:t>
+            </a:r>
+            <a:r>
+              <a:rPr lang="en-US" sz="2200" dirty="0" err="1">
+                <a:solidFill>
+                  <a:schemeClr val="bg1"/>
+                </a:solidFill>
+              </a:rPr>
+              <a:t>shapefiles</a:t>
+            </a:r>
+            <a:endParaRPr lang="en-US" sz="2200" dirty="0">
+              <a:solidFill>
+                <a:schemeClr val="bg1"/>
+              </a:solidFill>
+            </a:endParaRPr>
           </a:p>
           <a:p>
             <a:pPr marL="0" indent="0">
               <a:buNone/>
             </a:pPr>
-            <a:endParaRPr lang="en-US" dirty="0">
-              <a:solidFill>
-                <a:schemeClr val="bg1"/>
-              </a:solidFill>
-            </a:endParaRPr>
-          </a:p>
-          <a:p>
-            <a:r>
-              <a:rPr lang="en-US" dirty="0">
-                <a:solidFill>
-                  <a:schemeClr val="bg1"/>
-                </a:solidFill>
-              </a:rPr>
-              <a:t>Visual Vocabulary | </a:t>
-            </a:r>
-            <a:r>
-              <a:rPr lang="en-US" dirty="0">
+            <a:endParaRPr lang="en-US" sz="2200" dirty="0">
+              <a:solidFill>
+                <a:schemeClr val="bg1"/>
+              </a:solidFill>
+            </a:endParaRPr>
+          </a:p>
+          <a:p>
+            <a:pPr marL="0" indent="0">
+              <a:buNone/>
+            </a:pPr>
+            <a:r>
+              <a:rPr lang="en-US" sz="2200" dirty="0">
+                <a:solidFill>
+                  <a:schemeClr val="bg1"/>
+                </a:solidFill>
+              </a:rPr>
+              <a:t>Google Fusion Tables | </a:t>
+            </a:r>
+            <a:r>
+              <a:rPr lang="en-US" sz="2200" dirty="0">
                 <a:solidFill>
                   <a:schemeClr val="bg1"/>
                 </a:solidFill>
@@ -3696,16 +3659,430 @@
               </a:rPr>
               <a:t>Link</a:t>
             </a:r>
+            <a:endParaRPr lang="en-US" sz="2200" dirty="0">
+              <a:solidFill>
+                <a:schemeClr val="bg1"/>
+              </a:solidFill>
+            </a:endParaRPr>
+          </a:p>
+          <a:p>
+            <a:pPr marL="0" indent="0">
+              <a:buNone/>
+            </a:pPr>
+            <a:r>
+              <a:rPr lang="en-US" sz="2200" dirty="0">
+                <a:solidFill>
+                  <a:schemeClr val="bg1"/>
+                </a:solidFill>
+              </a:rPr>
+              <a:t>Make maps from spreadsheets</a:t>
+            </a:r>
+          </a:p>
+          <a:p>
+            <a:pPr marL="0" indent="0">
+              <a:buNone/>
+            </a:pPr>
             <a:endParaRPr lang="en-US" dirty="0">
               <a:solidFill>
                 <a:schemeClr val="bg1"/>
               </a:solidFill>
             </a:endParaRPr>
           </a:p>
-          <a:p>
-            <a:pPr marL="0" indent="0">
-              <a:buNone/>
-            </a:pPr>
+        </p:txBody>
+      </p:sp>
+      <p:sp>
+        <p:nvSpPr>
+          <p:cNvPr id="4" name="Rectangle 3">
+            <a:extLst>
+              <a:ext uri="{FF2B5EF4-FFF2-40B4-BE49-F238E27FC236}">
+                <a16:creationId xmlns:a16="http://schemas.microsoft.com/office/drawing/2014/main" id="{6AADFECF-6B13-E044-8EFB-BB90AC0C5EA8}"/>
+              </a:ext>
+            </a:extLst>
+          </p:cNvPr>
+          <p:cNvSpPr/>
+          <p:nvPr/>
+        </p:nvSpPr>
+        <p:spPr>
+          <a:xfrm>
+            <a:off x="4114800" y="1600200"/>
+            <a:ext cx="4572000" cy="1477328"/>
+          </a:xfrm>
+          <a:prstGeom prst="rect">
+            <a:avLst/>
+          </a:prstGeom>
+        </p:spPr>
+        <p:txBody>
+          <a:bodyPr>
+            <a:spAutoFit/>
+          </a:bodyPr>
+          <a:lstStyle/>
+          <a:p>
+            <a:r>
+              <a:rPr lang="en-US" b="1" dirty="0">
+                <a:solidFill>
+                  <a:schemeClr val="bg1"/>
+                </a:solidFill>
+              </a:rPr>
+              <a:t>Charting</a:t>
+            </a:r>
+          </a:p>
+          <a:p>
+            <a:endParaRPr lang="en-US" dirty="0">
+              <a:solidFill>
+                <a:schemeClr val="bg1"/>
+              </a:solidFill>
+            </a:endParaRPr>
+          </a:p>
+          <a:p>
+            <a:r>
+              <a:rPr lang="en-US" dirty="0">
+                <a:solidFill>
+                  <a:schemeClr val="bg1"/>
+                </a:solidFill>
+              </a:rPr>
+              <a:t>Google Charts | </a:t>
+            </a:r>
+            <a:r>
+              <a:rPr lang="en-US" dirty="0">
+                <a:solidFill>
+                  <a:schemeClr val="bg1"/>
+                </a:solidFill>
+                <a:hlinkClick r:id="rId6">
+                  <a:extLst>
+                    <a:ext uri="{A12FA001-AC4F-418D-AE19-62706E023703}">
+                      <ahyp:hlinkClr xmlns:ahyp="http://schemas.microsoft.com/office/drawing/2018/hyperlinkcolor" val="tx"/>
+                    </a:ext>
+                  </a:extLst>
+                </a:hlinkClick>
+              </a:rPr>
+              <a:t>Link</a:t>
+            </a:r>
+            <a:endParaRPr lang="en-US" dirty="0">
+              <a:solidFill>
+                <a:schemeClr val="bg1"/>
+              </a:solidFill>
+            </a:endParaRPr>
+          </a:p>
+          <a:p>
+            <a:r>
+              <a:rPr lang="en-US" dirty="0" err="1">
+                <a:solidFill>
+                  <a:schemeClr val="bg1"/>
+                </a:solidFill>
+              </a:rPr>
+              <a:t>DataWrapper</a:t>
+            </a:r>
+            <a:r>
+              <a:rPr lang="en-US" dirty="0">
+                <a:solidFill>
+                  <a:schemeClr val="bg1"/>
+                </a:solidFill>
+              </a:rPr>
+              <a:t> | </a:t>
+            </a:r>
+            <a:r>
+              <a:rPr lang="en-US" dirty="0">
+                <a:solidFill>
+                  <a:schemeClr val="bg1"/>
+                </a:solidFill>
+                <a:hlinkClick r:id="rId7">
+                  <a:extLst>
+                    <a:ext uri="{A12FA001-AC4F-418D-AE19-62706E023703}">
+                      <ahyp:hlinkClr xmlns:ahyp="http://schemas.microsoft.com/office/drawing/2018/hyperlinkcolor" val="tx"/>
+                    </a:ext>
+                  </a:extLst>
+                </a:hlinkClick>
+              </a:rPr>
+              <a:t>Link</a:t>
+            </a:r>
+            <a:endParaRPr lang="en-US" dirty="0">
+              <a:solidFill>
+                <a:schemeClr val="bg1"/>
+              </a:solidFill>
+            </a:endParaRPr>
+          </a:p>
+          <a:p>
+            <a:r>
+              <a:rPr lang="en-US" dirty="0">
+                <a:solidFill>
+                  <a:schemeClr val="bg1"/>
+                </a:solidFill>
+              </a:rPr>
+              <a:t>Online Charts | </a:t>
+            </a:r>
+            <a:r>
+              <a:rPr lang="en-US" dirty="0">
+                <a:solidFill>
+                  <a:schemeClr val="bg1"/>
+                </a:solidFill>
+                <a:hlinkClick r:id="rId8">
+                  <a:extLst>
+                    <a:ext uri="{A12FA001-AC4F-418D-AE19-62706E023703}">
+                      <ahyp:hlinkClr xmlns:ahyp="http://schemas.microsoft.com/office/drawing/2018/hyperlinkcolor" val="tx"/>
+                    </a:ext>
+                  </a:extLst>
+                </a:hlinkClick>
+              </a:rPr>
+              <a:t>Link</a:t>
+            </a:r>
+            <a:endParaRPr lang="en-US" dirty="0">
+              <a:solidFill>
+                <a:schemeClr val="bg1"/>
+              </a:solidFill>
+            </a:endParaRPr>
+          </a:p>
+        </p:txBody>
+      </p:sp>
+      <p:sp>
+        <p:nvSpPr>
+          <p:cNvPr id="5" name="Rectangle 4">
+            <a:extLst>
+              <a:ext uri="{FF2B5EF4-FFF2-40B4-BE49-F238E27FC236}">
+                <a16:creationId xmlns:a16="http://schemas.microsoft.com/office/drawing/2014/main" id="{3BFBD21D-8B0F-A749-811B-EF5B31E8F6FE}"/>
+              </a:ext>
+            </a:extLst>
+          </p:cNvPr>
+          <p:cNvSpPr/>
+          <p:nvPr/>
+        </p:nvSpPr>
+        <p:spPr>
+          <a:xfrm>
+            <a:off x="4114800" y="3263841"/>
+            <a:ext cx="4572000" cy="3416320"/>
+          </a:xfrm>
+          <a:prstGeom prst="rect">
+            <a:avLst/>
+          </a:prstGeom>
+        </p:spPr>
+        <p:txBody>
+          <a:bodyPr>
+            <a:spAutoFit/>
+          </a:bodyPr>
+          <a:lstStyle/>
+          <a:p>
+            <a:r>
+              <a:rPr lang="en-US" b="1" dirty="0">
+                <a:solidFill>
+                  <a:schemeClr val="bg1"/>
+                </a:solidFill>
+              </a:rPr>
+              <a:t>Other stuff</a:t>
+            </a:r>
+            <a:endParaRPr lang="en-US" dirty="0">
+              <a:solidFill>
+                <a:schemeClr val="bg1"/>
+              </a:solidFill>
+            </a:endParaRPr>
+          </a:p>
+          <a:p>
+            <a:endParaRPr lang="en-US" dirty="0">
+              <a:solidFill>
+                <a:schemeClr val="bg1"/>
+              </a:solidFill>
+            </a:endParaRPr>
+          </a:p>
+          <a:p>
+            <a:r>
+              <a:rPr lang="en-US" dirty="0" err="1">
+                <a:solidFill>
+                  <a:schemeClr val="bg1"/>
+                </a:solidFill>
+              </a:rPr>
+              <a:t>StribLab</a:t>
+            </a:r>
+            <a:r>
+              <a:rPr lang="en-US" dirty="0">
+                <a:solidFill>
+                  <a:schemeClr val="bg1"/>
+                </a:solidFill>
+              </a:rPr>
+              <a:t> </a:t>
+            </a:r>
+            <a:r>
+              <a:rPr lang="en-US" dirty="0" err="1">
+                <a:solidFill>
+                  <a:schemeClr val="bg1"/>
+                </a:solidFill>
+              </a:rPr>
+              <a:t>Github</a:t>
+            </a:r>
+            <a:r>
+              <a:rPr lang="en-US" dirty="0">
+                <a:solidFill>
+                  <a:schemeClr val="bg1"/>
+                </a:solidFill>
+              </a:rPr>
+              <a:t> | </a:t>
+            </a:r>
+            <a:r>
+              <a:rPr lang="en-US" dirty="0">
+                <a:solidFill>
+                  <a:schemeClr val="bg1"/>
+                </a:solidFill>
+                <a:hlinkClick r:id="rId9">
+                  <a:extLst>
+                    <a:ext uri="{A12FA001-AC4F-418D-AE19-62706E023703}">
+                      <ahyp:hlinkClr xmlns:ahyp="http://schemas.microsoft.com/office/drawing/2018/hyperlinkcolor" val="tx"/>
+                    </a:ext>
+                  </a:extLst>
+                </a:hlinkClick>
+              </a:rPr>
+              <a:t>Link</a:t>
+            </a:r>
+            <a:endParaRPr lang="en-US" dirty="0">
+              <a:solidFill>
+                <a:schemeClr val="bg1"/>
+              </a:solidFill>
+            </a:endParaRPr>
+          </a:p>
+          <a:p>
+            <a:endParaRPr lang="en-US" dirty="0">
+              <a:solidFill>
+                <a:schemeClr val="bg1"/>
+              </a:solidFill>
+            </a:endParaRPr>
+          </a:p>
+          <a:p>
+            <a:r>
+              <a:rPr lang="en-US" dirty="0">
+                <a:solidFill>
+                  <a:schemeClr val="bg1"/>
+                </a:solidFill>
+              </a:rPr>
+              <a:t>Tabula | </a:t>
+            </a:r>
+            <a:r>
+              <a:rPr lang="en-US" dirty="0">
+                <a:solidFill>
+                  <a:schemeClr val="bg1"/>
+                </a:solidFill>
+                <a:hlinkClick r:id="rId10">
+                  <a:extLst>
+                    <a:ext uri="{A12FA001-AC4F-418D-AE19-62706E023703}">
+                      <ahyp:hlinkClr xmlns:ahyp="http://schemas.microsoft.com/office/drawing/2018/hyperlinkcolor" val="tx"/>
+                    </a:ext>
+                  </a:extLst>
+                </a:hlinkClick>
+              </a:rPr>
+              <a:t>Link</a:t>
+            </a:r>
+            <a:endParaRPr lang="en-US" dirty="0">
+              <a:solidFill>
+                <a:schemeClr val="bg1"/>
+              </a:solidFill>
+            </a:endParaRPr>
+          </a:p>
+          <a:p>
+            <a:r>
+              <a:rPr lang="en-US" dirty="0">
+                <a:solidFill>
+                  <a:schemeClr val="bg1"/>
+                </a:solidFill>
+              </a:rPr>
+              <a:t>Turn PDFs into spreadsheets</a:t>
+            </a:r>
+          </a:p>
+          <a:p>
+            <a:endParaRPr lang="en-US" dirty="0">
+              <a:solidFill>
+                <a:schemeClr val="bg1"/>
+              </a:solidFill>
+            </a:endParaRPr>
+          </a:p>
+          <a:p>
+            <a:r>
+              <a:rPr lang="en-US" dirty="0">
+                <a:solidFill>
+                  <a:schemeClr val="bg1"/>
+                </a:solidFill>
+              </a:rPr>
+              <a:t>The Data Visualization Catalogue | </a:t>
+            </a:r>
+            <a:r>
+              <a:rPr lang="en-US" dirty="0">
+                <a:solidFill>
+                  <a:schemeClr val="bg1"/>
+                </a:solidFill>
+                <a:hlinkClick r:id="rId11">
+                  <a:extLst>
+                    <a:ext uri="{A12FA001-AC4F-418D-AE19-62706E023703}">
+                      <ahyp:hlinkClr xmlns:ahyp="http://schemas.microsoft.com/office/drawing/2018/hyperlinkcolor" val="tx"/>
+                    </a:ext>
+                  </a:extLst>
+                </a:hlinkClick>
+              </a:rPr>
+              <a:t>Link</a:t>
+            </a:r>
+            <a:endParaRPr lang="en-US" dirty="0">
+              <a:solidFill>
+                <a:schemeClr val="bg1"/>
+              </a:solidFill>
+            </a:endParaRPr>
+          </a:p>
+          <a:p>
+            <a:r>
+              <a:rPr lang="en-US" dirty="0">
+                <a:solidFill>
+                  <a:schemeClr val="bg1"/>
+                </a:solidFill>
+              </a:rPr>
+              <a:t>What </a:t>
+            </a:r>
+            <a:r>
+              <a:rPr lang="en-US" dirty="0" err="1">
+                <a:solidFill>
+                  <a:schemeClr val="bg1"/>
+                </a:solidFill>
+              </a:rPr>
+              <a:t>dataviz</a:t>
+            </a:r>
+            <a:r>
+              <a:rPr lang="en-US" dirty="0">
+                <a:solidFill>
+                  <a:schemeClr val="bg1"/>
+                </a:solidFill>
+              </a:rPr>
+              <a:t> to use for what purpose</a:t>
+            </a:r>
+          </a:p>
+          <a:p>
+            <a:endParaRPr lang="en-US" dirty="0">
+              <a:solidFill>
+                <a:schemeClr val="bg1"/>
+              </a:solidFill>
+            </a:endParaRPr>
+          </a:p>
+          <a:p>
+            <a:r>
+              <a:rPr lang="en-US" dirty="0">
+                <a:solidFill>
+                  <a:schemeClr val="bg1"/>
+                </a:solidFill>
+              </a:rPr>
+              <a:t>Visual Vocabulary | </a:t>
+            </a:r>
+            <a:r>
+              <a:rPr lang="en-US" dirty="0">
+                <a:solidFill>
+                  <a:schemeClr val="bg1"/>
+                </a:solidFill>
+                <a:hlinkClick r:id="rId12">
+                  <a:extLst>
+                    <a:ext uri="{A12FA001-AC4F-418D-AE19-62706E023703}">
+                      <ahyp:hlinkClr xmlns:ahyp="http://schemas.microsoft.com/office/drawing/2018/hyperlinkcolor" val="tx"/>
+                    </a:ext>
+                  </a:extLst>
+                </a:hlinkClick>
+              </a:rPr>
+              <a:t>Link</a:t>
+            </a:r>
+            <a:endParaRPr lang="en-US" dirty="0">
+              <a:solidFill>
+                <a:schemeClr val="bg1"/>
+              </a:solidFill>
+            </a:endParaRPr>
+          </a:p>
+          <a:p>
             <a:r>
               <a:rPr lang="en-US" dirty="0">
                 <a:solidFill>
@@ -3720,7 +4097,7 @@
     </p:spTree>
     <p:extLst>
       <p:ext uri="{BB962C8B-B14F-4D97-AF65-F5344CB8AC3E}">
-        <p14:creationId xmlns:p14="http://schemas.microsoft.com/office/powerpoint/2010/main" val="628849041"/>
+        <p14:creationId xmlns:p14="http://schemas.microsoft.com/office/powerpoint/2010/main" val="117198499"/>
       </p:ext>
     </p:extLst>
   </p:cSld>
@@ -3776,299 +4153,6 @@
                   <a:schemeClr val="bg1"/>
                 </a:solidFill>
               </a:rPr>
-              <a:t>Tips</a:t>
-            </a:r>
-          </a:p>
-        </p:txBody>
-      </p:sp>
-      <p:sp>
-        <p:nvSpPr>
-          <p:cNvPr id="3" name="Content Placeholder 2"/>
-          <p:cNvSpPr>
-            <a:spLocks noGrp="1"/>
-          </p:cNvSpPr>
-          <p:nvPr>
-            <p:ph idx="1"/>
-          </p:nvPr>
-        </p:nvSpPr>
-        <p:spPr/>
-        <p:txBody>
-          <a:bodyPr>
-            <a:normAutofit fontScale="92500" lnSpcReduction="20000"/>
-          </a:bodyPr>
-          <a:lstStyle/>
-          <a:p>
-            <a:r>
-              <a:rPr lang="en-US" dirty="0">
-                <a:solidFill>
-                  <a:schemeClr val="bg1"/>
-                </a:solidFill>
-              </a:rPr>
-              <a:t>Data journalism is digitally native, since data is most often produced and stored electronically</a:t>
-            </a:r>
-          </a:p>
-          <a:p>
-            <a:endParaRPr lang="en-US" dirty="0">
-              <a:solidFill>
-                <a:schemeClr val="bg1"/>
-              </a:solidFill>
-            </a:endParaRPr>
-          </a:p>
-          <a:p>
-            <a:r>
-              <a:rPr lang="en-US" dirty="0">
-                <a:solidFill>
-                  <a:schemeClr val="bg1"/>
-                </a:solidFill>
-              </a:rPr>
-              <a:t>So learn some coding, because it helps you do more powerful things with data</a:t>
-            </a:r>
-          </a:p>
-          <a:p>
-            <a:endParaRPr lang="en-US" dirty="0">
-              <a:solidFill>
-                <a:schemeClr val="bg1"/>
-              </a:solidFill>
-            </a:endParaRPr>
-          </a:p>
-          <a:p>
-            <a:r>
-              <a:rPr lang="en-US" dirty="0">
-                <a:solidFill>
-                  <a:schemeClr val="bg1"/>
-                </a:solidFill>
-              </a:rPr>
-              <a:t>Always ask for spreadsheets, avoid PDF/Word</a:t>
-            </a:r>
-          </a:p>
-          <a:p>
-            <a:endParaRPr lang="en-US" dirty="0">
-              <a:solidFill>
-                <a:schemeClr val="bg1"/>
-              </a:solidFill>
-            </a:endParaRPr>
-          </a:p>
-          <a:p>
-            <a:r>
-              <a:rPr lang="en-US" dirty="0">
-                <a:solidFill>
-                  <a:schemeClr val="bg1"/>
-                </a:solidFill>
-              </a:rPr>
-              <a:t>“Breaking news data stories” aren’t really a thing, are extremely rare</a:t>
-            </a:r>
-          </a:p>
-          <a:p>
-            <a:endParaRPr lang="en-US" dirty="0">
-              <a:solidFill>
-                <a:schemeClr val="bg1"/>
-              </a:solidFill>
-            </a:endParaRPr>
-          </a:p>
-        </p:txBody>
-      </p:sp>
-    </p:spTree>
-    <p:extLst>
-      <p:ext uri="{BB962C8B-B14F-4D97-AF65-F5344CB8AC3E}">
-        <p14:creationId xmlns:p14="http://schemas.microsoft.com/office/powerpoint/2010/main" val="3218120109"/>
-      </p:ext>
-    </p:extLst>
-  </p:cSld>
-  <p:clrMapOvr>
-    <a:masterClrMapping/>
-  </p:clrMapOvr>
-</p:sld>
-</file>
-
-<file path=ppt/slides/slide13.xml><?xml version="1.0" encoding="utf-8"?>
-<p:sld xmlns:a="http://schemas.openxmlformats.org/drawingml/2006/main" xmlns:r="http://schemas.openxmlformats.org/officeDocument/2006/relationships" xmlns:p="http://schemas.openxmlformats.org/presentationml/2006/main">
-  <p:cSld>
-    <p:bg>
-      <p:bgPr>
-        <a:solidFill>
-          <a:schemeClr val="tx1"/>
-        </a:solidFill>
-        <a:effectLst/>
-      </p:bgPr>
-    </p:bg>
-    <p:spTree>
-      <p:nvGrpSpPr>
-        <p:cNvPr id="1" name=""/>
-        <p:cNvGrpSpPr/>
-        <p:nvPr/>
-      </p:nvGrpSpPr>
-      <p:grpSpPr>
-        <a:xfrm>
-          <a:off x="0" y="0"/>
-          <a:ext cx="0" cy="0"/>
-          <a:chOff x="0" y="0"/>
-          <a:chExt cx="0" cy="0"/>
-        </a:xfrm>
-      </p:grpSpPr>
-      <p:sp>
-        <p:nvSpPr>
-          <p:cNvPr id="2" name="Title 1"/>
-          <p:cNvSpPr>
-            <a:spLocks noGrp="1"/>
-          </p:cNvSpPr>
-          <p:nvPr>
-            <p:ph type="title"/>
-          </p:nvPr>
-        </p:nvSpPr>
-        <p:spPr/>
-        <p:txBody>
-          <a:bodyPr/>
-          <a:lstStyle/>
-          <a:p>
-            <a:r>
-              <a:rPr lang="en-US" dirty="0">
-                <a:solidFill>
-                  <a:schemeClr val="bg1"/>
-                </a:solidFill>
-              </a:rPr>
-              <a:t>Parting thoughts</a:t>
-            </a:r>
-          </a:p>
-        </p:txBody>
-      </p:sp>
-      <p:sp>
-        <p:nvSpPr>
-          <p:cNvPr id="3" name="Content Placeholder 2"/>
-          <p:cNvSpPr>
-            <a:spLocks noGrp="1"/>
-          </p:cNvSpPr>
-          <p:nvPr>
-            <p:ph idx="1"/>
-          </p:nvPr>
-        </p:nvSpPr>
-        <p:spPr/>
-        <p:txBody>
-          <a:bodyPr>
-            <a:normAutofit fontScale="85000" lnSpcReduction="20000"/>
-          </a:bodyPr>
-          <a:lstStyle/>
-          <a:p>
-            <a:r>
-              <a:rPr lang="en-US" dirty="0">
-                <a:solidFill>
-                  <a:schemeClr val="bg1"/>
-                </a:solidFill>
-              </a:rPr>
-              <a:t>Data journalism is very in demand</a:t>
-            </a:r>
-          </a:p>
-          <a:p>
-            <a:endParaRPr lang="en-US" dirty="0">
-              <a:solidFill>
-                <a:schemeClr val="bg1"/>
-              </a:solidFill>
-            </a:endParaRPr>
-          </a:p>
-          <a:p>
-            <a:r>
-              <a:rPr lang="en-US" dirty="0">
-                <a:solidFill>
-                  <a:schemeClr val="bg1"/>
-                </a:solidFill>
-              </a:rPr>
-              <a:t>Be patient, it takes time to learn the skills and report data stories</a:t>
-            </a:r>
-          </a:p>
-          <a:p>
-            <a:endParaRPr lang="en-US" dirty="0">
-              <a:solidFill>
-                <a:schemeClr val="bg1"/>
-              </a:solidFill>
-            </a:endParaRPr>
-          </a:p>
-          <a:p>
-            <a:r>
-              <a:rPr lang="en-US" dirty="0">
-                <a:solidFill>
-                  <a:schemeClr val="bg1"/>
-                </a:solidFill>
-              </a:rPr>
-              <a:t>Don’t worry about becoming an expert, especially overnight</a:t>
-            </a:r>
-          </a:p>
-          <a:p>
-            <a:endParaRPr lang="en-US" dirty="0">
-              <a:solidFill>
-                <a:schemeClr val="bg1"/>
-              </a:solidFill>
-            </a:endParaRPr>
-          </a:p>
-          <a:p>
-            <a:r>
-              <a:rPr lang="en-US" dirty="0">
-                <a:solidFill>
-                  <a:schemeClr val="bg1"/>
-                </a:solidFill>
-              </a:rPr>
-              <a:t>Tell a data story you’re passionate about from the ground up to teach yourself and have something to show for your time</a:t>
-            </a:r>
-          </a:p>
-        </p:txBody>
-      </p:sp>
-    </p:spTree>
-    <p:extLst>
-      <p:ext uri="{BB962C8B-B14F-4D97-AF65-F5344CB8AC3E}">
-        <p14:creationId xmlns:p14="http://schemas.microsoft.com/office/powerpoint/2010/main" val="4204192808"/>
-      </p:ext>
-    </p:extLst>
-  </p:cSld>
-  <p:clrMapOvr>
-    <a:masterClrMapping/>
-  </p:clrMapOvr>
-</p:sld>
-</file>
-
-<file path=ppt/slides/slide14.xml><?xml version="1.0" encoding="utf-8"?>
-<p:sld xmlns:a="http://schemas.openxmlformats.org/drawingml/2006/main" xmlns:r="http://schemas.openxmlformats.org/officeDocument/2006/relationships" xmlns:p="http://schemas.openxmlformats.org/presentationml/2006/main">
-  <p:cSld>
-    <p:bg>
-      <p:bgPr>
-        <a:solidFill>
-          <a:schemeClr val="tx1"/>
-        </a:solidFill>
-        <a:effectLst/>
-      </p:bgPr>
-    </p:bg>
-    <p:spTree>
-      <p:nvGrpSpPr>
-        <p:cNvPr id="1" name=""/>
-        <p:cNvGrpSpPr/>
-        <p:nvPr/>
-      </p:nvGrpSpPr>
-      <p:grpSpPr>
-        <a:xfrm>
-          <a:off x="0" y="0"/>
-          <a:ext cx="0" cy="0"/>
-          <a:chOff x="0" y="0"/>
-          <a:chExt cx="0" cy="0"/>
-        </a:xfrm>
-      </p:grpSpPr>
-      <p:sp>
-        <p:nvSpPr>
-          <p:cNvPr id="2" name="Title 1"/>
-          <p:cNvSpPr>
-            <a:spLocks noGrp="1"/>
-          </p:cNvSpPr>
-          <p:nvPr>
-            <p:ph type="title"/>
-          </p:nvPr>
-        </p:nvSpPr>
-        <p:spPr/>
-        <p:txBody>
-          <a:bodyPr/>
-          <a:lstStyle/>
-          <a:p>
-            <a:r>
-              <a:rPr lang="en-US" dirty="0">
-                <a:solidFill>
-                  <a:schemeClr val="bg1"/>
-                </a:solidFill>
-              </a:rPr>
               <a:t>Questions</a:t>
             </a:r>
           </a:p>
@@ -4137,7 +4221,7 @@
 </p:sld>
 </file>
 
-<file path=ppt/slides/slide15.xml><?xml version="1.0" encoding="utf-8"?>
+<file path=ppt/slides/slide13.xml><?xml version="1.0" encoding="utf-8"?>
 <p:sld xmlns:a="http://schemas.openxmlformats.org/drawingml/2006/main" xmlns:r="http://schemas.openxmlformats.org/officeDocument/2006/relationships" xmlns:p="http://schemas.openxmlformats.org/presentationml/2006/main">
   <p:cSld>
     <p:bg>
@@ -4366,7 +4450,9 @@
         </p:nvSpPr>
         <p:spPr/>
         <p:txBody>
-          <a:bodyPr/>
+          <a:bodyPr>
+            <a:normAutofit/>
+          </a:bodyPr>
           <a:lstStyle/>
           <a:p>
             <a:r>
@@ -4415,6 +4501,16 @@
                   <a:schemeClr val="bg1"/>
                 </a:solidFill>
               </a:rPr>
+              <a:t>Some tips</a:t>
+            </a:r>
+          </a:p>
+          <a:p>
+            <a:r>
+              <a:rPr lang="en-US" dirty="0">
+                <a:solidFill>
+                  <a:schemeClr val="bg1"/>
+                </a:solidFill>
+              </a:rPr>
               <a:t>Some data processing and visualization tools</a:t>
             </a:r>
           </a:p>
@@ -4425,17 +4521,7 @@
                   <a:schemeClr val="bg1"/>
                 </a:solidFill>
               </a:rPr>
-              <a:t>Some tips</a:t>
-            </a:r>
-          </a:p>
-          <a:p>
-            <a:r>
-              <a:rPr lang="en-US" dirty="0">
-                <a:solidFill>
-                  <a:schemeClr val="bg1"/>
-                </a:solidFill>
-              </a:rPr>
-              <a:t>Taking questions</a:t>
+              <a:t>Taking additional questions</a:t>
             </a:r>
           </a:p>
         </p:txBody>
@@ -5758,7 +5844,7 @@
                   </a:extLst>
                 </a:hlinkClick>
               </a:rPr>
-              <a:t>How Minnesota's battleground districts shifted in the 2018 midterm</a:t>
+              <a:t>How Minnesota changed under Mark Dayton, in 58 charts</a:t>
             </a:r>
             <a:endParaRPr lang="en-US" sz="4000" dirty="0">
               <a:solidFill>
@@ -5776,14 +5862,14 @@
                   <a:schemeClr val="bg1"/>
                 </a:solidFill>
               </a:rPr>
-              <a:t>What actually happened on Election Day.</a:t>
+              <a:t>A dataset of datasets</a:t>
             </a:r>
           </a:p>
           <a:p>
             <a:pPr marL="0" indent="0">
               <a:buNone/>
             </a:pPr>
-            <a:endParaRPr lang="en-US" sz="4000" dirty="0">
+            <a:endParaRPr lang="en-US" sz="4000" b="1" dirty="0">
               <a:solidFill>
                 <a:schemeClr val="bg1"/>
               </a:solidFill>
@@ -5806,7 +5892,7 @@
                   </a:extLst>
                 </a:hlinkClick>
               </a:rPr>
-              <a:t>Thousands of people have voted early in Minnesota. Here's what to watch.</a:t>
+              <a:t>How Minnesota's battleground districts shifted in the 2018 midterm</a:t>
             </a:r>
             <a:endParaRPr lang="en-US" sz="4000" dirty="0">
               <a:solidFill>
@@ -5824,7 +5910,7 @@
                   <a:schemeClr val="bg1"/>
                 </a:solidFill>
               </a:rPr>
-              <a:t>Tracking an event using data virtually in real time.</a:t>
+              <a:t>What actually happened on Election Day.</a:t>
             </a:r>
           </a:p>
           <a:p>
@@ -5842,11 +5928,59 @@
               <a:buNone/>
             </a:pPr>
             <a:r>
+              <a:rPr lang="en-US" sz="4000" dirty="0">
+                <a:solidFill>
+                  <a:schemeClr val="bg1"/>
+                </a:solidFill>
+                <a:hlinkClick r:id="rId7">
+                  <a:extLst>
+                    <a:ext uri="{A12FA001-AC4F-418D-AE19-62706E023703}">
+                      <ahyp:hlinkClr xmlns:ahyp="http://schemas.microsoft.com/office/drawing/2018/hyperlinkcolor" val="tx"/>
+                    </a:ext>
+                  </a:extLst>
+                </a:hlinkClick>
+              </a:rPr>
+              <a:t>Thousands of people have voted early in Minnesota. Here's what to watch.</a:t>
+            </a:r>
+            <a:endParaRPr lang="en-US" sz="4000" dirty="0">
+              <a:solidFill>
+                <a:schemeClr val="bg1"/>
+              </a:solidFill>
+            </a:endParaRPr>
+          </a:p>
+          <a:p>
+            <a:pPr marL="0" indent="0">
+              <a:buNone/>
+            </a:pPr>
+            <a:r>
+              <a:rPr lang="en-US" sz="4000" dirty="0">
+                <a:solidFill>
+                  <a:schemeClr val="bg1"/>
+                </a:solidFill>
+              </a:rPr>
+              <a:t>Tracking an event using data virtually in real time.</a:t>
+            </a:r>
+          </a:p>
+          <a:p>
+            <a:pPr marL="0" indent="0">
+              <a:buNone/>
+            </a:pPr>
+            <a:endParaRPr lang="en-US" sz="4000" dirty="0">
+              <a:solidFill>
+                <a:schemeClr val="bg1"/>
+              </a:solidFill>
+            </a:endParaRPr>
+          </a:p>
+          <a:p>
+            <a:pPr marL="0" indent="0">
+              <a:buNone/>
+            </a:pPr>
+            <a:r>
               <a:rPr lang="en-US" sz="4000" u="sng" dirty="0">
                 <a:solidFill>
                   <a:schemeClr val="bg1"/>
                 </a:solidFill>
-                <a:hlinkClick r:id="rId7">
+                <a:hlinkClick r:id="rId8">
                   <a:extLst>
                     <a:ext uri="{A12FA001-AC4F-418D-AE19-62706E023703}">
                       <ahyp:hlinkClr xmlns:ahyp="http://schemas.microsoft.com/office/drawing/2018/hyperlinkcolor" val="tx"/>
@@ -5969,51 +6103,6 @@
                 <a:solidFill>
                   <a:schemeClr val="bg1"/>
                 </a:solidFill>
-                <a:hlinkClick r:id="rId8">
-                  <a:extLst>
-                    <a:ext uri="{A12FA001-AC4F-418D-AE19-62706E023703}">
-                      <ahyp:hlinkClr xmlns:ahyp="http://schemas.microsoft.com/office/drawing/2018/hyperlinkcolor" val="tx"/>
-                    </a:ext>
-                  </a:extLst>
-                </a:hlinkClick>
-              </a:rPr>
-              <a:t>Google tracked a year of my life in downtown Minneapolis</a:t>
-            </a:r>
-            <a:r>
-              <a:rPr lang="en-US" sz="1000" dirty="0">
-                <a:solidFill>
-                  <a:schemeClr val="bg1"/>
-                </a:solidFill>
-              </a:rPr>
-              <a:t> </a:t>
-            </a:r>
-          </a:p>
-          <a:p>
-            <a:r>
-              <a:rPr lang="en-US" sz="1000" dirty="0">
-                <a:solidFill>
-                  <a:schemeClr val="bg1"/>
-                </a:solidFill>
-              </a:rPr>
-              <a:t>More and more, individuals are data, and stories can be told about them using numbers</a:t>
-            </a:r>
-          </a:p>
-          <a:p>
-            <a:r>
-              <a:rPr lang="en-US" sz="1000" dirty="0">
-                <a:solidFill>
-                  <a:schemeClr val="bg1"/>
-                </a:solidFill>
-              </a:rPr>
-              <a:t> </a:t>
-            </a:r>
-          </a:p>
-          <a:p>
-            <a:r>
-              <a:rPr lang="en-US" sz="1000" u="sng" dirty="0">
-                <a:solidFill>
-                  <a:schemeClr val="bg1"/>
-                </a:solidFill>
                 <a:hlinkClick r:id="rId9">
                   <a:extLst>
                     <a:ext uri="{A12FA001-AC4F-418D-AE19-62706E023703}">
@@ -6022,7 +6111,7 @@
                   </a:extLst>
                 </a:hlinkClick>
               </a:rPr>
-              <a:t>Are the Vikings the NFL's most tragic playoff team?</a:t>
+              <a:t>Google tracked a year of my life in downtown Minneapolis</a:t>
             </a:r>
             <a:r>
               <a:rPr lang="en-US" sz="1000" dirty="0">
@@ -6040,7 +6129,7 @@
                   <a:schemeClr val="bg1"/>
                 </a:solidFill>
               </a:rPr>
-              <a:t>Using data to quantify something people generally already know</a:t>
+              <a:t>More and more, individuals are data, and stories can be told about them using numbers</a:t>
             </a:r>
           </a:p>
           <a:p>
@@ -6067,46 +6156,35 @@
                   </a:extLst>
                 </a:hlinkClick>
               </a:rPr>
-              <a:t>What would the Twin Cities look like as a mega-region?</a:t>
-            </a:r>
-            <a:endParaRPr lang="en-US" sz="1000" dirty="0">
-              <a:solidFill>
-                <a:schemeClr val="bg1"/>
-              </a:solidFill>
-            </a:endParaRPr>
-          </a:p>
-          <a:p>
+              <a:t>Are the Vikings the NFL's most tragic playoff team?</a:t>
+            </a:r>
             <a:r>
               <a:rPr lang="en-US" sz="1000" dirty="0">
                 <a:solidFill>
                   <a:schemeClr val="bg1"/>
                 </a:solidFill>
               </a:rPr>
-              <a:t>Hypothetical research explained through the lens of actual data</a:t>
-            </a:r>
-          </a:p>
-          <a:p>
-            <a:endParaRPr lang="en-US" sz="1000" dirty="0">
-              <a:solidFill>
-                <a:schemeClr val="bg1"/>
-              </a:solidFill>
-            </a:endParaRPr>
-          </a:p>
-          <a:p>
-            <a:endParaRPr lang="en-US" sz="1000" dirty="0">
-              <a:solidFill>
-                <a:schemeClr val="bg1"/>
-              </a:solidFill>
-            </a:endParaRPr>
-          </a:p>
-          <a:p>
-            <a:r>
-              <a:rPr lang="en-US" sz="1000" b="1" dirty="0">
-                <a:solidFill>
-                  <a:schemeClr val="bg1"/>
-                </a:solidFill>
-              </a:rPr>
-              <a:t>Enterprise Investigations</a:t>
+              <a:t> </a:t>
+            </a:r>
+          </a:p>
+          <a:p>
+            <a:r>
+              <a:rPr lang="en-US" sz="1000" dirty="0">
+                <a:solidFill>
+                  <a:schemeClr val="bg1"/>
+                </a:solidFill>
+              </a:rPr>
+              <a:t>Using data to quantify something people generally already know</a:t>
+            </a:r>
+          </a:p>
+          <a:p>
+            <a:r>
+              <a:rPr lang="en-US" sz="1000" dirty="0">
+                <a:solidFill>
+                  <a:schemeClr val="bg1"/>
+                </a:solidFill>
+              </a:rPr>
+              <a:t> </a:t>
             </a:r>
           </a:p>
           <a:p>
@@ -6123,25 +6201,22 @@
                   </a:extLst>
                 </a:hlinkClick>
               </a:rPr>
-              <a:t>North hit hard by demolitions while south rebuilds</a:t>
-            </a:r>
+              <a:t>What would the Twin Cities look like as a mega-region?</a:t>
+            </a:r>
+            <a:endParaRPr lang="en-US" sz="1000" dirty="0">
+              <a:solidFill>
+                <a:schemeClr val="bg1"/>
+              </a:solidFill>
+            </a:endParaRPr>
+          </a:p>
+          <a:p>
             <a:r>
               <a:rPr lang="en-US" sz="1000" dirty="0">
                 <a:solidFill>
                   <a:schemeClr val="bg1"/>
                 </a:solidFill>
               </a:rPr>
-              <a:t> </a:t>
-            </a:r>
-          </a:p>
-          <a:p>
-            <a:r>
-              <a:rPr lang="en-US" sz="1000" dirty="0">
-                <a:solidFill>
-                  <a:schemeClr val="bg1"/>
-                </a:solidFill>
-              </a:rPr>
-              <a:t>Quantifying a long time socioeconomic issue and revealing something new in the process</a:t>
+              <a:t>Hypothetical research explained through the lens of actual data</a:t>
             </a:r>
           </a:p>
           <a:p>
@@ -6150,6 +6225,23 @@
                 <a:schemeClr val="bg1"/>
               </a:solidFill>
             </a:endParaRPr>
+          </a:p>
+          <a:p>
+            <a:endParaRPr lang="en-US" sz="1000" dirty="0">
+              <a:solidFill>
+                <a:schemeClr val="bg1"/>
+              </a:solidFill>
+            </a:endParaRPr>
+          </a:p>
+          <a:p>
+            <a:r>
+              <a:rPr lang="en-US" sz="1000" b="1" dirty="0">
+                <a:solidFill>
+                  <a:schemeClr val="bg1"/>
+                </a:solidFill>
+              </a:rPr>
+              <a:t>Enterprise Investigations</a:t>
+            </a:r>
           </a:p>
           <a:p>
             <a:r>
@@ -6165,6 +6257,48 @@
                   </a:extLst>
                 </a:hlinkClick>
               </a:rPr>
+              <a:t>North hit hard by demolitions while south rebuilds</a:t>
+            </a:r>
+            <a:r>
+              <a:rPr lang="en-US" sz="1000" dirty="0">
+                <a:solidFill>
+                  <a:schemeClr val="bg1"/>
+                </a:solidFill>
+              </a:rPr>
+              <a:t> </a:t>
+            </a:r>
+          </a:p>
+          <a:p>
+            <a:r>
+              <a:rPr lang="en-US" sz="1000" dirty="0">
+                <a:solidFill>
+                  <a:schemeClr val="bg1"/>
+                </a:solidFill>
+              </a:rPr>
+              <a:t>Quantifying a long time socioeconomic issue and revealing something new in the process</a:t>
+            </a:r>
+          </a:p>
+          <a:p>
+            <a:endParaRPr lang="en-US" sz="1000" dirty="0">
+              <a:solidFill>
+                <a:schemeClr val="bg1"/>
+              </a:solidFill>
+            </a:endParaRPr>
+          </a:p>
+          <a:p>
+            <a:r>
+              <a:rPr lang="en-US" sz="1000" u="sng" dirty="0">
+                <a:solidFill>
+                  <a:schemeClr val="bg1"/>
+                </a:solidFill>
+                <a:hlinkClick r:id="rId13">
+                  <a:extLst>
+                    <a:ext uri="{A12FA001-AC4F-418D-AE19-62706E023703}">
+                      <ahyp:hlinkClr xmlns:ahyp="http://schemas.microsoft.com/office/drawing/2018/hyperlinkcolor" val="tx"/>
+                    </a:ext>
+                  </a:extLst>
+                </a:hlinkClick>
+              </a:rPr>
               <a:t>Fatal police encounters in Minnesota since 2000</a:t>
             </a:r>
             <a:r>
@@ -6202,7 +6336,7 @@
                 <a:solidFill>
                   <a:schemeClr val="bg1"/>
                 </a:solidFill>
-                <a:hlinkClick r:id="rId13">
+                <a:hlinkClick r:id="rId14">
                   <a:extLst>
                     <a:ext uri="{A12FA001-AC4F-418D-AE19-62706E023703}">
                       <ahyp:hlinkClr xmlns:ahyp="http://schemas.microsoft.com/office/drawing/2018/hyperlinkcolor" val="tx"/>
@@ -6289,7 +6423,7 @@
                   <a:schemeClr val="bg1"/>
                 </a:solidFill>
               </a:rPr>
-              <a:t>Mapping tools</a:t>
+              <a:t>Tips</a:t>
             </a:r>
           </a:p>
         </p:txBody>
@@ -6307,7 +6441,7 @@
         <p:spPr/>
         <p:txBody>
           <a:bodyPr>
-            <a:normAutofit fontScale="70000" lnSpcReduction="20000"/>
+            <a:normAutofit fontScale="92500" lnSpcReduction="20000"/>
           </a:bodyPr>
           <a:lstStyle/>
           <a:p>
@@ -6317,23 +6451,10 @@
                   <a:schemeClr val="bg1"/>
                 </a:solidFill>
               </a:rPr>
-              <a:t>CARTO | </a:t>
-            </a:r>
-            <a:r>
-              <a:rPr lang="en-US" dirty="0">
-                <a:solidFill>
-                  <a:schemeClr val="bg1"/>
-                </a:solidFill>
-                <a:hlinkClick r:id="rId2">
-                  <a:extLst>
-                    <a:ext uri="{A12FA001-AC4F-418D-AE19-62706E023703}">
-                      <ahyp:hlinkClr xmlns:ahyp="http://schemas.microsoft.com/office/drawing/2018/hyperlinkcolor" val="tx"/>
-                    </a:ext>
-                  </a:extLst>
-                </a:hlinkClick>
-              </a:rPr>
-              <a:t>Link</a:t>
-            </a:r>
+              <a:t>Data journalism is digitally native, since data is most often produced and stored electronically.</a:t>
+            </a:r>
+          </a:p>
+          <a:p>
             <a:endParaRPr lang="en-US" dirty="0">
               <a:solidFill>
                 <a:schemeClr val="bg1"/>
@@ -6341,22 +6462,16 @@
             </a:endParaRPr>
           </a:p>
           <a:p>
-            <a:pPr marL="0" indent="0">
-              <a:buNone/>
-            </a:pPr>
-            <a:r>
-              <a:rPr lang="en-US" dirty="0">
-                <a:solidFill>
-                  <a:schemeClr val="bg1"/>
-                </a:solidFill>
-              </a:rPr>
-              <a:t>A free (with limits) and powerful data mapping service</a:t>
-            </a:r>
-          </a:p>
-          <a:p>
-            <a:pPr marL="0" indent="0">
-              <a:buNone/>
-            </a:pPr>
+            <a:r>
+              <a:rPr lang="en-US" dirty="0">
+                <a:solidFill>
+                  <a:schemeClr val="bg1"/>
+                </a:solidFill>
+              </a:rPr>
+              <a:t>So learn some coding, because it helps you do more powerful things with data.</a:t>
+            </a:r>
+          </a:p>
+          <a:p>
             <a:endParaRPr lang="en-US" dirty="0">
               <a:solidFill>
                 <a:schemeClr val="bg1"/>
@@ -6365,36 +6480,15 @@
           </a:p>
           <a:p>
             <a:r>
-              <a:rPr lang="en-US" dirty="0" err="1">
-                <a:solidFill>
-                  <a:schemeClr val="bg1"/>
-                </a:solidFill>
-              </a:rPr>
-              <a:t>Mapbox</a:t>
-            </a:r>
-            <a:r>
-              <a:rPr lang="en-US" dirty="0">
-                <a:solidFill>
-                  <a:schemeClr val="bg1"/>
-                </a:solidFill>
-              </a:rPr>
-              <a:t> | </a:t>
-            </a:r>
-            <a:r>
-              <a:rPr lang="en-US" dirty="0">
-                <a:solidFill>
-                  <a:schemeClr val="bg1"/>
-                </a:solidFill>
-                <a:hlinkClick r:id="rId3">
-                  <a:extLst>
-                    <a:ext uri="{A12FA001-AC4F-418D-AE19-62706E023703}">
-                      <ahyp:hlinkClr xmlns:ahyp="http://schemas.microsoft.com/office/drawing/2018/hyperlinkcolor" val="tx"/>
-                    </a:ext>
-                  </a:extLst>
-                </a:hlinkClick>
-              </a:rPr>
-              <a:t>Link</a:t>
-            </a:r>
+              <a:rPr lang="en-US" dirty="0">
+                <a:solidFill>
+                  <a:schemeClr val="bg1"/>
+                </a:solidFill>
+              </a:rPr>
+              <a:t>Always ask for spreadsheets, avoid PDF/Word.</a:t>
+            </a:r>
+          </a:p>
+          <a:p>
             <a:endParaRPr lang="en-US" dirty="0">
               <a:solidFill>
                 <a:schemeClr val="bg1"/>
@@ -6402,141 +6496,16 @@
             </a:endParaRPr>
           </a:p>
           <a:p>
-            <a:pPr marL="0" indent="0">
-              <a:buNone/>
-            </a:pPr>
-            <a:r>
-              <a:rPr lang="en-US" dirty="0">
-                <a:solidFill>
-                  <a:schemeClr val="bg1"/>
-                </a:solidFill>
-              </a:rPr>
-              <a:t>Another free and powerful, though slightly more complex, data mapping service</a:t>
-            </a:r>
-          </a:p>
-          <a:p>
-            <a:pPr marL="0" indent="0">
-              <a:buNone/>
-            </a:pPr>
-            <a:endParaRPr lang="en-US" dirty="0">
-              <a:solidFill>
-                <a:schemeClr val="bg1"/>
-              </a:solidFill>
-            </a:endParaRPr>
-          </a:p>
-          <a:p>
-            <a:r>
-              <a:rPr lang="en-US" dirty="0">
-                <a:solidFill>
-                  <a:schemeClr val="bg1"/>
-                </a:solidFill>
-              </a:rPr>
-              <a:t>QGIS | </a:t>
-            </a:r>
-            <a:r>
-              <a:rPr lang="en-US" dirty="0">
-                <a:solidFill>
-                  <a:schemeClr val="bg1"/>
-                </a:solidFill>
-                <a:hlinkClick r:id="rId4">
-                  <a:extLst>
-                    <a:ext uri="{A12FA001-AC4F-418D-AE19-62706E023703}">
-                      <ahyp:hlinkClr xmlns:ahyp="http://schemas.microsoft.com/office/drawing/2018/hyperlinkcolor" val="tx"/>
-                    </a:ext>
-                  </a:extLst>
-                </a:hlinkClick>
-              </a:rPr>
-              <a:t>Link</a:t>
-            </a:r>
-            <a:endParaRPr lang="en-US" dirty="0">
-              <a:solidFill>
-                <a:schemeClr val="bg1"/>
-              </a:solidFill>
-            </a:endParaRPr>
-          </a:p>
-          <a:p>
-            <a:pPr marL="0" indent="0">
-              <a:buNone/>
-            </a:pPr>
-            <a:r>
-              <a:rPr lang="en-US" dirty="0">
-                <a:solidFill>
-                  <a:schemeClr val="bg1"/>
-                </a:solidFill>
-              </a:rPr>
-              <a:t>A more advanced bit of GIS software for building data maps from </a:t>
-            </a:r>
-            <a:r>
-              <a:rPr lang="en-US" dirty="0" err="1">
-                <a:solidFill>
-                  <a:schemeClr val="bg1"/>
-                </a:solidFill>
-              </a:rPr>
-              <a:t>shapefiles</a:t>
-            </a:r>
-            <a:endParaRPr lang="en-US" dirty="0">
-              <a:solidFill>
-                <a:schemeClr val="bg1"/>
-              </a:solidFill>
-            </a:endParaRPr>
-          </a:p>
-          <a:p>
-            <a:pPr marL="0" indent="0">
-              <a:buNone/>
-            </a:pPr>
-            <a:endParaRPr lang="en-US" dirty="0">
-              <a:solidFill>
-                <a:schemeClr val="bg1"/>
-              </a:solidFill>
-            </a:endParaRPr>
-          </a:p>
-          <a:p>
-            <a:r>
-              <a:rPr lang="en-US" dirty="0">
-                <a:solidFill>
-                  <a:schemeClr val="bg1"/>
-                </a:solidFill>
-              </a:rPr>
-              <a:t>Google Fusion Tables | </a:t>
-            </a:r>
-            <a:r>
-              <a:rPr lang="en-US" dirty="0">
-                <a:solidFill>
-                  <a:schemeClr val="bg1"/>
-                </a:solidFill>
-                <a:hlinkClick r:id="rId5">
-                  <a:extLst>
-                    <a:ext uri="{A12FA001-AC4F-418D-AE19-62706E023703}">
-                      <ahyp:hlinkClr xmlns:ahyp="http://schemas.microsoft.com/office/drawing/2018/hyperlinkcolor" val="tx"/>
-                    </a:ext>
-                  </a:extLst>
-                </a:hlinkClick>
-              </a:rPr>
-              <a:t>Link</a:t>
-            </a:r>
-            <a:endParaRPr lang="en-US" dirty="0">
-              <a:solidFill>
-                <a:schemeClr val="bg1"/>
-              </a:solidFill>
-            </a:endParaRPr>
-          </a:p>
-          <a:p>
-            <a:pPr marL="0" indent="0">
-              <a:buNone/>
-            </a:pPr>
-            <a:r>
-              <a:rPr lang="en-US" dirty="0">
-                <a:solidFill>
-                  <a:schemeClr val="bg1"/>
-                </a:solidFill>
-              </a:rPr>
-              <a:t>Make maps from spreadsheets</a:t>
-            </a:r>
-          </a:p>
-          <a:p>
-            <a:pPr marL="0" indent="0">
-              <a:buNone/>
-            </a:pPr>
+            <a:r>
+              <a:rPr lang="en-US" dirty="0">
+                <a:solidFill>
+                  <a:schemeClr val="bg1"/>
+                </a:solidFill>
+              </a:rPr>
+              <a:t>“Breaking news data stories” aren’t really a thing, are extremely rare.</a:t>
+            </a:r>
+          </a:p>
+          <a:p>
             <a:endParaRPr lang="en-US" dirty="0">
               <a:solidFill>
                 <a:schemeClr val="bg1"/>
@@ -6548,7 +6517,7 @@
     </p:spTree>
     <p:extLst>
       <p:ext uri="{BB962C8B-B14F-4D97-AF65-F5344CB8AC3E}">
-        <p14:creationId xmlns:p14="http://schemas.microsoft.com/office/powerpoint/2010/main" val="117198499"/>
+        <p14:creationId xmlns:p14="http://schemas.microsoft.com/office/powerpoint/2010/main" val="3218120109"/>
       </p:ext>
     </p:extLst>
   </p:cSld>

--- a/data_presentation.pptx
+++ b/data_presentation.pptx
@@ -10,14 +10,16 @@
     <p:sldId id="257" r:id="rId4"/>
     <p:sldId id="258" r:id="rId5"/>
     <p:sldId id="259" r:id="rId6"/>
-    <p:sldId id="261" r:id="rId7"/>
-    <p:sldId id="262" r:id="rId8"/>
-    <p:sldId id="260" r:id="rId9"/>
-    <p:sldId id="267" r:id="rId10"/>
-    <p:sldId id="268" r:id="rId11"/>
+    <p:sldId id="268" r:id="rId7"/>
+    <p:sldId id="261" r:id="rId8"/>
+    <p:sldId id="267" r:id="rId9"/>
+    <p:sldId id="262" r:id="rId10"/>
+    <p:sldId id="272" r:id="rId11"/>
     <p:sldId id="263" r:id="rId12"/>
-    <p:sldId id="272" r:id="rId13"/>
-    <p:sldId id="269" r:id="rId14"/>
+    <p:sldId id="274" r:id="rId13"/>
+    <p:sldId id="260" r:id="rId14"/>
+    <p:sldId id="273" r:id="rId15"/>
+    <p:sldId id="269" r:id="rId16"/>
   </p:sldIdLst>
   <p:sldSz cx="9144000" cy="6858000" type="screen4x3"/>
   <p:notesSz cx="6858000" cy="9144000"/>
@@ -314,7 +316,7 @@
           <a:p>
             <a:fld id="{6BFECD78-3C8E-49F2-8FAB-59489D168ABB}" type="datetimeFigureOut">
               <a:rPr lang="en-US" smtClean="0"/>
-              <a:t>2/7/19</a:t>
+              <a:t>2/13/19</a:t>
             </a:fld>
             <a:endParaRPr lang="en-US"/>
           </a:p>
@@ -482,7 +484,7 @@
           <a:p>
             <a:fld id="{6BFECD78-3C8E-49F2-8FAB-59489D168ABB}" type="datetimeFigureOut">
               <a:rPr lang="en-US" smtClean="0"/>
-              <a:t>2/7/19</a:t>
+              <a:t>2/13/19</a:t>
             </a:fld>
             <a:endParaRPr lang="en-US"/>
           </a:p>
@@ -660,7 +662,7 @@
           <a:p>
             <a:fld id="{6BFECD78-3C8E-49F2-8FAB-59489D168ABB}" type="datetimeFigureOut">
               <a:rPr lang="en-US" smtClean="0"/>
-              <a:t>2/7/19</a:t>
+              <a:t>2/13/19</a:t>
             </a:fld>
             <a:endParaRPr lang="en-US"/>
           </a:p>
@@ -828,7 +830,7 @@
           <a:p>
             <a:fld id="{6BFECD78-3C8E-49F2-8FAB-59489D168ABB}" type="datetimeFigureOut">
               <a:rPr lang="en-US" smtClean="0"/>
-              <a:t>2/7/19</a:t>
+              <a:t>2/13/19</a:t>
             </a:fld>
             <a:endParaRPr lang="en-US"/>
           </a:p>
@@ -1073,7 +1075,7 @@
           <a:p>
             <a:fld id="{6BFECD78-3C8E-49F2-8FAB-59489D168ABB}" type="datetimeFigureOut">
               <a:rPr lang="en-US" smtClean="0"/>
-              <a:t>2/7/19</a:t>
+              <a:t>2/13/19</a:t>
             </a:fld>
             <a:endParaRPr lang="en-US"/>
           </a:p>
@@ -1358,7 +1360,7 @@
           <a:p>
             <a:fld id="{6BFECD78-3C8E-49F2-8FAB-59489D168ABB}" type="datetimeFigureOut">
               <a:rPr lang="en-US" smtClean="0"/>
-              <a:t>2/7/19</a:t>
+              <a:t>2/13/19</a:t>
             </a:fld>
             <a:endParaRPr lang="en-US"/>
           </a:p>
@@ -1777,7 +1779,7 @@
           <a:p>
             <a:fld id="{6BFECD78-3C8E-49F2-8FAB-59489D168ABB}" type="datetimeFigureOut">
               <a:rPr lang="en-US" smtClean="0"/>
-              <a:t>2/7/19</a:t>
+              <a:t>2/13/19</a:t>
             </a:fld>
             <a:endParaRPr lang="en-US"/>
           </a:p>
@@ -1894,7 +1896,7 @@
           <a:p>
             <a:fld id="{6BFECD78-3C8E-49F2-8FAB-59489D168ABB}" type="datetimeFigureOut">
               <a:rPr lang="en-US" smtClean="0"/>
-              <a:t>2/7/19</a:t>
+              <a:t>2/13/19</a:t>
             </a:fld>
             <a:endParaRPr lang="en-US"/>
           </a:p>
@@ -1989,7 +1991,7 @@
           <a:p>
             <a:fld id="{6BFECD78-3C8E-49F2-8FAB-59489D168ABB}" type="datetimeFigureOut">
               <a:rPr lang="en-US" smtClean="0"/>
-              <a:t>2/7/19</a:t>
+              <a:t>2/13/19</a:t>
             </a:fld>
             <a:endParaRPr lang="en-US"/>
           </a:p>
@@ -2264,7 +2266,7 @@
           <a:p>
             <a:fld id="{6BFECD78-3C8E-49F2-8FAB-59489D168ABB}" type="datetimeFigureOut">
               <a:rPr lang="en-US" smtClean="0"/>
-              <a:t>2/7/19</a:t>
+              <a:t>2/13/19</a:t>
             </a:fld>
             <a:endParaRPr lang="en-US"/>
           </a:p>
@@ -2519,7 +2521,7 @@
           <a:p>
             <a:fld id="{6BFECD78-3C8E-49F2-8FAB-59489D168ABB}" type="datetimeFigureOut">
               <a:rPr lang="en-US" smtClean="0"/>
-              <a:t>2/7/19</a:t>
+              <a:t>2/13/19</a:t>
             </a:fld>
             <a:endParaRPr lang="en-US"/>
           </a:p>
@@ -2730,7 +2732,7 @@
           <a:p>
             <a:fld id="{6BFECD78-3C8E-49F2-8FAB-59489D168ABB}" type="datetimeFigureOut">
               <a:rPr lang="en-US" smtClean="0"/>
-              <a:t>2/7/19</a:t>
+              <a:t>2/13/19</a:t>
             </a:fld>
             <a:endParaRPr lang="en-US"/>
           </a:p>
@@ -3251,7 +3253,7 @@
                   <a:schemeClr val="bg1"/>
                 </a:solidFill>
               </a:rPr>
-              <a:t>Parting thoughts</a:t>
+              <a:t>About coding</a:t>
             </a:r>
           </a:p>
         </p:txBody>
@@ -3269,18 +3271,149 @@
         <p:spPr/>
         <p:txBody>
           <a:bodyPr>
-            <a:normAutofit fontScale="85000" lnSpcReduction="20000"/>
+            <a:normAutofit fontScale="85000" lnSpcReduction="10000"/>
           </a:bodyPr>
           <a:lstStyle/>
           <a:p>
             <a:r>
-              <a:rPr lang="en-US" dirty="0">
-                <a:solidFill>
-                  <a:schemeClr val="bg1"/>
-                </a:solidFill>
-              </a:rPr>
-              <a:t>Data journalism is very in demand.</a:t>
-            </a:r>
+              <a:rPr lang="en-US" sz="2800" dirty="0">
+                <a:solidFill>
+                  <a:schemeClr val="bg1"/>
+                </a:solidFill>
+              </a:rPr>
+              <a:t>Working data doesn’t have to involve coding or web design</a:t>
+            </a:r>
+            <a:br>
+              <a:rPr lang="en-US" sz="2800" dirty="0">
+                <a:solidFill>
+                  <a:schemeClr val="bg1"/>
+                </a:solidFill>
+              </a:rPr>
+            </a:br>
+            <a:endParaRPr lang="en-US" sz="2800" dirty="0">
+              <a:solidFill>
+                <a:schemeClr val="bg1"/>
+              </a:solidFill>
+            </a:endParaRPr>
+          </a:p>
+          <a:p>
+            <a:r>
+              <a:rPr lang="en-US" sz="2800" dirty="0">
+                <a:solidFill>
+                  <a:schemeClr val="bg1"/>
+                </a:solidFill>
+              </a:rPr>
+              <a:t>But it helps in the realm of data visualization</a:t>
+            </a:r>
+            <a:br>
+              <a:rPr lang="en-US" sz="2800" dirty="0">
+                <a:solidFill>
+                  <a:schemeClr val="bg1"/>
+                </a:solidFill>
+              </a:rPr>
+            </a:br>
+            <a:endParaRPr lang="en-US" sz="2800" dirty="0">
+              <a:solidFill>
+                <a:schemeClr val="bg1"/>
+              </a:solidFill>
+            </a:endParaRPr>
+          </a:p>
+          <a:p>
+            <a:r>
+              <a:rPr lang="en-US" sz="2800" dirty="0">
+                <a:solidFill>
+                  <a:schemeClr val="bg1"/>
+                </a:solidFill>
+              </a:rPr>
+              <a:t>Coding and design skills I learned and/or honed on the job: </a:t>
+            </a:r>
+          </a:p>
+          <a:p>
+            <a:pPr marL="0" indent="0">
+              <a:buNone/>
+            </a:pPr>
+            <a:endParaRPr lang="en-US" sz="2800" dirty="0">
+              <a:solidFill>
+                <a:schemeClr val="bg1"/>
+              </a:solidFill>
+            </a:endParaRPr>
+          </a:p>
+          <a:p>
+            <a:pPr marL="514350" indent="-514350">
+              <a:buFont typeface="+mj-lt"/>
+              <a:buAutoNum type="arabicPeriod"/>
+            </a:pPr>
+            <a:r>
+              <a:rPr lang="en-US" sz="2800" dirty="0">
+                <a:solidFill>
+                  <a:schemeClr val="bg1"/>
+                </a:solidFill>
+              </a:rPr>
+              <a:t>HTML: basic webpage construction</a:t>
+            </a:r>
+          </a:p>
+          <a:p>
+            <a:pPr marL="514350" indent="-514350">
+              <a:buFont typeface="+mj-lt"/>
+              <a:buAutoNum type="arabicPeriod"/>
+            </a:pPr>
+            <a:r>
+              <a:rPr lang="en-US" sz="2800" dirty="0">
+                <a:solidFill>
+                  <a:schemeClr val="bg1"/>
+                </a:solidFill>
+              </a:rPr>
+              <a:t>CSS: the web’s stylistic design rules</a:t>
+            </a:r>
+          </a:p>
+          <a:p>
+            <a:pPr marL="514350" indent="-514350">
+              <a:buFont typeface="+mj-lt"/>
+              <a:buAutoNum type="arabicPeriod"/>
+            </a:pPr>
+            <a:r>
+              <a:rPr lang="en-US" sz="2800" dirty="0">
+                <a:solidFill>
+                  <a:schemeClr val="bg1"/>
+                </a:solidFill>
+              </a:rPr>
+              <a:t>JavaScript: the web’s main scripting language</a:t>
+            </a:r>
+          </a:p>
+          <a:p>
+            <a:pPr marL="514350" indent="-514350">
+              <a:buFont typeface="+mj-lt"/>
+              <a:buAutoNum type="arabicPeriod"/>
+            </a:pPr>
+            <a:r>
+              <a:rPr lang="en-US" sz="2800" dirty="0">
+                <a:solidFill>
+                  <a:schemeClr val="bg1"/>
+                </a:solidFill>
+              </a:rPr>
+              <a:t>D3: for creating cool data visualizations</a:t>
+            </a:r>
+          </a:p>
+          <a:p>
+            <a:pPr marL="514350" indent="-514350">
+              <a:buFont typeface="+mj-lt"/>
+              <a:buAutoNum type="arabicPeriod"/>
+            </a:pPr>
+            <a:r>
+              <a:rPr lang="en-US" sz="2800" dirty="0">
+                <a:solidFill>
+                  <a:schemeClr val="bg1"/>
+                </a:solidFill>
+              </a:rPr>
+              <a:t>Python: for parsing and analyzing large datasets</a:t>
+            </a:r>
+          </a:p>
+          <a:p>
+            <a:endParaRPr lang="en-US" sz="2800" dirty="0">
+              <a:solidFill>
+                <a:schemeClr val="bg1"/>
+              </a:solidFill>
+            </a:endParaRPr>
           </a:p>
           <a:p>
             <a:endParaRPr lang="en-US" dirty="0">
@@ -3288,57 +3421,13 @@
                 <a:schemeClr val="bg1"/>
               </a:solidFill>
             </a:endParaRPr>
-          </a:p>
-          <a:p>
-            <a:r>
-              <a:rPr lang="en-US" dirty="0">
-                <a:solidFill>
-                  <a:schemeClr val="bg1"/>
-                </a:solidFill>
-              </a:rPr>
-              <a:t>Be patient, it takes time to learn the skills and report data stories.</a:t>
-            </a:r>
-          </a:p>
-          <a:p>
-            <a:endParaRPr lang="en-US" dirty="0">
-              <a:solidFill>
-                <a:schemeClr val="bg1"/>
-              </a:solidFill>
-            </a:endParaRPr>
-          </a:p>
-          <a:p>
-            <a:r>
-              <a:rPr lang="en-US" dirty="0">
-                <a:solidFill>
-                  <a:schemeClr val="bg1"/>
-                </a:solidFill>
-              </a:rPr>
-              <a:t>Don’t worry about becoming an expert, especially overnight.</a:t>
-            </a:r>
-          </a:p>
-          <a:p>
-            <a:endParaRPr lang="en-US" dirty="0">
-              <a:solidFill>
-                <a:schemeClr val="bg1"/>
-              </a:solidFill>
-            </a:endParaRPr>
-          </a:p>
-          <a:p>
-            <a:r>
-              <a:rPr lang="en-US" dirty="0">
-                <a:solidFill>
-                  <a:schemeClr val="bg1"/>
-                </a:solidFill>
-              </a:rPr>
-              <a:t>Tell a data story you’re passionate about from the ground up to teach yourself and have something to show for your time.</a:t>
-            </a:r>
           </a:p>
         </p:txBody>
       </p:sp>
     </p:spTree>
     <p:extLst>
       <p:ext uri="{BB962C8B-B14F-4D97-AF65-F5344CB8AC3E}">
-        <p14:creationId xmlns:p14="http://schemas.microsoft.com/office/powerpoint/2010/main" val="4204192808"/>
+        <p14:creationId xmlns:p14="http://schemas.microsoft.com/office/powerpoint/2010/main" val="2682207393"/>
       </p:ext>
     </p:extLst>
   </p:cSld>
@@ -3394,7 +3483,7 @@
                   <a:schemeClr val="bg1"/>
                 </a:solidFill>
               </a:rPr>
-              <a:t>Tools</a:t>
+              <a:t>About data visualization</a:t>
             </a:r>
           </a:p>
         </p:txBody>
@@ -3412,685 +3501,117 @@
         <p:spPr>
           <a:xfrm>
             <a:off x="457200" y="1600200"/>
-            <a:ext cx="3326524" cy="4979276"/>
+            <a:ext cx="8392510" cy="4979276"/>
           </a:xfrm>
         </p:spPr>
         <p:txBody>
           <a:bodyPr>
-            <a:normAutofit fontScale="85000" lnSpcReduction="20000"/>
+            <a:normAutofit/>
           </a:bodyPr>
           <a:lstStyle/>
           <a:p>
-            <a:pPr marL="0" indent="0">
-              <a:buNone/>
-            </a:pPr>
-            <a:r>
-              <a:rPr lang="en-US" sz="2400" b="1" dirty="0">
-                <a:solidFill>
-                  <a:schemeClr val="bg1"/>
-                </a:solidFill>
-              </a:rPr>
-              <a:t>Mapping</a:t>
-            </a:r>
-          </a:p>
-          <a:p>
-            <a:pPr marL="0" indent="0">
-              <a:buNone/>
-            </a:pPr>
+            <a:r>
+              <a:rPr lang="en-US" sz="2800" dirty="0" err="1">
+                <a:solidFill>
+                  <a:schemeClr val="bg1"/>
+                </a:solidFill>
+              </a:rPr>
+              <a:t>Dataviz</a:t>
+            </a:r>
+            <a:r>
+              <a:rPr lang="en-US" sz="2800" dirty="0">
+                <a:solidFill>
+                  <a:schemeClr val="bg1"/>
+                </a:solidFill>
+              </a:rPr>
+              <a:t> is very important aspect of data-driven journalism</a:t>
+            </a:r>
+            <a:br>
+              <a:rPr lang="en-US" sz="2800" dirty="0">
+                <a:solidFill>
+                  <a:schemeClr val="bg1"/>
+                </a:solidFill>
+              </a:rPr>
+            </a:br>
+            <a:endParaRPr lang="en-US" sz="2800" dirty="0">
+              <a:solidFill>
+                <a:schemeClr val="bg1"/>
+              </a:solidFill>
+            </a:endParaRPr>
+          </a:p>
+          <a:p>
+            <a:r>
+              <a:rPr lang="en-US" sz="2800" dirty="0">
+                <a:solidFill>
+                  <a:schemeClr val="bg1"/>
+                </a:solidFill>
+              </a:rPr>
+              <a:t>Can help tell a complex dataset’s story in a simple and engaging way</a:t>
+            </a:r>
+            <a:br>
+              <a:rPr lang="en-US" sz="2800" dirty="0">
+                <a:solidFill>
+                  <a:schemeClr val="bg1"/>
+                </a:solidFill>
+              </a:rPr>
+            </a:br>
+            <a:endParaRPr lang="en-US" sz="2800" dirty="0">
+              <a:solidFill>
+                <a:schemeClr val="bg1"/>
+              </a:solidFill>
+            </a:endParaRPr>
+          </a:p>
+          <a:p>
+            <a:r>
+              <a:rPr lang="en-US" sz="2800" dirty="0">
+                <a:solidFill>
+                  <a:schemeClr val="bg1"/>
+                </a:solidFill>
+              </a:rPr>
+              <a:t>Can both be used to inform readers and reporting</a:t>
+            </a:r>
+            <a:br>
+              <a:rPr lang="en-US" sz="2800" dirty="0">
+                <a:solidFill>
+                  <a:schemeClr val="bg1"/>
+                </a:solidFill>
+              </a:rPr>
+            </a:br>
+            <a:endParaRPr lang="en-US" sz="2800" dirty="0">
+              <a:solidFill>
+                <a:schemeClr val="bg1"/>
+              </a:solidFill>
+            </a:endParaRPr>
+          </a:p>
+          <a:p>
+            <a:r>
+              <a:rPr lang="en-US" sz="2800" dirty="0">
+                <a:solidFill>
+                  <a:schemeClr val="bg1"/>
+                </a:solidFill>
+              </a:rPr>
+              <a:t>Comes in the form of charts, maps and other alternative </a:t>
+            </a:r>
+            <a:r>
+              <a:rPr lang="en-US" sz="2800" dirty="0" err="1">
+                <a:solidFill>
+                  <a:schemeClr val="bg1"/>
+                </a:solidFill>
+              </a:rPr>
+              <a:t>storyforms</a:t>
+            </a:r>
+            <a:endParaRPr lang="en-US" sz="2800" dirty="0">
+              <a:solidFill>
+                <a:schemeClr val="bg1"/>
+              </a:solidFill>
+            </a:endParaRPr>
+          </a:p>
+          <a:p>
             <a:endParaRPr lang="en-US" sz="2200" dirty="0">
               <a:solidFill>
                 <a:schemeClr val="bg1"/>
               </a:solidFill>
             </a:endParaRPr>
-          </a:p>
-          <a:p>
-            <a:pPr marL="0" indent="0">
-              <a:buNone/>
-            </a:pPr>
-            <a:r>
-              <a:rPr lang="en-US" sz="2200" dirty="0">
-                <a:solidFill>
-                  <a:schemeClr val="bg1"/>
-                </a:solidFill>
-              </a:rPr>
-              <a:t>CARTO | </a:t>
-            </a:r>
-            <a:r>
-              <a:rPr lang="en-US" sz="2200" dirty="0">
-                <a:solidFill>
-                  <a:schemeClr val="bg1"/>
-                </a:solidFill>
-                <a:hlinkClick r:id="rId2">
-                  <a:extLst>
-                    <a:ext uri="{A12FA001-AC4F-418D-AE19-62706E023703}">
-                      <ahyp:hlinkClr xmlns:ahyp="http://schemas.microsoft.com/office/drawing/2018/hyperlinkcolor" val="tx"/>
-                    </a:ext>
-                  </a:extLst>
-                </a:hlinkClick>
-              </a:rPr>
-              <a:t>Link</a:t>
-            </a:r>
-            <a:endParaRPr lang="en-US" sz="2200" dirty="0">
-              <a:solidFill>
-                <a:schemeClr val="bg1"/>
-              </a:solidFill>
-            </a:endParaRPr>
-          </a:p>
-          <a:p>
-            <a:pPr marL="0" indent="0">
-              <a:buNone/>
-            </a:pPr>
-            <a:r>
-              <a:rPr lang="en-US" sz="2200" dirty="0">
-                <a:solidFill>
-                  <a:schemeClr val="bg1"/>
-                </a:solidFill>
-              </a:rPr>
-              <a:t>A free (with limits) and powerful data mapping service</a:t>
-            </a:r>
-          </a:p>
-          <a:p>
-            <a:pPr marL="0" indent="0">
-              <a:buNone/>
-            </a:pPr>
-            <a:endParaRPr lang="en-US" sz="2200" dirty="0">
-              <a:solidFill>
-                <a:schemeClr val="bg1"/>
-              </a:solidFill>
-            </a:endParaRPr>
-          </a:p>
-          <a:p>
-            <a:pPr marL="0" indent="0">
-              <a:buNone/>
-            </a:pPr>
-            <a:r>
-              <a:rPr lang="en-US" sz="2200" dirty="0" err="1">
-                <a:solidFill>
-                  <a:schemeClr val="bg1"/>
-                </a:solidFill>
-              </a:rPr>
-              <a:t>Mapbox</a:t>
-            </a:r>
-            <a:r>
-              <a:rPr lang="en-US" sz="2200" dirty="0">
-                <a:solidFill>
-                  <a:schemeClr val="bg1"/>
-                </a:solidFill>
-              </a:rPr>
-              <a:t> | </a:t>
-            </a:r>
-            <a:r>
-              <a:rPr lang="en-US" sz="2200" dirty="0">
-                <a:solidFill>
-                  <a:schemeClr val="bg1"/>
-                </a:solidFill>
-                <a:hlinkClick r:id="rId3">
-                  <a:extLst>
-                    <a:ext uri="{A12FA001-AC4F-418D-AE19-62706E023703}">
-                      <ahyp:hlinkClr xmlns:ahyp="http://schemas.microsoft.com/office/drawing/2018/hyperlinkcolor" val="tx"/>
-                    </a:ext>
-                  </a:extLst>
-                </a:hlinkClick>
-              </a:rPr>
-              <a:t>Link</a:t>
-            </a:r>
-            <a:endParaRPr lang="en-US" sz="2200" dirty="0">
-              <a:solidFill>
-                <a:schemeClr val="bg1"/>
-              </a:solidFill>
-            </a:endParaRPr>
-          </a:p>
-          <a:p>
-            <a:pPr marL="0" indent="0">
-              <a:buNone/>
-            </a:pPr>
-            <a:r>
-              <a:rPr lang="en-US" sz="2200" dirty="0">
-                <a:solidFill>
-                  <a:schemeClr val="bg1"/>
-                </a:solidFill>
-              </a:rPr>
-              <a:t>Another free and powerful, though slightly more complex, data mapping service</a:t>
-            </a:r>
-          </a:p>
-          <a:p>
-            <a:pPr marL="0" indent="0">
-              <a:buNone/>
-            </a:pPr>
-            <a:endParaRPr lang="en-US" sz="2200" dirty="0">
-              <a:solidFill>
-                <a:schemeClr val="bg1"/>
-              </a:solidFill>
-            </a:endParaRPr>
-          </a:p>
-          <a:p>
-            <a:pPr marL="0" indent="0">
-              <a:buNone/>
-            </a:pPr>
-            <a:r>
-              <a:rPr lang="en-US" sz="2200" dirty="0">
-                <a:solidFill>
-                  <a:schemeClr val="bg1"/>
-                </a:solidFill>
-              </a:rPr>
-              <a:t>QGIS | </a:t>
-            </a:r>
-            <a:r>
-              <a:rPr lang="en-US" sz="2200" dirty="0">
-                <a:solidFill>
-                  <a:schemeClr val="bg1"/>
-                </a:solidFill>
-                <a:hlinkClick r:id="rId4">
-                  <a:extLst>
-                    <a:ext uri="{A12FA001-AC4F-418D-AE19-62706E023703}">
-                      <ahyp:hlinkClr xmlns:ahyp="http://schemas.microsoft.com/office/drawing/2018/hyperlinkcolor" val="tx"/>
-                    </a:ext>
-                  </a:extLst>
-                </a:hlinkClick>
-              </a:rPr>
-              <a:t>Link</a:t>
-            </a:r>
-            <a:endParaRPr lang="en-US" sz="2200" dirty="0">
-              <a:solidFill>
-                <a:schemeClr val="bg1"/>
-              </a:solidFill>
-            </a:endParaRPr>
-          </a:p>
-          <a:p>
-            <a:pPr marL="0" indent="0">
-              <a:buNone/>
-            </a:pPr>
-            <a:r>
-              <a:rPr lang="en-US" sz="2200" dirty="0">
-                <a:solidFill>
-                  <a:schemeClr val="bg1"/>
-                </a:solidFill>
-              </a:rPr>
-              <a:t>A more advanced bit of GIS software for building data maps from </a:t>
-            </a:r>
-            <a:r>
-              <a:rPr lang="en-US" sz="2200" dirty="0" err="1">
-                <a:solidFill>
-                  <a:schemeClr val="bg1"/>
-                </a:solidFill>
-              </a:rPr>
-              <a:t>shapefiles</a:t>
-            </a:r>
-            <a:endParaRPr lang="en-US" sz="2200" dirty="0">
-              <a:solidFill>
-                <a:schemeClr val="bg1"/>
-              </a:solidFill>
-            </a:endParaRPr>
-          </a:p>
-          <a:p>
-            <a:pPr marL="0" indent="0">
-              <a:buNone/>
-            </a:pPr>
-            <a:endParaRPr lang="en-US" sz="2200" dirty="0">
-              <a:solidFill>
-                <a:schemeClr val="bg1"/>
-              </a:solidFill>
-            </a:endParaRPr>
-          </a:p>
-          <a:p>
-            <a:pPr marL="0" indent="0">
-              <a:buNone/>
-            </a:pPr>
-            <a:r>
-              <a:rPr lang="en-US" sz="2200" dirty="0">
-                <a:solidFill>
-                  <a:schemeClr val="bg1"/>
-                </a:solidFill>
-              </a:rPr>
-              <a:t>Google Fusion Tables | </a:t>
-            </a:r>
-            <a:r>
-              <a:rPr lang="en-US" sz="2200" dirty="0">
-                <a:solidFill>
-                  <a:schemeClr val="bg1"/>
-                </a:solidFill>
-                <a:hlinkClick r:id="rId5">
-                  <a:extLst>
-                    <a:ext uri="{A12FA001-AC4F-418D-AE19-62706E023703}">
-                      <ahyp:hlinkClr xmlns:ahyp="http://schemas.microsoft.com/office/drawing/2018/hyperlinkcolor" val="tx"/>
-                    </a:ext>
-                  </a:extLst>
-                </a:hlinkClick>
-              </a:rPr>
-              <a:t>Link</a:t>
-            </a:r>
-            <a:endParaRPr lang="en-US" sz="2200" dirty="0">
-              <a:solidFill>
-                <a:schemeClr val="bg1"/>
-              </a:solidFill>
-            </a:endParaRPr>
-          </a:p>
-          <a:p>
-            <a:pPr marL="0" indent="0">
-              <a:buNone/>
-            </a:pPr>
-            <a:r>
-              <a:rPr lang="en-US" sz="2200" dirty="0">
-                <a:solidFill>
-                  <a:schemeClr val="bg1"/>
-                </a:solidFill>
-              </a:rPr>
-              <a:t>Make maps from spreadsheets</a:t>
-            </a:r>
-          </a:p>
-          <a:p>
-            <a:pPr marL="0" indent="0">
-              <a:buNone/>
-            </a:pPr>
-            <a:endParaRPr lang="en-US" dirty="0">
-              <a:solidFill>
-                <a:schemeClr val="bg1"/>
-              </a:solidFill>
-            </a:endParaRPr>
-          </a:p>
-        </p:txBody>
-      </p:sp>
-      <p:sp>
-        <p:nvSpPr>
-          <p:cNvPr id="4" name="Rectangle 3">
-            <a:extLst>
-              <a:ext uri="{FF2B5EF4-FFF2-40B4-BE49-F238E27FC236}">
-                <a16:creationId xmlns:a16="http://schemas.microsoft.com/office/drawing/2014/main" id="{6AADFECF-6B13-E044-8EFB-BB90AC0C5EA8}"/>
-              </a:ext>
-            </a:extLst>
-          </p:cNvPr>
-          <p:cNvSpPr/>
-          <p:nvPr/>
-        </p:nvSpPr>
-        <p:spPr>
-          <a:xfrm>
-            <a:off x="4114800" y="1600200"/>
-            <a:ext cx="4572000" cy="1477328"/>
-          </a:xfrm>
-          <a:prstGeom prst="rect">
-            <a:avLst/>
-          </a:prstGeom>
-        </p:spPr>
-        <p:txBody>
-          <a:bodyPr>
-            <a:spAutoFit/>
-          </a:bodyPr>
-          <a:lstStyle/>
-          <a:p>
-            <a:r>
-              <a:rPr lang="en-US" b="1" dirty="0">
-                <a:solidFill>
-                  <a:schemeClr val="bg1"/>
-                </a:solidFill>
-              </a:rPr>
-              <a:t>Charting</a:t>
-            </a:r>
-          </a:p>
-          <a:p>
-            <a:endParaRPr lang="en-US" dirty="0">
-              <a:solidFill>
-                <a:schemeClr val="bg1"/>
-              </a:solidFill>
-            </a:endParaRPr>
-          </a:p>
-          <a:p>
-            <a:r>
-              <a:rPr lang="en-US" dirty="0">
-                <a:solidFill>
-                  <a:schemeClr val="bg1"/>
-                </a:solidFill>
-              </a:rPr>
-              <a:t>Google Charts | </a:t>
-            </a:r>
-            <a:r>
-              <a:rPr lang="en-US" dirty="0">
-                <a:solidFill>
-                  <a:schemeClr val="bg1"/>
-                </a:solidFill>
-                <a:hlinkClick r:id="rId6">
-                  <a:extLst>
-                    <a:ext uri="{A12FA001-AC4F-418D-AE19-62706E023703}">
-                      <ahyp:hlinkClr xmlns:ahyp="http://schemas.microsoft.com/office/drawing/2018/hyperlinkcolor" val="tx"/>
-                    </a:ext>
-                  </a:extLst>
-                </a:hlinkClick>
-              </a:rPr>
-              <a:t>Link</a:t>
-            </a:r>
-            <a:endParaRPr lang="en-US" dirty="0">
-              <a:solidFill>
-                <a:schemeClr val="bg1"/>
-              </a:solidFill>
-            </a:endParaRPr>
-          </a:p>
-          <a:p>
-            <a:r>
-              <a:rPr lang="en-US" dirty="0" err="1">
-                <a:solidFill>
-                  <a:schemeClr val="bg1"/>
-                </a:solidFill>
-              </a:rPr>
-              <a:t>DataWrapper</a:t>
-            </a:r>
-            <a:r>
-              <a:rPr lang="en-US" dirty="0">
-                <a:solidFill>
-                  <a:schemeClr val="bg1"/>
-                </a:solidFill>
-              </a:rPr>
-              <a:t> | </a:t>
-            </a:r>
-            <a:r>
-              <a:rPr lang="en-US" dirty="0">
-                <a:solidFill>
-                  <a:schemeClr val="bg1"/>
-                </a:solidFill>
-                <a:hlinkClick r:id="rId7">
-                  <a:extLst>
-                    <a:ext uri="{A12FA001-AC4F-418D-AE19-62706E023703}">
-                      <ahyp:hlinkClr xmlns:ahyp="http://schemas.microsoft.com/office/drawing/2018/hyperlinkcolor" val="tx"/>
-                    </a:ext>
-                  </a:extLst>
-                </a:hlinkClick>
-              </a:rPr>
-              <a:t>Link</a:t>
-            </a:r>
-            <a:endParaRPr lang="en-US" dirty="0">
-              <a:solidFill>
-                <a:schemeClr val="bg1"/>
-              </a:solidFill>
-            </a:endParaRPr>
-          </a:p>
-          <a:p>
-            <a:r>
-              <a:rPr lang="en-US" dirty="0">
-                <a:solidFill>
-                  <a:schemeClr val="bg1"/>
-                </a:solidFill>
-              </a:rPr>
-              <a:t>Online Charts | </a:t>
-            </a:r>
-            <a:r>
-              <a:rPr lang="en-US" dirty="0">
-                <a:solidFill>
-                  <a:schemeClr val="bg1"/>
-                </a:solidFill>
-                <a:hlinkClick r:id="rId8">
-                  <a:extLst>
-                    <a:ext uri="{A12FA001-AC4F-418D-AE19-62706E023703}">
-                      <ahyp:hlinkClr xmlns:ahyp="http://schemas.microsoft.com/office/drawing/2018/hyperlinkcolor" val="tx"/>
-                    </a:ext>
-                  </a:extLst>
-                </a:hlinkClick>
-              </a:rPr>
-              <a:t>Link</a:t>
-            </a:r>
-            <a:endParaRPr lang="en-US" dirty="0">
-              <a:solidFill>
-                <a:schemeClr val="bg1"/>
-              </a:solidFill>
-            </a:endParaRPr>
-          </a:p>
-        </p:txBody>
-      </p:sp>
-      <p:sp>
-        <p:nvSpPr>
-          <p:cNvPr id="5" name="Rectangle 4">
-            <a:extLst>
-              <a:ext uri="{FF2B5EF4-FFF2-40B4-BE49-F238E27FC236}">
-                <a16:creationId xmlns:a16="http://schemas.microsoft.com/office/drawing/2014/main" id="{3BFBD21D-8B0F-A749-811B-EF5B31E8F6FE}"/>
-              </a:ext>
-            </a:extLst>
-          </p:cNvPr>
-          <p:cNvSpPr/>
-          <p:nvPr/>
-        </p:nvSpPr>
-        <p:spPr>
-          <a:xfrm>
-            <a:off x="4114800" y="3263841"/>
-            <a:ext cx="4572000" cy="3416320"/>
-          </a:xfrm>
-          <a:prstGeom prst="rect">
-            <a:avLst/>
-          </a:prstGeom>
-        </p:spPr>
-        <p:txBody>
-          <a:bodyPr>
-            <a:spAutoFit/>
-          </a:bodyPr>
-          <a:lstStyle/>
-          <a:p>
-            <a:r>
-              <a:rPr lang="en-US" b="1" dirty="0">
-                <a:solidFill>
-                  <a:schemeClr val="bg1"/>
-                </a:solidFill>
-              </a:rPr>
-              <a:t>Other stuff</a:t>
-            </a:r>
-            <a:endParaRPr lang="en-US" dirty="0">
-              <a:solidFill>
-                <a:schemeClr val="bg1"/>
-              </a:solidFill>
-            </a:endParaRPr>
-          </a:p>
-          <a:p>
-            <a:endParaRPr lang="en-US" dirty="0">
-              <a:solidFill>
-                <a:schemeClr val="bg1"/>
-              </a:solidFill>
-            </a:endParaRPr>
-          </a:p>
-          <a:p>
-            <a:r>
-              <a:rPr lang="en-US" dirty="0" err="1">
-                <a:solidFill>
-                  <a:schemeClr val="bg1"/>
-                </a:solidFill>
-              </a:rPr>
-              <a:t>StribLab</a:t>
-            </a:r>
-            <a:r>
-              <a:rPr lang="en-US" dirty="0">
-                <a:solidFill>
-                  <a:schemeClr val="bg1"/>
-                </a:solidFill>
-              </a:rPr>
-              <a:t> </a:t>
-            </a:r>
-            <a:r>
-              <a:rPr lang="en-US" dirty="0" err="1">
-                <a:solidFill>
-                  <a:schemeClr val="bg1"/>
-                </a:solidFill>
-              </a:rPr>
-              <a:t>Github</a:t>
-            </a:r>
-            <a:r>
-              <a:rPr lang="en-US" dirty="0">
-                <a:solidFill>
-                  <a:schemeClr val="bg1"/>
-                </a:solidFill>
-              </a:rPr>
-              <a:t> | </a:t>
-            </a:r>
-            <a:r>
-              <a:rPr lang="en-US" dirty="0">
-                <a:solidFill>
-                  <a:schemeClr val="bg1"/>
-                </a:solidFill>
-                <a:hlinkClick r:id="rId9">
-                  <a:extLst>
-                    <a:ext uri="{A12FA001-AC4F-418D-AE19-62706E023703}">
-                      <ahyp:hlinkClr xmlns:ahyp="http://schemas.microsoft.com/office/drawing/2018/hyperlinkcolor" val="tx"/>
-                    </a:ext>
-                  </a:extLst>
-                </a:hlinkClick>
-              </a:rPr>
-              <a:t>Link</a:t>
-            </a:r>
-            <a:endParaRPr lang="en-US" dirty="0">
-              <a:solidFill>
-                <a:schemeClr val="bg1"/>
-              </a:solidFill>
-            </a:endParaRPr>
-          </a:p>
-          <a:p>
-            <a:endParaRPr lang="en-US" dirty="0">
-              <a:solidFill>
-                <a:schemeClr val="bg1"/>
-              </a:solidFill>
-            </a:endParaRPr>
-          </a:p>
-          <a:p>
-            <a:r>
-              <a:rPr lang="en-US" dirty="0">
-                <a:solidFill>
-                  <a:schemeClr val="bg1"/>
-                </a:solidFill>
-              </a:rPr>
-              <a:t>Tabula | </a:t>
-            </a:r>
-            <a:r>
-              <a:rPr lang="en-US" dirty="0">
-                <a:solidFill>
-                  <a:schemeClr val="bg1"/>
-                </a:solidFill>
-                <a:hlinkClick r:id="rId10">
-                  <a:extLst>
-                    <a:ext uri="{A12FA001-AC4F-418D-AE19-62706E023703}">
-                      <ahyp:hlinkClr xmlns:ahyp="http://schemas.microsoft.com/office/drawing/2018/hyperlinkcolor" val="tx"/>
-                    </a:ext>
-                  </a:extLst>
-                </a:hlinkClick>
-              </a:rPr>
-              <a:t>Link</a:t>
-            </a:r>
-            <a:endParaRPr lang="en-US" dirty="0">
-              <a:solidFill>
-                <a:schemeClr val="bg1"/>
-              </a:solidFill>
-            </a:endParaRPr>
-          </a:p>
-          <a:p>
-            <a:r>
-              <a:rPr lang="en-US" dirty="0">
-                <a:solidFill>
-                  <a:schemeClr val="bg1"/>
-                </a:solidFill>
-              </a:rPr>
-              <a:t>Turn PDFs into spreadsheets</a:t>
-            </a:r>
-          </a:p>
-          <a:p>
-            <a:endParaRPr lang="en-US" dirty="0">
-              <a:solidFill>
-                <a:schemeClr val="bg1"/>
-              </a:solidFill>
-            </a:endParaRPr>
-          </a:p>
-          <a:p>
-            <a:r>
-              <a:rPr lang="en-US" dirty="0">
-                <a:solidFill>
-                  <a:schemeClr val="bg1"/>
-                </a:solidFill>
-              </a:rPr>
-              <a:t>The Data Visualization Catalogue | </a:t>
-            </a:r>
-            <a:r>
-              <a:rPr lang="en-US" dirty="0">
-                <a:solidFill>
-                  <a:schemeClr val="bg1"/>
-                </a:solidFill>
-                <a:hlinkClick r:id="rId11">
-                  <a:extLst>
-                    <a:ext uri="{A12FA001-AC4F-418D-AE19-62706E023703}">
-                      <ahyp:hlinkClr xmlns:ahyp="http://schemas.microsoft.com/office/drawing/2018/hyperlinkcolor" val="tx"/>
-                    </a:ext>
-                  </a:extLst>
-                </a:hlinkClick>
-              </a:rPr>
-              <a:t>Link</a:t>
-            </a:r>
-            <a:endParaRPr lang="en-US" dirty="0">
-              <a:solidFill>
-                <a:schemeClr val="bg1"/>
-              </a:solidFill>
-            </a:endParaRPr>
-          </a:p>
-          <a:p>
-            <a:r>
-              <a:rPr lang="en-US" dirty="0">
-                <a:solidFill>
-                  <a:schemeClr val="bg1"/>
-                </a:solidFill>
-              </a:rPr>
-              <a:t>What </a:t>
-            </a:r>
-            <a:r>
-              <a:rPr lang="en-US" dirty="0" err="1">
-                <a:solidFill>
-                  <a:schemeClr val="bg1"/>
-                </a:solidFill>
-              </a:rPr>
-              <a:t>dataviz</a:t>
-            </a:r>
-            <a:r>
-              <a:rPr lang="en-US" dirty="0">
-                <a:solidFill>
-                  <a:schemeClr val="bg1"/>
-                </a:solidFill>
-              </a:rPr>
-              <a:t> to use for what purpose</a:t>
-            </a:r>
-          </a:p>
-          <a:p>
-            <a:endParaRPr lang="en-US" dirty="0">
-              <a:solidFill>
-                <a:schemeClr val="bg1"/>
-              </a:solidFill>
-            </a:endParaRPr>
-          </a:p>
-          <a:p>
-            <a:r>
-              <a:rPr lang="en-US" dirty="0">
-                <a:solidFill>
-                  <a:schemeClr val="bg1"/>
-                </a:solidFill>
-              </a:rPr>
-              <a:t>Visual Vocabulary | </a:t>
-            </a:r>
-            <a:r>
-              <a:rPr lang="en-US" dirty="0">
-                <a:solidFill>
-                  <a:schemeClr val="bg1"/>
-                </a:solidFill>
-                <a:hlinkClick r:id="rId12">
-                  <a:extLst>
-                    <a:ext uri="{A12FA001-AC4F-418D-AE19-62706E023703}">
-                      <ahyp:hlinkClr xmlns:ahyp="http://schemas.microsoft.com/office/drawing/2018/hyperlinkcolor" val="tx"/>
-                    </a:ext>
-                  </a:extLst>
-                </a:hlinkClick>
-              </a:rPr>
-              <a:t>Link</a:t>
-            </a:r>
-            <a:endParaRPr lang="en-US" dirty="0">
-              <a:solidFill>
-                <a:schemeClr val="bg1"/>
-              </a:solidFill>
-            </a:endParaRPr>
-          </a:p>
-          <a:p>
-            <a:r>
-              <a:rPr lang="en-US" dirty="0">
-                <a:solidFill>
-                  <a:schemeClr val="bg1"/>
-                </a:solidFill>
-              </a:rPr>
-              <a:t>How to visualize different kinds of data</a:t>
-            </a:r>
           </a:p>
         </p:txBody>
       </p:sp>
@@ -4153,7 +3674,7 @@
                   <a:schemeClr val="bg1"/>
                 </a:solidFill>
               </a:rPr>
-              <a:t>Questions</a:t>
+              <a:t>Some tool suggestions</a:t>
             </a:r>
           </a:p>
         </p:txBody>
@@ -4168,10 +3689,241 @@
             <p:ph idx="1"/>
           </p:nvPr>
         </p:nvSpPr>
-        <p:spPr/>
-        <p:txBody>
-          <a:bodyPr/>
-          <a:lstStyle/>
+        <p:spPr>
+          <a:xfrm>
+            <a:off x="457200" y="1600200"/>
+            <a:ext cx="3326524" cy="4979276"/>
+          </a:xfrm>
+        </p:spPr>
+        <p:txBody>
+          <a:bodyPr>
+            <a:normAutofit fontScale="92500" lnSpcReduction="10000"/>
+          </a:bodyPr>
+          <a:lstStyle/>
+          <a:p>
+            <a:pPr marL="0" indent="0">
+              <a:buNone/>
+            </a:pPr>
+            <a:r>
+              <a:rPr lang="en-US" sz="2400" b="1" dirty="0">
+                <a:solidFill>
+                  <a:schemeClr val="bg1"/>
+                </a:solidFill>
+              </a:rPr>
+              <a:t>Mapping</a:t>
+            </a:r>
+          </a:p>
+          <a:p>
+            <a:pPr marL="0" indent="0">
+              <a:buNone/>
+            </a:pPr>
+            <a:br>
+              <a:rPr lang="en-US" sz="2200" dirty="0">
+                <a:solidFill>
+                  <a:schemeClr val="bg1"/>
+                </a:solidFill>
+              </a:rPr>
+            </a:br>
+            <a:r>
+              <a:rPr lang="en-US" sz="2200" dirty="0" err="1">
+                <a:solidFill>
+                  <a:schemeClr val="bg1"/>
+                </a:solidFill>
+              </a:rPr>
+              <a:t>Mapbox</a:t>
+            </a:r>
+            <a:r>
+              <a:rPr lang="en-US" sz="2200" dirty="0">
+                <a:solidFill>
+                  <a:schemeClr val="bg1"/>
+                </a:solidFill>
+              </a:rPr>
+              <a:t> | </a:t>
+            </a:r>
+            <a:r>
+              <a:rPr lang="en-US" sz="2200" dirty="0">
+                <a:solidFill>
+                  <a:schemeClr val="bg1"/>
+                </a:solidFill>
+                <a:hlinkClick r:id="rId2">
+                  <a:extLst>
+                    <a:ext uri="{A12FA001-AC4F-418D-AE19-62706E023703}">
+                      <ahyp:hlinkClr xmlns:ahyp="http://schemas.microsoft.com/office/drawing/2018/hyperlinkcolor" val="tx"/>
+                    </a:ext>
+                  </a:extLst>
+                </a:hlinkClick>
+              </a:rPr>
+              <a:t>Link</a:t>
+            </a:r>
+            <a:endParaRPr lang="en-US" sz="2200" dirty="0">
+              <a:solidFill>
+                <a:schemeClr val="bg1"/>
+              </a:solidFill>
+            </a:endParaRPr>
+          </a:p>
+          <a:p>
+            <a:pPr marL="0" indent="0">
+              <a:buNone/>
+            </a:pPr>
+            <a:r>
+              <a:rPr lang="en-US" sz="2200" dirty="0">
+                <a:solidFill>
+                  <a:schemeClr val="bg1"/>
+                </a:solidFill>
+              </a:rPr>
+              <a:t>A mostly free, powerful data mapping service</a:t>
+            </a:r>
+          </a:p>
+          <a:p>
+            <a:pPr marL="0" indent="0">
+              <a:buNone/>
+            </a:pPr>
+            <a:endParaRPr lang="en-US" sz="2200" dirty="0">
+              <a:solidFill>
+                <a:schemeClr val="bg1"/>
+              </a:solidFill>
+            </a:endParaRPr>
+          </a:p>
+          <a:p>
+            <a:pPr marL="0" indent="0">
+              <a:buNone/>
+            </a:pPr>
+            <a:r>
+              <a:rPr lang="en-US" sz="2200" dirty="0">
+                <a:solidFill>
+                  <a:schemeClr val="bg1"/>
+                </a:solidFill>
+              </a:rPr>
+              <a:t>CARTO | </a:t>
+            </a:r>
+            <a:r>
+              <a:rPr lang="en-US" sz="2200" dirty="0">
+                <a:solidFill>
+                  <a:schemeClr val="bg1"/>
+                </a:solidFill>
+                <a:hlinkClick r:id="rId3">
+                  <a:extLst>
+                    <a:ext uri="{A12FA001-AC4F-418D-AE19-62706E023703}">
+                      <ahyp:hlinkClr xmlns:ahyp="http://schemas.microsoft.com/office/drawing/2018/hyperlinkcolor" val="tx"/>
+                    </a:ext>
+                  </a:extLst>
+                </a:hlinkClick>
+              </a:rPr>
+              <a:t>Link</a:t>
+            </a:r>
+            <a:endParaRPr lang="en-US" sz="2200" dirty="0">
+              <a:solidFill>
+                <a:schemeClr val="bg1"/>
+              </a:solidFill>
+            </a:endParaRPr>
+          </a:p>
+          <a:p>
+            <a:pPr marL="0" indent="0">
+              <a:buNone/>
+            </a:pPr>
+            <a:r>
+              <a:rPr lang="en-US" sz="2200" dirty="0">
+                <a:solidFill>
+                  <a:schemeClr val="bg1"/>
+                </a:solidFill>
+              </a:rPr>
+              <a:t>A free (with limits) and powerful data mapping service</a:t>
+            </a:r>
+          </a:p>
+          <a:p>
+            <a:pPr marL="0" indent="0">
+              <a:buNone/>
+            </a:pPr>
+            <a:endParaRPr lang="en-US" sz="2200" dirty="0">
+              <a:solidFill>
+                <a:schemeClr val="bg1"/>
+              </a:solidFill>
+            </a:endParaRPr>
+          </a:p>
+          <a:p>
+            <a:pPr marL="0" indent="0">
+              <a:buNone/>
+            </a:pPr>
+            <a:r>
+              <a:rPr lang="en-US" sz="2200" dirty="0">
+                <a:solidFill>
+                  <a:schemeClr val="bg1"/>
+                </a:solidFill>
+              </a:rPr>
+              <a:t>QGIS | </a:t>
+            </a:r>
+            <a:r>
+              <a:rPr lang="en-US" sz="2200" dirty="0">
+                <a:solidFill>
+                  <a:schemeClr val="bg1"/>
+                </a:solidFill>
+                <a:hlinkClick r:id="rId4">
+                  <a:extLst>
+                    <a:ext uri="{A12FA001-AC4F-418D-AE19-62706E023703}">
+                      <ahyp:hlinkClr xmlns:ahyp="http://schemas.microsoft.com/office/drawing/2018/hyperlinkcolor" val="tx"/>
+                    </a:ext>
+                  </a:extLst>
+                </a:hlinkClick>
+              </a:rPr>
+              <a:t>Link</a:t>
+            </a:r>
+            <a:endParaRPr lang="en-US" sz="2200" dirty="0">
+              <a:solidFill>
+                <a:schemeClr val="bg1"/>
+              </a:solidFill>
+            </a:endParaRPr>
+          </a:p>
+          <a:p>
+            <a:pPr marL="0" indent="0">
+              <a:buNone/>
+            </a:pPr>
+            <a:r>
+              <a:rPr lang="en-US" sz="2200" dirty="0">
+                <a:solidFill>
+                  <a:schemeClr val="bg1"/>
+                </a:solidFill>
+              </a:rPr>
+              <a:t>A more advanced bit of GIS software for building data maps from shapefiles</a:t>
+            </a:r>
+          </a:p>
+        </p:txBody>
+      </p:sp>
+      <p:sp>
+        <p:nvSpPr>
+          <p:cNvPr id="4" name="Rectangle 3">
+            <a:extLst>
+              <a:ext uri="{FF2B5EF4-FFF2-40B4-BE49-F238E27FC236}">
+                <a16:creationId xmlns:a16="http://schemas.microsoft.com/office/drawing/2014/main" id="{6AADFECF-6B13-E044-8EFB-BB90AC0C5EA8}"/>
+              </a:ext>
+            </a:extLst>
+          </p:cNvPr>
+          <p:cNvSpPr/>
+          <p:nvPr/>
+        </p:nvSpPr>
+        <p:spPr>
+          <a:xfrm>
+            <a:off x="4114800" y="1600200"/>
+            <a:ext cx="4572000" cy="1477328"/>
+          </a:xfrm>
+          <a:prstGeom prst="rect">
+            <a:avLst/>
+          </a:prstGeom>
+        </p:spPr>
+        <p:txBody>
+          <a:bodyPr>
+            <a:spAutoFit/>
+          </a:bodyPr>
+          <a:lstStyle/>
+          <a:p>
+            <a:r>
+              <a:rPr lang="en-US" b="1" dirty="0">
+                <a:solidFill>
+                  <a:schemeClr val="bg1"/>
+                </a:solidFill>
+              </a:rPr>
+              <a:t>Charting</a:t>
+            </a:r>
+          </a:p>
           <a:p>
             <a:endParaRPr lang="en-US" dirty="0">
               <a:solidFill>
@@ -4180,6 +3932,29 @@
             </a:endParaRPr>
           </a:p>
           <a:p>
+            <a:r>
+              <a:rPr lang="en-US" dirty="0">
+                <a:solidFill>
+                  <a:schemeClr val="bg1"/>
+                </a:solidFill>
+              </a:rPr>
+              <a:t>Google Charts | </a:t>
+            </a:r>
+            <a:r>
+              <a:rPr lang="en-US" dirty="0">
+                <a:solidFill>
+                  <a:schemeClr val="bg1"/>
+                </a:solidFill>
+                <a:hlinkClick r:id="rId5">
+                  <a:extLst>
+                    <a:ext uri="{A12FA001-AC4F-418D-AE19-62706E023703}">
+                      <ahyp:hlinkClr xmlns:ahyp="http://schemas.microsoft.com/office/drawing/2018/hyperlinkcolor" val="tx"/>
+                    </a:ext>
+                  </a:extLst>
+                </a:hlinkClick>
+              </a:rPr>
+              <a:t>Link</a:t>
+            </a:r>
             <a:endParaRPr lang="en-US" dirty="0">
               <a:solidFill>
                 <a:schemeClr val="bg1"/>
@@ -4187,6 +3962,37 @@
             </a:endParaRPr>
           </a:p>
           <a:p>
+            <a:r>
+              <a:rPr lang="en-US" dirty="0" err="1">
+                <a:solidFill>
+                  <a:schemeClr val="bg1"/>
+                </a:solidFill>
+              </a:rPr>
+              <a:t>DataWrapper</a:t>
+            </a:r>
+            <a:r>
+              <a:rPr lang="en-US" dirty="0">
+                <a:solidFill>
+                  <a:schemeClr val="bg1"/>
+                </a:solidFill>
+              </a:rPr>
+              <a:t> | </a:t>
+            </a:r>
+            <a:r>
+              <a:rPr lang="en-US" dirty="0">
+                <a:solidFill>
+                  <a:schemeClr val="bg1"/>
+                </a:solidFill>
+                <a:hlinkClick r:id="rId6">
+                  <a:extLst>
+                    <a:ext uri="{A12FA001-AC4F-418D-AE19-62706E023703}">
+                      <ahyp:hlinkClr xmlns:ahyp="http://schemas.microsoft.com/office/drawing/2018/hyperlinkcolor" val="tx"/>
+                    </a:ext>
+                  </a:extLst>
+                </a:hlinkClick>
+              </a:rPr>
+              <a:t>Link</a:t>
+            </a:r>
             <a:endParaRPr lang="en-US" dirty="0">
               <a:solidFill>
                 <a:schemeClr val="bg1"/>
@@ -4194,16 +4000,294 @@
             </a:endParaRPr>
           </a:p>
           <a:p>
-            <a:pPr marL="0" indent="0">
-              <a:buNone/>
-            </a:pPr>
-            <a:r>
-              <a:rPr lang="en-US" dirty="0">
-                <a:solidFill>
-                  <a:schemeClr val="bg1"/>
-                </a:solidFill>
-              </a:rPr>
-              <a:t>                                   Q&amp;A Time</a:t>
+            <a:r>
+              <a:rPr lang="en-US" dirty="0">
+                <a:solidFill>
+                  <a:schemeClr val="bg1"/>
+                </a:solidFill>
+              </a:rPr>
+              <a:t>Online Charts | </a:t>
+            </a:r>
+            <a:r>
+              <a:rPr lang="en-US" dirty="0">
+                <a:solidFill>
+                  <a:schemeClr val="bg1"/>
+                </a:solidFill>
+                <a:hlinkClick r:id="rId7">
+                  <a:extLst>
+                    <a:ext uri="{A12FA001-AC4F-418D-AE19-62706E023703}">
+                      <ahyp:hlinkClr xmlns:ahyp="http://schemas.microsoft.com/office/drawing/2018/hyperlinkcolor" val="tx"/>
+                    </a:ext>
+                  </a:extLst>
+                </a:hlinkClick>
+              </a:rPr>
+              <a:t>Link</a:t>
+            </a:r>
+            <a:endParaRPr lang="en-US" dirty="0">
+              <a:solidFill>
+                <a:schemeClr val="bg1"/>
+              </a:solidFill>
+            </a:endParaRPr>
+          </a:p>
+        </p:txBody>
+      </p:sp>
+      <p:sp>
+        <p:nvSpPr>
+          <p:cNvPr id="5" name="Rectangle 4">
+            <a:extLst>
+              <a:ext uri="{FF2B5EF4-FFF2-40B4-BE49-F238E27FC236}">
+                <a16:creationId xmlns:a16="http://schemas.microsoft.com/office/drawing/2014/main" id="{3BFBD21D-8B0F-A749-811B-EF5B31E8F6FE}"/>
+              </a:ext>
+            </a:extLst>
+          </p:cNvPr>
+          <p:cNvSpPr/>
+          <p:nvPr/>
+        </p:nvSpPr>
+        <p:spPr>
+          <a:xfrm>
+            <a:off x="4114800" y="3263841"/>
+            <a:ext cx="4572000" cy="3416320"/>
+          </a:xfrm>
+          <a:prstGeom prst="rect">
+            <a:avLst/>
+          </a:prstGeom>
+        </p:spPr>
+        <p:txBody>
+          <a:bodyPr>
+            <a:spAutoFit/>
+          </a:bodyPr>
+          <a:lstStyle/>
+          <a:p>
+            <a:r>
+              <a:rPr lang="en-US" b="1" dirty="0">
+                <a:solidFill>
+                  <a:schemeClr val="bg1"/>
+                </a:solidFill>
+              </a:rPr>
+              <a:t>Other stuff</a:t>
+            </a:r>
+            <a:endParaRPr lang="en-US" dirty="0">
+              <a:solidFill>
+                <a:schemeClr val="bg1"/>
+              </a:solidFill>
+            </a:endParaRPr>
+          </a:p>
+          <a:p>
+            <a:endParaRPr lang="en-US" dirty="0">
+              <a:solidFill>
+                <a:schemeClr val="bg1"/>
+              </a:solidFill>
+            </a:endParaRPr>
+          </a:p>
+          <a:p>
+            <a:r>
+              <a:rPr lang="en-US" dirty="0" err="1">
+                <a:solidFill>
+                  <a:schemeClr val="bg1"/>
+                </a:solidFill>
+              </a:rPr>
+              <a:t>StribLab</a:t>
+            </a:r>
+            <a:r>
+              <a:rPr lang="en-US" dirty="0">
+                <a:solidFill>
+                  <a:schemeClr val="bg1"/>
+                </a:solidFill>
+              </a:rPr>
+              <a:t> </a:t>
+            </a:r>
+            <a:r>
+              <a:rPr lang="en-US" dirty="0" err="1">
+                <a:solidFill>
+                  <a:schemeClr val="bg1"/>
+                </a:solidFill>
+              </a:rPr>
+              <a:t>Github</a:t>
+            </a:r>
+            <a:r>
+              <a:rPr lang="en-US" dirty="0">
+                <a:solidFill>
+                  <a:schemeClr val="bg1"/>
+                </a:solidFill>
+              </a:rPr>
+              <a:t> | </a:t>
+            </a:r>
+            <a:r>
+              <a:rPr lang="en-US" dirty="0">
+                <a:solidFill>
+                  <a:schemeClr val="bg1"/>
+                </a:solidFill>
+                <a:hlinkClick r:id="rId8">
+                  <a:extLst>
+                    <a:ext uri="{A12FA001-AC4F-418D-AE19-62706E023703}">
+                      <ahyp:hlinkClr xmlns:ahyp="http://schemas.microsoft.com/office/drawing/2018/hyperlinkcolor" val="tx"/>
+                    </a:ext>
+                  </a:extLst>
+                </a:hlinkClick>
+              </a:rPr>
+              <a:t>Link</a:t>
+            </a:r>
+            <a:endParaRPr lang="en-US" dirty="0">
+              <a:solidFill>
+                <a:schemeClr val="bg1"/>
+              </a:solidFill>
+            </a:endParaRPr>
+          </a:p>
+          <a:p>
+            <a:endParaRPr lang="en-US" dirty="0">
+              <a:solidFill>
+                <a:schemeClr val="bg1"/>
+              </a:solidFill>
+            </a:endParaRPr>
+          </a:p>
+          <a:p>
+            <a:r>
+              <a:rPr lang="en-US" dirty="0">
+                <a:solidFill>
+                  <a:schemeClr val="bg1"/>
+                </a:solidFill>
+              </a:rPr>
+              <a:t>Tabula | </a:t>
+            </a:r>
+            <a:r>
+              <a:rPr lang="en-US" dirty="0">
+                <a:solidFill>
+                  <a:schemeClr val="bg1"/>
+                </a:solidFill>
+                <a:hlinkClick r:id="rId9">
+                  <a:extLst>
+                    <a:ext uri="{A12FA001-AC4F-418D-AE19-62706E023703}">
+                      <ahyp:hlinkClr xmlns:ahyp="http://schemas.microsoft.com/office/drawing/2018/hyperlinkcolor" val="tx"/>
+                    </a:ext>
+                  </a:extLst>
+                </a:hlinkClick>
+              </a:rPr>
+              <a:t>Link</a:t>
+            </a:r>
+            <a:endParaRPr lang="en-US" dirty="0">
+              <a:solidFill>
+                <a:schemeClr val="bg1"/>
+              </a:solidFill>
+            </a:endParaRPr>
+          </a:p>
+          <a:p>
+            <a:r>
+              <a:rPr lang="en-US" dirty="0">
+                <a:solidFill>
+                  <a:schemeClr val="bg1"/>
+                </a:solidFill>
+              </a:rPr>
+              <a:t>Turn PDFs into spreadsheets</a:t>
+            </a:r>
+          </a:p>
+          <a:p>
+            <a:endParaRPr lang="en-US" dirty="0">
+              <a:solidFill>
+                <a:schemeClr val="bg1"/>
+              </a:solidFill>
+            </a:endParaRPr>
+          </a:p>
+          <a:p>
+            <a:r>
+              <a:rPr lang="en-US" dirty="0">
+                <a:solidFill>
+                  <a:schemeClr val="bg1"/>
+                </a:solidFill>
+              </a:rPr>
+              <a:t>The Data Visualization Catalogue | </a:t>
+            </a:r>
+            <a:r>
+              <a:rPr lang="en-US" dirty="0">
+                <a:solidFill>
+                  <a:schemeClr val="bg1"/>
+                </a:solidFill>
+                <a:hlinkClick r:id="rId10">
+                  <a:extLst>
+                    <a:ext uri="{A12FA001-AC4F-418D-AE19-62706E023703}">
+                      <ahyp:hlinkClr xmlns:ahyp="http://schemas.microsoft.com/office/drawing/2018/hyperlinkcolor" val="tx"/>
+                    </a:ext>
+                  </a:extLst>
+                </a:hlinkClick>
+              </a:rPr>
+              <a:t>Link</a:t>
+            </a:r>
+            <a:endParaRPr lang="en-US" dirty="0">
+              <a:solidFill>
+                <a:schemeClr val="bg1"/>
+              </a:solidFill>
+            </a:endParaRPr>
+          </a:p>
+          <a:p>
+            <a:r>
+              <a:rPr lang="en-US" dirty="0">
+                <a:solidFill>
+                  <a:schemeClr val="bg1"/>
+                </a:solidFill>
+              </a:rPr>
+              <a:t>What </a:t>
+            </a:r>
+            <a:r>
+              <a:rPr lang="en-US" dirty="0" err="1">
+                <a:solidFill>
+                  <a:schemeClr val="bg1"/>
+                </a:solidFill>
+              </a:rPr>
+              <a:t>dataviz</a:t>
+            </a:r>
+            <a:r>
+              <a:rPr lang="en-US" dirty="0">
+                <a:solidFill>
+                  <a:schemeClr val="bg1"/>
+                </a:solidFill>
+              </a:rPr>
+              <a:t> to use for what purpose</a:t>
+            </a:r>
+          </a:p>
+          <a:p>
+            <a:endParaRPr lang="en-US" dirty="0">
+              <a:solidFill>
+                <a:schemeClr val="bg1"/>
+              </a:solidFill>
+            </a:endParaRPr>
+          </a:p>
+          <a:p>
+            <a:r>
+              <a:rPr lang="en-US" dirty="0">
+                <a:solidFill>
+                  <a:schemeClr val="bg1"/>
+                </a:solidFill>
+              </a:rPr>
+              <a:t>Visual Vocabulary | </a:t>
+            </a:r>
+            <a:r>
+              <a:rPr lang="en-US" dirty="0">
+                <a:solidFill>
+                  <a:schemeClr val="bg1"/>
+                </a:solidFill>
+                <a:hlinkClick r:id="rId11">
+                  <a:extLst>
+                    <a:ext uri="{A12FA001-AC4F-418D-AE19-62706E023703}">
+                      <ahyp:hlinkClr xmlns:ahyp="http://schemas.microsoft.com/office/drawing/2018/hyperlinkcolor" val="tx"/>
+                    </a:ext>
+                  </a:extLst>
+                </a:hlinkClick>
+              </a:rPr>
+              <a:t>Link</a:t>
+            </a:r>
+            <a:endParaRPr lang="en-US" dirty="0">
+              <a:solidFill>
+                <a:schemeClr val="bg1"/>
+              </a:solidFill>
+            </a:endParaRPr>
+          </a:p>
+          <a:p>
+            <a:r>
+              <a:rPr lang="en-US" dirty="0">
+                <a:solidFill>
+                  <a:schemeClr val="bg1"/>
+                </a:solidFill>
+              </a:rPr>
+              <a:t>How to visualize different kinds of data</a:t>
             </a:r>
           </a:p>
         </p:txBody>
@@ -4211,7 +4295,7 @@
     </p:spTree>
     <p:extLst>
       <p:ext uri="{BB962C8B-B14F-4D97-AF65-F5344CB8AC3E}">
-        <p14:creationId xmlns:p14="http://schemas.microsoft.com/office/powerpoint/2010/main" val="2682207393"/>
+        <p14:creationId xmlns:p14="http://schemas.microsoft.com/office/powerpoint/2010/main" val="3217234928"/>
       </p:ext>
     </p:extLst>
   </p:cSld>
@@ -4222,6 +4306,963 @@
 </file>
 
 <file path=ppt/slides/slide13.xml><?xml version="1.0" encoding="utf-8"?>
+<p:sld xmlns:a="http://schemas.openxmlformats.org/drawingml/2006/main" xmlns:r="http://schemas.openxmlformats.org/officeDocument/2006/relationships" xmlns:p="http://schemas.openxmlformats.org/presentationml/2006/main">
+  <p:cSld>
+    <p:bg>
+      <p:bgPr>
+        <a:solidFill>
+          <a:schemeClr val="tx1"/>
+        </a:solidFill>
+        <a:effectLst/>
+      </p:bgPr>
+    </p:bg>
+    <p:spTree>
+      <p:nvGrpSpPr>
+        <p:cNvPr id="1" name=""/>
+        <p:cNvGrpSpPr/>
+        <p:nvPr/>
+      </p:nvGrpSpPr>
+      <p:grpSpPr>
+        <a:xfrm>
+          <a:off x="0" y="0"/>
+          <a:ext cx="0" cy="0"/>
+          <a:chOff x="0" y="0"/>
+          <a:chExt cx="0" cy="0"/>
+        </a:xfrm>
+      </p:grpSpPr>
+      <p:sp>
+        <p:nvSpPr>
+          <p:cNvPr id="2" name="Title 1"/>
+          <p:cNvSpPr>
+            <a:spLocks noGrp="1"/>
+          </p:cNvSpPr>
+          <p:nvPr>
+            <p:ph type="title"/>
+          </p:nvPr>
+        </p:nvSpPr>
+        <p:spPr/>
+        <p:style>
+          <a:lnRef idx="2">
+            <a:schemeClr val="dk1"/>
+          </a:lnRef>
+          <a:fillRef idx="1">
+            <a:schemeClr val="lt1"/>
+          </a:fillRef>
+          <a:effectRef idx="0">
+            <a:schemeClr val="dk1"/>
+          </a:effectRef>
+          <a:fontRef idx="minor">
+            <a:schemeClr val="dk1"/>
+          </a:fontRef>
+        </p:style>
+        <p:txBody>
+          <a:bodyPr/>
+          <a:lstStyle/>
+          <a:p>
+            <a:r>
+              <a:rPr lang="en-US" dirty="0"/>
+              <a:t>Examples</a:t>
+            </a:r>
+          </a:p>
+        </p:txBody>
+      </p:sp>
+      <p:sp>
+        <p:nvSpPr>
+          <p:cNvPr id="3" name="Content Placeholder 2"/>
+          <p:cNvSpPr>
+            <a:spLocks noGrp="1"/>
+          </p:cNvSpPr>
+          <p:nvPr>
+            <p:ph idx="1"/>
+          </p:nvPr>
+        </p:nvSpPr>
+        <p:spPr>
+          <a:xfrm>
+            <a:off x="457200" y="1600200"/>
+            <a:ext cx="4186719" cy="4790326"/>
+          </a:xfrm>
+        </p:spPr>
+        <p:style>
+          <a:lnRef idx="2">
+            <a:schemeClr val="dk1"/>
+          </a:lnRef>
+          <a:fillRef idx="1">
+            <a:schemeClr val="lt1"/>
+          </a:fillRef>
+          <a:effectRef idx="0">
+            <a:schemeClr val="dk1"/>
+          </a:effectRef>
+          <a:fontRef idx="minor">
+            <a:schemeClr val="dk1"/>
+          </a:fontRef>
+        </p:style>
+        <p:txBody>
+          <a:bodyPr>
+            <a:normAutofit fontScale="25000" lnSpcReduction="20000"/>
+          </a:bodyPr>
+          <a:lstStyle/>
+          <a:p>
+            <a:pPr marL="0" indent="0">
+              <a:buNone/>
+            </a:pPr>
+            <a:r>
+              <a:rPr lang="en-US" sz="4000" b="1" dirty="0">
+                <a:solidFill>
+                  <a:schemeClr val="bg1"/>
+                </a:solidFill>
+              </a:rPr>
+              <a:t>Daily Stories</a:t>
+            </a:r>
+            <a:endParaRPr lang="en-US" sz="4000" dirty="0">
+              <a:solidFill>
+                <a:schemeClr val="bg1"/>
+              </a:solidFill>
+            </a:endParaRPr>
+          </a:p>
+          <a:p>
+            <a:pPr marL="0" indent="0">
+              <a:buNone/>
+            </a:pPr>
+            <a:r>
+              <a:rPr lang="en-US" sz="4000" u="sng" dirty="0">
+                <a:solidFill>
+                  <a:schemeClr val="bg1"/>
+                </a:solidFill>
+                <a:hlinkClick r:id="rId2">
+                  <a:extLst>
+                    <a:ext uri="{A12FA001-AC4F-418D-AE19-62706E023703}">
+                      <ahyp:hlinkClr xmlns:ahyp="http://schemas.microsoft.com/office/drawing/2018/hyperlinkcolor" val="tx"/>
+                    </a:ext>
+                  </a:extLst>
+                </a:hlinkClick>
+              </a:rPr>
+              <a:t>Edina's drunken-driving arrests show increased focus on state highways</a:t>
+            </a:r>
+            <a:r>
+              <a:rPr lang="en-US" sz="4000" dirty="0">
+                <a:solidFill>
+                  <a:schemeClr val="bg1"/>
+                </a:solidFill>
+              </a:rPr>
+              <a:t> </a:t>
+            </a:r>
+          </a:p>
+          <a:p>
+            <a:pPr marL="0" indent="0">
+              <a:buNone/>
+            </a:pPr>
+            <a:r>
+              <a:rPr lang="en-US" sz="4000" dirty="0">
+                <a:solidFill>
+                  <a:schemeClr val="bg1"/>
+                </a:solidFill>
+              </a:rPr>
+              <a:t>An example of finding daily stories we otherwise might not</a:t>
+            </a:r>
+          </a:p>
+          <a:p>
+            <a:pPr marL="0" indent="0">
+              <a:buNone/>
+            </a:pPr>
+            <a:r>
+              <a:rPr lang="en-US" sz="4000" dirty="0">
+                <a:solidFill>
+                  <a:schemeClr val="bg1"/>
+                </a:solidFill>
+              </a:rPr>
+              <a:t> </a:t>
+            </a:r>
+          </a:p>
+          <a:p>
+            <a:pPr marL="0" indent="0">
+              <a:buNone/>
+            </a:pPr>
+            <a:r>
+              <a:rPr lang="en-US" sz="4000" u="sng" dirty="0">
+                <a:solidFill>
+                  <a:schemeClr val="bg1"/>
+                </a:solidFill>
+                <a:hlinkClick r:id="rId3">
+                  <a:extLst>
+                    <a:ext uri="{A12FA001-AC4F-418D-AE19-62706E023703}">
+                      <ahyp:hlinkClr xmlns:ahyp="http://schemas.microsoft.com/office/drawing/2018/hyperlinkcolor" val="tx"/>
+                    </a:ext>
+                  </a:extLst>
+                </a:hlinkClick>
+              </a:rPr>
+              <a:t>A deeper look at Minneapolis crime rates</a:t>
+            </a:r>
+            <a:r>
+              <a:rPr lang="en-US" sz="4000" dirty="0">
+                <a:solidFill>
+                  <a:schemeClr val="bg1"/>
+                </a:solidFill>
+              </a:rPr>
+              <a:t> </a:t>
+            </a:r>
+          </a:p>
+          <a:p>
+            <a:pPr marL="0" indent="0">
+              <a:buNone/>
+            </a:pPr>
+            <a:r>
+              <a:rPr lang="en-US" sz="4000" dirty="0">
+                <a:solidFill>
+                  <a:schemeClr val="bg1"/>
+                </a:solidFill>
+              </a:rPr>
+              <a:t>An example of stringing spot stories together into a single trend piece</a:t>
+            </a:r>
+          </a:p>
+          <a:p>
+            <a:pPr marL="0" indent="0">
+              <a:buNone/>
+            </a:pPr>
+            <a:r>
+              <a:rPr lang="en-US" sz="4000" dirty="0">
+                <a:solidFill>
+                  <a:schemeClr val="bg1"/>
+                </a:solidFill>
+              </a:rPr>
+              <a:t> </a:t>
+            </a:r>
+          </a:p>
+          <a:p>
+            <a:pPr marL="0" indent="0">
+              <a:buNone/>
+            </a:pPr>
+            <a:r>
+              <a:rPr lang="en-US" sz="4000" u="sng" dirty="0">
+                <a:solidFill>
+                  <a:schemeClr val="bg1"/>
+                </a:solidFill>
+                <a:hlinkClick r:id="rId4">
+                  <a:extLst>
+                    <a:ext uri="{A12FA001-AC4F-418D-AE19-62706E023703}">
+                      <ahyp:hlinkClr xmlns:ahyp="http://schemas.microsoft.com/office/drawing/2018/hyperlinkcolor" val="tx"/>
+                    </a:ext>
+                  </a:extLst>
+                </a:hlinkClick>
+              </a:rPr>
+              <a:t>What’s behind greater Minnesota’s economic recovery?</a:t>
+            </a:r>
+            <a:r>
+              <a:rPr lang="en-US" sz="4000" dirty="0">
+                <a:solidFill>
+                  <a:schemeClr val="bg1"/>
+                </a:solidFill>
+              </a:rPr>
+              <a:t> </a:t>
+            </a:r>
+          </a:p>
+          <a:p>
+            <a:pPr marL="0" indent="0">
+              <a:buNone/>
+            </a:pPr>
+            <a:r>
+              <a:rPr lang="en-US" sz="4000" dirty="0">
+                <a:solidFill>
+                  <a:schemeClr val="bg1"/>
+                </a:solidFill>
+              </a:rPr>
+              <a:t>An example of using data to challenge a common talking point</a:t>
+            </a:r>
+          </a:p>
+          <a:p>
+            <a:pPr marL="0" indent="0">
+              <a:buNone/>
+            </a:pPr>
+            <a:br>
+              <a:rPr lang="en-US" sz="4000" dirty="0">
+                <a:solidFill>
+                  <a:schemeClr val="bg1"/>
+                </a:solidFill>
+              </a:rPr>
+            </a:br>
+            <a:endParaRPr lang="en-US" sz="4000" dirty="0">
+              <a:solidFill>
+                <a:schemeClr val="bg1"/>
+              </a:solidFill>
+            </a:endParaRPr>
+          </a:p>
+          <a:p>
+            <a:pPr marL="0" indent="0">
+              <a:buNone/>
+            </a:pPr>
+            <a:r>
+              <a:rPr lang="en-US" sz="4000" b="1" dirty="0">
+                <a:solidFill>
+                  <a:schemeClr val="bg1"/>
+                </a:solidFill>
+              </a:rPr>
+              <a:t>Elections/Politics</a:t>
+            </a:r>
+          </a:p>
+          <a:p>
+            <a:pPr marL="0" indent="0">
+              <a:buNone/>
+            </a:pPr>
+            <a:r>
+              <a:rPr lang="en-US" sz="4000" dirty="0">
+                <a:solidFill>
+                  <a:schemeClr val="bg1"/>
+                </a:solidFill>
+                <a:hlinkClick r:id="rId5">
+                  <a:extLst>
+                    <a:ext uri="{A12FA001-AC4F-418D-AE19-62706E023703}">
+                      <ahyp:hlinkClr xmlns:ahyp="http://schemas.microsoft.com/office/drawing/2018/hyperlinkcolor" val="tx"/>
+                    </a:ext>
+                  </a:extLst>
+                </a:hlinkClick>
+              </a:rPr>
+              <a:t>How Minnesota changed under Mark Dayton, in 58 charts</a:t>
+            </a:r>
+            <a:endParaRPr lang="en-US" sz="4000" dirty="0">
+              <a:solidFill>
+                <a:schemeClr val="bg1"/>
+              </a:solidFill>
+            </a:endParaRPr>
+          </a:p>
+          <a:p>
+            <a:pPr marL="0" indent="0">
+              <a:buNone/>
+            </a:pPr>
+            <a:r>
+              <a:rPr lang="en-US" sz="4000" dirty="0">
+                <a:solidFill>
+                  <a:schemeClr val="bg1"/>
+                </a:solidFill>
+              </a:rPr>
+              <a:t>A dataset of datasets</a:t>
+            </a:r>
+          </a:p>
+          <a:p>
+            <a:pPr marL="0" indent="0">
+              <a:buNone/>
+            </a:pPr>
+            <a:endParaRPr lang="en-US" sz="4000" b="1" dirty="0">
+              <a:solidFill>
+                <a:schemeClr val="bg1"/>
+              </a:solidFill>
+            </a:endParaRPr>
+          </a:p>
+          <a:p>
+            <a:pPr marL="0" indent="0">
+              <a:buNone/>
+            </a:pPr>
+            <a:r>
+              <a:rPr lang="en-US" sz="4000" dirty="0">
+                <a:solidFill>
+                  <a:schemeClr val="bg1"/>
+                </a:solidFill>
+                <a:hlinkClick r:id="rId6">
+                  <a:extLst>
+                    <a:ext uri="{A12FA001-AC4F-418D-AE19-62706E023703}">
+                      <ahyp:hlinkClr xmlns:ahyp="http://schemas.microsoft.com/office/drawing/2018/hyperlinkcolor" val="tx"/>
+                    </a:ext>
+                  </a:extLst>
+                </a:hlinkClick>
+              </a:rPr>
+              <a:t>How Minnesota's battleground districts shifted in the 2018 midterm</a:t>
+            </a:r>
+            <a:endParaRPr lang="en-US" sz="4000" dirty="0">
+              <a:solidFill>
+                <a:schemeClr val="bg1"/>
+              </a:solidFill>
+            </a:endParaRPr>
+          </a:p>
+          <a:p>
+            <a:pPr marL="0" indent="0">
+              <a:buNone/>
+            </a:pPr>
+            <a:r>
+              <a:rPr lang="en-US" sz="4000" dirty="0">
+                <a:solidFill>
+                  <a:schemeClr val="bg1"/>
+                </a:solidFill>
+              </a:rPr>
+              <a:t>What actually happened on Election Day.</a:t>
+            </a:r>
+          </a:p>
+          <a:p>
+            <a:pPr marL="0" indent="0">
+              <a:buNone/>
+            </a:pPr>
+            <a:endParaRPr lang="en-US" sz="4000" dirty="0">
+              <a:solidFill>
+                <a:schemeClr val="bg1"/>
+              </a:solidFill>
+            </a:endParaRPr>
+          </a:p>
+          <a:p>
+            <a:pPr marL="0" indent="0">
+              <a:buNone/>
+            </a:pPr>
+            <a:r>
+              <a:rPr lang="en-US" sz="4000" dirty="0">
+                <a:solidFill>
+                  <a:schemeClr val="bg1"/>
+                </a:solidFill>
+                <a:hlinkClick r:id="rId7">
+                  <a:extLst>
+                    <a:ext uri="{A12FA001-AC4F-418D-AE19-62706E023703}">
+                      <ahyp:hlinkClr xmlns:ahyp="http://schemas.microsoft.com/office/drawing/2018/hyperlinkcolor" val="tx"/>
+                    </a:ext>
+                  </a:extLst>
+                </a:hlinkClick>
+              </a:rPr>
+              <a:t>Thousands of people have voted early in Minnesota. Here's what to watch.</a:t>
+            </a:r>
+            <a:endParaRPr lang="en-US" sz="4000" dirty="0">
+              <a:solidFill>
+                <a:schemeClr val="bg1"/>
+              </a:solidFill>
+            </a:endParaRPr>
+          </a:p>
+          <a:p>
+            <a:pPr marL="0" indent="0">
+              <a:buNone/>
+            </a:pPr>
+            <a:r>
+              <a:rPr lang="en-US" sz="4000" dirty="0">
+                <a:solidFill>
+                  <a:schemeClr val="bg1"/>
+                </a:solidFill>
+              </a:rPr>
+              <a:t>Tracking an event using data virtually in real time.</a:t>
+            </a:r>
+          </a:p>
+          <a:p>
+            <a:pPr marL="0" indent="0">
+              <a:buNone/>
+            </a:pPr>
+            <a:endParaRPr lang="en-US" sz="4000" dirty="0">
+              <a:solidFill>
+                <a:schemeClr val="bg1"/>
+              </a:solidFill>
+            </a:endParaRPr>
+          </a:p>
+          <a:p>
+            <a:pPr marL="0" indent="0">
+              <a:buNone/>
+            </a:pPr>
+            <a:r>
+              <a:rPr lang="en-US" sz="4000" u="sng" dirty="0">
+                <a:solidFill>
+                  <a:schemeClr val="bg1"/>
+                </a:solidFill>
+                <a:hlinkClick r:id="rId8">
+                  <a:extLst>
+                    <a:ext uri="{A12FA001-AC4F-418D-AE19-62706E023703}">
+                      <ahyp:hlinkClr xmlns:ahyp="http://schemas.microsoft.com/office/drawing/2018/hyperlinkcolor" val="tx"/>
+                    </a:ext>
+                  </a:extLst>
+                </a:hlinkClick>
+              </a:rPr>
+              <a:t>Why you’re hearing so much about Minnesota’s congressional races this fall</a:t>
+            </a:r>
+            <a:endParaRPr lang="en-US" sz="4000" dirty="0">
+              <a:solidFill>
+                <a:schemeClr val="bg1"/>
+              </a:solidFill>
+            </a:endParaRPr>
+          </a:p>
+          <a:p>
+            <a:pPr marL="0" indent="0">
+              <a:buNone/>
+            </a:pPr>
+            <a:r>
+              <a:rPr lang="en-US" sz="4000" dirty="0">
+                <a:solidFill>
+                  <a:schemeClr val="bg1"/>
+                </a:solidFill>
+              </a:rPr>
+              <a:t>What might happen? Wrangling a bunch of data from political forecasters and using it to tell stories about major Minnesota elections</a:t>
+            </a:r>
+            <a:r>
+              <a:rPr lang="en-US" dirty="0">
+                <a:solidFill>
+                  <a:schemeClr val="bg1"/>
+                </a:solidFill>
+              </a:rPr>
+              <a:t> </a:t>
+            </a:r>
+          </a:p>
+          <a:p>
+            <a:pPr marL="0" indent="0">
+              <a:buNone/>
+            </a:pPr>
+            <a:r>
+              <a:rPr lang="en-US" dirty="0">
+                <a:solidFill>
+                  <a:schemeClr val="bg1"/>
+                </a:solidFill>
+              </a:rPr>
+              <a:t> </a:t>
+            </a:r>
+          </a:p>
+          <a:p>
+            <a:pPr marL="0" indent="0">
+              <a:buNone/>
+            </a:pPr>
+            <a:endParaRPr lang="en-US" dirty="0">
+              <a:solidFill>
+                <a:schemeClr val="bg1"/>
+              </a:solidFill>
+            </a:endParaRPr>
+          </a:p>
+        </p:txBody>
+      </p:sp>
+      <p:sp>
+        <p:nvSpPr>
+          <p:cNvPr id="4" name="TextBox 3">
+            <a:extLst>
+              <a:ext uri="{FF2B5EF4-FFF2-40B4-BE49-F238E27FC236}">
+                <a16:creationId xmlns:a16="http://schemas.microsoft.com/office/drawing/2014/main" id="{905EEC97-25F7-324B-8597-EB0BD6A29ADF}"/>
+              </a:ext>
+            </a:extLst>
+          </p:cNvPr>
+          <p:cNvSpPr txBox="1"/>
+          <p:nvPr/>
+        </p:nvSpPr>
+        <p:spPr>
+          <a:xfrm>
+            <a:off x="4828854" y="1600199"/>
+            <a:ext cx="3667874" cy="3785652"/>
+          </a:xfrm>
+          <a:prstGeom prst="rect">
+            <a:avLst/>
+          </a:prstGeom>
+        </p:spPr>
+        <p:style>
+          <a:lnRef idx="2">
+            <a:schemeClr val="dk1"/>
+          </a:lnRef>
+          <a:fillRef idx="1">
+            <a:schemeClr val="lt1"/>
+          </a:fillRef>
+          <a:effectRef idx="0">
+            <a:schemeClr val="dk1"/>
+          </a:effectRef>
+          <a:fontRef idx="minor">
+            <a:schemeClr val="dk1"/>
+          </a:fontRef>
+        </p:style>
+        <p:txBody>
+          <a:bodyPr wrap="square" rtlCol="0">
+            <a:spAutoFit/>
+          </a:bodyPr>
+          <a:lstStyle/>
+          <a:p>
+            <a:r>
+              <a:rPr lang="en-US" sz="1000" b="1" dirty="0">
+                <a:solidFill>
+                  <a:schemeClr val="bg1"/>
+                </a:solidFill>
+              </a:rPr>
+              <a:t>Fun Things</a:t>
+            </a:r>
+            <a:endParaRPr lang="en-US" sz="1000" dirty="0">
+              <a:solidFill>
+                <a:schemeClr val="bg1"/>
+              </a:solidFill>
+            </a:endParaRPr>
+          </a:p>
+          <a:p>
+            <a:r>
+              <a:rPr lang="en-US" sz="1000" u="sng" dirty="0">
+                <a:solidFill>
+                  <a:schemeClr val="bg1"/>
+                </a:solidFill>
+                <a:hlinkClick r:id="rId9">
+                  <a:extLst>
+                    <a:ext uri="{A12FA001-AC4F-418D-AE19-62706E023703}">
+                      <ahyp:hlinkClr xmlns:ahyp="http://schemas.microsoft.com/office/drawing/2018/hyperlinkcolor" val="tx"/>
+                    </a:ext>
+                  </a:extLst>
+                </a:hlinkClick>
+              </a:rPr>
+              <a:t>Google tracked a year of my life in downtown Minneapolis</a:t>
+            </a:r>
+            <a:r>
+              <a:rPr lang="en-US" sz="1000" dirty="0">
+                <a:solidFill>
+                  <a:schemeClr val="bg1"/>
+                </a:solidFill>
+              </a:rPr>
+              <a:t> </a:t>
+            </a:r>
+          </a:p>
+          <a:p>
+            <a:r>
+              <a:rPr lang="en-US" sz="1000" dirty="0">
+                <a:solidFill>
+                  <a:schemeClr val="bg1"/>
+                </a:solidFill>
+              </a:rPr>
+              <a:t>More and more, individuals are data, and stories can be told about them using numbers</a:t>
+            </a:r>
+          </a:p>
+          <a:p>
+            <a:r>
+              <a:rPr lang="en-US" sz="1000" dirty="0">
+                <a:solidFill>
+                  <a:schemeClr val="bg1"/>
+                </a:solidFill>
+              </a:rPr>
+              <a:t> </a:t>
+            </a:r>
+          </a:p>
+          <a:p>
+            <a:r>
+              <a:rPr lang="en-US" sz="1000" u="sng" dirty="0">
+                <a:solidFill>
+                  <a:schemeClr val="bg1"/>
+                </a:solidFill>
+                <a:hlinkClick r:id="rId10">
+                  <a:extLst>
+                    <a:ext uri="{A12FA001-AC4F-418D-AE19-62706E023703}">
+                      <ahyp:hlinkClr xmlns:ahyp="http://schemas.microsoft.com/office/drawing/2018/hyperlinkcolor" val="tx"/>
+                    </a:ext>
+                  </a:extLst>
+                </a:hlinkClick>
+              </a:rPr>
+              <a:t>Are the Vikings the NFL's most tragic playoff team?</a:t>
+            </a:r>
+            <a:r>
+              <a:rPr lang="en-US" sz="1000" dirty="0">
+                <a:solidFill>
+                  <a:schemeClr val="bg1"/>
+                </a:solidFill>
+              </a:rPr>
+              <a:t> </a:t>
+            </a:r>
+          </a:p>
+          <a:p>
+            <a:r>
+              <a:rPr lang="en-US" sz="1000" dirty="0">
+                <a:solidFill>
+                  <a:schemeClr val="bg1"/>
+                </a:solidFill>
+              </a:rPr>
+              <a:t>Using data to quantify something people generally already know</a:t>
+            </a:r>
+          </a:p>
+          <a:p>
+            <a:r>
+              <a:rPr lang="en-US" sz="1000" dirty="0">
+                <a:solidFill>
+                  <a:schemeClr val="bg1"/>
+                </a:solidFill>
+              </a:rPr>
+              <a:t> </a:t>
+            </a:r>
+          </a:p>
+          <a:p>
+            <a:r>
+              <a:rPr lang="en-US" sz="1000" u="sng" dirty="0">
+                <a:solidFill>
+                  <a:schemeClr val="bg1"/>
+                </a:solidFill>
+                <a:hlinkClick r:id="rId11">
+                  <a:extLst>
+                    <a:ext uri="{A12FA001-AC4F-418D-AE19-62706E023703}">
+                      <ahyp:hlinkClr xmlns:ahyp="http://schemas.microsoft.com/office/drawing/2018/hyperlinkcolor" val="tx"/>
+                    </a:ext>
+                  </a:extLst>
+                </a:hlinkClick>
+              </a:rPr>
+              <a:t>What would the Twin Cities look like as a mega-region?</a:t>
+            </a:r>
+            <a:endParaRPr lang="en-US" sz="1000" dirty="0">
+              <a:solidFill>
+                <a:schemeClr val="bg1"/>
+              </a:solidFill>
+            </a:endParaRPr>
+          </a:p>
+          <a:p>
+            <a:r>
+              <a:rPr lang="en-US" sz="1000" dirty="0">
+                <a:solidFill>
+                  <a:schemeClr val="bg1"/>
+                </a:solidFill>
+              </a:rPr>
+              <a:t>Hypothetical research explained through the lens of actual data</a:t>
+            </a:r>
+          </a:p>
+          <a:p>
+            <a:endParaRPr lang="en-US" sz="1000" dirty="0">
+              <a:solidFill>
+                <a:schemeClr val="bg1"/>
+              </a:solidFill>
+            </a:endParaRPr>
+          </a:p>
+          <a:p>
+            <a:endParaRPr lang="en-US" sz="1000" dirty="0">
+              <a:solidFill>
+                <a:schemeClr val="bg1"/>
+              </a:solidFill>
+            </a:endParaRPr>
+          </a:p>
+          <a:p>
+            <a:r>
+              <a:rPr lang="en-US" sz="1000" b="1" dirty="0">
+                <a:solidFill>
+                  <a:schemeClr val="bg1"/>
+                </a:solidFill>
+              </a:rPr>
+              <a:t>Enterprise Investigations</a:t>
+            </a:r>
+          </a:p>
+          <a:p>
+            <a:r>
+              <a:rPr lang="en-US" sz="1000" u="sng" dirty="0">
+                <a:solidFill>
+                  <a:schemeClr val="bg1"/>
+                </a:solidFill>
+                <a:hlinkClick r:id="rId12">
+                  <a:extLst>
+                    <a:ext uri="{A12FA001-AC4F-418D-AE19-62706E023703}">
+                      <ahyp:hlinkClr xmlns:ahyp="http://schemas.microsoft.com/office/drawing/2018/hyperlinkcolor" val="tx"/>
+                    </a:ext>
+                  </a:extLst>
+                </a:hlinkClick>
+              </a:rPr>
+              <a:t>North hit hard by demolitions while south rebuilds</a:t>
+            </a:r>
+            <a:r>
+              <a:rPr lang="en-US" sz="1000" dirty="0">
+                <a:solidFill>
+                  <a:schemeClr val="bg1"/>
+                </a:solidFill>
+              </a:rPr>
+              <a:t> </a:t>
+            </a:r>
+          </a:p>
+          <a:p>
+            <a:r>
+              <a:rPr lang="en-US" sz="1000" dirty="0">
+                <a:solidFill>
+                  <a:schemeClr val="bg1"/>
+                </a:solidFill>
+              </a:rPr>
+              <a:t>Quantifying a long time socioeconomic issue and revealing something new in the process</a:t>
+            </a:r>
+          </a:p>
+          <a:p>
+            <a:endParaRPr lang="en-US" sz="1000" dirty="0">
+              <a:solidFill>
+                <a:schemeClr val="bg1"/>
+              </a:solidFill>
+            </a:endParaRPr>
+          </a:p>
+          <a:p>
+            <a:r>
+              <a:rPr lang="en-US" sz="1000" u="sng" dirty="0">
+                <a:solidFill>
+                  <a:schemeClr val="bg1"/>
+                </a:solidFill>
+                <a:hlinkClick r:id="rId13">
+                  <a:extLst>
+                    <a:ext uri="{A12FA001-AC4F-418D-AE19-62706E023703}">
+                      <ahyp:hlinkClr xmlns:ahyp="http://schemas.microsoft.com/office/drawing/2018/hyperlinkcolor" val="tx"/>
+                    </a:ext>
+                  </a:extLst>
+                </a:hlinkClick>
+              </a:rPr>
+              <a:t>Fatal police encounters in Minnesota since 2000</a:t>
+            </a:r>
+            <a:r>
+              <a:rPr lang="en-US" sz="1000" dirty="0">
+                <a:solidFill>
+                  <a:schemeClr val="bg1"/>
+                </a:solidFill>
+              </a:rPr>
+              <a:t> </a:t>
+            </a:r>
+          </a:p>
+          <a:p>
+            <a:r>
+              <a:rPr lang="en-US" sz="1000" dirty="0">
+                <a:solidFill>
+                  <a:schemeClr val="bg1"/>
+                </a:solidFill>
+              </a:rPr>
+              <a:t>Creating and maintaining a public resource to track and quantify an ongoing social issue</a:t>
+            </a:r>
+          </a:p>
+          <a:p>
+            <a:r>
+              <a:rPr lang="en-US" sz="1000" dirty="0">
+                <a:solidFill>
+                  <a:schemeClr val="bg1"/>
+                </a:solidFill>
+              </a:rPr>
+              <a:t> </a:t>
+            </a:r>
+          </a:p>
+          <a:p>
+            <a:r>
+              <a:rPr lang="en-US" sz="1000" u="sng" dirty="0">
+                <a:solidFill>
+                  <a:schemeClr val="bg1"/>
+                </a:solidFill>
+                <a:hlinkClick r:id="rId14">
+                  <a:extLst>
+                    <a:ext uri="{A12FA001-AC4F-418D-AE19-62706E023703}">
+                      <ahyp:hlinkClr xmlns:ahyp="http://schemas.microsoft.com/office/drawing/2018/hyperlinkcolor" val="tx"/>
+                    </a:ext>
+                  </a:extLst>
+                </a:hlinkClick>
+              </a:rPr>
+              <a:t>Way Down in the Hole</a:t>
+            </a:r>
+            <a:endParaRPr lang="en-US" sz="1000" dirty="0">
+              <a:solidFill>
+                <a:schemeClr val="bg1"/>
+              </a:solidFill>
+            </a:endParaRPr>
+          </a:p>
+          <a:p>
+            <a:r>
+              <a:rPr lang="en-US" sz="1000" dirty="0">
+                <a:solidFill>
+                  <a:schemeClr val="bg1"/>
+                </a:solidFill>
+              </a:rPr>
+              <a:t>Using data to uncover something not publicly known or private acknowledged</a:t>
+            </a:r>
+          </a:p>
+        </p:txBody>
+      </p:sp>
+    </p:spTree>
+    <p:extLst>
+      <p:ext uri="{BB962C8B-B14F-4D97-AF65-F5344CB8AC3E}">
+        <p14:creationId xmlns:p14="http://schemas.microsoft.com/office/powerpoint/2010/main" val="1239489940"/>
+      </p:ext>
+    </p:extLst>
+  </p:cSld>
+  <p:clrMapOvr>
+    <a:masterClrMapping/>
+  </p:clrMapOvr>
+</p:sld>
+</file>
+
+<file path=ppt/slides/slide14.xml><?xml version="1.0" encoding="utf-8"?>
+<p:sld xmlns:a="http://schemas.openxmlformats.org/drawingml/2006/main" xmlns:r="http://schemas.openxmlformats.org/officeDocument/2006/relationships" xmlns:p="http://schemas.openxmlformats.org/presentationml/2006/main">
+  <p:cSld>
+    <p:bg>
+      <p:bgPr>
+        <a:solidFill>
+          <a:schemeClr val="tx1"/>
+        </a:solidFill>
+        <a:effectLst/>
+      </p:bgPr>
+    </p:bg>
+    <p:spTree>
+      <p:nvGrpSpPr>
+        <p:cNvPr id="1" name=""/>
+        <p:cNvGrpSpPr/>
+        <p:nvPr/>
+      </p:nvGrpSpPr>
+      <p:grpSpPr>
+        <a:xfrm>
+          <a:off x="0" y="0"/>
+          <a:ext cx="0" cy="0"/>
+          <a:chOff x="0" y="0"/>
+          <a:chExt cx="0" cy="0"/>
+        </a:xfrm>
+      </p:grpSpPr>
+      <p:sp>
+        <p:nvSpPr>
+          <p:cNvPr id="2" name="Title 1"/>
+          <p:cNvSpPr>
+            <a:spLocks noGrp="1"/>
+          </p:cNvSpPr>
+          <p:nvPr>
+            <p:ph type="title"/>
+          </p:nvPr>
+        </p:nvSpPr>
+        <p:spPr/>
+        <p:txBody>
+          <a:bodyPr/>
+          <a:lstStyle/>
+          <a:p>
+            <a:r>
+              <a:rPr lang="en-US" dirty="0">
+                <a:solidFill>
+                  <a:schemeClr val="bg1"/>
+                </a:solidFill>
+              </a:rPr>
+              <a:t>Questions</a:t>
+            </a:r>
+          </a:p>
+        </p:txBody>
+      </p:sp>
+      <p:sp>
+        <p:nvSpPr>
+          <p:cNvPr id="3" name="Content Placeholder 2"/>
+          <p:cNvSpPr>
+            <a:spLocks noGrp="1"/>
+          </p:cNvSpPr>
+          <p:nvPr>
+            <p:ph idx="1"/>
+          </p:nvPr>
+        </p:nvSpPr>
+        <p:spPr/>
+        <p:txBody>
+          <a:bodyPr/>
+          <a:lstStyle/>
+          <a:p>
+            <a:endParaRPr lang="en-US" dirty="0">
+              <a:solidFill>
+                <a:schemeClr val="bg1"/>
+              </a:solidFill>
+            </a:endParaRPr>
+          </a:p>
+          <a:p>
+            <a:endParaRPr lang="en-US" dirty="0">
+              <a:solidFill>
+                <a:schemeClr val="bg1"/>
+              </a:solidFill>
+            </a:endParaRPr>
+          </a:p>
+          <a:p>
+            <a:endParaRPr lang="en-US" dirty="0">
+              <a:solidFill>
+                <a:schemeClr val="bg1"/>
+              </a:solidFill>
+            </a:endParaRPr>
+          </a:p>
+          <a:p>
+            <a:pPr marL="0" indent="0">
+              <a:buNone/>
+            </a:pPr>
+            <a:r>
+              <a:rPr lang="en-US" dirty="0">
+                <a:solidFill>
+                  <a:schemeClr val="bg1"/>
+                </a:solidFill>
+              </a:rPr>
+              <a:t>                                   Q&amp;A Time</a:t>
+            </a:r>
+          </a:p>
+        </p:txBody>
+      </p:sp>
+    </p:spTree>
+    <p:extLst>
+      <p:ext uri="{BB962C8B-B14F-4D97-AF65-F5344CB8AC3E}">
+        <p14:creationId xmlns:p14="http://schemas.microsoft.com/office/powerpoint/2010/main" val="1897255697"/>
+      </p:ext>
+    </p:extLst>
+  </p:cSld>
+  <p:clrMapOvr>
+    <a:masterClrMapping/>
+  </p:clrMapOvr>
+</p:sld>
+</file>
+
+<file path=ppt/slides/slide15.xml><?xml version="1.0" encoding="utf-8"?>
 <p:sld xmlns:a="http://schemas.openxmlformats.org/drawingml/2006/main" xmlns:r="http://schemas.openxmlformats.org/officeDocument/2006/relationships" xmlns:p="http://schemas.openxmlformats.org/presentationml/2006/main">
   <p:cSld>
     <p:bg>
@@ -4491,27 +5532,27 @@
                   <a:schemeClr val="bg1"/>
                 </a:solidFill>
               </a:rPr>
+              <a:t>Some tips</a:t>
+            </a:r>
+          </a:p>
+          <a:p>
+            <a:r>
+              <a:rPr lang="en-US" dirty="0">
+                <a:solidFill>
+                  <a:schemeClr val="bg1"/>
+                </a:solidFill>
+              </a:rPr>
+              <a:t>Some data processing and visualization tools</a:t>
+            </a:r>
+          </a:p>
+          <a:p>
+            <a:r>
+              <a:rPr lang="en-US" dirty="0">
+                <a:solidFill>
+                  <a:schemeClr val="bg1"/>
+                </a:solidFill>
+              </a:rPr>
               <a:t>Story examples</a:t>
-            </a:r>
-          </a:p>
-          <a:p>
-            <a:r>
-              <a:rPr lang="en-US" dirty="0">
-                <a:solidFill>
-                  <a:schemeClr val="bg1"/>
-                </a:solidFill>
-              </a:rPr>
-              <a:t>Some tips</a:t>
-            </a:r>
-          </a:p>
-          <a:p>
-            <a:r>
-              <a:rPr lang="en-US" dirty="0">
-                <a:solidFill>
-                  <a:schemeClr val="bg1"/>
-                </a:solidFill>
-              </a:rPr>
-              <a:t>Some data processing and visualization tools</a:t>
             </a:r>
           </a:p>
           <a:p>
@@ -4940,7 +5981,7 @@
         <p:spPr/>
         <p:txBody>
           <a:bodyPr>
-            <a:normAutofit lnSpcReduction="10000"/>
+            <a:normAutofit/>
           </a:bodyPr>
           <a:lstStyle/>
           <a:p>
@@ -4954,6 +5995,9 @@
             </a:r>
           </a:p>
           <a:p>
+            <a:pPr marL="0" indent="0">
+              <a:buNone/>
+            </a:pPr>
             <a:endParaRPr lang="en-US" dirty="0">
               <a:solidFill>
                 <a:schemeClr val="bg1"/>
@@ -4967,23 +6011,7 @@
                   <a:schemeClr val="bg1"/>
                 </a:solidFill>
               </a:rPr>
-              <a:t>Visual stories (charts, maps, digital </a:t>
-            </a:r>
-            <a:r>
-              <a:rPr lang="en-US" dirty="0" err="1">
-                <a:solidFill>
-                  <a:schemeClr val="bg1"/>
-                </a:solidFill>
-              </a:rPr>
-              <a:t>interactives</a:t>
-            </a:r>
-            <a:r>
-              <a:rPr lang="en-US" dirty="0">
-                <a:solidFill>
-                  <a:schemeClr val="bg1"/>
-                </a:solidFill>
-              </a:rPr>
-              <a:t>)</a:t>
+              <a:t>Putting a data fact in every paragraph</a:t>
             </a:r>
           </a:p>
           <a:p>
@@ -5000,10 +6028,15 @@
                   <a:schemeClr val="bg1"/>
                 </a:solidFill>
               </a:rPr>
-              <a:t>Putting a data fact in every paragraph</a:t>
-            </a:r>
-          </a:p>
-          <a:p>
+              <a:t>Investigative/enterprise projects</a:t>
+            </a:r>
+            <a:br>
+              <a:rPr lang="en-US" dirty="0">
+                <a:solidFill>
+                  <a:schemeClr val="bg1"/>
+                </a:solidFill>
+              </a:rPr>
+            </a:br>
             <a:endParaRPr lang="en-US" dirty="0">
               <a:solidFill>
                 <a:schemeClr val="bg1"/>
@@ -5017,8 +6050,15 @@
                   <a:schemeClr val="bg1"/>
                 </a:solidFill>
               </a:rPr>
-              <a:t>Investigative/enterprise projects</a:t>
-            </a:r>
+              <a:t>Visual stories (charts, maps, digital interactives)</a:t>
+            </a:r>
+          </a:p>
+          <a:p>
+            <a:endParaRPr lang="en-US" dirty="0">
+              <a:solidFill>
+                <a:schemeClr val="bg1"/>
+              </a:solidFill>
+            </a:endParaRPr>
           </a:p>
           <a:p>
             <a:pPr marL="0" indent="0">
@@ -5082,8 +6122,34 @@
         </p:nvSpPr>
         <p:spPr/>
         <p:txBody>
+          <a:bodyPr/>
+          <a:lstStyle/>
+          <a:p>
+            <a:r>
+              <a:rPr lang="en-US" dirty="0">
+                <a:solidFill>
+                  <a:schemeClr val="bg1"/>
+                </a:solidFill>
+              </a:rPr>
+              <a:t>Additional thoughts</a:t>
+            </a:r>
+          </a:p>
+        </p:txBody>
+      </p:sp>
+      <p:sp>
+        <p:nvSpPr>
+          <p:cNvPr id="3" name="Content Placeholder 2"/>
+          <p:cNvSpPr>
+            <a:spLocks noGrp="1"/>
+          </p:cNvSpPr>
+          <p:nvPr>
+            <p:ph idx="1"/>
+          </p:nvPr>
+        </p:nvSpPr>
+        <p:spPr/>
+        <p:txBody>
           <a:bodyPr>
-            <a:normAutofit/>
+            <a:normAutofit fontScale="85000" lnSpcReduction="20000"/>
           </a:bodyPr>
           <a:lstStyle/>
           <a:p>
@@ -5093,51 +6159,10 @@
                   <a:schemeClr val="bg1"/>
                 </a:solidFill>
               </a:rPr>
-              <a:t>Spreadsheets are key</a:t>
-            </a:r>
-          </a:p>
-        </p:txBody>
-      </p:sp>
-      <p:sp>
-        <p:nvSpPr>
-          <p:cNvPr id="3" name="Content Placeholder 2"/>
-          <p:cNvSpPr>
-            <a:spLocks noGrp="1"/>
-          </p:cNvSpPr>
-          <p:nvPr>
-            <p:ph idx="1"/>
-          </p:nvPr>
-        </p:nvSpPr>
-        <p:spPr/>
-        <p:txBody>
-          <a:bodyPr>
-            <a:normAutofit fontScale="92500" lnSpcReduction="20000"/>
-          </a:bodyPr>
-          <a:lstStyle/>
-          <a:p>
-            <a:r>
-              <a:rPr lang="en-US" dirty="0">
-                <a:solidFill>
-                  <a:schemeClr val="bg1"/>
-                </a:solidFill>
-              </a:rPr>
-              <a:t>Pick a spreadsheet. Excel is nice, but Google Sheets works very well too. </a:t>
-            </a:r>
-            <a:r>
-              <a:rPr lang="en-US" dirty="0">
-                <a:solidFill>
-                  <a:schemeClr val="bg1"/>
-                </a:solidFill>
-                <a:hlinkClick r:id="rId2">
-                  <a:extLst>
-                    <a:ext uri="{A12FA001-AC4F-418D-AE19-62706E023703}">
-                      <ahyp:hlinkClr xmlns:ahyp="http://schemas.microsoft.com/office/drawing/2018/hyperlinkcolor" val="tx"/>
-                    </a:ext>
-                  </a:extLst>
-                </a:hlinkClick>
-              </a:rPr>
-              <a:t>Link</a:t>
-            </a:r>
+              <a:t>Data journalism is very in demand.</a:t>
+            </a:r>
+          </a:p>
+          <a:p>
             <a:endParaRPr lang="en-US" dirty="0">
               <a:solidFill>
                 <a:schemeClr val="bg1"/>
@@ -5145,6 +6170,16 @@
             </a:endParaRPr>
           </a:p>
           <a:p>
+            <a:r>
+              <a:rPr lang="en-US" dirty="0">
+                <a:solidFill>
+                  <a:schemeClr val="bg1"/>
+                </a:solidFill>
+              </a:rPr>
+              <a:t>Be patient, it takes time to learn the skills and report data stories.</a:t>
+            </a:r>
+          </a:p>
+          <a:p>
             <a:endParaRPr lang="en-US" dirty="0">
               <a:solidFill>
                 <a:schemeClr val="bg1"/>
@@ -5158,7 +6193,7 @@
                   <a:schemeClr val="bg1"/>
                 </a:solidFill>
               </a:rPr>
-              <a:t>Spreadsheets are the bread and butter of data reporting. Ideally you want your data to be structured in easily searchable and sortable rows and columns.</a:t>
+              <a:t>Don’t worry about becoming an expert, especially overnight.</a:t>
             </a:r>
           </a:p>
           <a:p>
@@ -5175,7 +6210,7 @@
                   <a:schemeClr val="bg1"/>
                 </a:solidFill>
               </a:rPr>
-              <a:t>Even if you receive data in a different format, the end result should virtually always be a spreadsheet.</a:t>
+              <a:t>Tell a data story you’re passionate about from the ground up to teach yourself and have something to show for your time.</a:t>
             </a:r>
           </a:p>
         </p:txBody>
@@ -5183,7 +6218,7 @@
     </p:spTree>
     <p:extLst>
       <p:ext uri="{BB962C8B-B14F-4D97-AF65-F5344CB8AC3E}">
-        <p14:creationId xmlns:p14="http://schemas.microsoft.com/office/powerpoint/2010/main" val="1544224873"/>
+        <p14:creationId xmlns:p14="http://schemas.microsoft.com/office/powerpoint/2010/main" val="4204192808"/>
       </p:ext>
     </p:extLst>
   </p:cSld>
@@ -5230,16 +6265,18 @@
         </p:nvSpPr>
         <p:spPr/>
         <p:txBody>
-          <a:bodyPr/>
-          <a:lstStyle/>
-          <a:p>
-            <a:r>
-              <a:rPr lang="en-US" dirty="0">
-                <a:solidFill>
-                  <a:schemeClr val="bg1"/>
-                </a:solidFill>
-              </a:rPr>
-              <a:t>Sources of data</a:t>
+          <a:bodyPr>
+            <a:normAutofit/>
+          </a:bodyPr>
+          <a:lstStyle/>
+          <a:p>
+            <a:r>
+              <a:rPr lang="en-US" dirty="0">
+                <a:solidFill>
+                  <a:schemeClr val="bg1"/>
+                </a:solidFill>
+              </a:rPr>
+              <a:t>Spreadsheets are key</a:t>
             </a:r>
           </a:p>
         </p:txBody>
@@ -5257,7 +6294,7 @@
         <p:spPr/>
         <p:txBody>
           <a:bodyPr>
-            <a:normAutofit fontScale="62500" lnSpcReduction="20000"/>
+            <a:normAutofit fontScale="92500" lnSpcReduction="20000"/>
           </a:bodyPr>
           <a:lstStyle/>
           <a:p>
@@ -5267,7 +6304,7 @@
                   <a:schemeClr val="bg1"/>
                 </a:solidFill>
               </a:rPr>
-              <a:t>Data Portals | </a:t>
+              <a:t>Pick a spreadsheet. Excel is nice, but Google Sheets works very well too. </a:t>
             </a:r>
             <a:r>
               <a:rPr lang="en-US" dirty="0">
@@ -5291,19 +6328,6 @@
             </a:endParaRPr>
           </a:p>
           <a:p>
-            <a:pPr marL="0" indent="0">
-              <a:buNone/>
-            </a:pPr>
-            <a:r>
-              <a:rPr lang="en-US" dirty="0">
-                <a:solidFill>
-                  <a:schemeClr val="bg1"/>
-                </a:solidFill>
-              </a:rPr>
-              <a:t>A massive listing of open data portals across the world</a:t>
-            </a:r>
-          </a:p>
-          <a:p>
             <a:endParaRPr lang="en-US" dirty="0">
               <a:solidFill>
                 <a:schemeClr val="bg1"/>
@@ -5317,23 +6341,10 @@
                   <a:schemeClr val="bg1"/>
                 </a:solidFill>
               </a:rPr>
-              <a:t>Open Minneapolis | </a:t>
-            </a:r>
-            <a:r>
-              <a:rPr lang="en-US" dirty="0">
-                <a:solidFill>
-                  <a:schemeClr val="bg1"/>
-                </a:solidFill>
-                <a:hlinkClick r:id="rId3">
-                  <a:extLst>
-                    <a:ext uri="{A12FA001-AC4F-418D-AE19-62706E023703}">
-                      <ahyp:hlinkClr xmlns:ahyp="http://schemas.microsoft.com/office/drawing/2018/hyperlinkcolor" val="tx"/>
-                    </a:ext>
-                  </a:extLst>
-                </a:hlinkClick>
-              </a:rPr>
-              <a:t>Link</a:t>
-            </a:r>
+              <a:t>Spreadsheets are the bread and butter of data reporting. Ideally you want your data to be structured in easily searchable and sortable rows and columns.</a:t>
+            </a:r>
+          </a:p>
+          <a:p>
             <a:endParaRPr lang="en-US" dirty="0">
               <a:solidFill>
                 <a:schemeClr val="bg1"/>
@@ -5341,182 +6352,13 @@
             </a:endParaRPr>
           </a:p>
           <a:p>
-            <a:pPr marL="0" indent="0">
-              <a:buNone/>
-            </a:pPr>
-            <a:r>
-              <a:rPr lang="en-US" dirty="0">
-                <a:solidFill>
-                  <a:schemeClr val="bg1"/>
-                </a:solidFill>
-              </a:rPr>
-              <a:t>A great source of public city data</a:t>
-            </a:r>
-          </a:p>
-          <a:p>
-            <a:endParaRPr lang="en-US" dirty="0">
-              <a:solidFill>
-                <a:schemeClr val="bg1"/>
-              </a:solidFill>
-            </a:endParaRPr>
-          </a:p>
-          <a:p>
-            <a:r>
-              <a:rPr lang="en-US" dirty="0">
-                <a:solidFill>
-                  <a:schemeClr val="bg1"/>
-                </a:solidFill>
-              </a:rPr>
-              <a:t>American </a:t>
-            </a:r>
-            <a:r>
-              <a:rPr lang="en-US" dirty="0" err="1">
-                <a:solidFill>
-                  <a:schemeClr val="bg1"/>
-                </a:solidFill>
-              </a:rPr>
-              <a:t>FactFinder</a:t>
-            </a:r>
-            <a:r>
-              <a:rPr lang="en-US" dirty="0">
-                <a:solidFill>
-                  <a:schemeClr val="bg1"/>
-                </a:solidFill>
-              </a:rPr>
-              <a:t> | </a:t>
-            </a:r>
-            <a:r>
-              <a:rPr lang="en-US" dirty="0">
-                <a:solidFill>
-                  <a:schemeClr val="bg1"/>
-                </a:solidFill>
-                <a:hlinkClick r:id="rId4">
-                  <a:extLst>
-                    <a:ext uri="{A12FA001-AC4F-418D-AE19-62706E023703}">
-                      <ahyp:hlinkClr xmlns:ahyp="http://schemas.microsoft.com/office/drawing/2018/hyperlinkcolor" val="tx"/>
-                    </a:ext>
-                  </a:extLst>
-                </a:hlinkClick>
-              </a:rPr>
-              <a:t>Link</a:t>
-            </a:r>
-            <a:endParaRPr lang="en-US" dirty="0">
-              <a:solidFill>
-                <a:schemeClr val="bg1"/>
-              </a:solidFill>
-            </a:endParaRPr>
-          </a:p>
-          <a:p>
-            <a:pPr marL="0" indent="0">
-              <a:buNone/>
-            </a:pPr>
-            <a:r>
-              <a:rPr lang="en-US" dirty="0">
-                <a:solidFill>
-                  <a:schemeClr val="bg1"/>
-                </a:solidFill>
-              </a:rPr>
-              <a:t>The U.S. Census Bureau's impressive lookup tool</a:t>
-            </a:r>
-          </a:p>
-          <a:p>
-            <a:endParaRPr lang="en-US" dirty="0">
-              <a:solidFill>
-                <a:schemeClr val="bg1"/>
-              </a:solidFill>
-            </a:endParaRPr>
-          </a:p>
-          <a:p>
-            <a:r>
-              <a:rPr lang="en-US" dirty="0">
-                <a:solidFill>
-                  <a:schemeClr val="bg1"/>
-                </a:solidFill>
-              </a:rPr>
-              <a:t>Census Explorer | </a:t>
-            </a:r>
-            <a:r>
-              <a:rPr lang="en-US" dirty="0">
-                <a:solidFill>
-                  <a:schemeClr val="bg1"/>
-                </a:solidFill>
-                <a:hlinkClick r:id="rId5">
-                  <a:extLst>
-                    <a:ext uri="{A12FA001-AC4F-418D-AE19-62706E023703}">
-                      <ahyp:hlinkClr xmlns:ahyp="http://schemas.microsoft.com/office/drawing/2018/hyperlinkcolor" val="tx"/>
-                    </a:ext>
-                  </a:extLst>
-                </a:hlinkClick>
-              </a:rPr>
-              <a:t>Link</a:t>
-            </a:r>
-            <a:endParaRPr lang="en-US" dirty="0">
-              <a:solidFill>
-                <a:schemeClr val="bg1"/>
-              </a:solidFill>
-            </a:endParaRPr>
-          </a:p>
-          <a:p>
-            <a:pPr marL="0" indent="0">
-              <a:buNone/>
-            </a:pPr>
-            <a:r>
-              <a:rPr lang="en-US" dirty="0">
-                <a:solidFill>
-                  <a:schemeClr val="bg1"/>
-                </a:solidFill>
-              </a:rPr>
-              <a:t>Another cool tool from the U.S. Census Bureau</a:t>
-            </a:r>
-          </a:p>
-          <a:p>
-            <a:endParaRPr lang="en-US" dirty="0">
-              <a:solidFill>
-                <a:schemeClr val="bg1"/>
-              </a:solidFill>
-            </a:endParaRPr>
-          </a:p>
-          <a:p>
-            <a:r>
-              <a:rPr lang="en-US" dirty="0">
-                <a:solidFill>
-                  <a:schemeClr val="bg1"/>
-                </a:solidFill>
-              </a:rPr>
-              <a:t>Minnesota Secretary of State | </a:t>
-            </a:r>
-            <a:r>
-              <a:rPr lang="en-US" dirty="0">
-                <a:solidFill>
-                  <a:schemeClr val="bg1"/>
-                </a:solidFill>
-                <a:hlinkClick r:id="rId6">
-                  <a:extLst>
-                    <a:ext uri="{A12FA001-AC4F-418D-AE19-62706E023703}">
-                      <ahyp:hlinkClr xmlns:ahyp="http://schemas.microsoft.com/office/drawing/2018/hyperlinkcolor" val="tx"/>
-                    </a:ext>
-                  </a:extLst>
-                </a:hlinkClick>
-              </a:rPr>
-              <a:t>Link</a:t>
-            </a:r>
-            <a:endParaRPr lang="en-US" dirty="0">
-              <a:solidFill>
-                <a:schemeClr val="bg1"/>
-              </a:solidFill>
-            </a:endParaRPr>
-          </a:p>
-          <a:p>
-            <a:pPr marL="0" indent="0">
-              <a:buNone/>
-            </a:pPr>
-            <a:r>
-              <a:rPr lang="en-US" dirty="0">
-                <a:solidFill>
-                  <a:schemeClr val="bg1"/>
-                </a:solidFill>
-              </a:rPr>
-              <a:t>Home of Minnesota election results going back multiple years</a:t>
+            <a:r>
+              <a:rPr lang="en-US" dirty="0">
+                <a:solidFill>
+                  <a:schemeClr val="bg1"/>
+                </a:solidFill>
+              </a:rPr>
+              <a:t>Even if you receive data in a different format, the end result should virtually always be a spreadsheet.</a:t>
             </a:r>
           </a:p>
         </p:txBody>
@@ -5524,7 +6366,7 @@
     </p:spTree>
     <p:extLst>
       <p:ext uri="{BB962C8B-B14F-4D97-AF65-F5344CB8AC3E}">
-        <p14:creationId xmlns:p14="http://schemas.microsoft.com/office/powerpoint/2010/main" val="1757545143"/>
+        <p14:creationId xmlns:p14="http://schemas.microsoft.com/office/powerpoint/2010/main" val="1544224873"/>
       </p:ext>
     </p:extLst>
   </p:cSld>
@@ -5570,27 +6412,17 @@
           </p:nvPr>
         </p:nvSpPr>
         <p:spPr/>
-        <p:style>
-          <a:lnRef idx="2">
-            <a:schemeClr val="dk1"/>
-          </a:lnRef>
-          <a:fillRef idx="1">
-            <a:schemeClr val="lt1"/>
-          </a:fillRef>
-          <a:effectRef idx="0">
-            <a:schemeClr val="dk1"/>
-          </a:effectRef>
-          <a:fontRef idx="minor">
-            <a:schemeClr val="dk1"/>
-          </a:fontRef>
-        </p:style>
         <p:txBody>
           <a:bodyPr/>
           <a:lstStyle/>
           <a:p>
             <a:r>
-              <a:rPr lang="en-US" dirty="0"/>
-              <a:t>Examples</a:t>
+              <a:rPr lang="en-US" dirty="0">
+                <a:solidFill>
+                  <a:schemeClr val="bg1"/>
+                </a:solidFill>
+              </a:rPr>
+              <a:t>Data is a digital endeavor</a:t>
             </a:r>
           </a:p>
         </p:txBody>
@@ -5605,429 +6437,20 @@
             <p:ph idx="1"/>
           </p:nvPr>
         </p:nvSpPr>
-        <p:spPr>
-          <a:xfrm>
-            <a:off x="457200" y="1600200"/>
-            <a:ext cx="4186719" cy="4790326"/>
-          </a:xfrm>
-        </p:spPr>
-        <p:style>
-          <a:lnRef idx="2">
-            <a:schemeClr val="dk1"/>
-          </a:lnRef>
-          <a:fillRef idx="1">
-            <a:schemeClr val="lt1"/>
-          </a:fillRef>
-          <a:effectRef idx="0">
-            <a:schemeClr val="dk1"/>
-          </a:effectRef>
-          <a:fontRef idx="minor">
-            <a:schemeClr val="dk1"/>
-          </a:fontRef>
-        </p:style>
+        <p:spPr/>
         <p:txBody>
           <a:bodyPr>
-            <a:normAutofit fontScale="25000" lnSpcReduction="20000"/>
+            <a:normAutofit fontScale="92500" lnSpcReduction="20000"/>
           </a:bodyPr>
           <a:lstStyle/>
           <a:p>
-            <a:pPr marL="0" indent="0">
-              <a:buNone/>
-            </a:pPr>
-            <a:r>
-              <a:rPr lang="en-US" sz="4000" b="1" dirty="0">
-                <a:solidFill>
-                  <a:schemeClr val="bg1"/>
-                </a:solidFill>
-              </a:rPr>
-              <a:t>Daily Stories</a:t>
-            </a:r>
-            <a:endParaRPr lang="en-US" sz="4000" dirty="0">
-              <a:solidFill>
-                <a:schemeClr val="bg1"/>
-              </a:solidFill>
-            </a:endParaRPr>
-          </a:p>
-          <a:p>
-            <a:pPr marL="0" indent="0">
-              <a:buNone/>
-            </a:pPr>
-            <a:r>
-              <a:rPr lang="en-US" sz="4000" u="sng" dirty="0">
-                <a:solidFill>
-                  <a:schemeClr val="bg1"/>
-                </a:solidFill>
-                <a:hlinkClick r:id="rId2">
-                  <a:extLst>
-                    <a:ext uri="{A12FA001-AC4F-418D-AE19-62706E023703}">
-                      <ahyp:hlinkClr xmlns:ahyp="http://schemas.microsoft.com/office/drawing/2018/hyperlinkcolor" val="tx"/>
-                    </a:ext>
-                  </a:extLst>
-                </a:hlinkClick>
-              </a:rPr>
-              <a:t>Edina's drunken-driving arrests show increased focus on state highways</a:t>
-            </a:r>
-            <a:r>
-              <a:rPr lang="en-US" sz="4000" dirty="0">
-                <a:solidFill>
-                  <a:schemeClr val="bg1"/>
-                </a:solidFill>
-              </a:rPr>
-              <a:t> </a:t>
-            </a:r>
-          </a:p>
-          <a:p>
-            <a:pPr marL="0" indent="0">
-              <a:buNone/>
-            </a:pPr>
-            <a:r>
-              <a:rPr lang="en-US" sz="4000" dirty="0">
-                <a:solidFill>
-                  <a:schemeClr val="bg1"/>
-                </a:solidFill>
-              </a:rPr>
-              <a:t>An example of finding daily stories we otherwise might not</a:t>
-            </a:r>
-          </a:p>
-          <a:p>
-            <a:pPr marL="0" indent="0">
-              <a:buNone/>
-            </a:pPr>
-            <a:r>
-              <a:rPr lang="en-US" sz="4000" dirty="0">
-                <a:solidFill>
-                  <a:schemeClr val="bg1"/>
-                </a:solidFill>
-              </a:rPr>
-              <a:t> </a:t>
-            </a:r>
-          </a:p>
-          <a:p>
-            <a:pPr marL="0" indent="0">
-              <a:buNone/>
-            </a:pPr>
-            <a:r>
-              <a:rPr lang="en-US" sz="4000" u="sng" dirty="0">
-                <a:solidFill>
-                  <a:schemeClr val="bg1"/>
-                </a:solidFill>
-                <a:hlinkClick r:id="rId3">
-                  <a:extLst>
-                    <a:ext uri="{A12FA001-AC4F-418D-AE19-62706E023703}">
-                      <ahyp:hlinkClr xmlns:ahyp="http://schemas.microsoft.com/office/drawing/2018/hyperlinkcolor" val="tx"/>
-                    </a:ext>
-                  </a:extLst>
-                </a:hlinkClick>
-              </a:rPr>
-              <a:t>A deeper look at Minneapolis crime rates</a:t>
-            </a:r>
-            <a:r>
-              <a:rPr lang="en-US" sz="4000" dirty="0">
-                <a:solidFill>
-                  <a:schemeClr val="bg1"/>
-                </a:solidFill>
-              </a:rPr>
-              <a:t> </a:t>
-            </a:r>
-          </a:p>
-          <a:p>
-            <a:pPr marL="0" indent="0">
-              <a:buNone/>
-            </a:pPr>
-            <a:r>
-              <a:rPr lang="en-US" sz="4000" dirty="0">
-                <a:solidFill>
-                  <a:schemeClr val="bg1"/>
-                </a:solidFill>
-              </a:rPr>
-              <a:t>An example of stringing spot stories together into a single trend piece</a:t>
-            </a:r>
-          </a:p>
-          <a:p>
-            <a:pPr marL="0" indent="0">
-              <a:buNone/>
-            </a:pPr>
-            <a:r>
-              <a:rPr lang="en-US" sz="4000" dirty="0">
-                <a:solidFill>
-                  <a:schemeClr val="bg1"/>
-                </a:solidFill>
-              </a:rPr>
-              <a:t> </a:t>
-            </a:r>
-          </a:p>
-          <a:p>
-            <a:pPr marL="0" indent="0">
-              <a:buNone/>
-            </a:pPr>
-            <a:r>
-              <a:rPr lang="en-US" sz="4000" u="sng" dirty="0">
-                <a:solidFill>
-                  <a:schemeClr val="bg1"/>
-                </a:solidFill>
-                <a:hlinkClick r:id="rId4">
-                  <a:extLst>
-                    <a:ext uri="{A12FA001-AC4F-418D-AE19-62706E023703}">
-                      <ahyp:hlinkClr xmlns:ahyp="http://schemas.microsoft.com/office/drawing/2018/hyperlinkcolor" val="tx"/>
-                    </a:ext>
-                  </a:extLst>
-                </a:hlinkClick>
-              </a:rPr>
-              <a:t>What’s behind greater Minnesota’s economic recovery?</a:t>
-            </a:r>
-            <a:r>
-              <a:rPr lang="en-US" sz="4000" dirty="0">
-                <a:solidFill>
-                  <a:schemeClr val="bg1"/>
-                </a:solidFill>
-              </a:rPr>
-              <a:t> </a:t>
-            </a:r>
-          </a:p>
-          <a:p>
-            <a:pPr marL="0" indent="0">
-              <a:buNone/>
-            </a:pPr>
-            <a:r>
-              <a:rPr lang="en-US" sz="4000" dirty="0">
-                <a:solidFill>
-                  <a:schemeClr val="bg1"/>
-                </a:solidFill>
-              </a:rPr>
-              <a:t>An example of using data to challenge a common talking point</a:t>
-            </a:r>
-          </a:p>
-          <a:p>
-            <a:pPr marL="0" indent="0">
-              <a:buNone/>
-            </a:pPr>
-            <a:br>
-              <a:rPr lang="en-US" sz="4000" dirty="0">
-                <a:solidFill>
-                  <a:schemeClr val="bg1"/>
-                </a:solidFill>
-              </a:rPr>
-            </a:br>
-            <a:endParaRPr lang="en-US" sz="4000" dirty="0">
-              <a:solidFill>
-                <a:schemeClr val="bg1"/>
-              </a:solidFill>
-            </a:endParaRPr>
-          </a:p>
-          <a:p>
-            <a:pPr marL="0" indent="0">
-              <a:buNone/>
-            </a:pPr>
-            <a:r>
-              <a:rPr lang="en-US" sz="4000" b="1" dirty="0">
-                <a:solidFill>
-                  <a:schemeClr val="bg1"/>
-                </a:solidFill>
-              </a:rPr>
-              <a:t>Elections/Politics</a:t>
-            </a:r>
-          </a:p>
-          <a:p>
-            <a:pPr marL="0" indent="0">
-              <a:buNone/>
-            </a:pPr>
-            <a:r>
-              <a:rPr lang="en-US" sz="4000" dirty="0">
-                <a:solidFill>
-                  <a:schemeClr val="bg1"/>
-                </a:solidFill>
-                <a:hlinkClick r:id="rId5">
-                  <a:extLst>
-                    <a:ext uri="{A12FA001-AC4F-418D-AE19-62706E023703}">
-                      <ahyp:hlinkClr xmlns:ahyp="http://schemas.microsoft.com/office/drawing/2018/hyperlinkcolor" val="tx"/>
-                    </a:ext>
-                  </a:extLst>
-                </a:hlinkClick>
-              </a:rPr>
-              <a:t>How Minnesota changed under Mark Dayton, in 58 charts</a:t>
-            </a:r>
-            <a:endParaRPr lang="en-US" sz="4000" dirty="0">
-              <a:solidFill>
-                <a:schemeClr val="bg1"/>
-              </a:solidFill>
-            </a:endParaRPr>
-          </a:p>
-          <a:p>
-            <a:pPr marL="0" indent="0">
-              <a:buNone/>
-            </a:pPr>
-            <a:r>
-              <a:rPr lang="en-US" sz="4000" dirty="0">
-                <a:solidFill>
-                  <a:schemeClr val="bg1"/>
-                </a:solidFill>
-              </a:rPr>
-              <a:t>A dataset of datasets</a:t>
-            </a:r>
-          </a:p>
-          <a:p>
-            <a:pPr marL="0" indent="0">
-              <a:buNone/>
-            </a:pPr>
-            <a:endParaRPr lang="en-US" sz="4000" b="1" dirty="0">
-              <a:solidFill>
-                <a:schemeClr val="bg1"/>
-              </a:solidFill>
-            </a:endParaRPr>
-          </a:p>
-          <a:p>
-            <a:pPr marL="0" indent="0">
-              <a:buNone/>
-            </a:pPr>
-            <a:r>
-              <a:rPr lang="en-US" sz="4000" dirty="0">
-                <a:solidFill>
-                  <a:schemeClr val="bg1"/>
-                </a:solidFill>
-                <a:hlinkClick r:id="rId6">
-                  <a:extLst>
-                    <a:ext uri="{A12FA001-AC4F-418D-AE19-62706E023703}">
-                      <ahyp:hlinkClr xmlns:ahyp="http://schemas.microsoft.com/office/drawing/2018/hyperlinkcolor" val="tx"/>
-                    </a:ext>
-                  </a:extLst>
-                </a:hlinkClick>
-              </a:rPr>
-              <a:t>How Minnesota's battleground districts shifted in the 2018 midterm</a:t>
-            </a:r>
-            <a:endParaRPr lang="en-US" sz="4000" dirty="0">
-              <a:solidFill>
-                <a:schemeClr val="bg1"/>
-              </a:solidFill>
-            </a:endParaRPr>
-          </a:p>
-          <a:p>
-            <a:pPr marL="0" indent="0">
-              <a:buNone/>
-            </a:pPr>
-            <a:r>
-              <a:rPr lang="en-US" sz="4000" dirty="0">
-                <a:solidFill>
-                  <a:schemeClr val="bg1"/>
-                </a:solidFill>
-              </a:rPr>
-              <a:t>What actually happened on Election Day.</a:t>
-            </a:r>
-          </a:p>
-          <a:p>
-            <a:pPr marL="0" indent="0">
-              <a:buNone/>
-            </a:pPr>
-            <a:endParaRPr lang="en-US" sz="4000" dirty="0">
-              <a:solidFill>
-                <a:schemeClr val="bg1"/>
-              </a:solidFill>
-            </a:endParaRPr>
-          </a:p>
-          <a:p>
-            <a:pPr marL="0" indent="0">
-              <a:buNone/>
-            </a:pPr>
-            <a:r>
-              <a:rPr lang="en-US" sz="4000" dirty="0">
-                <a:solidFill>
-                  <a:schemeClr val="bg1"/>
-                </a:solidFill>
-                <a:hlinkClick r:id="rId7">
-                  <a:extLst>
-                    <a:ext uri="{A12FA001-AC4F-418D-AE19-62706E023703}">
-                      <ahyp:hlinkClr xmlns:ahyp="http://schemas.microsoft.com/office/drawing/2018/hyperlinkcolor" val="tx"/>
-                    </a:ext>
-                  </a:extLst>
-                </a:hlinkClick>
-              </a:rPr>
-              <a:t>Thousands of people have voted early in Minnesota. Here's what to watch.</a:t>
-            </a:r>
-            <a:endParaRPr lang="en-US" sz="4000" dirty="0">
-              <a:solidFill>
-                <a:schemeClr val="bg1"/>
-              </a:solidFill>
-            </a:endParaRPr>
-          </a:p>
-          <a:p>
-            <a:pPr marL="0" indent="0">
-              <a:buNone/>
-            </a:pPr>
-            <a:r>
-              <a:rPr lang="en-US" sz="4000" dirty="0">
-                <a:solidFill>
-                  <a:schemeClr val="bg1"/>
-                </a:solidFill>
-              </a:rPr>
-              <a:t>Tracking an event using data virtually in real time.</a:t>
-            </a:r>
-          </a:p>
-          <a:p>
-            <a:pPr marL="0" indent="0">
-              <a:buNone/>
-            </a:pPr>
-            <a:endParaRPr lang="en-US" sz="4000" dirty="0">
-              <a:solidFill>
-                <a:schemeClr val="bg1"/>
-              </a:solidFill>
-            </a:endParaRPr>
-          </a:p>
-          <a:p>
-            <a:pPr marL="0" indent="0">
-              <a:buNone/>
-            </a:pPr>
-            <a:r>
-              <a:rPr lang="en-US" sz="4000" u="sng" dirty="0">
-                <a:solidFill>
-                  <a:schemeClr val="bg1"/>
-                </a:solidFill>
-                <a:hlinkClick r:id="rId8">
-                  <a:extLst>
-                    <a:ext uri="{A12FA001-AC4F-418D-AE19-62706E023703}">
-                      <ahyp:hlinkClr xmlns:ahyp="http://schemas.microsoft.com/office/drawing/2018/hyperlinkcolor" val="tx"/>
-                    </a:ext>
-                  </a:extLst>
-                </a:hlinkClick>
-              </a:rPr>
-              <a:t>Why you’re hearing so much about Minnesota’s congressional races this fall</a:t>
-            </a:r>
-            <a:endParaRPr lang="en-US" sz="4000" dirty="0">
-              <a:solidFill>
-                <a:schemeClr val="bg1"/>
-              </a:solidFill>
-            </a:endParaRPr>
-          </a:p>
-          <a:p>
-            <a:pPr marL="0" indent="0">
-              <a:buNone/>
-            </a:pPr>
-            <a:r>
-              <a:rPr lang="en-US" sz="4000" dirty="0">
-                <a:solidFill>
-                  <a:schemeClr val="bg1"/>
-                </a:solidFill>
-              </a:rPr>
-              <a:t>What might happen? Wrangling a bunch of data from political forecasters and using it to tell stories about major Minnesota elections</a:t>
-            </a:r>
-            <a:r>
-              <a:rPr lang="en-US" dirty="0">
-                <a:solidFill>
-                  <a:schemeClr val="bg1"/>
-                </a:solidFill>
-              </a:rPr>
-              <a:t> </a:t>
-            </a:r>
-          </a:p>
-          <a:p>
-            <a:pPr marL="0" indent="0">
-              <a:buNone/>
-            </a:pPr>
-            <a:r>
-              <a:rPr lang="en-US" dirty="0">
-                <a:solidFill>
-                  <a:schemeClr val="bg1"/>
-                </a:solidFill>
-              </a:rPr>
-              <a:t> </a:t>
+            <a:r>
+              <a:rPr lang="en-US" dirty="0">
+                <a:solidFill>
+                  <a:schemeClr val="bg1"/>
+                </a:solidFill>
+              </a:rPr>
+              <a:t>Data journalism is digitally native, since data is most often produced and stored electronically.</a:t>
             </a:r>
           </a:p>
           <a:p>
@@ -6040,334 +6463,75 @@
               </a:solidFill>
             </a:endParaRPr>
           </a:p>
-        </p:txBody>
-      </p:sp>
-      <p:sp>
-        <p:nvSpPr>
-          <p:cNvPr id="4" name="TextBox 3">
-            <a:extLst>
-              <a:ext uri="{FF2B5EF4-FFF2-40B4-BE49-F238E27FC236}">
-                <a16:creationId xmlns:a16="http://schemas.microsoft.com/office/drawing/2014/main" id="{905EEC97-25F7-324B-8597-EB0BD6A29ADF}"/>
-              </a:ext>
-            </a:extLst>
-          </p:cNvPr>
-          <p:cNvSpPr txBox="1"/>
-          <p:nvPr/>
-        </p:nvSpPr>
-        <p:spPr>
-          <a:xfrm>
-            <a:off x="4828854" y="1600199"/>
-            <a:ext cx="3667874" cy="3785652"/>
-          </a:xfrm>
-          <a:prstGeom prst="rect">
-            <a:avLst/>
-          </a:prstGeom>
-        </p:spPr>
-        <p:style>
-          <a:lnRef idx="2">
-            <a:schemeClr val="dk1"/>
-          </a:lnRef>
-          <a:fillRef idx="1">
-            <a:schemeClr val="lt1"/>
-          </a:fillRef>
-          <a:effectRef idx="0">
-            <a:schemeClr val="dk1"/>
-          </a:effectRef>
-          <a:fontRef idx="minor">
-            <a:schemeClr val="dk1"/>
-          </a:fontRef>
-        </p:style>
-        <p:txBody>
-          <a:bodyPr wrap="square" rtlCol="0">
-            <a:spAutoFit/>
-          </a:bodyPr>
-          <a:lstStyle/>
-          <a:p>
-            <a:r>
-              <a:rPr lang="en-US" sz="1000" b="1" dirty="0">
-                <a:solidFill>
-                  <a:schemeClr val="bg1"/>
-                </a:solidFill>
-              </a:rPr>
-              <a:t>Fun Things</a:t>
-            </a:r>
-            <a:endParaRPr lang="en-US" sz="1000" dirty="0">
-              <a:solidFill>
-                <a:schemeClr val="bg1"/>
-              </a:solidFill>
-            </a:endParaRPr>
-          </a:p>
-          <a:p>
-            <a:r>
-              <a:rPr lang="en-US" sz="1000" u="sng" dirty="0">
-                <a:solidFill>
-                  <a:schemeClr val="bg1"/>
-                </a:solidFill>
-                <a:hlinkClick r:id="rId9">
-                  <a:extLst>
-                    <a:ext uri="{A12FA001-AC4F-418D-AE19-62706E023703}">
-                      <ahyp:hlinkClr xmlns:ahyp="http://schemas.microsoft.com/office/drawing/2018/hyperlinkcolor" val="tx"/>
-                    </a:ext>
-                  </a:extLst>
-                </a:hlinkClick>
-              </a:rPr>
-              <a:t>Google tracked a year of my life in downtown Minneapolis</a:t>
-            </a:r>
-            <a:r>
-              <a:rPr lang="en-US" sz="1000" dirty="0">
-                <a:solidFill>
-                  <a:schemeClr val="bg1"/>
-                </a:solidFill>
-              </a:rPr>
-              <a:t> </a:t>
-            </a:r>
-          </a:p>
-          <a:p>
-            <a:r>
-              <a:rPr lang="en-US" sz="1000" dirty="0">
-                <a:solidFill>
-                  <a:schemeClr val="bg1"/>
-                </a:solidFill>
-              </a:rPr>
-              <a:t>More and more, individuals are data, and stories can be told about them using numbers</a:t>
-            </a:r>
-          </a:p>
-          <a:p>
-            <a:r>
-              <a:rPr lang="en-US" sz="1000" dirty="0">
-                <a:solidFill>
-                  <a:schemeClr val="bg1"/>
-                </a:solidFill>
-              </a:rPr>
-              <a:t> </a:t>
-            </a:r>
-          </a:p>
-          <a:p>
-            <a:r>
-              <a:rPr lang="en-US" sz="1000" u="sng" dirty="0">
-                <a:solidFill>
-                  <a:schemeClr val="bg1"/>
-                </a:solidFill>
-                <a:hlinkClick r:id="rId10">
-                  <a:extLst>
-                    <a:ext uri="{A12FA001-AC4F-418D-AE19-62706E023703}">
-                      <ahyp:hlinkClr xmlns:ahyp="http://schemas.microsoft.com/office/drawing/2018/hyperlinkcolor" val="tx"/>
-                    </a:ext>
-                  </a:extLst>
-                </a:hlinkClick>
-              </a:rPr>
-              <a:t>Are the Vikings the NFL's most tragic playoff team?</a:t>
-            </a:r>
-            <a:r>
-              <a:rPr lang="en-US" sz="1000" dirty="0">
-                <a:solidFill>
-                  <a:schemeClr val="bg1"/>
-                </a:solidFill>
-              </a:rPr>
-              <a:t> </a:t>
-            </a:r>
-          </a:p>
-          <a:p>
-            <a:r>
-              <a:rPr lang="en-US" sz="1000" dirty="0">
-                <a:solidFill>
-                  <a:schemeClr val="bg1"/>
-                </a:solidFill>
-              </a:rPr>
-              <a:t>Using data to quantify something people generally already know</a:t>
-            </a:r>
-          </a:p>
-          <a:p>
-            <a:r>
-              <a:rPr lang="en-US" sz="1000" dirty="0">
-                <a:solidFill>
-                  <a:schemeClr val="bg1"/>
-                </a:solidFill>
-              </a:rPr>
-              <a:t> </a:t>
-            </a:r>
-          </a:p>
-          <a:p>
-            <a:r>
-              <a:rPr lang="en-US" sz="1000" u="sng" dirty="0">
-                <a:solidFill>
-                  <a:schemeClr val="bg1"/>
-                </a:solidFill>
-                <a:hlinkClick r:id="rId11">
-                  <a:extLst>
-                    <a:ext uri="{A12FA001-AC4F-418D-AE19-62706E023703}">
-                      <ahyp:hlinkClr xmlns:ahyp="http://schemas.microsoft.com/office/drawing/2018/hyperlinkcolor" val="tx"/>
-                    </a:ext>
-                  </a:extLst>
-                </a:hlinkClick>
-              </a:rPr>
-              <a:t>What would the Twin Cities look like as a mega-region?</a:t>
-            </a:r>
-            <a:endParaRPr lang="en-US" sz="1000" dirty="0">
-              <a:solidFill>
-                <a:schemeClr val="bg1"/>
-              </a:solidFill>
-            </a:endParaRPr>
-          </a:p>
-          <a:p>
-            <a:r>
-              <a:rPr lang="en-US" sz="1000" dirty="0">
-                <a:solidFill>
-                  <a:schemeClr val="bg1"/>
-                </a:solidFill>
-              </a:rPr>
-              <a:t>Hypothetical research explained through the lens of actual data</a:t>
-            </a:r>
-          </a:p>
-          <a:p>
-            <a:endParaRPr lang="en-US" sz="1000" dirty="0">
-              <a:solidFill>
-                <a:schemeClr val="bg1"/>
-              </a:solidFill>
-            </a:endParaRPr>
-          </a:p>
-          <a:p>
-            <a:endParaRPr lang="en-US" sz="1000" dirty="0">
-              <a:solidFill>
-                <a:schemeClr val="bg1"/>
-              </a:solidFill>
-            </a:endParaRPr>
-          </a:p>
-          <a:p>
-            <a:r>
-              <a:rPr lang="en-US" sz="1000" b="1" dirty="0">
-                <a:solidFill>
-                  <a:schemeClr val="bg1"/>
-                </a:solidFill>
-              </a:rPr>
-              <a:t>Enterprise Investigations</a:t>
-            </a:r>
-          </a:p>
-          <a:p>
-            <a:r>
-              <a:rPr lang="en-US" sz="1000" u="sng" dirty="0">
-                <a:solidFill>
-                  <a:schemeClr val="bg1"/>
-                </a:solidFill>
-                <a:hlinkClick r:id="rId12">
-                  <a:extLst>
-                    <a:ext uri="{A12FA001-AC4F-418D-AE19-62706E023703}">
-                      <ahyp:hlinkClr xmlns:ahyp="http://schemas.microsoft.com/office/drawing/2018/hyperlinkcolor" val="tx"/>
-                    </a:ext>
-                  </a:extLst>
-                </a:hlinkClick>
-              </a:rPr>
-              <a:t>North hit hard by demolitions while south rebuilds</a:t>
-            </a:r>
-            <a:r>
-              <a:rPr lang="en-US" sz="1000" dirty="0">
-                <a:solidFill>
-                  <a:schemeClr val="bg1"/>
-                </a:solidFill>
-              </a:rPr>
-              <a:t> </a:t>
-            </a:r>
-          </a:p>
-          <a:p>
-            <a:r>
-              <a:rPr lang="en-US" sz="1000" dirty="0">
-                <a:solidFill>
-                  <a:schemeClr val="bg1"/>
-                </a:solidFill>
-              </a:rPr>
-              <a:t>Quantifying a long time socioeconomic issue and revealing something new in the process</a:t>
-            </a:r>
-          </a:p>
-          <a:p>
-            <a:endParaRPr lang="en-US" sz="1000" dirty="0">
-              <a:solidFill>
-                <a:schemeClr val="bg1"/>
-              </a:solidFill>
-            </a:endParaRPr>
-          </a:p>
-          <a:p>
-            <a:r>
-              <a:rPr lang="en-US" sz="1000" u="sng" dirty="0">
-                <a:solidFill>
-                  <a:schemeClr val="bg1"/>
-                </a:solidFill>
-                <a:hlinkClick r:id="rId13">
-                  <a:extLst>
-                    <a:ext uri="{A12FA001-AC4F-418D-AE19-62706E023703}">
-                      <ahyp:hlinkClr xmlns:ahyp="http://schemas.microsoft.com/office/drawing/2018/hyperlinkcolor" val="tx"/>
-                    </a:ext>
-                  </a:extLst>
-                </a:hlinkClick>
-              </a:rPr>
-              <a:t>Fatal police encounters in Minnesota since 2000</a:t>
-            </a:r>
-            <a:r>
-              <a:rPr lang="en-US" sz="1000" dirty="0">
-                <a:solidFill>
-                  <a:schemeClr val="bg1"/>
-                </a:solidFill>
-              </a:rPr>
-              <a:t> </a:t>
-            </a:r>
-          </a:p>
-          <a:p>
-            <a:r>
-              <a:rPr lang="en-US" sz="1000" dirty="0">
-                <a:solidFill>
-                  <a:schemeClr val="bg1"/>
-                </a:solidFill>
-              </a:rPr>
-              <a:t>Creating and maintaining a public resource to track and quantify an ongoing social issue</a:t>
-            </a:r>
-          </a:p>
-          <a:p>
-            <a:r>
-              <a:rPr lang="en-US" sz="1000" dirty="0">
-                <a:solidFill>
-                  <a:schemeClr val="bg1"/>
-                </a:solidFill>
-              </a:rPr>
-              <a:t> </a:t>
-            </a:r>
-          </a:p>
-          <a:p>
-            <a:r>
-              <a:rPr lang="en-US" sz="1000" u="sng" dirty="0">
-                <a:solidFill>
-                  <a:schemeClr val="bg1"/>
-                </a:solidFill>
-                <a:hlinkClick r:id="rId14">
-                  <a:extLst>
-                    <a:ext uri="{A12FA001-AC4F-418D-AE19-62706E023703}">
-                      <ahyp:hlinkClr xmlns:ahyp="http://schemas.microsoft.com/office/drawing/2018/hyperlinkcolor" val="tx"/>
-                    </a:ext>
-                  </a:extLst>
-                </a:hlinkClick>
-              </a:rPr>
-              <a:t>Way Down in the Hole</a:t>
-            </a:r>
-            <a:endParaRPr lang="en-US" sz="1000" dirty="0">
-              <a:solidFill>
-                <a:schemeClr val="bg1"/>
-              </a:solidFill>
-            </a:endParaRPr>
-          </a:p>
-          <a:p>
-            <a:r>
-              <a:rPr lang="en-US" sz="1000" dirty="0">
-                <a:solidFill>
-                  <a:schemeClr val="bg1"/>
-                </a:solidFill>
-              </a:rPr>
-              <a:t>Using data to uncover something not publicly known or private acknowledged</a:t>
-            </a:r>
+          <a:p>
+            <a:r>
+              <a:rPr lang="en-US" dirty="0">
+                <a:solidFill>
+                  <a:schemeClr val="bg1"/>
+                </a:solidFill>
+              </a:rPr>
+              <a:t>Always ask for spreadsheets, avoid PDF/Word.</a:t>
+            </a:r>
+          </a:p>
+          <a:p>
+            <a:endParaRPr lang="en-US" dirty="0">
+              <a:solidFill>
+                <a:schemeClr val="bg1"/>
+              </a:solidFill>
+            </a:endParaRPr>
+          </a:p>
+          <a:p>
+            <a:r>
+              <a:rPr lang="en-US" dirty="0">
+                <a:solidFill>
+                  <a:schemeClr val="bg1"/>
+                </a:solidFill>
+              </a:rPr>
+              <a:t>“Breaking news data stories” aren’t really a thing, are extremely rare.</a:t>
+            </a:r>
+            <a:br>
+              <a:rPr lang="en-US" dirty="0">
+                <a:solidFill>
+                  <a:schemeClr val="bg1"/>
+                </a:solidFill>
+              </a:rPr>
+            </a:br>
+            <a:endParaRPr lang="en-US" dirty="0">
+              <a:solidFill>
+                <a:schemeClr val="bg1"/>
+              </a:solidFill>
+            </a:endParaRPr>
+          </a:p>
+          <a:p>
+            <a:r>
+              <a:rPr lang="en-US" dirty="0">
+                <a:solidFill>
+                  <a:schemeClr val="bg1"/>
+                </a:solidFill>
+              </a:rPr>
+              <a:t>Learn some coding, because it helps you do more powerful things with data.</a:t>
+            </a:r>
+          </a:p>
+          <a:p>
+            <a:endParaRPr lang="en-US" dirty="0">
+              <a:solidFill>
+                <a:schemeClr val="bg1"/>
+              </a:solidFill>
+            </a:endParaRPr>
+          </a:p>
+          <a:p>
+            <a:endParaRPr lang="en-US" dirty="0">
+              <a:solidFill>
+                <a:schemeClr val="bg1"/>
+              </a:solidFill>
+            </a:endParaRPr>
           </a:p>
         </p:txBody>
       </p:sp>
     </p:spTree>
     <p:extLst>
       <p:ext uri="{BB962C8B-B14F-4D97-AF65-F5344CB8AC3E}">
-        <p14:creationId xmlns:p14="http://schemas.microsoft.com/office/powerpoint/2010/main" val="1239489940"/>
+        <p14:creationId xmlns:p14="http://schemas.microsoft.com/office/powerpoint/2010/main" val="3218120109"/>
       </p:ext>
     </p:extLst>
   </p:cSld>
@@ -6423,7 +6587,7 @@
                   <a:schemeClr val="bg1"/>
                 </a:solidFill>
               </a:rPr>
-              <a:t>Tips</a:t>
+              <a:t>Sources of data</a:t>
             </a:r>
           </a:p>
         </p:txBody>
@@ -6441,7 +6605,7 @@
         <p:spPr/>
         <p:txBody>
           <a:bodyPr>
-            <a:normAutofit fontScale="92500" lnSpcReduction="20000"/>
+            <a:normAutofit fontScale="62500" lnSpcReduction="20000"/>
           </a:bodyPr>
           <a:lstStyle/>
           <a:p>
@@ -6451,10 +6615,23 @@
                   <a:schemeClr val="bg1"/>
                 </a:solidFill>
               </a:rPr>
-              <a:t>Data journalism is digitally native, since data is most often produced and stored electronically.</a:t>
-            </a:r>
-          </a:p>
-          <a:p>
+              <a:t>Data Portals | </a:t>
+            </a:r>
+            <a:r>
+              <a:rPr lang="en-US" dirty="0">
+                <a:solidFill>
+                  <a:schemeClr val="bg1"/>
+                </a:solidFill>
+                <a:hlinkClick r:id="rId2">
+                  <a:extLst>
+                    <a:ext uri="{A12FA001-AC4F-418D-AE19-62706E023703}">
+                      <ahyp:hlinkClr xmlns:ahyp="http://schemas.microsoft.com/office/drawing/2018/hyperlinkcolor" val="tx"/>
+                    </a:ext>
+                  </a:extLst>
+                </a:hlinkClick>
+              </a:rPr>
+              <a:t>Link</a:t>
+            </a:r>
             <a:endParaRPr lang="en-US" dirty="0">
               <a:solidFill>
                 <a:schemeClr val="bg1"/>
@@ -6462,13 +6639,16 @@
             </a:endParaRPr>
           </a:p>
           <a:p>
-            <a:r>
-              <a:rPr lang="en-US" dirty="0">
-                <a:solidFill>
-                  <a:schemeClr val="bg1"/>
-                </a:solidFill>
-              </a:rPr>
-              <a:t>So learn some coding, because it helps you do more powerful things with data.</a:t>
+            <a:pPr marL="0" indent="0">
+              <a:buNone/>
+            </a:pPr>
+            <a:r>
+              <a:rPr lang="en-US" dirty="0">
+                <a:solidFill>
+                  <a:schemeClr val="bg1"/>
+                </a:solidFill>
+              </a:rPr>
+              <a:t>A massive listing of open data portals across the world</a:t>
             </a:r>
           </a:p>
           <a:p>
@@ -6485,10 +6665,23 @@
                   <a:schemeClr val="bg1"/>
                 </a:solidFill>
               </a:rPr>
-              <a:t>Always ask for spreadsheets, avoid PDF/Word.</a:t>
-            </a:r>
-          </a:p>
-          <a:p>
+              <a:t>Open Minneapolis | </a:t>
+            </a:r>
+            <a:r>
+              <a:rPr lang="en-US" dirty="0">
+                <a:solidFill>
+                  <a:schemeClr val="bg1"/>
+                </a:solidFill>
+                <a:hlinkClick r:id="rId3">
+                  <a:extLst>
+                    <a:ext uri="{A12FA001-AC4F-418D-AE19-62706E023703}">
+                      <ahyp:hlinkClr xmlns:ahyp="http://schemas.microsoft.com/office/drawing/2018/hyperlinkcolor" val="tx"/>
+                    </a:ext>
+                  </a:extLst>
+                </a:hlinkClick>
+              </a:rPr>
+              <a:t>Link</a:t>
+            </a:r>
             <a:endParaRPr lang="en-US" dirty="0">
               <a:solidFill>
                 <a:schemeClr val="bg1"/>
@@ -6496,13 +6689,16 @@
             </a:endParaRPr>
           </a:p>
           <a:p>
-            <a:r>
-              <a:rPr lang="en-US" dirty="0">
-                <a:solidFill>
-                  <a:schemeClr val="bg1"/>
-                </a:solidFill>
-              </a:rPr>
-              <a:t>“Breaking news data stories” aren’t really a thing, are extremely rare.</a:t>
+            <a:pPr marL="0" indent="0">
+              <a:buNone/>
+            </a:pPr>
+            <a:r>
+              <a:rPr lang="en-US" dirty="0">
+                <a:solidFill>
+                  <a:schemeClr val="bg1"/>
+                </a:solidFill>
+              </a:rPr>
+              <a:t>A great source of public city data</a:t>
             </a:r>
           </a:p>
           <a:p>
@@ -6511,13 +6707,172 @@
                 <a:schemeClr val="bg1"/>
               </a:solidFill>
             </a:endParaRPr>
+          </a:p>
+          <a:p>
+            <a:r>
+              <a:rPr lang="en-US" dirty="0">
+                <a:solidFill>
+                  <a:schemeClr val="bg1"/>
+                </a:solidFill>
+              </a:rPr>
+              <a:t>American </a:t>
+            </a:r>
+            <a:r>
+              <a:rPr lang="en-US" dirty="0" err="1">
+                <a:solidFill>
+                  <a:schemeClr val="bg1"/>
+                </a:solidFill>
+              </a:rPr>
+              <a:t>FactFinder</a:t>
+            </a:r>
+            <a:r>
+              <a:rPr lang="en-US" dirty="0">
+                <a:solidFill>
+                  <a:schemeClr val="bg1"/>
+                </a:solidFill>
+              </a:rPr>
+              <a:t> | </a:t>
+            </a:r>
+            <a:r>
+              <a:rPr lang="en-US" dirty="0">
+                <a:solidFill>
+                  <a:schemeClr val="bg1"/>
+                </a:solidFill>
+                <a:hlinkClick r:id="rId4">
+                  <a:extLst>
+                    <a:ext uri="{A12FA001-AC4F-418D-AE19-62706E023703}">
+                      <ahyp:hlinkClr xmlns:ahyp="http://schemas.microsoft.com/office/drawing/2018/hyperlinkcolor" val="tx"/>
+                    </a:ext>
+                  </a:extLst>
+                </a:hlinkClick>
+              </a:rPr>
+              <a:t>Link</a:t>
+            </a:r>
+            <a:endParaRPr lang="en-US" dirty="0">
+              <a:solidFill>
+                <a:schemeClr val="bg1"/>
+              </a:solidFill>
+            </a:endParaRPr>
+          </a:p>
+          <a:p>
+            <a:pPr marL="0" indent="0">
+              <a:buNone/>
+            </a:pPr>
+            <a:r>
+              <a:rPr lang="en-US" dirty="0">
+                <a:solidFill>
+                  <a:schemeClr val="bg1"/>
+                </a:solidFill>
+              </a:rPr>
+              <a:t>The U.S. Census Bureau's impressive lookup tool</a:t>
+            </a:r>
+          </a:p>
+          <a:p>
+            <a:endParaRPr lang="en-US" dirty="0">
+              <a:solidFill>
+                <a:schemeClr val="bg1"/>
+              </a:solidFill>
+            </a:endParaRPr>
+          </a:p>
+          <a:p>
+            <a:r>
+              <a:rPr lang="en-US" dirty="0">
+                <a:solidFill>
+                  <a:schemeClr val="bg1"/>
+                </a:solidFill>
+              </a:rPr>
+              <a:t>Census Explorer | </a:t>
+            </a:r>
+            <a:r>
+              <a:rPr lang="en-US" dirty="0">
+                <a:solidFill>
+                  <a:schemeClr val="bg1"/>
+                </a:solidFill>
+                <a:hlinkClick r:id="rId5">
+                  <a:extLst>
+                    <a:ext uri="{A12FA001-AC4F-418D-AE19-62706E023703}">
+                      <ahyp:hlinkClr xmlns:ahyp="http://schemas.microsoft.com/office/drawing/2018/hyperlinkcolor" val="tx"/>
+                    </a:ext>
+                  </a:extLst>
+                </a:hlinkClick>
+              </a:rPr>
+              <a:t>Link</a:t>
+            </a:r>
+            <a:endParaRPr lang="en-US" dirty="0">
+              <a:solidFill>
+                <a:schemeClr val="bg1"/>
+              </a:solidFill>
+            </a:endParaRPr>
+          </a:p>
+          <a:p>
+            <a:pPr marL="0" indent="0">
+              <a:buNone/>
+            </a:pPr>
+            <a:r>
+              <a:rPr lang="en-US" dirty="0">
+                <a:solidFill>
+                  <a:schemeClr val="bg1"/>
+                </a:solidFill>
+              </a:rPr>
+              <a:t>Another cool tool from the U.S. Census Bureau</a:t>
+            </a:r>
+          </a:p>
+          <a:p>
+            <a:endParaRPr lang="en-US" dirty="0">
+              <a:solidFill>
+                <a:schemeClr val="bg1"/>
+              </a:solidFill>
+            </a:endParaRPr>
+          </a:p>
+          <a:p>
+            <a:r>
+              <a:rPr lang="en-US" dirty="0">
+                <a:solidFill>
+                  <a:schemeClr val="bg1"/>
+                </a:solidFill>
+              </a:rPr>
+              <a:t>Minnesota Secretary of State | </a:t>
+            </a:r>
+            <a:r>
+              <a:rPr lang="en-US" dirty="0">
+                <a:solidFill>
+                  <a:schemeClr val="bg1"/>
+                </a:solidFill>
+                <a:hlinkClick r:id="rId6">
+                  <a:extLst>
+                    <a:ext uri="{A12FA001-AC4F-418D-AE19-62706E023703}">
+                      <ahyp:hlinkClr xmlns:ahyp="http://schemas.microsoft.com/office/drawing/2018/hyperlinkcolor" val="tx"/>
+                    </a:ext>
+                  </a:extLst>
+                </a:hlinkClick>
+              </a:rPr>
+              <a:t>Link</a:t>
+            </a:r>
+            <a:endParaRPr lang="en-US" dirty="0">
+              <a:solidFill>
+                <a:schemeClr val="bg1"/>
+              </a:solidFill>
+            </a:endParaRPr>
+          </a:p>
+          <a:p>
+            <a:pPr marL="0" indent="0">
+              <a:buNone/>
+            </a:pPr>
+            <a:r>
+              <a:rPr lang="en-US" dirty="0">
+                <a:solidFill>
+                  <a:schemeClr val="bg1"/>
+                </a:solidFill>
+              </a:rPr>
+              <a:t>Home of Minnesota election results going back multiple years</a:t>
+            </a:r>
           </a:p>
         </p:txBody>
       </p:sp>
     </p:spTree>
     <p:extLst>
       <p:ext uri="{BB962C8B-B14F-4D97-AF65-F5344CB8AC3E}">
-        <p14:creationId xmlns:p14="http://schemas.microsoft.com/office/powerpoint/2010/main" val="3218120109"/>
+        <p14:creationId xmlns:p14="http://schemas.microsoft.com/office/powerpoint/2010/main" val="1757545143"/>
       </p:ext>
     </p:extLst>
   </p:cSld>

--- a/data_presentation.pptx
+++ b/data_presentation.pptx
@@ -10,14 +10,14 @@
     <p:sldId id="257" r:id="rId4"/>
     <p:sldId id="258" r:id="rId5"/>
     <p:sldId id="259" r:id="rId6"/>
-    <p:sldId id="268" r:id="rId7"/>
-    <p:sldId id="261" r:id="rId8"/>
-    <p:sldId id="267" r:id="rId9"/>
-    <p:sldId id="262" r:id="rId10"/>
+    <p:sldId id="261" r:id="rId7"/>
+    <p:sldId id="267" r:id="rId8"/>
+    <p:sldId id="268" r:id="rId9"/>
+    <p:sldId id="260" r:id="rId10"/>
     <p:sldId id="272" r:id="rId11"/>
-    <p:sldId id="263" r:id="rId12"/>
-    <p:sldId id="274" r:id="rId13"/>
-    <p:sldId id="260" r:id="rId14"/>
+    <p:sldId id="262" r:id="rId12"/>
+    <p:sldId id="263" r:id="rId13"/>
+    <p:sldId id="274" r:id="rId14"/>
     <p:sldId id="273" r:id="rId15"/>
     <p:sldId id="269" r:id="rId16"/>
   </p:sldIdLst>
@@ -316,7 +316,7 @@
           <a:p>
             <a:fld id="{6BFECD78-3C8E-49F2-8FAB-59489D168ABB}" type="datetimeFigureOut">
               <a:rPr lang="en-US" smtClean="0"/>
-              <a:t>2/13/19</a:t>
+              <a:t>2/15/19</a:t>
             </a:fld>
             <a:endParaRPr lang="en-US"/>
           </a:p>
@@ -484,7 +484,7 @@
           <a:p>
             <a:fld id="{6BFECD78-3C8E-49F2-8FAB-59489D168ABB}" type="datetimeFigureOut">
               <a:rPr lang="en-US" smtClean="0"/>
-              <a:t>2/13/19</a:t>
+              <a:t>2/15/19</a:t>
             </a:fld>
             <a:endParaRPr lang="en-US"/>
           </a:p>
@@ -662,7 +662,7 @@
           <a:p>
             <a:fld id="{6BFECD78-3C8E-49F2-8FAB-59489D168ABB}" type="datetimeFigureOut">
               <a:rPr lang="en-US" smtClean="0"/>
-              <a:t>2/13/19</a:t>
+              <a:t>2/15/19</a:t>
             </a:fld>
             <a:endParaRPr lang="en-US"/>
           </a:p>
@@ -830,7 +830,7 @@
           <a:p>
             <a:fld id="{6BFECD78-3C8E-49F2-8FAB-59489D168ABB}" type="datetimeFigureOut">
               <a:rPr lang="en-US" smtClean="0"/>
-              <a:t>2/13/19</a:t>
+              <a:t>2/15/19</a:t>
             </a:fld>
             <a:endParaRPr lang="en-US"/>
           </a:p>
@@ -1075,7 +1075,7 @@
           <a:p>
             <a:fld id="{6BFECD78-3C8E-49F2-8FAB-59489D168ABB}" type="datetimeFigureOut">
               <a:rPr lang="en-US" smtClean="0"/>
-              <a:t>2/13/19</a:t>
+              <a:t>2/15/19</a:t>
             </a:fld>
             <a:endParaRPr lang="en-US"/>
           </a:p>
@@ -1360,7 +1360,7 @@
           <a:p>
             <a:fld id="{6BFECD78-3C8E-49F2-8FAB-59489D168ABB}" type="datetimeFigureOut">
               <a:rPr lang="en-US" smtClean="0"/>
-              <a:t>2/13/19</a:t>
+              <a:t>2/15/19</a:t>
             </a:fld>
             <a:endParaRPr lang="en-US"/>
           </a:p>
@@ -1779,7 +1779,7 @@
           <a:p>
             <a:fld id="{6BFECD78-3C8E-49F2-8FAB-59489D168ABB}" type="datetimeFigureOut">
               <a:rPr lang="en-US" smtClean="0"/>
-              <a:t>2/13/19</a:t>
+              <a:t>2/15/19</a:t>
             </a:fld>
             <a:endParaRPr lang="en-US"/>
           </a:p>
@@ -1896,7 +1896,7 @@
           <a:p>
             <a:fld id="{6BFECD78-3C8E-49F2-8FAB-59489D168ABB}" type="datetimeFigureOut">
               <a:rPr lang="en-US" smtClean="0"/>
-              <a:t>2/13/19</a:t>
+              <a:t>2/15/19</a:t>
             </a:fld>
             <a:endParaRPr lang="en-US"/>
           </a:p>
@@ -1991,7 +1991,7 @@
           <a:p>
             <a:fld id="{6BFECD78-3C8E-49F2-8FAB-59489D168ABB}" type="datetimeFigureOut">
               <a:rPr lang="en-US" smtClean="0"/>
-              <a:t>2/13/19</a:t>
+              <a:t>2/15/19</a:t>
             </a:fld>
             <a:endParaRPr lang="en-US"/>
           </a:p>
@@ -2266,7 +2266,7 @@
           <a:p>
             <a:fld id="{6BFECD78-3C8E-49F2-8FAB-59489D168ABB}" type="datetimeFigureOut">
               <a:rPr lang="en-US" smtClean="0"/>
-              <a:t>2/13/19</a:t>
+              <a:t>2/15/19</a:t>
             </a:fld>
             <a:endParaRPr lang="en-US"/>
           </a:p>
@@ -2521,7 +2521,7 @@
           <a:p>
             <a:fld id="{6BFECD78-3C8E-49F2-8FAB-59489D168ABB}" type="datetimeFigureOut">
               <a:rPr lang="en-US" smtClean="0"/>
-              <a:t>2/13/19</a:t>
+              <a:t>2/15/19</a:t>
             </a:fld>
             <a:endParaRPr lang="en-US"/>
           </a:p>
@@ -2732,7 +2732,7 @@
           <a:p>
             <a:fld id="{6BFECD78-3C8E-49F2-8FAB-59489D168ABB}" type="datetimeFigureOut">
               <a:rPr lang="en-US" smtClean="0"/>
-              <a:t>2/13/19</a:t>
+              <a:t>2/15/19</a:t>
             </a:fld>
             <a:endParaRPr lang="en-US"/>
           </a:p>
@@ -3271,7 +3271,7 @@
         <p:spPr/>
         <p:txBody>
           <a:bodyPr>
-            <a:normAutofit fontScale="85000" lnSpcReduction="10000"/>
+            <a:normAutofit fontScale="85000" lnSpcReduction="20000"/>
           </a:bodyPr>
           <a:lstStyle/>
           <a:p>
@@ -3281,7 +3281,7 @@
                   <a:schemeClr val="bg1"/>
                 </a:solidFill>
               </a:rPr>
-              <a:t>Working data doesn’t have to involve coding or web design</a:t>
+              <a:t>Working with data doesn’t have to involve coding or web design</a:t>
             </a:r>
             <a:br>
               <a:rPr lang="en-US" sz="2800" dirty="0">
@@ -3303,7 +3303,7 @@
                   <a:schemeClr val="bg1"/>
                 </a:solidFill>
               </a:rPr>
-              <a:t>But it helps in the realm of data visualization</a:t>
+              <a:t>But it can help with both analysis and data visualization</a:t>
             </a:r>
             <a:br>
               <a:rPr lang="en-US" sz="2800" dirty="0">
@@ -3325,7 +3325,7 @@
                   <a:schemeClr val="bg1"/>
                 </a:solidFill>
               </a:rPr>
-              <a:t>Coding and design skills I learned and/or honed on the job: </a:t>
+              <a:t>Coding and design skills I use on the job:</a:t>
             </a:r>
           </a:p>
           <a:p>
@@ -3483,7 +3483,7 @@
                   <a:schemeClr val="bg1"/>
                 </a:solidFill>
               </a:rPr>
-              <a:t>About data visualization</a:t>
+              <a:t>Sources of data</a:t>
             </a:r>
           </a:p>
         </p:txBody>
@@ -3498,127 +3498,277 @@
             <p:ph idx="1"/>
           </p:nvPr>
         </p:nvSpPr>
-        <p:spPr>
-          <a:xfrm>
-            <a:off x="457200" y="1600200"/>
-            <a:ext cx="8392510" cy="4979276"/>
-          </a:xfrm>
-        </p:spPr>
+        <p:spPr/>
         <p:txBody>
           <a:bodyPr>
-            <a:normAutofit/>
+            <a:normAutofit fontScale="62500" lnSpcReduction="20000"/>
           </a:bodyPr>
           <a:lstStyle/>
           <a:p>
             <a:r>
-              <a:rPr lang="en-US" sz="2800" dirty="0" err="1">
-                <a:solidFill>
-                  <a:schemeClr val="bg1"/>
-                </a:solidFill>
-              </a:rPr>
-              <a:t>Dataviz</a:t>
-            </a:r>
-            <a:r>
-              <a:rPr lang="en-US" sz="2800" dirty="0">
-                <a:solidFill>
-                  <a:schemeClr val="bg1"/>
-                </a:solidFill>
-              </a:rPr>
-              <a:t> is very important aspect of data-driven journalism</a:t>
-            </a:r>
-            <a:br>
-              <a:rPr lang="en-US" sz="2800" dirty="0">
-                <a:solidFill>
-                  <a:schemeClr val="bg1"/>
-                </a:solidFill>
-              </a:rPr>
-            </a:br>
-            <a:endParaRPr lang="en-US" sz="2800" dirty="0">
-              <a:solidFill>
-                <a:schemeClr val="bg1"/>
-              </a:solidFill>
-            </a:endParaRPr>
-          </a:p>
-          <a:p>
-            <a:r>
-              <a:rPr lang="en-US" sz="2800" dirty="0">
-                <a:solidFill>
-                  <a:schemeClr val="bg1"/>
-                </a:solidFill>
-              </a:rPr>
-              <a:t>Can help tell a complex dataset’s story in a simple and engaging way</a:t>
-            </a:r>
-            <a:br>
-              <a:rPr lang="en-US" sz="2800" dirty="0">
-                <a:solidFill>
-                  <a:schemeClr val="bg1"/>
-                </a:solidFill>
-              </a:rPr>
-            </a:br>
-            <a:endParaRPr lang="en-US" sz="2800" dirty="0">
-              <a:solidFill>
-                <a:schemeClr val="bg1"/>
-              </a:solidFill>
-            </a:endParaRPr>
-          </a:p>
-          <a:p>
-            <a:r>
-              <a:rPr lang="en-US" sz="2800" dirty="0">
-                <a:solidFill>
-                  <a:schemeClr val="bg1"/>
-                </a:solidFill>
-              </a:rPr>
-              <a:t>Can both be used to inform readers and reporting</a:t>
-            </a:r>
-            <a:br>
-              <a:rPr lang="en-US" sz="2800" dirty="0">
-                <a:solidFill>
-                  <a:schemeClr val="bg1"/>
-                </a:solidFill>
-              </a:rPr>
-            </a:br>
-            <a:endParaRPr lang="en-US" sz="2800" dirty="0">
-              <a:solidFill>
-                <a:schemeClr val="bg1"/>
-              </a:solidFill>
-            </a:endParaRPr>
-          </a:p>
-          <a:p>
-            <a:r>
-              <a:rPr lang="en-US" sz="2800" dirty="0">
-                <a:solidFill>
-                  <a:schemeClr val="bg1"/>
-                </a:solidFill>
-              </a:rPr>
-              <a:t>Comes in the form of charts, maps and other alternative </a:t>
-            </a:r>
-            <a:r>
-              <a:rPr lang="en-US" sz="2800" dirty="0" err="1">
-                <a:solidFill>
-                  <a:schemeClr val="bg1"/>
-                </a:solidFill>
-              </a:rPr>
-              <a:t>storyforms</a:t>
-            </a:r>
-            <a:endParaRPr lang="en-US" sz="2800" dirty="0">
-              <a:solidFill>
-                <a:schemeClr val="bg1"/>
-              </a:solidFill>
-            </a:endParaRPr>
-          </a:p>
-          <a:p>
-            <a:endParaRPr lang="en-US" sz="2200" dirty="0">
-              <a:solidFill>
-                <a:schemeClr val="bg1"/>
-              </a:solidFill>
-            </a:endParaRPr>
+              <a:rPr lang="en-US" dirty="0">
+                <a:solidFill>
+                  <a:schemeClr val="bg1"/>
+                </a:solidFill>
+              </a:rPr>
+              <a:t>Data Portals | </a:t>
+            </a:r>
+            <a:r>
+              <a:rPr lang="en-US" dirty="0">
+                <a:solidFill>
+                  <a:schemeClr val="bg1"/>
+                </a:solidFill>
+                <a:hlinkClick r:id="rId2">
+                  <a:extLst>
+                    <a:ext uri="{A12FA001-AC4F-418D-AE19-62706E023703}">
+                      <ahyp:hlinkClr xmlns:ahyp="http://schemas.microsoft.com/office/drawing/2018/hyperlinkcolor" val="tx"/>
+                    </a:ext>
+                  </a:extLst>
+                </a:hlinkClick>
+              </a:rPr>
+              <a:t>Link</a:t>
+            </a:r>
+            <a:endParaRPr lang="en-US" dirty="0">
+              <a:solidFill>
+                <a:schemeClr val="bg1"/>
+              </a:solidFill>
+            </a:endParaRPr>
+          </a:p>
+          <a:p>
+            <a:pPr marL="0" indent="0">
+              <a:buNone/>
+            </a:pPr>
+            <a:r>
+              <a:rPr lang="en-US" dirty="0">
+                <a:solidFill>
+                  <a:schemeClr val="bg1"/>
+                </a:solidFill>
+              </a:rPr>
+              <a:t>A massive listing of open data portals across the world</a:t>
+            </a:r>
+          </a:p>
+          <a:p>
+            <a:endParaRPr lang="en-US" dirty="0">
+              <a:solidFill>
+                <a:schemeClr val="bg1"/>
+              </a:solidFill>
+            </a:endParaRPr>
+          </a:p>
+          <a:p>
+            <a:r>
+              <a:rPr lang="en-US" dirty="0">
+                <a:solidFill>
+                  <a:schemeClr val="bg1"/>
+                </a:solidFill>
+              </a:rPr>
+              <a:t>Open Minneapolis | </a:t>
+            </a:r>
+            <a:r>
+              <a:rPr lang="en-US" dirty="0">
+                <a:solidFill>
+                  <a:schemeClr val="bg1"/>
+                </a:solidFill>
+                <a:hlinkClick r:id="rId3">
+                  <a:extLst>
+                    <a:ext uri="{A12FA001-AC4F-418D-AE19-62706E023703}">
+                      <ahyp:hlinkClr xmlns:ahyp="http://schemas.microsoft.com/office/drawing/2018/hyperlinkcolor" val="tx"/>
+                    </a:ext>
+                  </a:extLst>
+                </a:hlinkClick>
+              </a:rPr>
+              <a:t>Link</a:t>
+            </a:r>
+            <a:endParaRPr lang="en-US" dirty="0">
+              <a:solidFill>
+                <a:schemeClr val="bg1"/>
+              </a:solidFill>
+            </a:endParaRPr>
+          </a:p>
+          <a:p>
+            <a:pPr marL="0" indent="0">
+              <a:buNone/>
+            </a:pPr>
+            <a:r>
+              <a:rPr lang="en-US" dirty="0">
+                <a:solidFill>
+                  <a:schemeClr val="bg1"/>
+                </a:solidFill>
+              </a:rPr>
+              <a:t>A great source of public city data</a:t>
+            </a:r>
+          </a:p>
+          <a:p>
+            <a:endParaRPr lang="en-US" dirty="0">
+              <a:solidFill>
+                <a:schemeClr val="bg1"/>
+              </a:solidFill>
+            </a:endParaRPr>
+          </a:p>
+          <a:p>
+            <a:r>
+              <a:rPr lang="en-US" dirty="0">
+                <a:solidFill>
+                  <a:schemeClr val="bg1"/>
+                </a:solidFill>
+              </a:rPr>
+              <a:t>American </a:t>
+            </a:r>
+            <a:r>
+              <a:rPr lang="en-US" dirty="0" err="1">
+                <a:solidFill>
+                  <a:schemeClr val="bg1"/>
+                </a:solidFill>
+              </a:rPr>
+              <a:t>FactFinder</a:t>
+            </a:r>
+            <a:r>
+              <a:rPr lang="en-US" dirty="0">
+                <a:solidFill>
+                  <a:schemeClr val="bg1"/>
+                </a:solidFill>
+              </a:rPr>
+              <a:t> | </a:t>
+            </a:r>
+            <a:r>
+              <a:rPr lang="en-US" dirty="0">
+                <a:solidFill>
+                  <a:schemeClr val="bg1"/>
+                </a:solidFill>
+                <a:hlinkClick r:id="rId4">
+                  <a:extLst>
+                    <a:ext uri="{A12FA001-AC4F-418D-AE19-62706E023703}">
+                      <ahyp:hlinkClr xmlns:ahyp="http://schemas.microsoft.com/office/drawing/2018/hyperlinkcolor" val="tx"/>
+                    </a:ext>
+                  </a:extLst>
+                </a:hlinkClick>
+              </a:rPr>
+              <a:t>Link</a:t>
+            </a:r>
+            <a:endParaRPr lang="en-US" dirty="0">
+              <a:solidFill>
+                <a:schemeClr val="bg1"/>
+              </a:solidFill>
+            </a:endParaRPr>
+          </a:p>
+          <a:p>
+            <a:pPr marL="0" indent="0">
+              <a:buNone/>
+            </a:pPr>
+            <a:r>
+              <a:rPr lang="en-US" dirty="0">
+                <a:solidFill>
+                  <a:schemeClr val="bg1"/>
+                </a:solidFill>
+              </a:rPr>
+              <a:t>The U.S. Census Bureau's impressive lookup tool</a:t>
+            </a:r>
+          </a:p>
+          <a:p>
+            <a:endParaRPr lang="en-US" dirty="0">
+              <a:solidFill>
+                <a:schemeClr val="bg1"/>
+              </a:solidFill>
+            </a:endParaRPr>
+          </a:p>
+          <a:p>
+            <a:r>
+              <a:rPr lang="en-US" dirty="0">
+                <a:solidFill>
+                  <a:schemeClr val="bg1"/>
+                </a:solidFill>
+              </a:rPr>
+              <a:t>Census Explorer | </a:t>
+            </a:r>
+            <a:r>
+              <a:rPr lang="en-US" dirty="0">
+                <a:solidFill>
+                  <a:schemeClr val="bg1"/>
+                </a:solidFill>
+                <a:hlinkClick r:id="rId5">
+                  <a:extLst>
+                    <a:ext uri="{A12FA001-AC4F-418D-AE19-62706E023703}">
+                      <ahyp:hlinkClr xmlns:ahyp="http://schemas.microsoft.com/office/drawing/2018/hyperlinkcolor" val="tx"/>
+                    </a:ext>
+                  </a:extLst>
+                </a:hlinkClick>
+              </a:rPr>
+              <a:t>Link</a:t>
+            </a:r>
+            <a:endParaRPr lang="en-US" dirty="0">
+              <a:solidFill>
+                <a:schemeClr val="bg1"/>
+              </a:solidFill>
+            </a:endParaRPr>
+          </a:p>
+          <a:p>
+            <a:pPr marL="0" indent="0">
+              <a:buNone/>
+            </a:pPr>
+            <a:r>
+              <a:rPr lang="en-US" dirty="0">
+                <a:solidFill>
+                  <a:schemeClr val="bg1"/>
+                </a:solidFill>
+              </a:rPr>
+              <a:t>Another cool tool from the U.S. Census Bureau</a:t>
+            </a:r>
+          </a:p>
+          <a:p>
+            <a:endParaRPr lang="en-US" dirty="0">
+              <a:solidFill>
+                <a:schemeClr val="bg1"/>
+              </a:solidFill>
+            </a:endParaRPr>
+          </a:p>
+          <a:p>
+            <a:r>
+              <a:rPr lang="en-US" dirty="0">
+                <a:solidFill>
+                  <a:schemeClr val="bg1"/>
+                </a:solidFill>
+              </a:rPr>
+              <a:t>Minnesota Secretary of State | </a:t>
+            </a:r>
+            <a:r>
+              <a:rPr lang="en-US" dirty="0">
+                <a:solidFill>
+                  <a:schemeClr val="bg1"/>
+                </a:solidFill>
+                <a:hlinkClick r:id="rId6">
+                  <a:extLst>
+                    <a:ext uri="{A12FA001-AC4F-418D-AE19-62706E023703}">
+                      <ahyp:hlinkClr xmlns:ahyp="http://schemas.microsoft.com/office/drawing/2018/hyperlinkcolor" val="tx"/>
+                    </a:ext>
+                  </a:extLst>
+                </a:hlinkClick>
+              </a:rPr>
+              <a:t>Link</a:t>
+            </a:r>
+            <a:endParaRPr lang="en-US" dirty="0">
+              <a:solidFill>
+                <a:schemeClr val="bg1"/>
+              </a:solidFill>
+            </a:endParaRPr>
+          </a:p>
+          <a:p>
+            <a:pPr marL="0" indent="0">
+              <a:buNone/>
+            </a:pPr>
+            <a:r>
+              <a:rPr lang="en-US" dirty="0">
+                <a:solidFill>
+                  <a:schemeClr val="bg1"/>
+                </a:solidFill>
+              </a:rPr>
+              <a:t>Home of Minnesota election results going back multiple years</a:t>
+            </a:r>
           </a:p>
         </p:txBody>
       </p:sp>
     </p:spTree>
     <p:extLst>
       <p:ext uri="{BB962C8B-B14F-4D97-AF65-F5344CB8AC3E}">
-        <p14:creationId xmlns:p14="http://schemas.microsoft.com/office/powerpoint/2010/main" val="117198499"/>
+        <p14:creationId xmlns:p14="http://schemas.microsoft.com/office/powerpoint/2010/main" val="1757545143"/>
       </p:ext>
     </p:extLst>
   </p:cSld>
@@ -3674,7 +3824,7 @@
                   <a:schemeClr val="bg1"/>
                 </a:solidFill>
               </a:rPr>
-              <a:t>Some tool suggestions</a:t>
+              <a:t>About data visualization</a:t>
             </a:r>
           </a:p>
         </p:txBody>
@@ -3692,610 +3842,124 @@
         <p:spPr>
           <a:xfrm>
             <a:off x="457200" y="1600200"/>
-            <a:ext cx="3326524" cy="4979276"/>
+            <a:ext cx="8392510" cy="4979276"/>
           </a:xfrm>
         </p:spPr>
         <p:txBody>
           <a:bodyPr>
-            <a:normAutofit fontScale="92500" lnSpcReduction="10000"/>
+            <a:normAutofit/>
           </a:bodyPr>
           <a:lstStyle/>
           <a:p>
-            <a:pPr marL="0" indent="0">
-              <a:buNone/>
-            </a:pPr>
-            <a:r>
-              <a:rPr lang="en-US" sz="2400" b="1" dirty="0">
-                <a:solidFill>
-                  <a:schemeClr val="bg1"/>
-                </a:solidFill>
-              </a:rPr>
-              <a:t>Mapping</a:t>
-            </a:r>
-          </a:p>
-          <a:p>
-            <a:pPr marL="0" indent="0">
-              <a:buNone/>
-            </a:pPr>
+            <a:r>
+              <a:rPr lang="en-US" sz="2800" dirty="0" err="1">
+                <a:solidFill>
+                  <a:schemeClr val="bg1"/>
+                </a:solidFill>
+              </a:rPr>
+              <a:t>Dataviz</a:t>
+            </a:r>
+            <a:r>
+              <a:rPr lang="en-US" sz="2800" dirty="0">
+                <a:solidFill>
+                  <a:schemeClr val="bg1"/>
+                </a:solidFill>
+              </a:rPr>
+              <a:t> is very important aspect of data-driven journalism</a:t>
+            </a:r>
             <a:br>
-              <a:rPr lang="en-US" sz="2200" dirty="0">
+              <a:rPr lang="en-US" sz="2800" dirty="0">
                 <a:solidFill>
                   <a:schemeClr val="bg1"/>
                 </a:solidFill>
               </a:rPr>
             </a:br>
-            <a:r>
-              <a:rPr lang="en-US" sz="2200" dirty="0" err="1">
-                <a:solidFill>
-                  <a:schemeClr val="bg1"/>
-                </a:solidFill>
-              </a:rPr>
-              <a:t>Mapbox</a:t>
-            </a:r>
-            <a:r>
-              <a:rPr lang="en-US" sz="2200" dirty="0">
-                <a:solidFill>
-                  <a:schemeClr val="bg1"/>
-                </a:solidFill>
-              </a:rPr>
-              <a:t> | </a:t>
-            </a:r>
-            <a:r>
-              <a:rPr lang="en-US" sz="2200" dirty="0">
-                <a:solidFill>
-                  <a:schemeClr val="bg1"/>
-                </a:solidFill>
-                <a:hlinkClick r:id="rId2">
-                  <a:extLst>
-                    <a:ext uri="{A12FA001-AC4F-418D-AE19-62706E023703}">
-                      <ahyp:hlinkClr xmlns:ahyp="http://schemas.microsoft.com/office/drawing/2018/hyperlinkcolor" val="tx"/>
-                    </a:ext>
-                  </a:extLst>
-                </a:hlinkClick>
-              </a:rPr>
-              <a:t>Link</a:t>
-            </a:r>
+            <a:endParaRPr lang="en-US" sz="2800" dirty="0">
+              <a:solidFill>
+                <a:schemeClr val="bg1"/>
+              </a:solidFill>
+            </a:endParaRPr>
+          </a:p>
+          <a:p>
+            <a:r>
+              <a:rPr lang="en-US" sz="2800" dirty="0">
+                <a:solidFill>
+                  <a:schemeClr val="bg1"/>
+                </a:solidFill>
+              </a:rPr>
+              <a:t>Can help tell a complex dataset’s story in a simple and engaging way</a:t>
+            </a:r>
+            <a:br>
+              <a:rPr lang="en-US" sz="2800" dirty="0">
+                <a:solidFill>
+                  <a:schemeClr val="bg1"/>
+                </a:solidFill>
+              </a:rPr>
+            </a:br>
+            <a:endParaRPr lang="en-US" sz="2800" dirty="0">
+              <a:solidFill>
+                <a:schemeClr val="bg1"/>
+              </a:solidFill>
+            </a:endParaRPr>
+          </a:p>
+          <a:p>
+            <a:r>
+              <a:rPr lang="en-US" sz="2800" dirty="0">
+                <a:solidFill>
+                  <a:schemeClr val="bg1"/>
+                </a:solidFill>
+              </a:rPr>
+              <a:t>Can both be used to inform readers and reporting</a:t>
+            </a:r>
+            <a:br>
+              <a:rPr lang="en-US" sz="2800" dirty="0">
+                <a:solidFill>
+                  <a:schemeClr val="bg1"/>
+                </a:solidFill>
+              </a:rPr>
+            </a:br>
+            <a:endParaRPr lang="en-US" sz="2800" dirty="0">
+              <a:solidFill>
+                <a:schemeClr val="bg1"/>
+              </a:solidFill>
+            </a:endParaRPr>
+          </a:p>
+          <a:p>
+            <a:r>
+              <a:rPr lang="en-US" sz="2800" dirty="0">
+                <a:solidFill>
+                  <a:schemeClr val="bg1"/>
+                </a:solidFill>
+              </a:rPr>
+              <a:t>Comes in the form of charts, maps and other alternative </a:t>
+            </a:r>
+            <a:r>
+              <a:rPr lang="en-US" sz="2800" dirty="0" err="1">
+                <a:solidFill>
+                  <a:schemeClr val="bg1"/>
+                </a:solidFill>
+              </a:rPr>
+              <a:t>storyforms</a:t>
+            </a:r>
+            <a:endParaRPr lang="en-US" sz="2800" dirty="0">
+              <a:solidFill>
+                <a:schemeClr val="bg1"/>
+              </a:solidFill>
+            </a:endParaRPr>
+          </a:p>
+          <a:p>
             <a:endParaRPr lang="en-US" sz="2200" dirty="0">
               <a:solidFill>
                 <a:schemeClr val="bg1"/>
               </a:solidFill>
             </a:endParaRPr>
-          </a:p>
-          <a:p>
-            <a:pPr marL="0" indent="0">
-              <a:buNone/>
-            </a:pPr>
-            <a:r>
-              <a:rPr lang="en-US" sz="2200" dirty="0">
-                <a:solidFill>
-                  <a:schemeClr val="bg1"/>
-                </a:solidFill>
-              </a:rPr>
-              <a:t>A mostly free, powerful data mapping service</a:t>
-            </a:r>
-          </a:p>
-          <a:p>
-            <a:pPr marL="0" indent="0">
-              <a:buNone/>
-            </a:pPr>
-            <a:endParaRPr lang="en-US" sz="2200" dirty="0">
-              <a:solidFill>
-                <a:schemeClr val="bg1"/>
-              </a:solidFill>
-            </a:endParaRPr>
-          </a:p>
-          <a:p>
-            <a:pPr marL="0" indent="0">
-              <a:buNone/>
-            </a:pPr>
-            <a:r>
-              <a:rPr lang="en-US" sz="2200" dirty="0">
-                <a:solidFill>
-                  <a:schemeClr val="bg1"/>
-                </a:solidFill>
-              </a:rPr>
-              <a:t>CARTO | </a:t>
-            </a:r>
-            <a:r>
-              <a:rPr lang="en-US" sz="2200" dirty="0">
-                <a:solidFill>
-                  <a:schemeClr val="bg1"/>
-                </a:solidFill>
-                <a:hlinkClick r:id="rId3">
-                  <a:extLst>
-                    <a:ext uri="{A12FA001-AC4F-418D-AE19-62706E023703}">
-                      <ahyp:hlinkClr xmlns:ahyp="http://schemas.microsoft.com/office/drawing/2018/hyperlinkcolor" val="tx"/>
-                    </a:ext>
-                  </a:extLst>
-                </a:hlinkClick>
-              </a:rPr>
-              <a:t>Link</a:t>
-            </a:r>
-            <a:endParaRPr lang="en-US" sz="2200" dirty="0">
-              <a:solidFill>
-                <a:schemeClr val="bg1"/>
-              </a:solidFill>
-            </a:endParaRPr>
-          </a:p>
-          <a:p>
-            <a:pPr marL="0" indent="0">
-              <a:buNone/>
-            </a:pPr>
-            <a:r>
-              <a:rPr lang="en-US" sz="2200" dirty="0">
-                <a:solidFill>
-                  <a:schemeClr val="bg1"/>
-                </a:solidFill>
-              </a:rPr>
-              <a:t>A free (with limits) and powerful data mapping service</a:t>
-            </a:r>
-          </a:p>
-          <a:p>
-            <a:pPr marL="0" indent="0">
-              <a:buNone/>
-            </a:pPr>
-            <a:endParaRPr lang="en-US" sz="2200" dirty="0">
-              <a:solidFill>
-                <a:schemeClr val="bg1"/>
-              </a:solidFill>
-            </a:endParaRPr>
-          </a:p>
-          <a:p>
-            <a:pPr marL="0" indent="0">
-              <a:buNone/>
-            </a:pPr>
-            <a:r>
-              <a:rPr lang="en-US" sz="2200" dirty="0">
-                <a:solidFill>
-                  <a:schemeClr val="bg1"/>
-                </a:solidFill>
-              </a:rPr>
-              <a:t>QGIS | </a:t>
-            </a:r>
-            <a:r>
-              <a:rPr lang="en-US" sz="2200" dirty="0">
-                <a:solidFill>
-                  <a:schemeClr val="bg1"/>
-                </a:solidFill>
-                <a:hlinkClick r:id="rId4">
-                  <a:extLst>
-                    <a:ext uri="{A12FA001-AC4F-418D-AE19-62706E023703}">
-                      <ahyp:hlinkClr xmlns:ahyp="http://schemas.microsoft.com/office/drawing/2018/hyperlinkcolor" val="tx"/>
-                    </a:ext>
-                  </a:extLst>
-                </a:hlinkClick>
-              </a:rPr>
-              <a:t>Link</a:t>
-            </a:r>
-            <a:endParaRPr lang="en-US" sz="2200" dirty="0">
-              <a:solidFill>
-                <a:schemeClr val="bg1"/>
-              </a:solidFill>
-            </a:endParaRPr>
-          </a:p>
-          <a:p>
-            <a:pPr marL="0" indent="0">
-              <a:buNone/>
-            </a:pPr>
-            <a:r>
-              <a:rPr lang="en-US" sz="2200" dirty="0">
-                <a:solidFill>
-                  <a:schemeClr val="bg1"/>
-                </a:solidFill>
-              </a:rPr>
-              <a:t>A more advanced bit of GIS software for building data maps from shapefiles</a:t>
-            </a:r>
-          </a:p>
-        </p:txBody>
-      </p:sp>
-      <p:sp>
-        <p:nvSpPr>
-          <p:cNvPr id="4" name="Rectangle 3">
-            <a:extLst>
-              <a:ext uri="{FF2B5EF4-FFF2-40B4-BE49-F238E27FC236}">
-                <a16:creationId xmlns:a16="http://schemas.microsoft.com/office/drawing/2014/main" id="{6AADFECF-6B13-E044-8EFB-BB90AC0C5EA8}"/>
-              </a:ext>
-            </a:extLst>
-          </p:cNvPr>
-          <p:cNvSpPr/>
-          <p:nvPr/>
-        </p:nvSpPr>
-        <p:spPr>
-          <a:xfrm>
-            <a:off x="4114800" y="1600200"/>
-            <a:ext cx="4572000" cy="1477328"/>
-          </a:xfrm>
-          <a:prstGeom prst="rect">
-            <a:avLst/>
-          </a:prstGeom>
-        </p:spPr>
-        <p:txBody>
-          <a:bodyPr>
-            <a:spAutoFit/>
-          </a:bodyPr>
-          <a:lstStyle/>
-          <a:p>
-            <a:r>
-              <a:rPr lang="en-US" b="1" dirty="0">
-                <a:solidFill>
-                  <a:schemeClr val="bg1"/>
-                </a:solidFill>
-              </a:rPr>
-              <a:t>Charting</a:t>
-            </a:r>
-          </a:p>
-          <a:p>
-            <a:endParaRPr lang="en-US" dirty="0">
-              <a:solidFill>
-                <a:schemeClr val="bg1"/>
-              </a:solidFill>
-            </a:endParaRPr>
-          </a:p>
-          <a:p>
-            <a:r>
-              <a:rPr lang="en-US" dirty="0">
-                <a:solidFill>
-                  <a:schemeClr val="bg1"/>
-                </a:solidFill>
-              </a:rPr>
-              <a:t>Google Charts | </a:t>
-            </a:r>
-            <a:r>
-              <a:rPr lang="en-US" dirty="0">
-                <a:solidFill>
-                  <a:schemeClr val="bg1"/>
-                </a:solidFill>
-                <a:hlinkClick r:id="rId5">
-                  <a:extLst>
-                    <a:ext uri="{A12FA001-AC4F-418D-AE19-62706E023703}">
-                      <ahyp:hlinkClr xmlns:ahyp="http://schemas.microsoft.com/office/drawing/2018/hyperlinkcolor" val="tx"/>
-                    </a:ext>
-                  </a:extLst>
-                </a:hlinkClick>
-              </a:rPr>
-              <a:t>Link</a:t>
-            </a:r>
-            <a:endParaRPr lang="en-US" dirty="0">
-              <a:solidFill>
-                <a:schemeClr val="bg1"/>
-              </a:solidFill>
-            </a:endParaRPr>
-          </a:p>
-          <a:p>
-            <a:r>
-              <a:rPr lang="en-US" dirty="0" err="1">
-                <a:solidFill>
-                  <a:schemeClr val="bg1"/>
-                </a:solidFill>
-              </a:rPr>
-              <a:t>DataWrapper</a:t>
-            </a:r>
-            <a:r>
-              <a:rPr lang="en-US" dirty="0">
-                <a:solidFill>
-                  <a:schemeClr val="bg1"/>
-                </a:solidFill>
-              </a:rPr>
-              <a:t> | </a:t>
-            </a:r>
-            <a:r>
-              <a:rPr lang="en-US" dirty="0">
-                <a:solidFill>
-                  <a:schemeClr val="bg1"/>
-                </a:solidFill>
-                <a:hlinkClick r:id="rId6">
-                  <a:extLst>
-                    <a:ext uri="{A12FA001-AC4F-418D-AE19-62706E023703}">
-                      <ahyp:hlinkClr xmlns:ahyp="http://schemas.microsoft.com/office/drawing/2018/hyperlinkcolor" val="tx"/>
-                    </a:ext>
-                  </a:extLst>
-                </a:hlinkClick>
-              </a:rPr>
-              <a:t>Link</a:t>
-            </a:r>
-            <a:endParaRPr lang="en-US" dirty="0">
-              <a:solidFill>
-                <a:schemeClr val="bg1"/>
-              </a:solidFill>
-            </a:endParaRPr>
-          </a:p>
-          <a:p>
-            <a:r>
-              <a:rPr lang="en-US" dirty="0">
-                <a:solidFill>
-                  <a:schemeClr val="bg1"/>
-                </a:solidFill>
-              </a:rPr>
-              <a:t>Online Charts | </a:t>
-            </a:r>
-            <a:r>
-              <a:rPr lang="en-US" dirty="0">
-                <a:solidFill>
-                  <a:schemeClr val="bg1"/>
-                </a:solidFill>
-                <a:hlinkClick r:id="rId7">
-                  <a:extLst>
-                    <a:ext uri="{A12FA001-AC4F-418D-AE19-62706E023703}">
-                      <ahyp:hlinkClr xmlns:ahyp="http://schemas.microsoft.com/office/drawing/2018/hyperlinkcolor" val="tx"/>
-                    </a:ext>
-                  </a:extLst>
-                </a:hlinkClick>
-              </a:rPr>
-              <a:t>Link</a:t>
-            </a:r>
-            <a:endParaRPr lang="en-US" dirty="0">
-              <a:solidFill>
-                <a:schemeClr val="bg1"/>
-              </a:solidFill>
-            </a:endParaRPr>
-          </a:p>
-        </p:txBody>
-      </p:sp>
-      <p:sp>
-        <p:nvSpPr>
-          <p:cNvPr id="5" name="Rectangle 4">
-            <a:extLst>
-              <a:ext uri="{FF2B5EF4-FFF2-40B4-BE49-F238E27FC236}">
-                <a16:creationId xmlns:a16="http://schemas.microsoft.com/office/drawing/2014/main" id="{3BFBD21D-8B0F-A749-811B-EF5B31E8F6FE}"/>
-              </a:ext>
-            </a:extLst>
-          </p:cNvPr>
-          <p:cNvSpPr/>
-          <p:nvPr/>
-        </p:nvSpPr>
-        <p:spPr>
-          <a:xfrm>
-            <a:off x="4114800" y="3263841"/>
-            <a:ext cx="4572000" cy="3416320"/>
-          </a:xfrm>
-          <a:prstGeom prst="rect">
-            <a:avLst/>
-          </a:prstGeom>
-        </p:spPr>
-        <p:txBody>
-          <a:bodyPr>
-            <a:spAutoFit/>
-          </a:bodyPr>
-          <a:lstStyle/>
-          <a:p>
-            <a:r>
-              <a:rPr lang="en-US" b="1" dirty="0">
-                <a:solidFill>
-                  <a:schemeClr val="bg1"/>
-                </a:solidFill>
-              </a:rPr>
-              <a:t>Other stuff</a:t>
-            </a:r>
-            <a:endParaRPr lang="en-US" dirty="0">
-              <a:solidFill>
-                <a:schemeClr val="bg1"/>
-              </a:solidFill>
-            </a:endParaRPr>
-          </a:p>
-          <a:p>
-            <a:endParaRPr lang="en-US" dirty="0">
-              <a:solidFill>
-                <a:schemeClr val="bg1"/>
-              </a:solidFill>
-            </a:endParaRPr>
-          </a:p>
-          <a:p>
-            <a:r>
-              <a:rPr lang="en-US" dirty="0" err="1">
-                <a:solidFill>
-                  <a:schemeClr val="bg1"/>
-                </a:solidFill>
-              </a:rPr>
-              <a:t>StribLab</a:t>
-            </a:r>
-            <a:r>
-              <a:rPr lang="en-US" dirty="0">
-                <a:solidFill>
-                  <a:schemeClr val="bg1"/>
-                </a:solidFill>
-              </a:rPr>
-              <a:t> </a:t>
-            </a:r>
-            <a:r>
-              <a:rPr lang="en-US" dirty="0" err="1">
-                <a:solidFill>
-                  <a:schemeClr val="bg1"/>
-                </a:solidFill>
-              </a:rPr>
-              <a:t>Github</a:t>
-            </a:r>
-            <a:r>
-              <a:rPr lang="en-US" dirty="0">
-                <a:solidFill>
-                  <a:schemeClr val="bg1"/>
-                </a:solidFill>
-              </a:rPr>
-              <a:t> | </a:t>
-            </a:r>
-            <a:r>
-              <a:rPr lang="en-US" dirty="0">
-                <a:solidFill>
-                  <a:schemeClr val="bg1"/>
-                </a:solidFill>
-                <a:hlinkClick r:id="rId8">
-                  <a:extLst>
-                    <a:ext uri="{A12FA001-AC4F-418D-AE19-62706E023703}">
-                      <ahyp:hlinkClr xmlns:ahyp="http://schemas.microsoft.com/office/drawing/2018/hyperlinkcolor" val="tx"/>
-                    </a:ext>
-                  </a:extLst>
-                </a:hlinkClick>
-              </a:rPr>
-              <a:t>Link</a:t>
-            </a:r>
-            <a:endParaRPr lang="en-US" dirty="0">
-              <a:solidFill>
-                <a:schemeClr val="bg1"/>
-              </a:solidFill>
-            </a:endParaRPr>
-          </a:p>
-          <a:p>
-            <a:endParaRPr lang="en-US" dirty="0">
-              <a:solidFill>
-                <a:schemeClr val="bg1"/>
-              </a:solidFill>
-            </a:endParaRPr>
-          </a:p>
-          <a:p>
-            <a:r>
-              <a:rPr lang="en-US" dirty="0">
-                <a:solidFill>
-                  <a:schemeClr val="bg1"/>
-                </a:solidFill>
-              </a:rPr>
-              <a:t>Tabula | </a:t>
-            </a:r>
-            <a:r>
-              <a:rPr lang="en-US" dirty="0">
-                <a:solidFill>
-                  <a:schemeClr val="bg1"/>
-                </a:solidFill>
-                <a:hlinkClick r:id="rId9">
-                  <a:extLst>
-                    <a:ext uri="{A12FA001-AC4F-418D-AE19-62706E023703}">
-                      <ahyp:hlinkClr xmlns:ahyp="http://schemas.microsoft.com/office/drawing/2018/hyperlinkcolor" val="tx"/>
-                    </a:ext>
-                  </a:extLst>
-                </a:hlinkClick>
-              </a:rPr>
-              <a:t>Link</a:t>
-            </a:r>
-            <a:endParaRPr lang="en-US" dirty="0">
-              <a:solidFill>
-                <a:schemeClr val="bg1"/>
-              </a:solidFill>
-            </a:endParaRPr>
-          </a:p>
-          <a:p>
-            <a:r>
-              <a:rPr lang="en-US" dirty="0">
-                <a:solidFill>
-                  <a:schemeClr val="bg1"/>
-                </a:solidFill>
-              </a:rPr>
-              <a:t>Turn PDFs into spreadsheets</a:t>
-            </a:r>
-          </a:p>
-          <a:p>
-            <a:endParaRPr lang="en-US" dirty="0">
-              <a:solidFill>
-                <a:schemeClr val="bg1"/>
-              </a:solidFill>
-            </a:endParaRPr>
-          </a:p>
-          <a:p>
-            <a:r>
-              <a:rPr lang="en-US" dirty="0">
-                <a:solidFill>
-                  <a:schemeClr val="bg1"/>
-                </a:solidFill>
-              </a:rPr>
-              <a:t>The Data Visualization Catalogue | </a:t>
-            </a:r>
-            <a:r>
-              <a:rPr lang="en-US" dirty="0">
-                <a:solidFill>
-                  <a:schemeClr val="bg1"/>
-                </a:solidFill>
-                <a:hlinkClick r:id="rId10">
-                  <a:extLst>
-                    <a:ext uri="{A12FA001-AC4F-418D-AE19-62706E023703}">
-                      <ahyp:hlinkClr xmlns:ahyp="http://schemas.microsoft.com/office/drawing/2018/hyperlinkcolor" val="tx"/>
-                    </a:ext>
-                  </a:extLst>
-                </a:hlinkClick>
-              </a:rPr>
-              <a:t>Link</a:t>
-            </a:r>
-            <a:endParaRPr lang="en-US" dirty="0">
-              <a:solidFill>
-                <a:schemeClr val="bg1"/>
-              </a:solidFill>
-            </a:endParaRPr>
-          </a:p>
-          <a:p>
-            <a:r>
-              <a:rPr lang="en-US" dirty="0">
-                <a:solidFill>
-                  <a:schemeClr val="bg1"/>
-                </a:solidFill>
-              </a:rPr>
-              <a:t>What </a:t>
-            </a:r>
-            <a:r>
-              <a:rPr lang="en-US" dirty="0" err="1">
-                <a:solidFill>
-                  <a:schemeClr val="bg1"/>
-                </a:solidFill>
-              </a:rPr>
-              <a:t>dataviz</a:t>
-            </a:r>
-            <a:r>
-              <a:rPr lang="en-US" dirty="0">
-                <a:solidFill>
-                  <a:schemeClr val="bg1"/>
-                </a:solidFill>
-              </a:rPr>
-              <a:t> to use for what purpose</a:t>
-            </a:r>
-          </a:p>
-          <a:p>
-            <a:endParaRPr lang="en-US" dirty="0">
-              <a:solidFill>
-                <a:schemeClr val="bg1"/>
-              </a:solidFill>
-            </a:endParaRPr>
-          </a:p>
-          <a:p>
-            <a:r>
-              <a:rPr lang="en-US" dirty="0">
-                <a:solidFill>
-                  <a:schemeClr val="bg1"/>
-                </a:solidFill>
-              </a:rPr>
-              <a:t>Visual Vocabulary | </a:t>
-            </a:r>
-            <a:r>
-              <a:rPr lang="en-US" dirty="0">
-                <a:solidFill>
-                  <a:schemeClr val="bg1"/>
-                </a:solidFill>
-                <a:hlinkClick r:id="rId11">
-                  <a:extLst>
-                    <a:ext uri="{A12FA001-AC4F-418D-AE19-62706E023703}">
-                      <ahyp:hlinkClr xmlns:ahyp="http://schemas.microsoft.com/office/drawing/2018/hyperlinkcolor" val="tx"/>
-                    </a:ext>
-                  </a:extLst>
-                </a:hlinkClick>
-              </a:rPr>
-              <a:t>Link</a:t>
-            </a:r>
-            <a:endParaRPr lang="en-US" dirty="0">
-              <a:solidFill>
-                <a:schemeClr val="bg1"/>
-              </a:solidFill>
-            </a:endParaRPr>
-          </a:p>
-          <a:p>
-            <a:r>
-              <a:rPr lang="en-US" dirty="0">
-                <a:solidFill>
-                  <a:schemeClr val="bg1"/>
-                </a:solidFill>
-              </a:rPr>
-              <a:t>How to visualize different kinds of data</a:t>
-            </a:r>
           </a:p>
         </p:txBody>
       </p:sp>
     </p:spTree>
     <p:extLst>
       <p:ext uri="{BB962C8B-B14F-4D97-AF65-F5344CB8AC3E}">
-        <p14:creationId xmlns:p14="http://schemas.microsoft.com/office/powerpoint/2010/main" val="3217234928"/>
+        <p14:creationId xmlns:p14="http://schemas.microsoft.com/office/powerpoint/2010/main" val="117198499"/>
       </p:ext>
     </p:extLst>
   </p:cSld>
@@ -4341,27 +4005,17 @@
           </p:nvPr>
         </p:nvSpPr>
         <p:spPr/>
-        <p:style>
-          <a:lnRef idx="2">
-            <a:schemeClr val="dk1"/>
-          </a:lnRef>
-          <a:fillRef idx="1">
-            <a:schemeClr val="lt1"/>
-          </a:fillRef>
-          <a:effectRef idx="0">
-            <a:schemeClr val="dk1"/>
-          </a:effectRef>
-          <a:fontRef idx="minor">
-            <a:schemeClr val="dk1"/>
-          </a:fontRef>
-        </p:style>
         <p:txBody>
           <a:bodyPr/>
           <a:lstStyle/>
           <a:p>
             <a:r>
-              <a:rPr lang="en-US" dirty="0"/>
-              <a:t>Examples</a:t>
+              <a:rPr lang="en-US" dirty="0">
+                <a:solidFill>
+                  <a:schemeClr val="bg1"/>
+                </a:solidFill>
+              </a:rPr>
+              <a:t>Some tool suggestions</a:t>
             </a:r>
           </a:p>
         </p:txBody>
@@ -4379,26 +4033,12 @@
         <p:spPr>
           <a:xfrm>
             <a:off x="457200" y="1600200"/>
-            <a:ext cx="4186719" cy="4790326"/>
+            <a:ext cx="3326524" cy="4979276"/>
           </a:xfrm>
         </p:spPr>
-        <p:style>
-          <a:lnRef idx="2">
-            <a:schemeClr val="dk1"/>
-          </a:lnRef>
-          <a:fillRef idx="1">
-            <a:schemeClr val="lt1"/>
-          </a:fillRef>
-          <a:effectRef idx="0">
-            <a:schemeClr val="dk1"/>
-          </a:effectRef>
-          <a:fontRef idx="minor">
-            <a:schemeClr val="dk1"/>
-          </a:fontRef>
-        </p:style>
         <p:txBody>
           <a:bodyPr>
-            <a:normAutofit fontScale="25000" lnSpcReduction="20000"/>
+            <a:normAutofit fontScale="92500" lnSpcReduction="10000"/>
           </a:bodyPr>
           <a:lstStyle/>
           <a:p>
@@ -4406,25 +4046,43 @@
               <a:buNone/>
             </a:pPr>
             <a:r>
-              <a:rPr lang="en-US" sz="4000" b="1" dirty="0">
-                <a:solidFill>
-                  <a:schemeClr val="bg1"/>
-                </a:solidFill>
-              </a:rPr>
-              <a:t>Daily Stories</a:t>
-            </a:r>
-            <a:endParaRPr lang="en-US" sz="4000" dirty="0">
-              <a:solidFill>
-                <a:schemeClr val="bg1"/>
-              </a:solidFill>
-            </a:endParaRPr>
+              <a:rPr lang="en-US" sz="2400" b="1" dirty="0">
+                <a:solidFill>
+                  <a:schemeClr val="bg1"/>
+                </a:solidFill>
+              </a:rPr>
+              <a:t>Mapping</a:t>
+            </a:r>
           </a:p>
           <a:p>
             <a:pPr marL="0" indent="0">
               <a:buNone/>
             </a:pPr>
-            <a:r>
-              <a:rPr lang="en-US" sz="4000" u="sng" dirty="0">
+            <a:br>
+              <a:rPr lang="en-US" sz="2200" dirty="0">
+                <a:solidFill>
+                  <a:schemeClr val="bg1"/>
+                </a:solidFill>
+              </a:rPr>
+            </a:br>
+            <a:r>
+              <a:rPr lang="en-US" sz="2200" dirty="0" err="1">
+                <a:solidFill>
+                  <a:schemeClr val="bg1"/>
+                </a:solidFill>
+              </a:rPr>
+              <a:t>Mapbox</a:t>
+            </a:r>
+            <a:r>
+              <a:rPr lang="en-US" sz="2200" dirty="0">
+                <a:solidFill>
+                  <a:schemeClr val="bg1"/>
+                </a:solidFill>
+              </a:rPr>
+              <a:t> | </a:t>
+            </a:r>
+            <a:r>
+              <a:rPr lang="en-US" sz="2200" dirty="0">
                 <a:solidFill>
                   <a:schemeClr val="bg1"/>
                 </a:solidFill>
@@ -4436,49 +4094,51 @@
                   </a:extLst>
                 </a:hlinkClick>
               </a:rPr>
-              <a:t>Edina's drunken-driving arrests show increased focus on state highways</a:t>
-            </a:r>
-            <a:r>
-              <a:rPr lang="en-US" sz="4000" dirty="0">
-                <a:solidFill>
-                  <a:schemeClr val="bg1"/>
-                </a:solidFill>
-              </a:rPr>
-              <a:t> </a:t>
-            </a:r>
+              <a:t>Link</a:t>
+            </a:r>
+            <a:endParaRPr lang="en-US" sz="2200" dirty="0">
+              <a:solidFill>
+                <a:schemeClr val="bg1"/>
+              </a:solidFill>
+            </a:endParaRPr>
           </a:p>
           <a:p>
             <a:pPr marL="0" indent="0">
               <a:buNone/>
             </a:pPr>
             <a:r>
-              <a:rPr lang="en-US" sz="4000" dirty="0">
-                <a:solidFill>
-                  <a:schemeClr val="bg1"/>
-                </a:solidFill>
-              </a:rPr>
-              <a:t>An example of finding daily stories we otherwise might not</a:t>
+              <a:rPr lang="en-US" sz="2200" dirty="0">
+                <a:solidFill>
+                  <a:schemeClr val="bg1"/>
+                </a:solidFill>
+              </a:rPr>
+              <a:t>A mostly free, powerful data mapping service</a:t>
             </a:r>
           </a:p>
           <a:p>
             <a:pPr marL="0" indent="0">
               <a:buNone/>
             </a:pPr>
-            <a:r>
-              <a:rPr lang="en-US" sz="4000" dirty="0">
-                <a:solidFill>
-                  <a:schemeClr val="bg1"/>
-                </a:solidFill>
-              </a:rPr>
-              <a:t> </a:t>
-            </a:r>
+            <a:endParaRPr lang="en-US" sz="2200" dirty="0">
+              <a:solidFill>
+                <a:schemeClr val="bg1"/>
+              </a:solidFill>
+            </a:endParaRPr>
           </a:p>
           <a:p>
             <a:pPr marL="0" indent="0">
               <a:buNone/>
             </a:pPr>
             <a:r>
-              <a:rPr lang="en-US" sz="4000" u="sng" dirty="0">
+              <a:rPr lang="en-US" sz="2200" dirty="0">
+                <a:solidFill>
+                  <a:schemeClr val="bg1"/>
+                </a:solidFill>
+              </a:rPr>
+              <a:t>CARTO | </a:t>
+            </a:r>
+            <a:r>
+              <a:rPr lang="en-US" sz="2200" dirty="0">
                 <a:solidFill>
                   <a:schemeClr val="bg1"/>
                 </a:solidFill>
@@ -4490,49 +4150,51 @@
                   </a:extLst>
                 </a:hlinkClick>
               </a:rPr>
-              <a:t>A deeper look at Minneapolis crime rates</a:t>
-            </a:r>
-            <a:r>
-              <a:rPr lang="en-US" sz="4000" dirty="0">
-                <a:solidFill>
-                  <a:schemeClr val="bg1"/>
-                </a:solidFill>
-              </a:rPr>
-              <a:t> </a:t>
-            </a:r>
+              <a:t>Link</a:t>
+            </a:r>
+            <a:endParaRPr lang="en-US" sz="2200" dirty="0">
+              <a:solidFill>
+                <a:schemeClr val="bg1"/>
+              </a:solidFill>
+            </a:endParaRPr>
           </a:p>
           <a:p>
             <a:pPr marL="0" indent="0">
               <a:buNone/>
             </a:pPr>
             <a:r>
-              <a:rPr lang="en-US" sz="4000" dirty="0">
-                <a:solidFill>
-                  <a:schemeClr val="bg1"/>
-                </a:solidFill>
-              </a:rPr>
-              <a:t>An example of stringing spot stories together into a single trend piece</a:t>
+              <a:rPr lang="en-US" sz="2200" dirty="0">
+                <a:solidFill>
+                  <a:schemeClr val="bg1"/>
+                </a:solidFill>
+              </a:rPr>
+              <a:t>A free (with limits) and powerful data mapping service</a:t>
             </a:r>
           </a:p>
           <a:p>
             <a:pPr marL="0" indent="0">
               <a:buNone/>
             </a:pPr>
-            <a:r>
-              <a:rPr lang="en-US" sz="4000" dirty="0">
-                <a:solidFill>
-                  <a:schemeClr val="bg1"/>
-                </a:solidFill>
-              </a:rPr>
-              <a:t> </a:t>
-            </a:r>
+            <a:endParaRPr lang="en-US" sz="2200" dirty="0">
+              <a:solidFill>
+                <a:schemeClr val="bg1"/>
+              </a:solidFill>
+            </a:endParaRPr>
           </a:p>
           <a:p>
             <a:pPr marL="0" indent="0">
               <a:buNone/>
             </a:pPr>
             <a:r>
-              <a:rPr lang="en-US" sz="4000" u="sng" dirty="0">
+              <a:rPr lang="en-US" sz="2200" dirty="0">
+                <a:solidFill>
+                  <a:schemeClr val="bg1"/>
+                </a:solidFill>
+              </a:rPr>
+              <a:t>QGIS | </a:t>
+            </a:r>
+            <a:r>
+              <a:rPr lang="en-US" sz="2200" dirty="0">
                 <a:solidFill>
                   <a:schemeClr val="bg1"/>
                 </a:solidFill>
@@ -4544,66 +4206,83 @@
                   </a:extLst>
                 </a:hlinkClick>
               </a:rPr>
-              <a:t>What’s behind greater Minnesota’s economic recovery?</a:t>
-            </a:r>
-            <a:r>
-              <a:rPr lang="en-US" sz="4000" dirty="0">
-                <a:solidFill>
-                  <a:schemeClr val="bg1"/>
-                </a:solidFill>
-              </a:rPr>
-              <a:t> </a:t>
-            </a:r>
+              <a:t>Link</a:t>
+            </a:r>
+            <a:endParaRPr lang="en-US" sz="2200" dirty="0">
+              <a:solidFill>
+                <a:schemeClr val="bg1"/>
+              </a:solidFill>
+            </a:endParaRPr>
           </a:p>
           <a:p>
             <a:pPr marL="0" indent="0">
               <a:buNone/>
             </a:pPr>
             <a:r>
-              <a:rPr lang="en-US" sz="4000" dirty="0">
-                <a:solidFill>
-                  <a:schemeClr val="bg1"/>
-                </a:solidFill>
-              </a:rPr>
-              <a:t>An example of using data to challenge a common talking point</a:t>
-            </a:r>
-          </a:p>
-          <a:p>
-            <a:pPr marL="0" indent="0">
-              <a:buNone/>
-            </a:pPr>
-            <a:br>
-              <a:rPr lang="en-US" sz="4000" dirty="0">
-                <a:solidFill>
-                  <a:schemeClr val="bg1"/>
-                </a:solidFill>
-              </a:rPr>
-            </a:br>
-            <a:endParaRPr lang="en-US" sz="4000" dirty="0">
-              <a:solidFill>
-                <a:schemeClr val="bg1"/>
-              </a:solidFill>
-            </a:endParaRPr>
-          </a:p>
-          <a:p>
-            <a:pPr marL="0" indent="0">
-              <a:buNone/>
-            </a:pPr>
-            <a:r>
-              <a:rPr lang="en-US" sz="4000" b="1" dirty="0">
-                <a:solidFill>
-                  <a:schemeClr val="bg1"/>
-                </a:solidFill>
-              </a:rPr>
-              <a:t>Elections/Politics</a:t>
-            </a:r>
-          </a:p>
-          <a:p>
-            <a:pPr marL="0" indent="0">
-              <a:buNone/>
-            </a:pPr>
-            <a:r>
-              <a:rPr lang="en-US" sz="4000" dirty="0">
+              <a:rPr lang="en-US" sz="2200" dirty="0">
+                <a:solidFill>
+                  <a:schemeClr val="bg1"/>
+                </a:solidFill>
+              </a:rPr>
+              <a:t>A more advanced bit of GIS software for building data maps from shapefiles</a:t>
+            </a:r>
+          </a:p>
+        </p:txBody>
+      </p:sp>
+      <p:sp>
+        <p:nvSpPr>
+          <p:cNvPr id="4" name="Rectangle 3">
+            <a:extLst>
+              <a:ext uri="{FF2B5EF4-FFF2-40B4-BE49-F238E27FC236}">
+                <a16:creationId xmlns:a16="http://schemas.microsoft.com/office/drawing/2014/main" id="{6AADFECF-6B13-E044-8EFB-BB90AC0C5EA8}"/>
+              </a:ext>
+            </a:extLst>
+          </p:cNvPr>
+          <p:cNvSpPr/>
+          <p:nvPr/>
+        </p:nvSpPr>
+        <p:spPr>
+          <a:xfrm>
+            <a:off x="4114800" y="1600200"/>
+            <a:ext cx="4572000" cy="1477328"/>
+          </a:xfrm>
+          <a:prstGeom prst="rect">
+            <a:avLst/>
+          </a:prstGeom>
+        </p:spPr>
+        <p:txBody>
+          <a:bodyPr>
+            <a:spAutoFit/>
+          </a:bodyPr>
+          <a:lstStyle/>
+          <a:p>
+            <a:r>
+              <a:rPr lang="en-US" b="1" dirty="0">
+                <a:solidFill>
+                  <a:schemeClr val="bg1"/>
+                </a:solidFill>
+              </a:rPr>
+              <a:t>Charting</a:t>
+            </a:r>
+          </a:p>
+          <a:p>
+            <a:endParaRPr lang="en-US" dirty="0">
+              <a:solidFill>
+                <a:schemeClr val="bg1"/>
+              </a:solidFill>
+            </a:endParaRPr>
+          </a:p>
+          <a:p>
+            <a:r>
+              <a:rPr lang="en-US" dirty="0">
+                <a:solidFill>
+                  <a:schemeClr val="bg1"/>
+                </a:solidFill>
+              </a:rPr>
+              <a:t>Google Charts | </a:t>
+            </a:r>
+            <a:r>
+              <a:rPr lang="en-US" dirty="0">
                 <a:solidFill>
                   <a:schemeClr val="bg1"/>
                 </a:solidFill>
@@ -4615,43 +4294,33 @@
                   </a:extLst>
                 </a:hlinkClick>
               </a:rPr>
-              <a:t>How Minnesota changed under Mark Dayton, in 58 charts</a:t>
-            </a:r>
-            <a:endParaRPr lang="en-US" sz="4000" dirty="0">
-              <a:solidFill>
-                <a:schemeClr val="bg1"/>
-              </a:solidFill>
-            </a:endParaRPr>
-          </a:p>
-          <a:p>
-            <a:pPr marL="0" indent="0">
-              <a:buNone/>
-            </a:pPr>
-            <a:r>
-              <a:rPr lang="en-US" sz="4000" dirty="0">
-                <a:solidFill>
-                  <a:schemeClr val="bg1"/>
-                </a:solidFill>
-              </a:rPr>
-              <a:t>A dataset of datasets</a:t>
-            </a:r>
-          </a:p>
-          <a:p>
-            <a:pPr marL="0" indent="0">
-              <a:buNone/>
-            </a:pPr>
-            <a:endParaRPr lang="en-US" sz="4000" b="1" dirty="0">
-              <a:solidFill>
-                <a:schemeClr val="bg1"/>
-              </a:solidFill>
-            </a:endParaRPr>
-          </a:p>
-          <a:p>
-            <a:pPr marL="0" indent="0">
-              <a:buNone/>
-            </a:pPr>
-            <a:r>
-              <a:rPr lang="en-US" sz="4000" dirty="0">
+              <a:t>Link</a:t>
+            </a:r>
+            <a:endParaRPr lang="en-US" dirty="0">
+              <a:solidFill>
+                <a:schemeClr val="bg1"/>
+              </a:solidFill>
+            </a:endParaRPr>
+          </a:p>
+          <a:p>
+            <a:r>
+              <a:rPr lang="en-US" dirty="0" err="1">
+                <a:solidFill>
+                  <a:schemeClr val="bg1"/>
+                </a:solidFill>
+              </a:rPr>
+              <a:t>DataWrapper</a:t>
+            </a:r>
+            <a:r>
+              <a:rPr lang="en-US" dirty="0">
+                <a:solidFill>
+                  <a:schemeClr val="bg1"/>
+                </a:solidFill>
+              </a:rPr>
+              <a:t> | </a:t>
+            </a:r>
+            <a:r>
+              <a:rPr lang="en-US" dirty="0">
                 <a:solidFill>
                   <a:schemeClr val="bg1"/>
                 </a:solidFill>
@@ -4663,43 +4332,25 @@
                   </a:extLst>
                 </a:hlinkClick>
               </a:rPr>
-              <a:t>How Minnesota's battleground districts shifted in the 2018 midterm</a:t>
-            </a:r>
-            <a:endParaRPr lang="en-US" sz="4000" dirty="0">
-              <a:solidFill>
-                <a:schemeClr val="bg1"/>
-              </a:solidFill>
-            </a:endParaRPr>
-          </a:p>
-          <a:p>
-            <a:pPr marL="0" indent="0">
-              <a:buNone/>
-            </a:pPr>
-            <a:r>
-              <a:rPr lang="en-US" sz="4000" dirty="0">
-                <a:solidFill>
-                  <a:schemeClr val="bg1"/>
-                </a:solidFill>
-              </a:rPr>
-              <a:t>What actually happened on Election Day.</a:t>
-            </a:r>
-          </a:p>
-          <a:p>
-            <a:pPr marL="0" indent="0">
-              <a:buNone/>
-            </a:pPr>
-            <a:endParaRPr lang="en-US" sz="4000" dirty="0">
-              <a:solidFill>
-                <a:schemeClr val="bg1"/>
-              </a:solidFill>
-            </a:endParaRPr>
-          </a:p>
-          <a:p>
-            <a:pPr marL="0" indent="0">
-              <a:buNone/>
-            </a:pPr>
-            <a:r>
-              <a:rPr lang="en-US" sz="4000" dirty="0">
+              <a:t>Link</a:t>
+            </a:r>
+            <a:endParaRPr lang="en-US" dirty="0">
+              <a:solidFill>
+                <a:schemeClr val="bg1"/>
+              </a:solidFill>
+            </a:endParaRPr>
+          </a:p>
+          <a:p>
+            <a:r>
+              <a:rPr lang="en-US" dirty="0">
+                <a:solidFill>
+                  <a:schemeClr val="bg1"/>
+                </a:solidFill>
+              </a:rPr>
+              <a:t>Online Chart Tool | </a:t>
+            </a:r>
+            <a:r>
+              <a:rPr lang="en-US" dirty="0">
                 <a:solidFill>
                   <a:schemeClr val="bg1"/>
                 </a:solidFill>
@@ -4711,43 +4362,99 @@
                   </a:extLst>
                 </a:hlinkClick>
               </a:rPr>
-              <a:t>Thousands of people have voted early in Minnesota. Here's what to watch.</a:t>
-            </a:r>
-            <a:endParaRPr lang="en-US" sz="4000" dirty="0">
-              <a:solidFill>
-                <a:schemeClr val="bg1"/>
-              </a:solidFill>
-            </a:endParaRPr>
-          </a:p>
-          <a:p>
-            <a:pPr marL="0" indent="0">
-              <a:buNone/>
-            </a:pPr>
-            <a:r>
-              <a:rPr lang="en-US" sz="4000" dirty="0">
-                <a:solidFill>
-                  <a:schemeClr val="bg1"/>
-                </a:solidFill>
-              </a:rPr>
-              <a:t>Tracking an event using data virtually in real time.</a:t>
-            </a:r>
-          </a:p>
-          <a:p>
-            <a:pPr marL="0" indent="0">
-              <a:buNone/>
-            </a:pPr>
-            <a:endParaRPr lang="en-US" sz="4000" dirty="0">
-              <a:solidFill>
-                <a:schemeClr val="bg1"/>
-              </a:solidFill>
-            </a:endParaRPr>
-          </a:p>
-          <a:p>
-            <a:pPr marL="0" indent="0">
-              <a:buNone/>
-            </a:pPr>
-            <a:r>
-              <a:rPr lang="en-US" sz="4000" u="sng" dirty="0">
+              <a:t>Link</a:t>
+            </a:r>
+            <a:endParaRPr lang="en-US" dirty="0">
+              <a:solidFill>
+                <a:schemeClr val="bg1"/>
+              </a:solidFill>
+            </a:endParaRPr>
+          </a:p>
+        </p:txBody>
+      </p:sp>
+      <p:sp>
+        <p:nvSpPr>
+          <p:cNvPr id="5" name="Rectangle 4">
+            <a:extLst>
+              <a:ext uri="{FF2B5EF4-FFF2-40B4-BE49-F238E27FC236}">
+                <a16:creationId xmlns:a16="http://schemas.microsoft.com/office/drawing/2014/main" id="{3BFBD21D-8B0F-A749-811B-EF5B31E8F6FE}"/>
+              </a:ext>
+            </a:extLst>
+          </p:cNvPr>
+          <p:cNvSpPr/>
+          <p:nvPr/>
+        </p:nvSpPr>
+        <p:spPr>
+          <a:xfrm>
+            <a:off x="4114800" y="3263841"/>
+            <a:ext cx="4572000" cy="3416320"/>
+          </a:xfrm>
+          <a:prstGeom prst="rect">
+            <a:avLst/>
+          </a:prstGeom>
+        </p:spPr>
+        <p:txBody>
+          <a:bodyPr>
+            <a:spAutoFit/>
+          </a:bodyPr>
+          <a:lstStyle/>
+          <a:p>
+            <a:r>
+              <a:rPr lang="en-US" b="1" dirty="0">
+                <a:solidFill>
+                  <a:schemeClr val="bg1"/>
+                </a:solidFill>
+              </a:rPr>
+              <a:t>Other stuff</a:t>
+            </a:r>
+            <a:endParaRPr lang="en-US" dirty="0">
+              <a:solidFill>
+                <a:schemeClr val="bg1"/>
+              </a:solidFill>
+            </a:endParaRPr>
+          </a:p>
+          <a:p>
+            <a:endParaRPr lang="en-US" dirty="0">
+              <a:solidFill>
+                <a:schemeClr val="bg1"/>
+              </a:solidFill>
+            </a:endParaRPr>
+          </a:p>
+          <a:p>
+            <a:r>
+              <a:rPr lang="en-US" dirty="0" err="1">
+                <a:solidFill>
+                  <a:schemeClr val="bg1"/>
+                </a:solidFill>
+              </a:rPr>
+              <a:t>StribLab</a:t>
+            </a:r>
+            <a:r>
+              <a:rPr lang="en-US" dirty="0">
+                <a:solidFill>
+                  <a:schemeClr val="bg1"/>
+                </a:solidFill>
+              </a:rPr>
+              <a:t> </a:t>
+            </a:r>
+            <a:r>
+              <a:rPr lang="en-US" dirty="0" err="1">
+                <a:solidFill>
+                  <a:schemeClr val="bg1"/>
+                </a:solidFill>
+              </a:rPr>
+              <a:t>Github</a:t>
+            </a:r>
+            <a:r>
+              <a:rPr lang="en-US" dirty="0">
+                <a:solidFill>
+                  <a:schemeClr val="bg1"/>
+                </a:solidFill>
+              </a:rPr>
+              <a:t> | </a:t>
+            </a:r>
+            <a:r>
+              <a:rPr lang="en-US" dirty="0">
                 <a:solidFill>
                   <a:schemeClr val="bg1"/>
                 </a:solidFill>
@@ -4759,118 +4466,32 @@
                   </a:extLst>
                 </a:hlinkClick>
               </a:rPr>
-              <a:t>Why you’re hearing so much about Minnesota’s congressional races this fall</a:t>
-            </a:r>
-            <a:endParaRPr lang="en-US" sz="4000" dirty="0">
-              <a:solidFill>
-                <a:schemeClr val="bg1"/>
-              </a:solidFill>
-            </a:endParaRPr>
-          </a:p>
-          <a:p>
-            <a:pPr marL="0" indent="0">
-              <a:buNone/>
-            </a:pPr>
-            <a:r>
-              <a:rPr lang="en-US" sz="4000" dirty="0">
-                <a:solidFill>
-                  <a:schemeClr val="bg1"/>
-                </a:solidFill>
-              </a:rPr>
-              <a:t>What might happen? Wrangling a bunch of data from political forecasters and using it to tell stories about major Minnesota elections</a:t>
-            </a:r>
-            <a:r>
-              <a:rPr lang="en-US" dirty="0">
-                <a:solidFill>
-                  <a:schemeClr val="bg1"/>
-                </a:solidFill>
-              </a:rPr>
-              <a:t> </a:t>
-            </a:r>
-          </a:p>
-          <a:p>
-            <a:pPr marL="0" indent="0">
-              <a:buNone/>
-            </a:pPr>
-            <a:r>
-              <a:rPr lang="en-US" dirty="0">
-                <a:solidFill>
-                  <a:schemeClr val="bg1"/>
-                </a:solidFill>
-              </a:rPr>
-              <a:t> </a:t>
-            </a:r>
-          </a:p>
-          <a:p>
-            <a:pPr marL="0" indent="0">
-              <a:buNone/>
-            </a:pPr>
+              <a:t>Link</a:t>
+            </a:r>
             <a:endParaRPr lang="en-US" dirty="0">
               <a:solidFill>
                 <a:schemeClr val="bg1"/>
               </a:solidFill>
             </a:endParaRPr>
           </a:p>
-        </p:txBody>
-      </p:sp>
-      <p:sp>
-        <p:nvSpPr>
-          <p:cNvPr id="4" name="TextBox 3">
-            <a:extLst>
-              <a:ext uri="{FF2B5EF4-FFF2-40B4-BE49-F238E27FC236}">
-                <a16:creationId xmlns:a16="http://schemas.microsoft.com/office/drawing/2014/main" id="{905EEC97-25F7-324B-8597-EB0BD6A29ADF}"/>
-              </a:ext>
-            </a:extLst>
-          </p:cNvPr>
-          <p:cNvSpPr txBox="1"/>
-          <p:nvPr/>
-        </p:nvSpPr>
-        <p:spPr>
-          <a:xfrm>
-            <a:off x="4828854" y="1600199"/>
-            <a:ext cx="3667874" cy="3785652"/>
-          </a:xfrm>
-          <a:prstGeom prst="rect">
-            <a:avLst/>
-          </a:prstGeom>
-        </p:spPr>
-        <p:style>
-          <a:lnRef idx="2">
-            <a:schemeClr val="dk1"/>
-          </a:lnRef>
-          <a:fillRef idx="1">
-            <a:schemeClr val="lt1"/>
-          </a:fillRef>
-          <a:effectRef idx="0">
-            <a:schemeClr val="dk1"/>
-          </a:effectRef>
-          <a:fontRef idx="minor">
-            <a:schemeClr val="dk1"/>
-          </a:fontRef>
-        </p:style>
-        <p:txBody>
-          <a:bodyPr wrap="square" rtlCol="0">
-            <a:spAutoFit/>
-          </a:bodyPr>
-          <a:lstStyle/>
-          <a:p>
-            <a:r>
-              <a:rPr lang="en-US" sz="1000" b="1" dirty="0">
-                <a:solidFill>
-                  <a:schemeClr val="bg1"/>
-                </a:solidFill>
-              </a:rPr>
-              <a:t>Fun Things</a:t>
-            </a:r>
-            <a:endParaRPr lang="en-US" sz="1000" dirty="0">
-              <a:solidFill>
-                <a:schemeClr val="bg1"/>
-              </a:solidFill>
-            </a:endParaRPr>
-          </a:p>
-          <a:p>
-            <a:r>
-              <a:rPr lang="en-US" sz="1000" u="sng" dirty="0">
+          <a:p>
+            <a:endParaRPr lang="en-US" dirty="0">
+              <a:solidFill>
+                <a:schemeClr val="bg1"/>
+              </a:solidFill>
+            </a:endParaRPr>
+          </a:p>
+          <a:p>
+            <a:r>
+              <a:rPr lang="en-US" dirty="0">
+                <a:solidFill>
+                  <a:schemeClr val="bg1"/>
+                </a:solidFill>
+              </a:rPr>
+              <a:t>Tabula | </a:t>
+            </a:r>
+            <a:r>
+              <a:rPr lang="en-US" dirty="0">
                 <a:solidFill>
                   <a:schemeClr val="bg1"/>
                 </a:solidFill>
@@ -4882,40 +4503,42 @@
                   </a:extLst>
                 </a:hlinkClick>
               </a:rPr>
-              <a:t>Google tracked a year of my life in downtown Minneapolis</a:t>
-            </a:r>
-            <a:r>
-              <a:rPr lang="en-US" sz="1000" dirty="0">
-                <a:solidFill>
-                  <a:schemeClr val="bg1"/>
-                </a:solidFill>
-              </a:rPr>
-              <a:t> </a:t>
-            </a:r>
-          </a:p>
-          <a:p>
-            <a:r>
-              <a:rPr lang="en-US" sz="1000" dirty="0">
-                <a:solidFill>
-                  <a:schemeClr val="bg1"/>
-                </a:solidFill>
-              </a:rPr>
-              <a:t>More and more, individuals are data, and stories can be told about them using numbers</a:t>
-            </a:r>
-          </a:p>
-          <a:p>
-            <a:r>
-              <a:rPr lang="en-US" sz="1000" dirty="0">
-                <a:solidFill>
-                  <a:schemeClr val="bg1"/>
-                </a:solidFill>
-              </a:rPr>
-              <a:t> </a:t>
-            </a:r>
-          </a:p>
-          <a:p>
-            <a:r>
-              <a:rPr lang="en-US" sz="1000" u="sng" dirty="0">
+              <a:t>Link</a:t>
+            </a:r>
+            <a:endParaRPr lang="en-US" dirty="0">
+              <a:solidFill>
+                <a:schemeClr val="bg1"/>
+              </a:solidFill>
+            </a:endParaRPr>
+          </a:p>
+          <a:p>
+            <a:r>
+              <a:rPr lang="en-US" dirty="0">
+                <a:solidFill>
+                  <a:schemeClr val="bg1"/>
+                </a:solidFill>
+              </a:rPr>
+              <a:t>Turn PDFs into spreadsheets</a:t>
+            </a:r>
+          </a:p>
+          <a:p>
+            <a:endParaRPr lang="en-US" dirty="0">
+              <a:solidFill>
+                <a:schemeClr val="bg1"/>
+              </a:solidFill>
+            </a:endParaRPr>
+          </a:p>
+          <a:p>
+            <a:r>
+              <a:rPr lang="en-US" dirty="0">
+                <a:solidFill>
+                  <a:schemeClr val="bg1"/>
+                </a:solidFill>
+              </a:rPr>
+              <a:t>The Data Visualization Catalogue | </a:t>
+            </a:r>
+            <a:r>
+              <a:rPr lang="en-US" dirty="0">
                 <a:solidFill>
                   <a:schemeClr val="bg1"/>
                 </a:solidFill>
@@ -4927,40 +4550,58 @@
                   </a:extLst>
                 </a:hlinkClick>
               </a:rPr>
-              <a:t>Are the Vikings the NFL's most tragic playoff team?</a:t>
-            </a:r>
-            <a:r>
-              <a:rPr lang="en-US" sz="1000" dirty="0">
-                <a:solidFill>
-                  <a:schemeClr val="bg1"/>
-                </a:solidFill>
-              </a:rPr>
-              <a:t> </a:t>
-            </a:r>
-          </a:p>
-          <a:p>
-            <a:r>
-              <a:rPr lang="en-US" sz="1000" dirty="0">
-                <a:solidFill>
-                  <a:schemeClr val="bg1"/>
-                </a:solidFill>
-              </a:rPr>
-              <a:t>Using data to quantify something people generally already know</a:t>
-            </a:r>
-          </a:p>
-          <a:p>
-            <a:r>
-              <a:rPr lang="en-US" sz="1000" dirty="0">
-                <a:solidFill>
-                  <a:schemeClr val="bg1"/>
-                </a:solidFill>
-              </a:rPr>
-              <a:t> </a:t>
-            </a:r>
-          </a:p>
-          <a:p>
-            <a:r>
-              <a:rPr lang="en-US" sz="1000" u="sng" dirty="0">
+              <a:t>Link</a:t>
+            </a:r>
+            <a:endParaRPr lang="en-US" dirty="0">
+              <a:solidFill>
+                <a:schemeClr val="bg1"/>
+              </a:solidFill>
+            </a:endParaRPr>
+          </a:p>
+          <a:p>
+            <a:r>
+              <a:rPr lang="en-US" dirty="0">
+                <a:solidFill>
+                  <a:schemeClr val="bg1"/>
+                </a:solidFill>
+              </a:rPr>
+              <a:t>What </a:t>
+            </a:r>
+            <a:r>
+              <a:rPr lang="en-US" dirty="0" err="1">
+                <a:solidFill>
+                  <a:schemeClr val="bg1"/>
+                </a:solidFill>
+              </a:rPr>
+              <a:t>dataviz</a:t>
+            </a:r>
+            <a:r>
+              <a:rPr lang="en-US" dirty="0">
+                <a:solidFill>
+                  <a:schemeClr val="bg1"/>
+                </a:solidFill>
+              </a:rPr>
+              <a:t> to use for what purpose</a:t>
+            </a:r>
+          </a:p>
+          <a:p>
+            <a:endParaRPr lang="en-US" dirty="0">
+              <a:solidFill>
+                <a:schemeClr val="bg1"/>
+              </a:solidFill>
+            </a:endParaRPr>
+          </a:p>
+          <a:p>
+            <a:r>
+              <a:rPr lang="en-US" dirty="0">
+                <a:solidFill>
+                  <a:schemeClr val="bg1"/>
+                </a:solidFill>
+              </a:rPr>
+              <a:t>Visual Vocabulary | </a:t>
+            </a:r>
+            <a:r>
+              <a:rPr lang="en-US" dirty="0">
                 <a:solidFill>
                   <a:schemeClr val="bg1"/>
                 </a:solidFill>
@@ -4972,165 +4613,22 @@
                   </a:extLst>
                 </a:hlinkClick>
               </a:rPr>
-              <a:t>What would the Twin Cities look like as a mega-region?</a:t>
-            </a:r>
-            <a:endParaRPr lang="en-US" sz="1000" dirty="0">
-              <a:solidFill>
-                <a:schemeClr val="bg1"/>
-              </a:solidFill>
-            </a:endParaRPr>
-          </a:p>
-          <a:p>
-            <a:r>
-              <a:rPr lang="en-US" sz="1000" dirty="0">
-                <a:solidFill>
-                  <a:schemeClr val="bg1"/>
-                </a:solidFill>
-              </a:rPr>
-              <a:t>Hypothetical research explained through the lens of actual data</a:t>
-            </a:r>
-          </a:p>
-          <a:p>
-            <a:endParaRPr lang="en-US" sz="1000" dirty="0">
-              <a:solidFill>
-                <a:schemeClr val="bg1"/>
-              </a:solidFill>
-            </a:endParaRPr>
-          </a:p>
-          <a:p>
-            <a:endParaRPr lang="en-US" sz="1000" dirty="0">
-              <a:solidFill>
-                <a:schemeClr val="bg1"/>
-              </a:solidFill>
-            </a:endParaRPr>
-          </a:p>
-          <a:p>
-            <a:r>
-              <a:rPr lang="en-US" sz="1000" b="1" dirty="0">
-                <a:solidFill>
-                  <a:schemeClr val="bg1"/>
-                </a:solidFill>
-              </a:rPr>
-              <a:t>Enterprise Investigations</a:t>
-            </a:r>
-          </a:p>
-          <a:p>
-            <a:r>
-              <a:rPr lang="en-US" sz="1000" u="sng" dirty="0">
-                <a:solidFill>
-                  <a:schemeClr val="bg1"/>
-                </a:solidFill>
-                <a:hlinkClick r:id="rId12">
-                  <a:extLst>
-                    <a:ext uri="{A12FA001-AC4F-418D-AE19-62706E023703}">
-                      <ahyp:hlinkClr xmlns:ahyp="http://schemas.microsoft.com/office/drawing/2018/hyperlinkcolor" val="tx"/>
-                    </a:ext>
-                  </a:extLst>
-                </a:hlinkClick>
-              </a:rPr>
-              <a:t>North hit hard by demolitions while south rebuilds</a:t>
-            </a:r>
-            <a:r>
-              <a:rPr lang="en-US" sz="1000" dirty="0">
-                <a:solidFill>
-                  <a:schemeClr val="bg1"/>
-                </a:solidFill>
-              </a:rPr>
-              <a:t> </a:t>
-            </a:r>
-          </a:p>
-          <a:p>
-            <a:r>
-              <a:rPr lang="en-US" sz="1000" dirty="0">
-                <a:solidFill>
-                  <a:schemeClr val="bg1"/>
-                </a:solidFill>
-              </a:rPr>
-              <a:t>Quantifying a long time socioeconomic issue and revealing something new in the process</a:t>
-            </a:r>
-          </a:p>
-          <a:p>
-            <a:endParaRPr lang="en-US" sz="1000" dirty="0">
-              <a:solidFill>
-                <a:schemeClr val="bg1"/>
-              </a:solidFill>
-            </a:endParaRPr>
-          </a:p>
-          <a:p>
-            <a:r>
-              <a:rPr lang="en-US" sz="1000" u="sng" dirty="0">
-                <a:solidFill>
-                  <a:schemeClr val="bg1"/>
-                </a:solidFill>
-                <a:hlinkClick r:id="rId13">
-                  <a:extLst>
-                    <a:ext uri="{A12FA001-AC4F-418D-AE19-62706E023703}">
-                      <ahyp:hlinkClr xmlns:ahyp="http://schemas.microsoft.com/office/drawing/2018/hyperlinkcolor" val="tx"/>
-                    </a:ext>
-                  </a:extLst>
-                </a:hlinkClick>
-              </a:rPr>
-              <a:t>Fatal police encounters in Minnesota since 2000</a:t>
-            </a:r>
-            <a:r>
-              <a:rPr lang="en-US" sz="1000" dirty="0">
-                <a:solidFill>
-                  <a:schemeClr val="bg1"/>
-                </a:solidFill>
-              </a:rPr>
-              <a:t> </a:t>
-            </a:r>
-          </a:p>
-          <a:p>
-            <a:r>
-              <a:rPr lang="en-US" sz="1000" dirty="0">
-                <a:solidFill>
-                  <a:schemeClr val="bg1"/>
-                </a:solidFill>
-              </a:rPr>
-              <a:t>Creating and maintaining a public resource to track and quantify an ongoing social issue</a:t>
-            </a:r>
-          </a:p>
-          <a:p>
-            <a:r>
-              <a:rPr lang="en-US" sz="1000" dirty="0">
-                <a:solidFill>
-                  <a:schemeClr val="bg1"/>
-                </a:solidFill>
-              </a:rPr>
-              <a:t> </a:t>
-            </a:r>
-          </a:p>
-          <a:p>
-            <a:r>
-              <a:rPr lang="en-US" sz="1000" u="sng" dirty="0">
-                <a:solidFill>
-                  <a:schemeClr val="bg1"/>
-                </a:solidFill>
-                <a:hlinkClick r:id="rId14">
-                  <a:extLst>
-                    <a:ext uri="{A12FA001-AC4F-418D-AE19-62706E023703}">
-                      <ahyp:hlinkClr xmlns:ahyp="http://schemas.microsoft.com/office/drawing/2018/hyperlinkcolor" val="tx"/>
-                    </a:ext>
-                  </a:extLst>
-                </a:hlinkClick>
-              </a:rPr>
-              <a:t>Way Down in the Hole</a:t>
-            </a:r>
-            <a:endParaRPr lang="en-US" sz="1000" dirty="0">
-              <a:solidFill>
-                <a:schemeClr val="bg1"/>
-              </a:solidFill>
-            </a:endParaRPr>
-          </a:p>
-          <a:p>
-            <a:r>
-              <a:rPr lang="en-US" sz="1000" dirty="0">
-                <a:solidFill>
-                  <a:schemeClr val="bg1"/>
-                </a:solidFill>
-              </a:rPr>
-              <a:t>Using data to uncover something not publicly known or private acknowledged</a:t>
+              <a:t>Link</a:t>
+            </a:r>
+            <a:endParaRPr lang="en-US" dirty="0">
+              <a:solidFill>
+                <a:schemeClr val="bg1"/>
+              </a:solidFill>
+            </a:endParaRPr>
+          </a:p>
+          <a:p>
+            <a:r>
+              <a:rPr lang="en-US" dirty="0">
+                <a:solidFill>
+                  <a:schemeClr val="bg1"/>
+                </a:solidFill>
+              </a:rPr>
+              <a:t>How to visualize different kinds of data</a:t>
             </a:r>
           </a:p>
         </p:txBody>
@@ -5138,7 +4636,7 @@
     </p:spTree>
     <p:extLst>
       <p:ext uri="{BB962C8B-B14F-4D97-AF65-F5344CB8AC3E}">
-        <p14:creationId xmlns:p14="http://schemas.microsoft.com/office/powerpoint/2010/main" val="1239489940"/>
+        <p14:creationId xmlns:p14="http://schemas.microsoft.com/office/powerpoint/2010/main" val="3217234928"/>
       </p:ext>
     </p:extLst>
   </p:cSld>
@@ -5492,7 +4990,7 @@
         <p:spPr/>
         <p:txBody>
           <a:bodyPr>
-            <a:normAutofit/>
+            <a:normAutofit lnSpcReduction="10000"/>
           </a:bodyPr>
           <a:lstStyle/>
           <a:p>
@@ -5532,6 +5030,31 @@
                   <a:schemeClr val="bg1"/>
                 </a:solidFill>
               </a:rPr>
+              <a:t>The importance of data visualization</a:t>
+            </a:r>
+          </a:p>
+          <a:p>
+            <a:r>
+              <a:rPr lang="en-US">
+                <a:solidFill>
+                  <a:schemeClr val="bg1"/>
+                </a:solidFill>
+              </a:rPr>
+              <a:t>Story examples</a:t>
+            </a:r>
+            <a:endParaRPr lang="en-US" dirty="0">
+              <a:solidFill>
+                <a:schemeClr val="bg1"/>
+              </a:solidFill>
+            </a:endParaRPr>
+          </a:p>
+          <a:p>
+            <a:r>
+              <a:rPr lang="en-US" dirty="0">
+                <a:solidFill>
+                  <a:schemeClr val="bg1"/>
+                </a:solidFill>
+              </a:rPr>
               <a:t>Some tips</a:t>
             </a:r>
           </a:p>
@@ -5543,16 +5066,6 @@
                 </a:solidFill>
               </a:rPr>
               <a:t>Some data processing and visualization tools</a:t>
-            </a:r>
-          </a:p>
-          <a:p>
-            <a:r>
-              <a:rPr lang="en-US" dirty="0">
-                <a:solidFill>
-                  <a:schemeClr val="bg1"/>
-                </a:solidFill>
-              </a:rPr>
-              <a:t>Story examples</a:t>
             </a:r>
           </a:p>
           <a:p>
@@ -6050,7 +5563,7 @@
                   <a:schemeClr val="bg1"/>
                 </a:solidFill>
               </a:rPr>
-              <a:t>Visual stories (charts, maps, digital interactives)</a:t>
+              <a:t>Visual stories (charts, maps, digital interactives, alternative story formats)</a:t>
             </a:r>
           </a:p>
           <a:p>
@@ -6122,16 +5635,18 @@
         </p:nvSpPr>
         <p:spPr/>
         <p:txBody>
-          <a:bodyPr/>
-          <a:lstStyle/>
-          <a:p>
-            <a:r>
-              <a:rPr lang="en-US" dirty="0">
-                <a:solidFill>
-                  <a:schemeClr val="bg1"/>
-                </a:solidFill>
-              </a:rPr>
-              <a:t>Additional thoughts</a:t>
+          <a:bodyPr>
+            <a:normAutofit/>
+          </a:bodyPr>
+          <a:lstStyle/>
+          <a:p>
+            <a:r>
+              <a:rPr lang="en-US" dirty="0">
+                <a:solidFill>
+                  <a:schemeClr val="bg1"/>
+                </a:solidFill>
+              </a:rPr>
+              <a:t>Spreadsheets are key</a:t>
             </a:r>
           </a:p>
         </p:txBody>
@@ -6149,7 +5664,7 @@
         <p:spPr/>
         <p:txBody>
           <a:bodyPr>
-            <a:normAutofit fontScale="85000" lnSpcReduction="20000"/>
+            <a:normAutofit fontScale="92500" lnSpcReduction="20000"/>
           </a:bodyPr>
           <a:lstStyle/>
           <a:p>
@@ -6159,10 +5674,23 @@
                   <a:schemeClr val="bg1"/>
                 </a:solidFill>
               </a:rPr>
-              <a:t>Data journalism is very in demand.</a:t>
-            </a:r>
-          </a:p>
-          <a:p>
+              <a:t>Pick a spreadsheet. Excel is nice, but Google Sheets works very well too. </a:t>
+            </a:r>
+            <a:r>
+              <a:rPr lang="en-US" dirty="0">
+                <a:solidFill>
+                  <a:schemeClr val="bg1"/>
+                </a:solidFill>
+                <a:hlinkClick r:id="rId2">
+                  <a:extLst>
+                    <a:ext uri="{A12FA001-AC4F-418D-AE19-62706E023703}">
+                      <ahyp:hlinkClr xmlns:ahyp="http://schemas.microsoft.com/office/drawing/2018/hyperlinkcolor" val="tx"/>
+                    </a:ext>
+                  </a:extLst>
+                </a:hlinkClick>
+              </a:rPr>
+              <a:t>Link</a:t>
+            </a:r>
             <a:endParaRPr lang="en-US" dirty="0">
               <a:solidFill>
                 <a:schemeClr val="bg1"/>
@@ -6170,16 +5698,6 @@
             </a:endParaRPr>
           </a:p>
           <a:p>
-            <a:r>
-              <a:rPr lang="en-US" dirty="0">
-                <a:solidFill>
-                  <a:schemeClr val="bg1"/>
-                </a:solidFill>
-              </a:rPr>
-              <a:t>Be patient, it takes time to learn the skills and report data stories.</a:t>
-            </a:r>
-          </a:p>
-          <a:p>
             <a:endParaRPr lang="en-US" dirty="0">
               <a:solidFill>
                 <a:schemeClr val="bg1"/>
@@ -6193,7 +5711,7 @@
                   <a:schemeClr val="bg1"/>
                 </a:solidFill>
               </a:rPr>
-              <a:t>Don’t worry about becoming an expert, especially overnight.</a:t>
+              <a:t>Spreadsheets are the bread and butter of data reporting. Ideally you want your data to be structured in easily searchable and sortable rows and columns.</a:t>
             </a:r>
           </a:p>
           <a:p>
@@ -6210,7 +5728,7 @@
                   <a:schemeClr val="bg1"/>
                 </a:solidFill>
               </a:rPr>
-              <a:t>Tell a data story you’re passionate about from the ground up to teach yourself and have something to show for your time.</a:t>
+              <a:t>Even if you receive data in a different format, the end result should virtually always be a spreadsheet.</a:t>
             </a:r>
           </a:p>
         </p:txBody>
@@ -6218,7 +5736,7 @@
     </p:spTree>
     <p:extLst>
       <p:ext uri="{BB962C8B-B14F-4D97-AF65-F5344CB8AC3E}">
-        <p14:creationId xmlns:p14="http://schemas.microsoft.com/office/powerpoint/2010/main" val="4204192808"/>
+        <p14:creationId xmlns:p14="http://schemas.microsoft.com/office/powerpoint/2010/main" val="1544224873"/>
       </p:ext>
     </p:extLst>
   </p:cSld>
@@ -6265,18 +5783,16 @@
         </p:nvSpPr>
         <p:spPr/>
         <p:txBody>
-          <a:bodyPr>
-            <a:normAutofit/>
-          </a:bodyPr>
-          <a:lstStyle/>
-          <a:p>
-            <a:r>
-              <a:rPr lang="en-US" dirty="0">
-                <a:solidFill>
-                  <a:schemeClr val="bg1"/>
-                </a:solidFill>
-              </a:rPr>
-              <a:t>Spreadsheets are key</a:t>
+          <a:bodyPr/>
+          <a:lstStyle/>
+          <a:p>
+            <a:r>
+              <a:rPr lang="en-US" dirty="0">
+                <a:solidFill>
+                  <a:schemeClr val="bg1"/>
+                </a:solidFill>
+              </a:rPr>
+              <a:t>Data is a digital endeavor</a:t>
             </a:r>
           </a:p>
         </p:txBody>
@@ -6304,23 +5820,13 @@
                   <a:schemeClr val="bg1"/>
                 </a:solidFill>
               </a:rPr>
-              <a:t>Pick a spreadsheet. Excel is nice, but Google Sheets works very well too. </a:t>
-            </a:r>
-            <a:r>
-              <a:rPr lang="en-US" dirty="0">
-                <a:solidFill>
-                  <a:schemeClr val="bg1"/>
-                </a:solidFill>
-                <a:hlinkClick r:id="rId2">
-                  <a:extLst>
-                    <a:ext uri="{A12FA001-AC4F-418D-AE19-62706E023703}">
-                      <ahyp:hlinkClr xmlns:ahyp="http://schemas.microsoft.com/office/drawing/2018/hyperlinkcolor" val="tx"/>
-                    </a:ext>
-                  </a:extLst>
-                </a:hlinkClick>
-              </a:rPr>
-              <a:t>Link</a:t>
-            </a:r>
+              <a:t>Data journalism is digitally native, since data is most often produced and stored electronically.</a:t>
+            </a:r>
+          </a:p>
+          <a:p>
+            <a:pPr marL="0" indent="0">
+              <a:buNone/>
+            </a:pPr>
             <a:endParaRPr lang="en-US" dirty="0">
               <a:solidFill>
                 <a:schemeClr val="bg1"/>
@@ -6328,6 +5834,16 @@
             </a:endParaRPr>
           </a:p>
           <a:p>
+            <a:r>
+              <a:rPr lang="en-US" dirty="0">
+                <a:solidFill>
+                  <a:schemeClr val="bg1"/>
+                </a:solidFill>
+              </a:rPr>
+              <a:t>Always ask for spreadsheets, avoid PDF/Word.</a:t>
+            </a:r>
+          </a:p>
+          <a:p>
             <a:endParaRPr lang="en-US" dirty="0">
               <a:solidFill>
                 <a:schemeClr val="bg1"/>
@@ -6341,10 +5857,15 @@
                   <a:schemeClr val="bg1"/>
                 </a:solidFill>
               </a:rPr>
-              <a:t>Spreadsheets are the bread and butter of data reporting. Ideally you want your data to be structured in easily searchable and sortable rows and columns.</a:t>
-            </a:r>
-          </a:p>
-          <a:p>
+              <a:t>“Breaking news data stories” aren’t really a thing, are extremely rare.</a:t>
+            </a:r>
+            <a:br>
+              <a:rPr lang="en-US" dirty="0">
+                <a:solidFill>
+                  <a:schemeClr val="bg1"/>
+                </a:solidFill>
+              </a:rPr>
+            </a:br>
             <a:endParaRPr lang="en-US" dirty="0">
               <a:solidFill>
                 <a:schemeClr val="bg1"/>
@@ -6358,15 +5879,29 @@
                   <a:schemeClr val="bg1"/>
                 </a:solidFill>
               </a:rPr>
-              <a:t>Even if you receive data in a different format, the end result should virtually always be a spreadsheet.</a:t>
-            </a:r>
+              <a:t>Learn some coding, because it helps you do more powerful things with data.</a:t>
+            </a:r>
+          </a:p>
+          <a:p>
+            <a:endParaRPr lang="en-US" dirty="0">
+              <a:solidFill>
+                <a:schemeClr val="bg1"/>
+              </a:solidFill>
+            </a:endParaRPr>
+          </a:p>
+          <a:p>
+            <a:endParaRPr lang="en-US" dirty="0">
+              <a:solidFill>
+                <a:schemeClr val="bg1"/>
+              </a:solidFill>
+            </a:endParaRPr>
           </a:p>
         </p:txBody>
       </p:sp>
     </p:spTree>
     <p:extLst>
       <p:ext uri="{BB962C8B-B14F-4D97-AF65-F5344CB8AC3E}">
-        <p14:creationId xmlns:p14="http://schemas.microsoft.com/office/powerpoint/2010/main" val="1544224873"/>
+        <p14:creationId xmlns:p14="http://schemas.microsoft.com/office/powerpoint/2010/main" val="3218120109"/>
       </p:ext>
     </p:extLst>
   </p:cSld>
@@ -6422,7 +5957,7 @@
                   <a:schemeClr val="bg1"/>
                 </a:solidFill>
               </a:rPr>
-              <a:t>Data is a digital endeavor</a:t>
+              <a:t>Additional thoughts</a:t>
             </a:r>
           </a:p>
         </p:txBody>
@@ -6440,7 +5975,7 @@
         <p:spPr/>
         <p:txBody>
           <a:bodyPr>
-            <a:normAutofit fontScale="92500" lnSpcReduction="20000"/>
+            <a:normAutofit fontScale="85000" lnSpcReduction="20000"/>
           </a:bodyPr>
           <a:lstStyle/>
           <a:p>
@@ -6450,13 +5985,10 @@
                   <a:schemeClr val="bg1"/>
                 </a:solidFill>
               </a:rPr>
-              <a:t>Data journalism is digitally native, since data is most often produced and stored electronically.</a:t>
-            </a:r>
-          </a:p>
-          <a:p>
-            <a:pPr marL="0" indent="0">
-              <a:buNone/>
-            </a:pPr>
+              <a:t>Data journalism is very in demand.</a:t>
+            </a:r>
+          </a:p>
+          <a:p>
             <a:endParaRPr lang="en-US" dirty="0">
               <a:solidFill>
                 <a:schemeClr val="bg1"/>
@@ -6470,7 +6002,7 @@
                   <a:schemeClr val="bg1"/>
                 </a:solidFill>
               </a:rPr>
-              <a:t>Always ask for spreadsheets, avoid PDF/Word.</a:t>
+              <a:t>Be patient, it takes time to learn the skills and report data stories.</a:t>
             </a:r>
           </a:p>
           <a:p>
@@ -6487,15 +6019,10 @@
                   <a:schemeClr val="bg1"/>
                 </a:solidFill>
               </a:rPr>
-              <a:t>“Breaking news data stories” aren’t really a thing, are extremely rare.</a:t>
-            </a:r>
-            <a:br>
-              <a:rPr lang="en-US" dirty="0">
-                <a:solidFill>
-                  <a:schemeClr val="bg1"/>
-                </a:solidFill>
-              </a:rPr>
-            </a:br>
+              <a:t>Don’t worry about becoming an expert, especially overnight.</a:t>
+            </a:r>
+          </a:p>
+          <a:p>
             <a:endParaRPr lang="en-US" dirty="0">
               <a:solidFill>
                 <a:schemeClr val="bg1"/>
@@ -6509,29 +6036,15 @@
                   <a:schemeClr val="bg1"/>
                 </a:solidFill>
               </a:rPr>
-              <a:t>Learn some coding, because it helps you do more powerful things with data.</a:t>
-            </a:r>
-          </a:p>
-          <a:p>
-            <a:endParaRPr lang="en-US" dirty="0">
-              <a:solidFill>
-                <a:schemeClr val="bg1"/>
-              </a:solidFill>
-            </a:endParaRPr>
-          </a:p>
-          <a:p>
-            <a:endParaRPr lang="en-US" dirty="0">
-              <a:solidFill>
-                <a:schemeClr val="bg1"/>
-              </a:solidFill>
-            </a:endParaRPr>
+              <a:t>Tell a data story you’re passionate about from the ground up to teach yourself and have something to show for your time.</a:t>
+            </a:r>
           </a:p>
         </p:txBody>
       </p:sp>
     </p:spTree>
     <p:extLst>
       <p:ext uri="{BB962C8B-B14F-4D97-AF65-F5344CB8AC3E}">
-        <p14:creationId xmlns:p14="http://schemas.microsoft.com/office/powerpoint/2010/main" val="3218120109"/>
+        <p14:creationId xmlns:p14="http://schemas.microsoft.com/office/powerpoint/2010/main" val="4204192808"/>
       </p:ext>
     </p:extLst>
   </p:cSld>
@@ -6577,17 +6090,27 @@
           </p:nvPr>
         </p:nvSpPr>
         <p:spPr/>
+        <p:style>
+          <a:lnRef idx="2">
+            <a:schemeClr val="dk1"/>
+          </a:lnRef>
+          <a:fillRef idx="1">
+            <a:schemeClr val="lt1"/>
+          </a:fillRef>
+          <a:effectRef idx="0">
+            <a:schemeClr val="dk1"/>
+          </a:effectRef>
+          <a:fontRef idx="minor">
+            <a:schemeClr val="dk1"/>
+          </a:fontRef>
+        </p:style>
         <p:txBody>
           <a:bodyPr/>
           <a:lstStyle/>
           <a:p>
             <a:r>
-              <a:rPr lang="en-US" dirty="0">
-                <a:solidFill>
-                  <a:schemeClr val="bg1"/>
-                </a:solidFill>
-              </a:rPr>
-              <a:t>Sources of data</a:t>
+              <a:rPr lang="en-US" dirty="0"/>
+              <a:t>Examples</a:t>
             </a:r>
           </a:p>
         </p:txBody>
@@ -6602,23 +6125,55 @@
             <p:ph idx="1"/>
           </p:nvPr>
         </p:nvSpPr>
-        <p:spPr/>
+        <p:spPr>
+          <a:xfrm>
+            <a:off x="457200" y="1600200"/>
+            <a:ext cx="4186719" cy="4790326"/>
+          </a:xfrm>
+        </p:spPr>
+        <p:style>
+          <a:lnRef idx="2">
+            <a:schemeClr val="dk1"/>
+          </a:lnRef>
+          <a:fillRef idx="1">
+            <a:schemeClr val="lt1"/>
+          </a:fillRef>
+          <a:effectRef idx="0">
+            <a:schemeClr val="dk1"/>
+          </a:effectRef>
+          <a:fontRef idx="minor">
+            <a:schemeClr val="dk1"/>
+          </a:fontRef>
+        </p:style>
         <p:txBody>
           <a:bodyPr>
-            <a:normAutofit fontScale="62500" lnSpcReduction="20000"/>
+            <a:normAutofit fontScale="25000" lnSpcReduction="20000"/>
           </a:bodyPr>
           <a:lstStyle/>
           <a:p>
-            <a:r>
-              <a:rPr lang="en-US" dirty="0">
-                <a:solidFill>
-                  <a:schemeClr val="bg1"/>
-                </a:solidFill>
-              </a:rPr>
-              <a:t>Data Portals | </a:t>
-            </a:r>
-            <a:r>
-              <a:rPr lang="en-US" dirty="0">
+            <a:pPr marL="0" indent="0">
+              <a:buNone/>
+            </a:pPr>
+            <a:r>
+              <a:rPr lang="en-US" sz="4000" b="1" dirty="0">
+                <a:solidFill>
+                  <a:schemeClr val="bg1"/>
+                </a:solidFill>
+              </a:rPr>
+              <a:t>Daily Stories</a:t>
+            </a:r>
+            <a:endParaRPr lang="en-US" sz="4000" dirty="0">
+              <a:solidFill>
+                <a:schemeClr val="bg1"/>
+              </a:solidFill>
+            </a:endParaRPr>
+          </a:p>
+          <a:p>
+            <a:pPr marL="0" indent="0">
+              <a:buNone/>
+            </a:pPr>
+            <a:r>
+              <a:rPr lang="en-US" sz="4000" u="sng" dirty="0">
                 <a:solidFill>
                   <a:schemeClr val="bg1"/>
                 </a:solidFill>
@@ -6630,45 +6185,49 @@
                   </a:extLst>
                 </a:hlinkClick>
               </a:rPr>
-              <a:t>Link</a:t>
-            </a:r>
-            <a:endParaRPr lang="en-US" dirty="0">
-              <a:solidFill>
-                <a:schemeClr val="bg1"/>
-              </a:solidFill>
-            </a:endParaRPr>
+              <a:t>Edina's drunken-driving arrests show increased focus on state highways</a:t>
+            </a:r>
+            <a:r>
+              <a:rPr lang="en-US" sz="4000" dirty="0">
+                <a:solidFill>
+                  <a:schemeClr val="bg1"/>
+                </a:solidFill>
+              </a:rPr>
+              <a:t> </a:t>
+            </a:r>
           </a:p>
           <a:p>
             <a:pPr marL="0" indent="0">
               <a:buNone/>
             </a:pPr>
             <a:r>
-              <a:rPr lang="en-US" dirty="0">
-                <a:solidFill>
-                  <a:schemeClr val="bg1"/>
-                </a:solidFill>
-              </a:rPr>
-              <a:t>A massive listing of open data portals across the world</a:t>
-            </a:r>
-          </a:p>
-          <a:p>
-            <a:endParaRPr lang="en-US" dirty="0">
-              <a:solidFill>
-                <a:schemeClr val="bg1"/>
-              </a:solidFill>
-            </a:endParaRPr>
-          </a:p>
-          <a:p>
-            <a:r>
-              <a:rPr lang="en-US" dirty="0">
-                <a:solidFill>
-                  <a:schemeClr val="bg1"/>
-                </a:solidFill>
-              </a:rPr>
-              <a:t>Open Minneapolis | </a:t>
-            </a:r>
-            <a:r>
-              <a:rPr lang="en-US" dirty="0">
+              <a:rPr lang="en-US" sz="4000" dirty="0">
+                <a:solidFill>
+                  <a:schemeClr val="bg1"/>
+                </a:solidFill>
+              </a:rPr>
+              <a:t>An example of finding daily stories we otherwise might not</a:t>
+            </a:r>
+          </a:p>
+          <a:p>
+            <a:pPr marL="0" indent="0">
+              <a:buNone/>
+            </a:pPr>
+            <a:r>
+              <a:rPr lang="en-US" sz="4000" dirty="0">
+                <a:solidFill>
+                  <a:schemeClr val="bg1"/>
+                </a:solidFill>
+              </a:rPr>
+              <a:t> </a:t>
+            </a:r>
+          </a:p>
+          <a:p>
+            <a:pPr marL="0" indent="0">
+              <a:buNone/>
+            </a:pPr>
+            <a:r>
+              <a:rPr lang="en-US" sz="4000" u="sng" dirty="0">
                 <a:solidFill>
                   <a:schemeClr val="bg1"/>
                 </a:solidFill>
@@ -6680,61 +6239,49 @@
                   </a:extLst>
                 </a:hlinkClick>
               </a:rPr>
-              <a:t>Link</a:t>
-            </a:r>
-            <a:endParaRPr lang="en-US" dirty="0">
-              <a:solidFill>
-                <a:schemeClr val="bg1"/>
-              </a:solidFill>
-            </a:endParaRPr>
+              <a:t>A deeper look at Minneapolis crime rates</a:t>
+            </a:r>
+            <a:r>
+              <a:rPr lang="en-US" sz="4000" dirty="0">
+                <a:solidFill>
+                  <a:schemeClr val="bg1"/>
+                </a:solidFill>
+              </a:rPr>
+              <a:t> </a:t>
+            </a:r>
           </a:p>
           <a:p>
             <a:pPr marL="0" indent="0">
               <a:buNone/>
             </a:pPr>
             <a:r>
-              <a:rPr lang="en-US" dirty="0">
-                <a:solidFill>
-                  <a:schemeClr val="bg1"/>
-                </a:solidFill>
-              </a:rPr>
-              <a:t>A great source of public city data</a:t>
-            </a:r>
-          </a:p>
-          <a:p>
-            <a:endParaRPr lang="en-US" dirty="0">
-              <a:solidFill>
-                <a:schemeClr val="bg1"/>
-              </a:solidFill>
-            </a:endParaRPr>
-          </a:p>
-          <a:p>
-            <a:r>
-              <a:rPr lang="en-US" dirty="0">
-                <a:solidFill>
-                  <a:schemeClr val="bg1"/>
-                </a:solidFill>
-              </a:rPr>
-              <a:t>American </a:t>
-            </a:r>
-            <a:r>
-              <a:rPr lang="en-US" dirty="0" err="1">
-                <a:solidFill>
-                  <a:schemeClr val="bg1"/>
-                </a:solidFill>
-              </a:rPr>
-              <a:t>FactFinder</a:t>
-            </a:r>
-            <a:r>
-              <a:rPr lang="en-US" dirty="0">
-                <a:solidFill>
-                  <a:schemeClr val="bg1"/>
-                </a:solidFill>
-              </a:rPr>
-              <a:t> | </a:t>
-            </a:r>
-            <a:r>
-              <a:rPr lang="en-US" dirty="0">
+              <a:rPr lang="en-US" sz="4000" dirty="0">
+                <a:solidFill>
+                  <a:schemeClr val="bg1"/>
+                </a:solidFill>
+              </a:rPr>
+              <a:t>An example of stringing spot stories together into a single trend piece</a:t>
+            </a:r>
+          </a:p>
+          <a:p>
+            <a:pPr marL="0" indent="0">
+              <a:buNone/>
+            </a:pPr>
+            <a:r>
+              <a:rPr lang="en-US" sz="4000" dirty="0">
+                <a:solidFill>
+                  <a:schemeClr val="bg1"/>
+                </a:solidFill>
+              </a:rPr>
+              <a:t> </a:t>
+            </a:r>
+          </a:p>
+          <a:p>
+            <a:pPr marL="0" indent="0">
+              <a:buNone/>
+            </a:pPr>
+            <a:r>
+              <a:rPr lang="en-US" sz="4000" u="sng" dirty="0">
                 <a:solidFill>
                   <a:schemeClr val="bg1"/>
                 </a:solidFill>
@@ -6746,45 +6293,66 @@
                   </a:extLst>
                 </a:hlinkClick>
               </a:rPr>
-              <a:t>Link</a:t>
-            </a:r>
-            <a:endParaRPr lang="en-US" dirty="0">
-              <a:solidFill>
-                <a:schemeClr val="bg1"/>
-              </a:solidFill>
-            </a:endParaRPr>
+              <a:t>What’s behind greater Minnesota’s economic recovery?</a:t>
+            </a:r>
+            <a:r>
+              <a:rPr lang="en-US" sz="4000" dirty="0">
+                <a:solidFill>
+                  <a:schemeClr val="bg1"/>
+                </a:solidFill>
+              </a:rPr>
+              <a:t> </a:t>
+            </a:r>
           </a:p>
           <a:p>
             <a:pPr marL="0" indent="0">
               <a:buNone/>
             </a:pPr>
             <a:r>
-              <a:rPr lang="en-US" dirty="0">
-                <a:solidFill>
-                  <a:schemeClr val="bg1"/>
-                </a:solidFill>
-              </a:rPr>
-              <a:t>The U.S. Census Bureau's impressive lookup tool</a:t>
-            </a:r>
-          </a:p>
-          <a:p>
-            <a:endParaRPr lang="en-US" dirty="0">
-              <a:solidFill>
-                <a:schemeClr val="bg1"/>
-              </a:solidFill>
-            </a:endParaRPr>
-          </a:p>
-          <a:p>
-            <a:r>
-              <a:rPr lang="en-US" dirty="0">
-                <a:solidFill>
-                  <a:schemeClr val="bg1"/>
-                </a:solidFill>
-              </a:rPr>
-              <a:t>Census Explorer | </a:t>
-            </a:r>
-            <a:r>
-              <a:rPr lang="en-US" dirty="0">
+              <a:rPr lang="en-US" sz="4000" dirty="0">
+                <a:solidFill>
+                  <a:schemeClr val="bg1"/>
+                </a:solidFill>
+              </a:rPr>
+              <a:t>An example of using data to challenge a common talking point</a:t>
+            </a:r>
+          </a:p>
+          <a:p>
+            <a:pPr marL="0" indent="0">
+              <a:buNone/>
+            </a:pPr>
+            <a:br>
+              <a:rPr lang="en-US" sz="4000" dirty="0">
+                <a:solidFill>
+                  <a:schemeClr val="bg1"/>
+                </a:solidFill>
+              </a:rPr>
+            </a:br>
+            <a:endParaRPr lang="en-US" sz="4000" dirty="0">
+              <a:solidFill>
+                <a:schemeClr val="bg1"/>
+              </a:solidFill>
+            </a:endParaRPr>
+          </a:p>
+          <a:p>
+            <a:pPr marL="0" indent="0">
+              <a:buNone/>
+            </a:pPr>
+            <a:r>
+              <a:rPr lang="en-US" sz="4000" b="1" dirty="0">
+                <a:solidFill>
+                  <a:schemeClr val="bg1"/>
+                </a:solidFill>
+              </a:rPr>
+              <a:t>Elections/Politics</a:t>
+            </a:r>
+          </a:p>
+          <a:p>
+            <a:pPr marL="0" indent="0">
+              <a:buNone/>
+            </a:pPr>
+            <a:r>
+              <a:rPr lang="en-US" sz="4000" dirty="0">
                 <a:solidFill>
                   <a:schemeClr val="bg1"/>
                 </a:solidFill>
@@ -6796,9 +6364,9 @@
                   </a:extLst>
                 </a:hlinkClick>
               </a:rPr>
-              <a:t>Link</a:t>
-            </a:r>
-            <a:endParaRPr lang="en-US" dirty="0">
+              <a:t>How Minnesota changed under Mark Dayton, in 58 charts</a:t>
+            </a:r>
+            <a:endParaRPr lang="en-US" sz="4000" dirty="0">
               <a:solidFill>
                 <a:schemeClr val="bg1"/>
               </a:solidFill>
@@ -6809,32 +6377,30 @@
               <a:buNone/>
             </a:pPr>
             <a:r>
-              <a:rPr lang="en-US" dirty="0">
-                <a:solidFill>
-                  <a:schemeClr val="bg1"/>
-                </a:solidFill>
-              </a:rPr>
-              <a:t>Another cool tool from the U.S. Census Bureau</a:t>
-            </a:r>
-          </a:p>
-          <a:p>
-            <a:endParaRPr lang="en-US" dirty="0">
-              <a:solidFill>
-                <a:schemeClr val="bg1"/>
-              </a:solidFill>
-            </a:endParaRPr>
-          </a:p>
-          <a:p>
-            <a:r>
-              <a:rPr lang="en-US" dirty="0">
-                <a:solidFill>
-                  <a:schemeClr val="bg1"/>
-                </a:solidFill>
-              </a:rPr>
-              <a:t>Minnesota Secretary of State | </a:t>
-            </a:r>
-            <a:r>
-              <a:rPr lang="en-US" dirty="0">
+              <a:rPr lang="en-US" sz="4000" dirty="0">
+                <a:solidFill>
+                  <a:schemeClr val="bg1"/>
+                </a:solidFill>
+              </a:rPr>
+              <a:t>A dataset of datasets</a:t>
+            </a:r>
+          </a:p>
+          <a:p>
+            <a:pPr marL="0" indent="0">
+              <a:buNone/>
+            </a:pPr>
+            <a:endParaRPr lang="en-US" sz="4000" b="1" dirty="0">
+              <a:solidFill>
+                <a:schemeClr val="bg1"/>
+              </a:solidFill>
+            </a:endParaRPr>
+          </a:p>
+          <a:p>
+            <a:pPr marL="0" indent="0">
+              <a:buNone/>
+            </a:pPr>
+            <a:r>
+              <a:rPr lang="en-US" sz="4000" dirty="0">
                 <a:solidFill>
                   <a:schemeClr val="bg1"/>
                 </a:solidFill>
@@ -6846,25 +6412,432 @@
                   </a:extLst>
                 </a:hlinkClick>
               </a:rPr>
-              <a:t>Link</a:t>
-            </a:r>
+              <a:t>How Minnesota's battleground districts shifted in the 2018 midterm</a:t>
+            </a:r>
+            <a:endParaRPr lang="en-US" sz="4000" dirty="0">
+              <a:solidFill>
+                <a:schemeClr val="bg1"/>
+              </a:solidFill>
+            </a:endParaRPr>
+          </a:p>
+          <a:p>
+            <a:pPr marL="0" indent="0">
+              <a:buNone/>
+            </a:pPr>
+            <a:r>
+              <a:rPr lang="en-US" sz="4000" dirty="0">
+                <a:solidFill>
+                  <a:schemeClr val="bg1"/>
+                </a:solidFill>
+              </a:rPr>
+              <a:t>What actually happened on Election Day.</a:t>
+            </a:r>
+          </a:p>
+          <a:p>
+            <a:pPr marL="0" indent="0">
+              <a:buNone/>
+            </a:pPr>
+            <a:endParaRPr lang="en-US" sz="4000" dirty="0">
+              <a:solidFill>
+                <a:schemeClr val="bg1"/>
+              </a:solidFill>
+            </a:endParaRPr>
+          </a:p>
+          <a:p>
+            <a:pPr marL="0" indent="0">
+              <a:buNone/>
+            </a:pPr>
+            <a:r>
+              <a:rPr lang="en-US" sz="4000" dirty="0">
+                <a:solidFill>
+                  <a:schemeClr val="bg1"/>
+                </a:solidFill>
+                <a:hlinkClick r:id="rId7">
+                  <a:extLst>
+                    <a:ext uri="{A12FA001-AC4F-418D-AE19-62706E023703}">
+                      <ahyp:hlinkClr xmlns:ahyp="http://schemas.microsoft.com/office/drawing/2018/hyperlinkcolor" val="tx"/>
+                    </a:ext>
+                  </a:extLst>
+                </a:hlinkClick>
+              </a:rPr>
+              <a:t>Thousands of people have voted early in Minnesota. Here's what to watch.</a:t>
+            </a:r>
+            <a:endParaRPr lang="en-US" sz="4000" dirty="0">
+              <a:solidFill>
+                <a:schemeClr val="bg1"/>
+              </a:solidFill>
+            </a:endParaRPr>
+          </a:p>
+          <a:p>
+            <a:pPr marL="0" indent="0">
+              <a:buNone/>
+            </a:pPr>
+            <a:r>
+              <a:rPr lang="en-US" sz="4000" dirty="0">
+                <a:solidFill>
+                  <a:schemeClr val="bg1"/>
+                </a:solidFill>
+              </a:rPr>
+              <a:t>Tracking an event using data virtually in real time.</a:t>
+            </a:r>
+          </a:p>
+          <a:p>
+            <a:pPr marL="0" indent="0">
+              <a:buNone/>
+            </a:pPr>
+            <a:endParaRPr lang="en-US" sz="4000" dirty="0">
+              <a:solidFill>
+                <a:schemeClr val="bg1"/>
+              </a:solidFill>
+            </a:endParaRPr>
+          </a:p>
+          <a:p>
+            <a:pPr marL="0" indent="0">
+              <a:buNone/>
+            </a:pPr>
+            <a:r>
+              <a:rPr lang="en-US" sz="4000" u="sng" dirty="0">
+                <a:solidFill>
+                  <a:schemeClr val="bg1"/>
+                </a:solidFill>
+                <a:hlinkClick r:id="rId8">
+                  <a:extLst>
+                    <a:ext uri="{A12FA001-AC4F-418D-AE19-62706E023703}">
+                      <ahyp:hlinkClr xmlns:ahyp="http://schemas.microsoft.com/office/drawing/2018/hyperlinkcolor" val="tx"/>
+                    </a:ext>
+                  </a:extLst>
+                </a:hlinkClick>
+              </a:rPr>
+              <a:t>Why you’re hearing so much about Minnesota’s congressional races this fall</a:t>
+            </a:r>
+            <a:endParaRPr lang="en-US" sz="4000" dirty="0">
+              <a:solidFill>
+                <a:schemeClr val="bg1"/>
+              </a:solidFill>
+            </a:endParaRPr>
+          </a:p>
+          <a:p>
+            <a:pPr marL="0" indent="0">
+              <a:buNone/>
+            </a:pPr>
+            <a:r>
+              <a:rPr lang="en-US" sz="4000" dirty="0">
+                <a:solidFill>
+                  <a:schemeClr val="bg1"/>
+                </a:solidFill>
+              </a:rPr>
+              <a:t>What might happen? Wrangling a bunch of data from political forecasters and using it to tell stories about major Minnesota elections</a:t>
+            </a:r>
+            <a:r>
+              <a:rPr lang="en-US" dirty="0">
+                <a:solidFill>
+                  <a:schemeClr val="bg1"/>
+                </a:solidFill>
+              </a:rPr>
+              <a:t> </a:t>
+            </a:r>
+          </a:p>
+          <a:p>
+            <a:pPr marL="0" indent="0">
+              <a:buNone/>
+            </a:pPr>
+            <a:r>
+              <a:rPr lang="en-US" dirty="0">
+                <a:solidFill>
+                  <a:schemeClr val="bg1"/>
+                </a:solidFill>
+              </a:rPr>
+              <a:t> </a:t>
+            </a:r>
+          </a:p>
+          <a:p>
+            <a:pPr marL="0" indent="0">
+              <a:buNone/>
+            </a:pPr>
             <a:endParaRPr lang="en-US" dirty="0">
               <a:solidFill>
                 <a:schemeClr val="bg1"/>
               </a:solidFill>
             </a:endParaRPr>
           </a:p>
-          <a:p>
-            <a:pPr marL="0" indent="0">
-              <a:buNone/>
-            </a:pPr>
-            <a:r>
-              <a:rPr lang="en-US" dirty="0">
-                <a:solidFill>
-                  <a:schemeClr val="bg1"/>
-                </a:solidFill>
-              </a:rPr>
-              <a:t>Home of Minnesota election results going back multiple years</a:t>
+        </p:txBody>
+      </p:sp>
+      <p:sp>
+        <p:nvSpPr>
+          <p:cNvPr id="4" name="TextBox 3">
+            <a:extLst>
+              <a:ext uri="{FF2B5EF4-FFF2-40B4-BE49-F238E27FC236}">
+                <a16:creationId xmlns:a16="http://schemas.microsoft.com/office/drawing/2014/main" id="{905EEC97-25F7-324B-8597-EB0BD6A29ADF}"/>
+              </a:ext>
+            </a:extLst>
+          </p:cNvPr>
+          <p:cNvSpPr txBox="1"/>
+          <p:nvPr/>
+        </p:nvSpPr>
+        <p:spPr>
+          <a:xfrm>
+            <a:off x="4828854" y="1600199"/>
+            <a:ext cx="3667874" cy="3170099"/>
+          </a:xfrm>
+          <a:prstGeom prst="rect">
+            <a:avLst/>
+          </a:prstGeom>
+        </p:spPr>
+        <p:style>
+          <a:lnRef idx="2">
+            <a:schemeClr val="dk1"/>
+          </a:lnRef>
+          <a:fillRef idx="1">
+            <a:schemeClr val="lt1"/>
+          </a:fillRef>
+          <a:effectRef idx="0">
+            <a:schemeClr val="dk1"/>
+          </a:effectRef>
+          <a:fontRef idx="minor">
+            <a:schemeClr val="dk1"/>
+          </a:fontRef>
+        </p:style>
+        <p:txBody>
+          <a:bodyPr wrap="square" rtlCol="0">
+            <a:spAutoFit/>
+          </a:bodyPr>
+          <a:lstStyle/>
+          <a:p>
+            <a:r>
+              <a:rPr lang="en-US" sz="1000" b="1" dirty="0">
+                <a:solidFill>
+                  <a:schemeClr val="bg1"/>
+                </a:solidFill>
+              </a:rPr>
+              <a:t>Fun Things</a:t>
+            </a:r>
+            <a:endParaRPr lang="en-US" sz="1000" dirty="0">
+              <a:solidFill>
+                <a:schemeClr val="bg1"/>
+              </a:solidFill>
+            </a:endParaRPr>
+          </a:p>
+          <a:p>
+            <a:r>
+              <a:rPr lang="en-US" sz="1000" u="sng" dirty="0">
+                <a:solidFill>
+                  <a:schemeClr val="bg1"/>
+                </a:solidFill>
+                <a:hlinkClick r:id="rId9">
+                  <a:extLst>
+                    <a:ext uri="{A12FA001-AC4F-418D-AE19-62706E023703}">
+                      <ahyp:hlinkClr xmlns:ahyp="http://schemas.microsoft.com/office/drawing/2018/hyperlinkcolor" val="tx"/>
+                    </a:ext>
+                  </a:extLst>
+                </a:hlinkClick>
+              </a:rPr>
+              <a:t>Google tracked a year of my life in downtown Minneapolis</a:t>
+            </a:r>
+            <a:r>
+              <a:rPr lang="en-US" sz="1000" dirty="0">
+                <a:solidFill>
+                  <a:schemeClr val="bg1"/>
+                </a:solidFill>
+              </a:rPr>
+              <a:t> </a:t>
+            </a:r>
+          </a:p>
+          <a:p>
+            <a:r>
+              <a:rPr lang="en-US" sz="1000" dirty="0">
+                <a:solidFill>
+                  <a:schemeClr val="bg1"/>
+                </a:solidFill>
+              </a:rPr>
+              <a:t>More and more, individuals are data, and stories can be told about them using numbers</a:t>
+            </a:r>
+          </a:p>
+          <a:p>
+            <a:r>
+              <a:rPr lang="en-US" sz="1000" dirty="0">
+                <a:solidFill>
+                  <a:schemeClr val="bg1"/>
+                </a:solidFill>
+              </a:rPr>
+              <a:t> </a:t>
+            </a:r>
+          </a:p>
+          <a:p>
+            <a:r>
+              <a:rPr lang="en-US" sz="1000" u="sng" dirty="0">
+                <a:solidFill>
+                  <a:schemeClr val="bg1"/>
+                </a:solidFill>
+                <a:hlinkClick r:id="rId10">
+                  <a:extLst>
+                    <a:ext uri="{A12FA001-AC4F-418D-AE19-62706E023703}">
+                      <ahyp:hlinkClr xmlns:ahyp="http://schemas.microsoft.com/office/drawing/2018/hyperlinkcolor" val="tx"/>
+                    </a:ext>
+                  </a:extLst>
+                </a:hlinkClick>
+              </a:rPr>
+              <a:t>Are the Vikings the NFL's most tragic playoff team?</a:t>
+            </a:r>
+            <a:r>
+              <a:rPr lang="en-US" sz="1000" dirty="0">
+                <a:solidFill>
+                  <a:schemeClr val="bg1"/>
+                </a:solidFill>
+              </a:rPr>
+              <a:t> </a:t>
+            </a:r>
+          </a:p>
+          <a:p>
+            <a:r>
+              <a:rPr lang="en-US" sz="1000" dirty="0">
+                <a:solidFill>
+                  <a:schemeClr val="bg1"/>
+                </a:solidFill>
+              </a:rPr>
+              <a:t>Using data to quantify something people generally already know</a:t>
+            </a:r>
+          </a:p>
+          <a:p>
+            <a:r>
+              <a:rPr lang="en-US" sz="1000" dirty="0">
+                <a:solidFill>
+                  <a:schemeClr val="bg1"/>
+                </a:solidFill>
+              </a:rPr>
+              <a:t> </a:t>
+            </a:r>
+          </a:p>
+          <a:p>
+            <a:r>
+              <a:rPr lang="en-US" sz="1000" u="sng" dirty="0">
+                <a:solidFill>
+                  <a:schemeClr val="bg1"/>
+                </a:solidFill>
+                <a:hlinkClick r:id="rId11">
+                  <a:extLst>
+                    <a:ext uri="{A12FA001-AC4F-418D-AE19-62706E023703}">
+                      <ahyp:hlinkClr xmlns:ahyp="http://schemas.microsoft.com/office/drawing/2018/hyperlinkcolor" val="tx"/>
+                    </a:ext>
+                  </a:extLst>
+                </a:hlinkClick>
+              </a:rPr>
+              <a:t>What would the Twin Cities look like as a mega-region?</a:t>
+            </a:r>
+            <a:endParaRPr lang="en-US" sz="1000" dirty="0">
+              <a:solidFill>
+                <a:schemeClr val="bg1"/>
+              </a:solidFill>
+            </a:endParaRPr>
+          </a:p>
+          <a:p>
+            <a:r>
+              <a:rPr lang="en-US" sz="1000" dirty="0">
+                <a:solidFill>
+                  <a:schemeClr val="bg1"/>
+                </a:solidFill>
+              </a:rPr>
+              <a:t>Hypothetical research explained through the lens of actual data</a:t>
+            </a:r>
+          </a:p>
+          <a:p>
+            <a:endParaRPr lang="en-US" sz="1000" dirty="0">
+              <a:solidFill>
+                <a:schemeClr val="bg1"/>
+              </a:solidFill>
+            </a:endParaRPr>
+          </a:p>
+          <a:p>
+            <a:endParaRPr lang="en-US" sz="1000" dirty="0">
+              <a:solidFill>
+                <a:schemeClr val="bg1"/>
+              </a:solidFill>
+            </a:endParaRPr>
+          </a:p>
+          <a:p>
+            <a:r>
+              <a:rPr lang="en-US" sz="1000" b="1" dirty="0">
+                <a:solidFill>
+                  <a:schemeClr val="bg1"/>
+                </a:solidFill>
+              </a:rPr>
+              <a:t>Enterprise Investigations</a:t>
+            </a:r>
+          </a:p>
+          <a:p>
+            <a:r>
+              <a:rPr lang="en-US" sz="1000" u="sng" dirty="0">
+                <a:solidFill>
+                  <a:schemeClr val="bg1"/>
+                </a:solidFill>
+                <a:hlinkClick r:id="rId12">
+                  <a:extLst>
+                    <a:ext uri="{A12FA001-AC4F-418D-AE19-62706E023703}">
+                      <ahyp:hlinkClr xmlns:ahyp="http://schemas.microsoft.com/office/drawing/2018/hyperlinkcolor" val="tx"/>
+                    </a:ext>
+                  </a:extLst>
+                </a:hlinkClick>
+              </a:rPr>
+              <a:t>Fatal police encounters in Minnesota since 2000</a:t>
+            </a:r>
+            <a:r>
+              <a:rPr lang="en-US" sz="1000" dirty="0">
+                <a:solidFill>
+                  <a:schemeClr val="bg1"/>
+                </a:solidFill>
+              </a:rPr>
+              <a:t> </a:t>
+            </a:r>
+          </a:p>
+          <a:p>
+            <a:r>
+              <a:rPr lang="en-US" sz="1000" dirty="0">
+                <a:solidFill>
+                  <a:schemeClr val="bg1"/>
+                </a:solidFill>
+              </a:rPr>
+              <a:t>Creating and maintaining a public resource to track and quantify an ongoing social issue</a:t>
+            </a:r>
+          </a:p>
+          <a:p>
+            <a:r>
+              <a:rPr lang="en-US" sz="1000" dirty="0">
+                <a:solidFill>
+                  <a:schemeClr val="bg1"/>
+                </a:solidFill>
+              </a:rPr>
+              <a:t> </a:t>
+            </a:r>
+          </a:p>
+          <a:p>
+            <a:r>
+              <a:rPr lang="en-US" sz="1000" u="sng" dirty="0">
+                <a:solidFill>
+                  <a:schemeClr val="bg1"/>
+                </a:solidFill>
+                <a:hlinkClick r:id="rId13">
+                  <a:extLst>
+                    <a:ext uri="{A12FA001-AC4F-418D-AE19-62706E023703}">
+                      <ahyp:hlinkClr xmlns:ahyp="http://schemas.microsoft.com/office/drawing/2018/hyperlinkcolor" val="tx"/>
+                    </a:ext>
+                  </a:extLst>
+                </a:hlinkClick>
+              </a:rPr>
+              <a:t>Way Down in the Hole</a:t>
+            </a:r>
+            <a:endParaRPr lang="en-US" sz="1000" dirty="0">
+              <a:solidFill>
+                <a:schemeClr val="bg1"/>
+              </a:solidFill>
+            </a:endParaRPr>
+          </a:p>
+          <a:p>
+            <a:r>
+              <a:rPr lang="en-US" sz="1000" dirty="0">
+                <a:solidFill>
+                  <a:schemeClr val="bg1"/>
+                </a:solidFill>
+              </a:rPr>
+              <a:t>Using data to uncover something not publicly known or private acknowledged</a:t>
             </a:r>
           </a:p>
         </p:txBody>
@@ -6872,7 +6845,7 @@
     </p:spTree>
     <p:extLst>
       <p:ext uri="{BB962C8B-B14F-4D97-AF65-F5344CB8AC3E}">
-        <p14:creationId xmlns:p14="http://schemas.microsoft.com/office/powerpoint/2010/main" val="1757545143"/>
+        <p14:creationId xmlns:p14="http://schemas.microsoft.com/office/powerpoint/2010/main" val="1239489940"/>
       </p:ext>
     </p:extLst>
   </p:cSld>

--- a/data_presentation.pptx
+++ b/data_presentation.pptx
@@ -4896,7 +4896,7 @@
                   <a:schemeClr val="bg1"/>
                 </a:solidFill>
               </a:rPr>
-              <a:t>/2QibXDA</a:t>
+              <a:t>/2tmiZtT</a:t>
             </a:r>
             <a:br>
               <a:rPr lang="en-US" dirty="0">
